--- a/docs/diagrams/StorageComponentClassDiagram.pptx
+++ b/docs/diagrams/StorageComponentClassDiagram.pptx
@@ -107,6 +107,22 @@
       </a:defRPr>
     </a:lvl9pPr>
   </p:defaultTextStyle>
+  <p:extLst>
+    <p:ext uri="{EFAFB233-063F-42B5-8137-9DF3F51BA10A}">
+      <p15:sldGuideLst xmlns:p15="http://schemas.microsoft.com/office/powerpoint/2012/main">
+        <p15:guide id="1" orient="horz" pos="1488">
+          <p15:clr>
+            <a:srgbClr val="A4A3A4"/>
+          </p15:clr>
+        </p15:guide>
+        <p15:guide id="2" pos="2880">
+          <p15:clr>
+            <a:srgbClr val="A4A3A4"/>
+          </p15:clr>
+        </p15:guide>
+      </p15:sldGuideLst>
+    </p:ext>
+  </p:extLst>
 </p:presentation>
 </file>
 
@@ -192,7 +208,7 @@
           <a:p>
             <a:fld id="{F5CC4B3F-88C1-4FFA-B1B6-F41C21DC6924}" type="datetimeFigureOut">
               <a:rPr lang="en-US" smtClean="0"/>
-              <a:t>10/16/2016</a:t>
+              <a:t>3/9/17</a:t>
             </a:fld>
             <a:endParaRPr lang="en-US"/>
           </a:p>
@@ -641,7 +657,7 @@
           <a:p>
             <a:fld id="{78C97017-6FC3-485B-9764-EAC9E56C1D49}" type="datetimeFigureOut">
               <a:rPr lang="en-US" smtClean="0"/>
-              <a:t>10/16/2016</a:t>
+              <a:t>3/9/17</a:t>
             </a:fld>
             <a:endParaRPr lang="en-US"/>
           </a:p>
@@ -811,7 +827,7 @@
           <a:p>
             <a:fld id="{78C97017-6FC3-485B-9764-EAC9E56C1D49}" type="datetimeFigureOut">
               <a:rPr lang="en-US" smtClean="0"/>
-              <a:t>10/16/2016</a:t>
+              <a:t>3/9/17</a:t>
             </a:fld>
             <a:endParaRPr lang="en-US"/>
           </a:p>
@@ -991,7 +1007,7 @@
           <a:p>
             <a:fld id="{78C97017-6FC3-485B-9764-EAC9E56C1D49}" type="datetimeFigureOut">
               <a:rPr lang="en-US" smtClean="0"/>
-              <a:t>10/16/2016</a:t>
+              <a:t>3/9/17</a:t>
             </a:fld>
             <a:endParaRPr lang="en-US"/>
           </a:p>
@@ -1161,7 +1177,7 @@
           <a:p>
             <a:fld id="{78C97017-6FC3-485B-9764-EAC9E56C1D49}" type="datetimeFigureOut">
               <a:rPr lang="en-US" smtClean="0"/>
-              <a:t>10/16/2016</a:t>
+              <a:t>3/9/17</a:t>
             </a:fld>
             <a:endParaRPr lang="en-US"/>
           </a:p>
@@ -1407,7 +1423,7 @@
           <a:p>
             <a:fld id="{78C97017-6FC3-485B-9764-EAC9E56C1D49}" type="datetimeFigureOut">
               <a:rPr lang="en-US" smtClean="0"/>
-              <a:t>10/16/2016</a:t>
+              <a:t>3/9/17</a:t>
             </a:fld>
             <a:endParaRPr lang="en-US"/>
           </a:p>
@@ -1695,7 +1711,7 @@
           <a:p>
             <a:fld id="{78C97017-6FC3-485B-9764-EAC9E56C1D49}" type="datetimeFigureOut">
               <a:rPr lang="en-US" smtClean="0"/>
-              <a:t>10/16/2016</a:t>
+              <a:t>3/9/17</a:t>
             </a:fld>
             <a:endParaRPr lang="en-US"/>
           </a:p>
@@ -2117,7 +2133,7 @@
           <a:p>
             <a:fld id="{78C97017-6FC3-485B-9764-EAC9E56C1D49}" type="datetimeFigureOut">
               <a:rPr lang="en-US" smtClean="0"/>
-              <a:t>10/16/2016</a:t>
+              <a:t>3/9/17</a:t>
             </a:fld>
             <a:endParaRPr lang="en-US"/>
           </a:p>
@@ -2235,7 +2251,7 @@
           <a:p>
             <a:fld id="{78C97017-6FC3-485B-9764-EAC9E56C1D49}" type="datetimeFigureOut">
               <a:rPr lang="en-US" smtClean="0"/>
-              <a:t>10/16/2016</a:t>
+              <a:t>3/9/17</a:t>
             </a:fld>
             <a:endParaRPr lang="en-US"/>
           </a:p>
@@ -2330,7 +2346,7 @@
           <a:p>
             <a:fld id="{78C97017-6FC3-485B-9764-EAC9E56C1D49}" type="datetimeFigureOut">
               <a:rPr lang="en-US" smtClean="0"/>
-              <a:t>10/16/2016</a:t>
+              <a:t>3/9/17</a:t>
             </a:fld>
             <a:endParaRPr lang="en-US"/>
           </a:p>
@@ -2607,7 +2623,7 @@
           <a:p>
             <a:fld id="{78C97017-6FC3-485B-9764-EAC9E56C1D49}" type="datetimeFigureOut">
               <a:rPr lang="en-US" smtClean="0"/>
-              <a:t>10/16/2016</a:t>
+              <a:t>3/9/17</a:t>
             </a:fld>
             <a:endParaRPr lang="en-US"/>
           </a:p>
@@ -2860,7 +2876,7 @@
           <a:p>
             <a:fld id="{78C97017-6FC3-485B-9764-EAC9E56C1D49}" type="datetimeFigureOut">
               <a:rPr lang="en-US" smtClean="0"/>
-              <a:t>10/16/2016</a:t>
+              <a:t>3/9/17</a:t>
             </a:fld>
             <a:endParaRPr lang="en-US"/>
           </a:p>
@@ -3073,7 +3089,7 @@
           <a:p>
             <a:fld id="{78C97017-6FC3-485B-9764-EAC9E56C1D49}" type="datetimeFigureOut">
               <a:rPr lang="en-US" smtClean="0"/>
-              <a:t>10/16/2016</a:t>
+              <a:t>3/9/17</a:t>
             </a:fld>
             <a:endParaRPr lang="en-US"/>
           </a:p>
@@ -3521,8 +3537,8 @@
         </p:nvSpPr>
         <p:spPr>
           <a:xfrm>
-            <a:off x="2877180" y="3158440"/>
-            <a:ext cx="1323049" cy="346760"/>
+            <a:off x="2877179" y="3158440"/>
+            <a:ext cx="1371527" cy="346760"/>
           </a:xfrm>
           <a:prstGeom prst="rect">
             <a:avLst/>
@@ -3576,12 +3592,20 @@
               </a:rPr>
             </a:br>
             <a:r>
+              <a:rPr lang="en-US" altLang="zh-CN" sz="1050" dirty="0" err="1" smtClean="0">
+                <a:solidFill>
+                  <a:schemeClr val="bg1"/>
+                </a:solidFill>
+              </a:rPr>
+              <a:t>TaskManager</a:t>
+            </a:r>
+            <a:r>
               <a:rPr lang="en-US" sz="1050" dirty="0" err="1" smtClean="0">
                 <a:solidFill>
                   <a:schemeClr val="bg1"/>
                 </a:solidFill>
               </a:rPr>
-              <a:t>AddressBookStorage</a:t>
+              <a:t>Storage</a:t>
             </a:r>
             <a:endParaRPr lang="en-SG" sz="1050" dirty="0">
               <a:solidFill>
@@ -3795,7 +3819,7 @@
         <p:spPr>
           <a:xfrm>
             <a:off x="2656370" y="3326536"/>
-            <a:ext cx="220810" cy="5284"/>
+            <a:ext cx="220809" cy="5284"/>
           </a:xfrm>
           <a:prstGeom prst="straightConnector1">
             <a:avLst/>
@@ -3974,8 +3998,8 @@
         </p:nvCxnSpPr>
         <p:spPr>
           <a:xfrm flipV="1">
-            <a:off x="4398041" y="3331820"/>
-            <a:ext cx="223324" cy="1"/>
+            <a:off x="4441111" y="3331820"/>
+            <a:ext cx="180254" cy="18270"/>
           </a:xfrm>
           <a:prstGeom prst="bentConnector3">
             <a:avLst>
@@ -4017,7 +4041,7 @@
         </p:nvSpPr>
         <p:spPr>
           <a:xfrm rot="5400000" flipV="1">
-            <a:off x="4175027" y="3244059"/>
+            <a:off x="4218097" y="3262328"/>
             <a:ext cx="270504" cy="175523"/>
           </a:xfrm>
           <a:prstGeom prst="triangle">
@@ -4154,7 +4178,17 @@
                   </a:schemeClr>
                 </a:solidFill>
               </a:rPr>
-              <a:t>XmlAddressBook</a:t>
+              <a:t>Xml</a:t>
+            </a:r>
+            <a:r>
+              <a:rPr lang="en-US" altLang="zh-CN" sz="1050" b="1" dirty="0" err="1" smtClean="0">
+                <a:solidFill>
+                  <a:schemeClr val="accent6">
+                    <a:lumMod val="75000"/>
+                  </a:schemeClr>
+                </a:solidFill>
+              </a:rPr>
+              <a:t>TaskManager</a:t>
             </a:r>
             <a:r>
               <a:rPr lang="en-US" sz="1050" b="1" dirty="0" smtClean="0">
@@ -4620,14 +4654,14 @@
               </a:rPr>
             </a:br>
             <a:r>
-              <a:rPr lang="en-US" sz="1050" b="1" dirty="0" err="1" smtClean="0">
+              <a:rPr lang="en-US" altLang="zh-CN" sz="1050" b="1" dirty="0" err="1" smtClean="0">
                 <a:solidFill>
                   <a:schemeClr val="accent6">
                     <a:lumMod val="75000"/>
                   </a:schemeClr>
                 </a:solidFill>
               </a:rPr>
-              <a:t>AddressBook</a:t>
+              <a:t>TaskManager</a:t>
             </a:r>
             <a:endParaRPr lang="en-SG" sz="1050" b="1" dirty="0">
               <a:solidFill>
@@ -4780,7 +4814,17 @@
                   </a:schemeClr>
                 </a:solidFill>
               </a:rPr>
-              <a:t>XmlAdaptedPerson</a:t>
+              <a:t>XmlAdapted</a:t>
+            </a:r>
+            <a:r>
+              <a:rPr lang="en-US" altLang="zh-CN" sz="1050" b="1" dirty="0" err="1" smtClean="0">
+                <a:solidFill>
+                  <a:schemeClr val="accent6">
+                    <a:lumMod val="75000"/>
+                  </a:schemeClr>
+                </a:solidFill>
+              </a:rPr>
+              <a:t>Task</a:t>
             </a:r>
             <a:endParaRPr lang="en-SG" sz="1050" b="1" dirty="0">
               <a:solidFill>

--- a/docs/diagrams/StorageComponentClassDiagram.pptx
+++ b/docs/diagrams/StorageComponentClassDiagram.pptx
@@ -107,6 +107,22 @@
       </a:defRPr>
     </a:lvl9pPr>
   </p:defaultTextStyle>
+  <p:extLst>
+    <p:ext uri="{EFAFB233-063F-42B5-8137-9DF3F51BA10A}">
+      <p15:sldGuideLst xmlns:p15="http://schemas.microsoft.com/office/powerpoint/2012/main">
+        <p15:guide id="1" orient="horz" pos="1488">
+          <p15:clr>
+            <a:srgbClr val="A4A3A4"/>
+          </p15:clr>
+        </p15:guide>
+        <p15:guide id="2" pos="2880">
+          <p15:clr>
+            <a:srgbClr val="A4A3A4"/>
+          </p15:clr>
+        </p15:guide>
+      </p15:sldGuideLst>
+    </p:ext>
+  </p:extLst>
 </p:presentation>
 </file>
 
@@ -192,7 +208,7 @@
           <a:p>
             <a:fld id="{F5CC4B3F-88C1-4FFA-B1B6-F41C21DC6924}" type="datetimeFigureOut">
               <a:rPr lang="en-US" smtClean="0"/>
-              <a:t>10/16/2016</a:t>
+              <a:t>3/10/17</a:t>
             </a:fld>
             <a:endParaRPr lang="en-US"/>
           </a:p>
@@ -641,7 +657,7 @@
           <a:p>
             <a:fld id="{78C97017-6FC3-485B-9764-EAC9E56C1D49}" type="datetimeFigureOut">
               <a:rPr lang="en-US" smtClean="0"/>
-              <a:t>10/16/2016</a:t>
+              <a:t>3/10/17</a:t>
             </a:fld>
             <a:endParaRPr lang="en-US"/>
           </a:p>
@@ -811,7 +827,7 @@
           <a:p>
             <a:fld id="{78C97017-6FC3-485B-9764-EAC9E56C1D49}" type="datetimeFigureOut">
               <a:rPr lang="en-US" smtClean="0"/>
-              <a:t>10/16/2016</a:t>
+              <a:t>3/10/17</a:t>
             </a:fld>
             <a:endParaRPr lang="en-US"/>
           </a:p>
@@ -991,7 +1007,7 @@
           <a:p>
             <a:fld id="{78C97017-6FC3-485B-9764-EAC9E56C1D49}" type="datetimeFigureOut">
               <a:rPr lang="en-US" smtClean="0"/>
-              <a:t>10/16/2016</a:t>
+              <a:t>3/10/17</a:t>
             </a:fld>
             <a:endParaRPr lang="en-US"/>
           </a:p>
@@ -1161,7 +1177,7 @@
           <a:p>
             <a:fld id="{78C97017-6FC3-485B-9764-EAC9E56C1D49}" type="datetimeFigureOut">
               <a:rPr lang="en-US" smtClean="0"/>
-              <a:t>10/16/2016</a:t>
+              <a:t>3/10/17</a:t>
             </a:fld>
             <a:endParaRPr lang="en-US"/>
           </a:p>
@@ -1407,7 +1423,7 @@
           <a:p>
             <a:fld id="{78C97017-6FC3-485B-9764-EAC9E56C1D49}" type="datetimeFigureOut">
               <a:rPr lang="en-US" smtClean="0"/>
-              <a:t>10/16/2016</a:t>
+              <a:t>3/10/17</a:t>
             </a:fld>
             <a:endParaRPr lang="en-US"/>
           </a:p>
@@ -1695,7 +1711,7 @@
           <a:p>
             <a:fld id="{78C97017-6FC3-485B-9764-EAC9E56C1D49}" type="datetimeFigureOut">
               <a:rPr lang="en-US" smtClean="0"/>
-              <a:t>10/16/2016</a:t>
+              <a:t>3/10/17</a:t>
             </a:fld>
             <a:endParaRPr lang="en-US"/>
           </a:p>
@@ -2117,7 +2133,7 @@
           <a:p>
             <a:fld id="{78C97017-6FC3-485B-9764-EAC9E56C1D49}" type="datetimeFigureOut">
               <a:rPr lang="en-US" smtClean="0"/>
-              <a:t>10/16/2016</a:t>
+              <a:t>3/10/17</a:t>
             </a:fld>
             <a:endParaRPr lang="en-US"/>
           </a:p>
@@ -2235,7 +2251,7 @@
           <a:p>
             <a:fld id="{78C97017-6FC3-485B-9764-EAC9E56C1D49}" type="datetimeFigureOut">
               <a:rPr lang="en-US" smtClean="0"/>
-              <a:t>10/16/2016</a:t>
+              <a:t>3/10/17</a:t>
             </a:fld>
             <a:endParaRPr lang="en-US"/>
           </a:p>
@@ -2330,7 +2346,7 @@
           <a:p>
             <a:fld id="{78C97017-6FC3-485B-9764-EAC9E56C1D49}" type="datetimeFigureOut">
               <a:rPr lang="en-US" smtClean="0"/>
-              <a:t>10/16/2016</a:t>
+              <a:t>3/10/17</a:t>
             </a:fld>
             <a:endParaRPr lang="en-US"/>
           </a:p>
@@ -2607,7 +2623,7 @@
           <a:p>
             <a:fld id="{78C97017-6FC3-485B-9764-EAC9E56C1D49}" type="datetimeFigureOut">
               <a:rPr lang="en-US" smtClean="0"/>
-              <a:t>10/16/2016</a:t>
+              <a:t>3/10/17</a:t>
             </a:fld>
             <a:endParaRPr lang="en-US"/>
           </a:p>
@@ -2860,7 +2876,7 @@
           <a:p>
             <a:fld id="{78C97017-6FC3-485B-9764-EAC9E56C1D49}" type="datetimeFigureOut">
               <a:rPr lang="en-US" smtClean="0"/>
-              <a:t>10/16/2016</a:t>
+              <a:t>3/10/17</a:t>
             </a:fld>
             <a:endParaRPr lang="en-US"/>
           </a:p>
@@ -3073,7 +3089,7 @@
           <a:p>
             <a:fld id="{78C97017-6FC3-485B-9764-EAC9E56C1D49}" type="datetimeFigureOut">
               <a:rPr lang="en-US" smtClean="0"/>
-              <a:t>10/16/2016</a:t>
+              <a:t>3/10/17</a:t>
             </a:fld>
             <a:endParaRPr lang="en-US"/>
           </a:p>
@@ -3521,8 +3537,8 @@
         </p:nvSpPr>
         <p:spPr>
           <a:xfrm>
-            <a:off x="2877180" y="3158440"/>
-            <a:ext cx="1323049" cy="346760"/>
+            <a:off x="2850272" y="3158440"/>
+            <a:ext cx="1349958" cy="346760"/>
           </a:xfrm>
           <a:prstGeom prst="rect">
             <a:avLst/>
@@ -3581,7 +3597,7 @@
                   <a:schemeClr val="bg1"/>
                 </a:solidFill>
               </a:rPr>
-              <a:t>AddressBookStorage</a:t>
+              <a:t>TaskManagerStorage</a:t>
             </a:r>
             <a:endParaRPr lang="en-SG" sz="1050" dirty="0">
               <a:solidFill>
@@ -3599,7 +3615,7 @@
         </p:nvSpPr>
         <p:spPr>
           <a:xfrm rot="16200000">
-            <a:off x="1683963" y="2868687"/>
+            <a:off x="1612072" y="2868687"/>
             <a:ext cx="1093635" cy="346760"/>
           </a:xfrm>
           <a:prstGeom prst="rect">
@@ -3662,7 +3678,7 @@
         </p:nvSpPr>
         <p:spPr>
           <a:xfrm rot="16200000">
-            <a:off x="956202" y="2861202"/>
+            <a:off x="884311" y="2861202"/>
             <a:ext cx="1093635" cy="346760"/>
           </a:xfrm>
           <a:prstGeom prst="rect">
@@ -3736,7 +3752,7 @@
         </p:nvSpPr>
         <p:spPr>
           <a:xfrm rot="16200000">
-            <a:off x="1626910" y="2952291"/>
+            <a:off x="1555019" y="2952291"/>
             <a:ext cx="270504" cy="175523"/>
           </a:xfrm>
           <a:prstGeom prst="triangle">
@@ -3786,15 +3802,12 @@
       <p:cxnSp>
         <p:nvCxnSpPr>
           <p:cNvPr id="58" name="Straight Arrow Connector 57"/>
-          <p:cNvCxnSpPr>
-            <a:stCxn id="42" idx="3"/>
-            <a:endCxn id="2" idx="1"/>
-          </p:cNvCxnSpPr>
+          <p:cNvCxnSpPr/>
           <p:nvPr/>
         </p:nvCxnSpPr>
         <p:spPr>
           <a:xfrm>
-            <a:off x="2656370" y="3326536"/>
+            <a:off x="2590800" y="3326536"/>
             <a:ext cx="220810" cy="5284"/>
           </a:xfrm>
           <a:prstGeom prst="straightConnector1">
@@ -3834,7 +3847,7 @@
         </p:nvCxnSpPr>
         <p:spPr>
           <a:xfrm>
-            <a:off x="910091" y="3040053"/>
+            <a:off x="838200" y="3040053"/>
             <a:ext cx="419548" cy="2860"/>
           </a:xfrm>
           <a:prstGeom prst="bentConnector3">
@@ -3879,7 +3892,7 @@
         </p:nvCxnSpPr>
         <p:spPr>
           <a:xfrm flipV="1">
-            <a:off x="1849924" y="3040052"/>
+            <a:off x="1778033" y="3040052"/>
             <a:ext cx="216105" cy="1"/>
           </a:xfrm>
           <a:prstGeom prst="line">
@@ -3920,7 +3933,7 @@
         </p:nvSpPr>
         <p:spPr>
           <a:xfrm>
-            <a:off x="2420322" y="3239846"/>
+            <a:off x="2362542" y="3239846"/>
             <a:ext cx="236048" cy="173380"/>
           </a:xfrm>
           <a:prstGeom prst="flowChartDecision">
@@ -4154,7 +4167,7 @@
                   </a:schemeClr>
                 </a:solidFill>
               </a:rPr>
-              <a:t>XmlAddressBook</a:t>
+              <a:t>XmlTaskManager</a:t>
             </a:r>
             <a:r>
               <a:rPr lang="en-US" sz="1050" b="1" dirty="0" smtClean="0">
@@ -4203,8 +4216,8 @@
         </p:nvSpPr>
         <p:spPr>
           <a:xfrm>
-            <a:off x="2873943" y="2558040"/>
-            <a:ext cx="1323049" cy="346760"/>
+            <a:off x="2850271" y="2558040"/>
+            <a:ext cx="1346721" cy="346760"/>
           </a:xfrm>
           <a:prstGeom prst="rect">
             <a:avLst/>
@@ -4276,15 +4289,12 @@
       <p:cxnSp>
         <p:nvCxnSpPr>
           <p:cNvPr id="54" name="Straight Arrow Connector 53"/>
-          <p:cNvCxnSpPr>
-            <a:stCxn id="56" idx="3"/>
-            <a:endCxn id="52" idx="1"/>
-          </p:cNvCxnSpPr>
+          <p:cNvCxnSpPr/>
           <p:nvPr/>
         </p:nvCxnSpPr>
         <p:spPr>
           <a:xfrm>
-            <a:off x="2653133" y="2726136"/>
+            <a:off x="2590800" y="2726136"/>
             <a:ext cx="220810" cy="5284"/>
           </a:xfrm>
           <a:prstGeom prst="straightConnector1">
@@ -4324,7 +4334,7 @@
         </p:nvSpPr>
         <p:spPr>
           <a:xfrm>
-            <a:off x="2417085" y="2639446"/>
+            <a:off x="2359305" y="2639446"/>
             <a:ext cx="236048" cy="173380"/>
           </a:xfrm>
           <a:prstGeom prst="flowChartDecision">
@@ -4627,7 +4637,7 @@
                   </a:schemeClr>
                 </a:solidFill>
               </a:rPr>
-              <a:t>AddressBook</a:t>
+              <a:t>TaskManager</a:t>
             </a:r>
             <a:endParaRPr lang="en-SG" sz="1050" b="1" dirty="0">
               <a:solidFill>
@@ -4780,7 +4790,7 @@
                   </a:schemeClr>
                 </a:solidFill>
               </a:rPr>
-              <a:t>XmlAdaptedPerson</a:t>
+              <a:t>XmlAdaptedTask</a:t>
             </a:r>
             <a:endParaRPr lang="en-SG" sz="1050" b="1" dirty="0">
               <a:solidFill>

--- a/docs/diagrams/StorageComponentClassDiagram.pptx
+++ b/docs/diagrams/StorageComponentClassDiagram.pptx
@@ -107,6 +107,22 @@
       </a:defRPr>
     </a:lvl9pPr>
   </p:defaultTextStyle>
+  <p:extLst>
+    <p:ext uri="{EFAFB233-063F-42B5-8137-9DF3F51BA10A}">
+      <p15:sldGuideLst xmlns:p15="http://schemas.microsoft.com/office/powerpoint/2012/main">
+        <p15:guide id="1" orient="horz" pos="1488">
+          <p15:clr>
+            <a:srgbClr val="A4A3A4"/>
+          </p15:clr>
+        </p15:guide>
+        <p15:guide id="2" pos="2880">
+          <p15:clr>
+            <a:srgbClr val="A4A3A4"/>
+          </p15:clr>
+        </p15:guide>
+      </p15:sldGuideLst>
+    </p:ext>
+  </p:extLst>
 </p:presentation>
 </file>
 
@@ -192,7 +208,7 @@
           <a:p>
             <a:fld id="{F5CC4B3F-88C1-4FFA-B1B6-F41C21DC6924}" type="datetimeFigureOut">
               <a:rPr lang="en-US" smtClean="0"/>
-              <a:t>10/16/2016</a:t>
+              <a:t>3/10/2017</a:t>
             </a:fld>
             <a:endParaRPr lang="en-US"/>
           </a:p>
@@ -256,38 +272,37 @@
           <a:p>
             <a:pPr lvl="0"/>
             <a:r>
-              <a:rPr lang="en-US" smtClean="0"/>
+              <a:rPr lang="en-US"/>
               <a:t>Click to edit Master text styles</a:t>
             </a:r>
           </a:p>
           <a:p>
             <a:pPr lvl="1"/>
             <a:r>
-              <a:rPr lang="en-US" smtClean="0"/>
+              <a:rPr lang="en-US"/>
               <a:t>Second level</a:t>
             </a:r>
           </a:p>
           <a:p>
             <a:pPr lvl="2"/>
             <a:r>
-              <a:rPr lang="en-US" smtClean="0"/>
+              <a:rPr lang="en-US"/>
               <a:t>Third level</a:t>
             </a:r>
           </a:p>
           <a:p>
             <a:pPr lvl="3"/>
             <a:r>
-              <a:rPr lang="en-US" smtClean="0"/>
+              <a:rPr lang="en-US"/>
               <a:t>Fourth level</a:t>
             </a:r>
           </a:p>
           <a:p>
             <a:pPr lvl="4"/>
             <a:r>
-              <a:rPr lang="en-US" smtClean="0"/>
+              <a:rPr lang="en-US"/>
               <a:t>Fifth level</a:t>
             </a:r>
-            <a:endParaRPr lang="en-US"/>
           </a:p>
         </p:txBody>
       </p:sp>
@@ -498,10 +513,9 @@
           <a:lstStyle/>
           <a:p>
             <a:r>
-              <a:rPr lang="en-US" smtClean="0"/>
+              <a:rPr lang="en-US"/>
               <a:t>Click to edit Master title style</a:t>
             </a:r>
-            <a:endParaRPr lang="en-US"/>
           </a:p>
         </p:txBody>
       </p:sp>
@@ -617,10 +631,9 @@
           </a:lstStyle>
           <a:p>
             <a:r>
-              <a:rPr lang="en-US" smtClean="0"/>
+              <a:rPr lang="en-US"/>
               <a:t>Click to edit Master subtitle style</a:t>
             </a:r>
-            <a:endParaRPr lang="en-US"/>
           </a:p>
         </p:txBody>
       </p:sp>
@@ -641,7 +654,7 @@
           <a:p>
             <a:fld id="{78C97017-6FC3-485B-9764-EAC9E56C1D49}" type="datetimeFigureOut">
               <a:rPr lang="en-US" smtClean="0"/>
-              <a:t>10/16/2016</a:t>
+              <a:t>3/10/2017</a:t>
             </a:fld>
             <a:endParaRPr lang="en-US"/>
           </a:p>
@@ -735,10 +748,9 @@
           <a:lstStyle/>
           <a:p>
             <a:r>
-              <a:rPr lang="en-US" smtClean="0"/>
+              <a:rPr lang="en-US"/>
               <a:t>Click to edit Master title style</a:t>
             </a:r>
-            <a:endParaRPr lang="en-US"/>
           </a:p>
         </p:txBody>
       </p:sp>
@@ -759,38 +771,37 @@
           <a:p>
             <a:pPr lvl="0"/>
             <a:r>
-              <a:rPr lang="en-US" smtClean="0"/>
+              <a:rPr lang="en-US"/>
               <a:t>Click to edit Master text styles</a:t>
             </a:r>
           </a:p>
           <a:p>
             <a:pPr lvl="1"/>
             <a:r>
-              <a:rPr lang="en-US" smtClean="0"/>
+              <a:rPr lang="en-US"/>
               <a:t>Second level</a:t>
             </a:r>
           </a:p>
           <a:p>
             <a:pPr lvl="2"/>
             <a:r>
-              <a:rPr lang="en-US" smtClean="0"/>
+              <a:rPr lang="en-US"/>
               <a:t>Third level</a:t>
             </a:r>
           </a:p>
           <a:p>
             <a:pPr lvl="3"/>
             <a:r>
-              <a:rPr lang="en-US" smtClean="0"/>
+              <a:rPr lang="en-US"/>
               <a:t>Fourth level</a:t>
             </a:r>
           </a:p>
           <a:p>
             <a:pPr lvl="4"/>
             <a:r>
-              <a:rPr lang="en-US" smtClean="0"/>
+              <a:rPr lang="en-US"/>
               <a:t>Fifth level</a:t>
             </a:r>
-            <a:endParaRPr lang="en-US"/>
           </a:p>
         </p:txBody>
       </p:sp>
@@ -811,7 +822,7 @@
           <a:p>
             <a:fld id="{78C97017-6FC3-485B-9764-EAC9E56C1D49}" type="datetimeFigureOut">
               <a:rPr lang="en-US" smtClean="0"/>
-              <a:t>10/16/2016</a:t>
+              <a:t>3/10/2017</a:t>
             </a:fld>
             <a:endParaRPr lang="en-US"/>
           </a:p>
@@ -910,10 +921,9 @@
           <a:lstStyle/>
           <a:p>
             <a:r>
-              <a:rPr lang="en-US" smtClean="0"/>
+              <a:rPr lang="en-US"/>
               <a:t>Click to edit Master title style</a:t>
             </a:r>
-            <a:endParaRPr lang="en-US"/>
           </a:p>
         </p:txBody>
       </p:sp>
@@ -939,38 +949,37 @@
           <a:p>
             <a:pPr lvl="0"/>
             <a:r>
-              <a:rPr lang="en-US" smtClean="0"/>
+              <a:rPr lang="en-US"/>
               <a:t>Click to edit Master text styles</a:t>
             </a:r>
           </a:p>
           <a:p>
             <a:pPr lvl="1"/>
             <a:r>
-              <a:rPr lang="en-US" smtClean="0"/>
+              <a:rPr lang="en-US"/>
               <a:t>Second level</a:t>
             </a:r>
           </a:p>
           <a:p>
             <a:pPr lvl="2"/>
             <a:r>
-              <a:rPr lang="en-US" smtClean="0"/>
+              <a:rPr lang="en-US"/>
               <a:t>Third level</a:t>
             </a:r>
           </a:p>
           <a:p>
             <a:pPr lvl="3"/>
             <a:r>
-              <a:rPr lang="en-US" smtClean="0"/>
+              <a:rPr lang="en-US"/>
               <a:t>Fourth level</a:t>
             </a:r>
           </a:p>
           <a:p>
             <a:pPr lvl="4"/>
             <a:r>
-              <a:rPr lang="en-US" smtClean="0"/>
+              <a:rPr lang="en-US"/>
               <a:t>Fifth level</a:t>
             </a:r>
-            <a:endParaRPr lang="en-US"/>
           </a:p>
         </p:txBody>
       </p:sp>
@@ -991,7 +1000,7 @@
           <a:p>
             <a:fld id="{78C97017-6FC3-485B-9764-EAC9E56C1D49}" type="datetimeFigureOut">
               <a:rPr lang="en-US" smtClean="0"/>
-              <a:t>10/16/2016</a:t>
+              <a:t>3/10/2017</a:t>
             </a:fld>
             <a:endParaRPr lang="en-US"/>
           </a:p>
@@ -1085,10 +1094,9 @@
           <a:lstStyle/>
           <a:p>
             <a:r>
-              <a:rPr lang="en-US" smtClean="0"/>
+              <a:rPr lang="en-US"/>
               <a:t>Click to edit Master title style</a:t>
             </a:r>
-            <a:endParaRPr lang="en-US"/>
           </a:p>
         </p:txBody>
       </p:sp>
@@ -1109,38 +1117,37 @@
           <a:p>
             <a:pPr lvl="0"/>
             <a:r>
-              <a:rPr lang="en-US" smtClean="0"/>
+              <a:rPr lang="en-US"/>
               <a:t>Click to edit Master text styles</a:t>
             </a:r>
           </a:p>
           <a:p>
             <a:pPr lvl="1"/>
             <a:r>
-              <a:rPr lang="en-US" smtClean="0"/>
+              <a:rPr lang="en-US"/>
               <a:t>Second level</a:t>
             </a:r>
           </a:p>
           <a:p>
             <a:pPr lvl="2"/>
             <a:r>
-              <a:rPr lang="en-US" smtClean="0"/>
+              <a:rPr lang="en-US"/>
               <a:t>Third level</a:t>
             </a:r>
           </a:p>
           <a:p>
             <a:pPr lvl="3"/>
             <a:r>
-              <a:rPr lang="en-US" smtClean="0"/>
+              <a:rPr lang="en-US"/>
               <a:t>Fourth level</a:t>
             </a:r>
           </a:p>
           <a:p>
             <a:pPr lvl="4"/>
             <a:r>
-              <a:rPr lang="en-US" smtClean="0"/>
+              <a:rPr lang="en-US"/>
               <a:t>Fifth level</a:t>
             </a:r>
-            <a:endParaRPr lang="en-US"/>
           </a:p>
         </p:txBody>
       </p:sp>
@@ -1161,7 +1168,7 @@
           <a:p>
             <a:fld id="{78C97017-6FC3-485B-9764-EAC9E56C1D49}" type="datetimeFigureOut">
               <a:rPr lang="en-US" smtClean="0"/>
-              <a:t>10/16/2016</a:t>
+              <a:t>3/10/2017</a:t>
             </a:fld>
             <a:endParaRPr lang="en-US"/>
           </a:p>
@@ -1264,10 +1271,9 @@
           </a:lstStyle>
           <a:p>
             <a:r>
-              <a:rPr lang="en-US" smtClean="0"/>
+              <a:rPr lang="en-US"/>
               <a:t>Click to edit Master title style</a:t>
             </a:r>
-            <a:endParaRPr lang="en-US"/>
           </a:p>
         </p:txBody>
       </p:sp>
@@ -1384,7 +1390,7 @@
           <a:p>
             <a:pPr lvl="0"/>
             <a:r>
-              <a:rPr lang="en-US" smtClean="0"/>
+              <a:rPr lang="en-US"/>
               <a:t>Click to edit Master text styles</a:t>
             </a:r>
           </a:p>
@@ -1407,7 +1413,7 @@
           <a:p>
             <a:fld id="{78C97017-6FC3-485B-9764-EAC9E56C1D49}" type="datetimeFigureOut">
               <a:rPr lang="en-US" smtClean="0"/>
-              <a:t>10/16/2016</a:t>
+              <a:t>3/10/2017</a:t>
             </a:fld>
             <a:endParaRPr lang="en-US"/>
           </a:p>
@@ -1501,10 +1507,9 @@
           <a:lstStyle/>
           <a:p>
             <a:r>
-              <a:rPr lang="en-US" smtClean="0"/>
+              <a:rPr lang="en-US"/>
               <a:t>Click to edit Master title style</a:t>
             </a:r>
-            <a:endParaRPr lang="en-US"/>
           </a:p>
         </p:txBody>
       </p:sp>
@@ -1558,38 +1563,37 @@
           <a:p>
             <a:pPr lvl="0"/>
             <a:r>
-              <a:rPr lang="en-US" smtClean="0"/>
+              <a:rPr lang="en-US"/>
               <a:t>Click to edit Master text styles</a:t>
             </a:r>
           </a:p>
           <a:p>
             <a:pPr lvl="1"/>
             <a:r>
-              <a:rPr lang="en-US" smtClean="0"/>
+              <a:rPr lang="en-US"/>
               <a:t>Second level</a:t>
             </a:r>
           </a:p>
           <a:p>
             <a:pPr lvl="2"/>
             <a:r>
-              <a:rPr lang="en-US" smtClean="0"/>
+              <a:rPr lang="en-US"/>
               <a:t>Third level</a:t>
             </a:r>
           </a:p>
           <a:p>
             <a:pPr lvl="3"/>
             <a:r>
-              <a:rPr lang="en-US" smtClean="0"/>
+              <a:rPr lang="en-US"/>
               <a:t>Fourth level</a:t>
             </a:r>
           </a:p>
           <a:p>
             <a:pPr lvl="4"/>
             <a:r>
-              <a:rPr lang="en-US" smtClean="0"/>
+              <a:rPr lang="en-US"/>
               <a:t>Fifth level</a:t>
             </a:r>
-            <a:endParaRPr lang="en-US"/>
           </a:p>
         </p:txBody>
       </p:sp>
@@ -1643,38 +1647,37 @@
           <a:p>
             <a:pPr lvl="0"/>
             <a:r>
-              <a:rPr lang="en-US" smtClean="0"/>
+              <a:rPr lang="en-US"/>
               <a:t>Click to edit Master text styles</a:t>
             </a:r>
           </a:p>
           <a:p>
             <a:pPr lvl="1"/>
             <a:r>
-              <a:rPr lang="en-US" smtClean="0"/>
+              <a:rPr lang="en-US"/>
               <a:t>Second level</a:t>
             </a:r>
           </a:p>
           <a:p>
             <a:pPr lvl="2"/>
             <a:r>
-              <a:rPr lang="en-US" smtClean="0"/>
+              <a:rPr lang="en-US"/>
               <a:t>Third level</a:t>
             </a:r>
           </a:p>
           <a:p>
             <a:pPr lvl="3"/>
             <a:r>
-              <a:rPr lang="en-US" smtClean="0"/>
+              <a:rPr lang="en-US"/>
               <a:t>Fourth level</a:t>
             </a:r>
           </a:p>
           <a:p>
             <a:pPr lvl="4"/>
             <a:r>
-              <a:rPr lang="en-US" smtClean="0"/>
+              <a:rPr lang="en-US"/>
               <a:t>Fifth level</a:t>
             </a:r>
-            <a:endParaRPr lang="en-US"/>
           </a:p>
         </p:txBody>
       </p:sp>
@@ -1695,7 +1698,7 @@
           <a:p>
             <a:fld id="{78C97017-6FC3-485B-9764-EAC9E56C1D49}" type="datetimeFigureOut">
               <a:rPr lang="en-US" smtClean="0"/>
-              <a:t>10/16/2016</a:t>
+              <a:t>3/10/2017</a:t>
             </a:fld>
             <a:endParaRPr lang="en-US"/>
           </a:p>
@@ -1793,10 +1796,9 @@
           </a:lstStyle>
           <a:p>
             <a:r>
-              <a:rPr lang="en-US" smtClean="0"/>
+              <a:rPr lang="en-US"/>
               <a:t>Click to edit Master title style</a:t>
             </a:r>
-            <a:endParaRPr lang="en-US"/>
           </a:p>
         </p:txBody>
       </p:sp>
@@ -1859,7 +1861,7 @@
           <a:p>
             <a:pPr lvl="0"/>
             <a:r>
-              <a:rPr lang="en-US" smtClean="0"/>
+              <a:rPr lang="en-US"/>
               <a:t>Click to edit Master text styles</a:t>
             </a:r>
           </a:p>
@@ -1915,38 +1917,37 @@
           <a:p>
             <a:pPr lvl="0"/>
             <a:r>
-              <a:rPr lang="en-US" smtClean="0"/>
+              <a:rPr lang="en-US"/>
               <a:t>Click to edit Master text styles</a:t>
             </a:r>
           </a:p>
           <a:p>
             <a:pPr lvl="1"/>
             <a:r>
-              <a:rPr lang="en-US" smtClean="0"/>
+              <a:rPr lang="en-US"/>
               <a:t>Second level</a:t>
             </a:r>
           </a:p>
           <a:p>
             <a:pPr lvl="2"/>
             <a:r>
-              <a:rPr lang="en-US" smtClean="0"/>
+              <a:rPr lang="en-US"/>
               <a:t>Third level</a:t>
             </a:r>
           </a:p>
           <a:p>
             <a:pPr lvl="3"/>
             <a:r>
-              <a:rPr lang="en-US" smtClean="0"/>
+              <a:rPr lang="en-US"/>
               <a:t>Fourth level</a:t>
             </a:r>
           </a:p>
           <a:p>
             <a:pPr lvl="4"/>
             <a:r>
-              <a:rPr lang="en-US" smtClean="0"/>
+              <a:rPr lang="en-US"/>
               <a:t>Fifth level</a:t>
             </a:r>
-            <a:endParaRPr lang="en-US"/>
           </a:p>
         </p:txBody>
       </p:sp>
@@ -2009,7 +2010,7 @@
           <a:p>
             <a:pPr lvl="0"/>
             <a:r>
-              <a:rPr lang="en-US" smtClean="0"/>
+              <a:rPr lang="en-US"/>
               <a:t>Click to edit Master text styles</a:t>
             </a:r>
           </a:p>
@@ -2065,38 +2066,37 @@
           <a:p>
             <a:pPr lvl="0"/>
             <a:r>
-              <a:rPr lang="en-US" smtClean="0"/>
+              <a:rPr lang="en-US"/>
               <a:t>Click to edit Master text styles</a:t>
             </a:r>
           </a:p>
           <a:p>
             <a:pPr lvl="1"/>
             <a:r>
-              <a:rPr lang="en-US" smtClean="0"/>
+              <a:rPr lang="en-US"/>
               <a:t>Second level</a:t>
             </a:r>
           </a:p>
           <a:p>
             <a:pPr lvl="2"/>
             <a:r>
-              <a:rPr lang="en-US" smtClean="0"/>
+              <a:rPr lang="en-US"/>
               <a:t>Third level</a:t>
             </a:r>
           </a:p>
           <a:p>
             <a:pPr lvl="3"/>
             <a:r>
-              <a:rPr lang="en-US" smtClean="0"/>
+              <a:rPr lang="en-US"/>
               <a:t>Fourth level</a:t>
             </a:r>
           </a:p>
           <a:p>
             <a:pPr lvl="4"/>
             <a:r>
-              <a:rPr lang="en-US" smtClean="0"/>
+              <a:rPr lang="en-US"/>
               <a:t>Fifth level</a:t>
             </a:r>
-            <a:endParaRPr lang="en-US"/>
           </a:p>
         </p:txBody>
       </p:sp>
@@ -2117,7 +2117,7 @@
           <a:p>
             <a:fld id="{78C97017-6FC3-485B-9764-EAC9E56C1D49}" type="datetimeFigureOut">
               <a:rPr lang="en-US" smtClean="0"/>
-              <a:t>10/16/2016</a:t>
+              <a:t>3/10/2017</a:t>
             </a:fld>
             <a:endParaRPr lang="en-US"/>
           </a:p>
@@ -2211,10 +2211,9 @@
           <a:lstStyle/>
           <a:p>
             <a:r>
-              <a:rPr lang="en-US" smtClean="0"/>
+              <a:rPr lang="en-US"/>
               <a:t>Click to edit Master title style</a:t>
             </a:r>
-            <a:endParaRPr lang="en-US"/>
           </a:p>
         </p:txBody>
       </p:sp>
@@ -2235,7 +2234,7 @@
           <a:p>
             <a:fld id="{78C97017-6FC3-485B-9764-EAC9E56C1D49}" type="datetimeFigureOut">
               <a:rPr lang="en-US" smtClean="0"/>
-              <a:t>10/16/2016</a:t>
+              <a:t>3/10/2017</a:t>
             </a:fld>
             <a:endParaRPr lang="en-US"/>
           </a:p>
@@ -2330,7 +2329,7 @@
           <a:p>
             <a:fld id="{78C97017-6FC3-485B-9764-EAC9E56C1D49}" type="datetimeFigureOut">
               <a:rPr lang="en-US" smtClean="0"/>
-              <a:t>10/16/2016</a:t>
+              <a:t>3/10/2017</a:t>
             </a:fld>
             <a:endParaRPr lang="en-US"/>
           </a:p>
@@ -2433,10 +2432,9 @@
           </a:lstStyle>
           <a:p>
             <a:r>
-              <a:rPr lang="en-US" smtClean="0"/>
+              <a:rPr lang="en-US"/>
               <a:t>Click to edit Master title style</a:t>
             </a:r>
-            <a:endParaRPr lang="en-US"/>
           </a:p>
         </p:txBody>
       </p:sp>
@@ -2490,38 +2488,37 @@
           <a:p>
             <a:pPr lvl="0"/>
             <a:r>
-              <a:rPr lang="en-US" smtClean="0"/>
+              <a:rPr lang="en-US"/>
               <a:t>Click to edit Master text styles</a:t>
             </a:r>
           </a:p>
           <a:p>
             <a:pPr lvl="1"/>
             <a:r>
-              <a:rPr lang="en-US" smtClean="0"/>
+              <a:rPr lang="en-US"/>
               <a:t>Second level</a:t>
             </a:r>
           </a:p>
           <a:p>
             <a:pPr lvl="2"/>
             <a:r>
-              <a:rPr lang="en-US" smtClean="0"/>
+              <a:rPr lang="en-US"/>
               <a:t>Third level</a:t>
             </a:r>
           </a:p>
           <a:p>
             <a:pPr lvl="3"/>
             <a:r>
-              <a:rPr lang="en-US" smtClean="0"/>
+              <a:rPr lang="en-US"/>
               <a:t>Fourth level</a:t>
             </a:r>
           </a:p>
           <a:p>
             <a:pPr lvl="4"/>
             <a:r>
-              <a:rPr lang="en-US" smtClean="0"/>
+              <a:rPr lang="en-US"/>
               <a:t>Fifth level</a:t>
             </a:r>
-            <a:endParaRPr lang="en-US"/>
           </a:p>
         </p:txBody>
       </p:sp>
@@ -2584,7 +2581,7 @@
           <a:p>
             <a:pPr lvl="0"/>
             <a:r>
-              <a:rPr lang="en-US" smtClean="0"/>
+              <a:rPr lang="en-US"/>
               <a:t>Click to edit Master text styles</a:t>
             </a:r>
           </a:p>
@@ -2607,7 +2604,7 @@
           <a:p>
             <a:fld id="{78C97017-6FC3-485B-9764-EAC9E56C1D49}" type="datetimeFigureOut">
               <a:rPr lang="en-US" smtClean="0"/>
-              <a:t>10/16/2016</a:t>
+              <a:t>3/10/2017</a:t>
             </a:fld>
             <a:endParaRPr lang="en-US"/>
           </a:p>
@@ -2710,10 +2707,9 @@
           </a:lstStyle>
           <a:p>
             <a:r>
-              <a:rPr lang="en-US" smtClean="0"/>
+              <a:rPr lang="en-US"/>
               <a:t>Click to edit Master title style</a:t>
             </a:r>
-            <a:endParaRPr lang="en-US"/>
           </a:p>
         </p:txBody>
       </p:sp>
@@ -2837,7 +2833,7 @@
           <a:p>
             <a:pPr lvl="0"/>
             <a:r>
-              <a:rPr lang="en-US" smtClean="0"/>
+              <a:rPr lang="en-US"/>
               <a:t>Click to edit Master text styles</a:t>
             </a:r>
           </a:p>
@@ -2860,7 +2856,7 @@
           <a:p>
             <a:fld id="{78C97017-6FC3-485B-9764-EAC9E56C1D49}" type="datetimeFigureOut">
               <a:rPr lang="en-US" smtClean="0"/>
-              <a:t>10/16/2016</a:t>
+              <a:t>3/10/2017</a:t>
             </a:fld>
             <a:endParaRPr lang="en-US"/>
           </a:p>
@@ -2969,10 +2965,9 @@
           <a:lstStyle/>
           <a:p>
             <a:r>
-              <a:rPr lang="en-US" smtClean="0"/>
+              <a:rPr lang="en-US"/>
               <a:t>Click to edit Master title style</a:t>
             </a:r>
-            <a:endParaRPr lang="en-US"/>
           </a:p>
         </p:txBody>
       </p:sp>
@@ -3003,38 +2998,37 @@
           <a:p>
             <a:pPr lvl="0"/>
             <a:r>
-              <a:rPr lang="en-US" smtClean="0"/>
+              <a:rPr lang="en-US"/>
               <a:t>Click to edit Master text styles</a:t>
             </a:r>
           </a:p>
           <a:p>
             <a:pPr lvl="1"/>
             <a:r>
-              <a:rPr lang="en-US" smtClean="0"/>
+              <a:rPr lang="en-US"/>
               <a:t>Second level</a:t>
             </a:r>
           </a:p>
           <a:p>
             <a:pPr lvl="2"/>
             <a:r>
-              <a:rPr lang="en-US" smtClean="0"/>
+              <a:rPr lang="en-US"/>
               <a:t>Third level</a:t>
             </a:r>
           </a:p>
           <a:p>
             <a:pPr lvl="3"/>
             <a:r>
-              <a:rPr lang="en-US" smtClean="0"/>
+              <a:rPr lang="en-US"/>
               <a:t>Fourth level</a:t>
             </a:r>
           </a:p>
           <a:p>
             <a:pPr lvl="4"/>
             <a:r>
-              <a:rPr lang="en-US" smtClean="0"/>
+              <a:rPr lang="en-US"/>
               <a:t>Fifth level</a:t>
             </a:r>
-            <a:endParaRPr lang="en-US"/>
           </a:p>
         </p:txBody>
       </p:sp>
@@ -3073,7 +3067,7 @@
           <a:p>
             <a:fld id="{78C97017-6FC3-485B-9764-EAC9E56C1D49}" type="datetimeFigureOut">
               <a:rPr lang="en-US" smtClean="0"/>
-              <a:t>10/16/2016</a:t>
+              <a:t>3/10/2017</a:t>
             </a:fld>
             <a:endParaRPr lang="en-US"/>
           </a:p>
@@ -3494,7 +3488,7 @@
           <a:lstStyle/>
           <a:p>
             <a:r>
-              <a:rPr lang="en-US" sz="1200" b="1" dirty="0" smtClean="0">
+              <a:rPr lang="en-US" sz="1200" b="1" dirty="0">
                 <a:solidFill>
                   <a:schemeClr val="accent6">
                     <a:lumMod val="75000"/>
@@ -3522,7 +3516,7 @@
         <p:spPr>
           <a:xfrm>
             <a:off x="2877180" y="3158440"/>
-            <a:ext cx="1323049" cy="346760"/>
+            <a:ext cx="1371527" cy="346760"/>
           </a:xfrm>
           <a:prstGeom prst="rect">
             <a:avLst/>
@@ -3561,7 +3555,7 @@
           <a:p>
             <a:pPr algn="ctr"/>
             <a:r>
-              <a:rPr lang="en-US" sz="1050" dirty="0" smtClean="0">
+              <a:rPr lang="en-US" sz="1050" dirty="0">
                 <a:solidFill>
                   <a:schemeClr val="bg1"/>
                 </a:solidFill>
@@ -3569,19 +3563,19 @@
               <a:t>&lt;&lt;interface&gt;&gt;</a:t>
             </a:r>
             <a:br>
-              <a:rPr lang="en-US" sz="1050" dirty="0" smtClean="0">
+              <a:rPr lang="en-US" sz="1050" dirty="0">
                 <a:solidFill>
                   <a:schemeClr val="bg1"/>
                 </a:solidFill>
               </a:rPr>
             </a:br>
             <a:r>
-              <a:rPr lang="en-US" sz="1050" dirty="0" err="1" smtClean="0">
+              <a:rPr lang="en-US" sz="1050" dirty="0" err="1">
                 <a:solidFill>
                   <a:schemeClr val="bg1"/>
                 </a:solidFill>
               </a:rPr>
-              <a:t>AddressBookStorage</a:t>
+              <a:t>TaskManagerStorage</a:t>
             </a:r>
             <a:endParaRPr lang="en-SG" sz="1050" dirty="0">
               <a:solidFill>
@@ -3639,7 +3633,7 @@
           <a:p>
             <a:pPr algn="ctr"/>
             <a:r>
-              <a:rPr lang="en-US" sz="1050" dirty="0" err="1" smtClean="0">
+              <a:rPr lang="en-US" sz="1050" dirty="0" err="1">
                 <a:solidFill>
                   <a:schemeClr val="bg1"/>
                 </a:solidFill>
@@ -3713,7 +3707,7 @@
           <a:p>
             <a:pPr algn="ctr"/>
             <a:r>
-              <a:rPr lang="en-US" sz="1050" dirty="0" smtClean="0">
+              <a:rPr lang="en-US" sz="1050" dirty="0">
                 <a:solidFill>
                   <a:schemeClr val="bg1"/>
                 </a:solidFill>
@@ -3787,6 +3781,7 @@
         <p:nvCxnSpPr>
           <p:cNvPr id="58" name="Straight Arrow Connector 57"/>
           <p:cNvCxnSpPr>
+            <a:cxnSpLocks/>
             <a:stCxn id="42" idx="3"/>
             <a:endCxn id="2" idx="1"/>
           </p:cNvCxnSpPr>
@@ -3974,8 +3969,8 @@
         </p:nvCxnSpPr>
         <p:spPr>
           <a:xfrm flipV="1">
-            <a:off x="4398041" y="3331820"/>
-            <a:ext cx="223324" cy="1"/>
+            <a:off x="4443194" y="3331820"/>
+            <a:ext cx="178171" cy="2"/>
           </a:xfrm>
           <a:prstGeom prst="bentConnector3">
             <a:avLst>
@@ -4017,7 +4012,7 @@
         </p:nvSpPr>
         <p:spPr>
           <a:xfrm rot="5400000" flipV="1">
-            <a:off x="4175027" y="3244059"/>
+            <a:off x="4220180" y="3244060"/>
             <a:ext cx="270504" cy="175523"/>
           </a:xfrm>
           <a:prstGeom prst="triangle">
@@ -4147,27 +4142,17 @@
           <a:p>
             <a:pPr algn="ctr"/>
             <a:r>
-              <a:rPr lang="en-US" sz="1050" b="1" dirty="0" err="1" smtClean="0">
+              <a:rPr lang="en-US" sz="1050" b="1" dirty="0" err="1">
                 <a:solidFill>
                   <a:schemeClr val="accent6">
                     <a:lumMod val="75000"/>
                   </a:schemeClr>
                 </a:solidFill>
               </a:rPr>
-              <a:t>XmlAddressBook</a:t>
-            </a:r>
-            <a:r>
-              <a:rPr lang="en-US" sz="1050" b="1" dirty="0" smtClean="0">
-                <a:solidFill>
-                  <a:schemeClr val="accent6">
-                    <a:lumMod val="75000"/>
-                  </a:schemeClr>
-                </a:solidFill>
-              </a:rPr>
-              <a:t/>
+              <a:t>XmlTaskManager</a:t>
             </a:r>
             <a:br>
-              <a:rPr lang="en-US" sz="1050" b="1" dirty="0" smtClean="0">
+              <a:rPr lang="en-US" sz="1050" b="1" dirty="0">
                 <a:solidFill>
                   <a:schemeClr val="accent6">
                     <a:lumMod val="75000"/>
@@ -4176,7 +4161,7 @@
               </a:rPr>
             </a:br>
             <a:r>
-              <a:rPr lang="en-US" sz="1050" b="1" dirty="0" smtClean="0">
+              <a:rPr lang="en-US" sz="1050" b="1" dirty="0">
                 <a:solidFill>
                   <a:schemeClr val="accent6">
                     <a:lumMod val="75000"/>
@@ -4204,7 +4189,7 @@
         <p:spPr>
           <a:xfrm>
             <a:off x="2873943" y="2558040"/>
-            <a:ext cx="1323049" cy="346760"/>
+            <a:ext cx="1374764" cy="346760"/>
           </a:xfrm>
           <a:prstGeom prst="rect">
             <a:avLst/>
@@ -4243,7 +4228,7 @@
           <a:p>
             <a:pPr algn="ctr"/>
             <a:r>
-              <a:rPr lang="en-US" sz="1050" dirty="0" smtClean="0">
+              <a:rPr lang="en-US" sz="1050" dirty="0">
                 <a:solidFill>
                   <a:schemeClr val="bg1"/>
                 </a:solidFill>
@@ -4251,14 +4236,14 @@
               <a:t>&lt;&lt;interface&gt;&gt;</a:t>
             </a:r>
             <a:br>
-              <a:rPr lang="en-US" sz="1050" dirty="0" smtClean="0">
+              <a:rPr lang="en-US" sz="1050" dirty="0">
                 <a:solidFill>
                   <a:schemeClr val="bg1"/>
                 </a:solidFill>
               </a:rPr>
             </a:br>
             <a:r>
-              <a:rPr lang="en-US" sz="1050" dirty="0" err="1" smtClean="0">
+              <a:rPr lang="en-US" sz="1050" dirty="0" err="1">
                 <a:solidFill>
                   <a:schemeClr val="bg1"/>
                 </a:solidFill>
@@ -4277,6 +4262,7 @@
         <p:nvCxnSpPr>
           <p:cNvPr id="54" name="Straight Arrow Connector 53"/>
           <p:cNvCxnSpPr>
+            <a:cxnSpLocks/>
             <a:stCxn id="56" idx="3"/>
             <a:endCxn id="52" idx="1"/>
           </p:cNvCxnSpPr>
@@ -4371,6 +4357,7 @@
         <p:nvCxnSpPr>
           <p:cNvPr id="60" name="Elbow Connector 63"/>
           <p:cNvCxnSpPr>
+            <a:cxnSpLocks/>
             <a:stCxn id="61" idx="3"/>
             <a:endCxn id="65" idx="1"/>
           </p:cNvCxnSpPr>
@@ -4378,8 +4365,8 @@
         </p:nvCxnSpPr>
         <p:spPr>
           <a:xfrm flipV="1">
-            <a:off x="4394804" y="2731420"/>
-            <a:ext cx="223324" cy="1"/>
+            <a:off x="4439957" y="2731420"/>
+            <a:ext cx="178171" cy="2"/>
           </a:xfrm>
           <a:prstGeom prst="bentConnector3">
             <a:avLst>
@@ -4421,7 +4408,7 @@
         </p:nvSpPr>
         <p:spPr>
           <a:xfrm rot="5400000" flipV="1">
-            <a:off x="4171790" y="2643659"/>
+            <a:off x="4216943" y="2643660"/>
             <a:ext cx="270504" cy="175523"/>
           </a:xfrm>
           <a:prstGeom prst="triangle">
@@ -4516,30 +4503,22 @@
           <a:p>
             <a:pPr algn="ctr"/>
             <a:r>
-              <a:rPr lang="en-US" sz="1050" dirty="0" err="1" smtClean="0">
+              <a:rPr lang="en-US" sz="1050" dirty="0" err="1">
                 <a:solidFill>
                   <a:schemeClr val="bg1"/>
                 </a:solidFill>
               </a:rPr>
               <a:t>JsonUserPrefs</a:t>
             </a:r>
-            <a:r>
-              <a:rPr lang="en-US" sz="1050" dirty="0" smtClean="0">
-                <a:solidFill>
-                  <a:schemeClr val="bg1"/>
-                </a:solidFill>
-              </a:rPr>
-              <a:t/>
-            </a:r>
             <a:br>
-              <a:rPr lang="en-US" sz="1050" dirty="0" smtClean="0">
+              <a:rPr lang="en-US" sz="1050" dirty="0">
                 <a:solidFill>
                   <a:schemeClr val="bg1"/>
                 </a:solidFill>
               </a:rPr>
             </a:br>
             <a:r>
-              <a:rPr lang="en-US" sz="1050" dirty="0" smtClean="0">
+              <a:rPr lang="en-US" sz="1050" dirty="0">
                 <a:solidFill>
                   <a:schemeClr val="bg1"/>
                 </a:solidFill>
@@ -4591,7 +4570,7 @@
           <a:p>
             <a:pPr algn="ctr"/>
             <a:r>
-              <a:rPr lang="en-US" sz="1050" b="1" dirty="0" err="1" smtClean="0">
+              <a:rPr lang="en-US" sz="1050" b="1" dirty="0" err="1">
                 <a:solidFill>
                   <a:schemeClr val="accent6">
                     <a:lumMod val="75000"/>
@@ -4600,18 +4579,8 @@
               </a:rPr>
               <a:t>XmlSerializable</a:t>
             </a:r>
-            <a:r>
-              <a:rPr lang="en-US" sz="1050" b="1" dirty="0" smtClean="0">
-                <a:solidFill>
-                  <a:schemeClr val="accent6">
-                    <a:lumMod val="75000"/>
-                  </a:schemeClr>
-                </a:solidFill>
-              </a:rPr>
-              <a:t/>
-            </a:r>
             <a:br>
-              <a:rPr lang="en-US" sz="1050" b="1" dirty="0" smtClean="0">
+              <a:rPr lang="en-US" sz="1050" b="1" dirty="0">
                 <a:solidFill>
                   <a:schemeClr val="accent6">
                     <a:lumMod val="75000"/>
@@ -4620,14 +4589,14 @@
               </a:rPr>
             </a:br>
             <a:r>
-              <a:rPr lang="en-US" sz="1050" b="1" dirty="0" err="1" smtClean="0">
+              <a:rPr lang="en-US" sz="1050" b="1" dirty="0" err="1">
                 <a:solidFill>
                   <a:schemeClr val="accent6">
                     <a:lumMod val="75000"/>
                   </a:schemeClr>
                 </a:solidFill>
               </a:rPr>
-              <a:t>AddressBook</a:t>
+              <a:t>TaskManager</a:t>
             </a:r>
             <a:endParaRPr lang="en-SG" sz="1050" b="1" dirty="0">
               <a:solidFill>
@@ -4717,7 +4686,7 @@
           <a:p>
             <a:pPr algn="ctr"/>
             <a:r>
-              <a:rPr lang="en-US" sz="1050" b="1" dirty="0" err="1" smtClean="0">
+              <a:rPr lang="en-US" sz="1050" b="1" dirty="0" err="1">
                 <a:solidFill>
                   <a:schemeClr val="accent6">
                     <a:lumMod val="75000"/>
@@ -4773,14 +4742,14 @@
           <a:p>
             <a:pPr algn="ctr"/>
             <a:r>
-              <a:rPr lang="en-US" sz="1050" b="1" dirty="0" err="1" smtClean="0">
+              <a:rPr lang="en-US" sz="1050" b="1" dirty="0" err="1">
                 <a:solidFill>
                   <a:schemeClr val="accent6">
                     <a:lumMod val="75000"/>
                   </a:schemeClr>
                 </a:solidFill>
               </a:rPr>
-              <a:t>XmlAdaptedPerson</a:t>
+              <a:t>XmlAdaptedTask</a:t>
             </a:r>
             <a:endParaRPr lang="en-SG" sz="1050" b="1" dirty="0">
               <a:solidFill>
@@ -4843,13 +4812,6 @@
   <p:clrMapOvr>
     <a:masterClrMapping/>
   </p:clrMapOvr>
-  <p:timing>
-    <p:tnLst>
-      <p:par>
-        <p:cTn id="1" dur="indefinite" restart="never" nodeType="tmRoot"/>
-      </p:par>
-    </p:tnLst>
-  </p:timing>
 </p:sld>
 </file>
 

--- a/docs/diagrams/StorageComponentClassDiagram.pptx
+++ b/docs/diagrams/StorageComponentClassDiagram.pptx
@@ -107,6 +107,22 @@
       </a:defRPr>
     </a:lvl9pPr>
   </p:defaultTextStyle>
+  <p:extLst>
+    <p:ext uri="{EFAFB233-063F-42B5-8137-9DF3F51BA10A}">
+      <p15:sldGuideLst xmlns:p15="http://schemas.microsoft.com/office/powerpoint/2012/main">
+        <p15:guide id="1" orient="horz" pos="1488">
+          <p15:clr>
+            <a:srgbClr val="A4A3A4"/>
+          </p15:clr>
+        </p15:guide>
+        <p15:guide id="2" pos="2880">
+          <p15:clr>
+            <a:srgbClr val="A4A3A4"/>
+          </p15:clr>
+        </p15:guide>
+      </p15:sldGuideLst>
+    </p:ext>
+  </p:extLst>
 </p:presentation>
 </file>
 
@@ -192,7 +208,7 @@
           <a:p>
             <a:fld id="{F5CC4B3F-88C1-4FFA-B1B6-F41C21DC6924}" type="datetimeFigureOut">
               <a:rPr lang="en-US" smtClean="0"/>
-              <a:t>10/16/2016</a:t>
+              <a:t>3/12/2017</a:t>
             </a:fld>
             <a:endParaRPr lang="en-US"/>
           </a:p>
@@ -641,7 +657,7 @@
           <a:p>
             <a:fld id="{78C97017-6FC3-485B-9764-EAC9E56C1D49}" type="datetimeFigureOut">
               <a:rPr lang="en-US" smtClean="0"/>
-              <a:t>10/16/2016</a:t>
+              <a:t>3/12/2017</a:t>
             </a:fld>
             <a:endParaRPr lang="en-US"/>
           </a:p>
@@ -811,7 +827,7 @@
           <a:p>
             <a:fld id="{78C97017-6FC3-485B-9764-EAC9E56C1D49}" type="datetimeFigureOut">
               <a:rPr lang="en-US" smtClean="0"/>
-              <a:t>10/16/2016</a:t>
+              <a:t>3/12/2017</a:t>
             </a:fld>
             <a:endParaRPr lang="en-US"/>
           </a:p>
@@ -991,7 +1007,7 @@
           <a:p>
             <a:fld id="{78C97017-6FC3-485B-9764-EAC9E56C1D49}" type="datetimeFigureOut">
               <a:rPr lang="en-US" smtClean="0"/>
-              <a:t>10/16/2016</a:t>
+              <a:t>3/12/2017</a:t>
             </a:fld>
             <a:endParaRPr lang="en-US"/>
           </a:p>
@@ -1161,7 +1177,7 @@
           <a:p>
             <a:fld id="{78C97017-6FC3-485B-9764-EAC9E56C1D49}" type="datetimeFigureOut">
               <a:rPr lang="en-US" smtClean="0"/>
-              <a:t>10/16/2016</a:t>
+              <a:t>3/12/2017</a:t>
             </a:fld>
             <a:endParaRPr lang="en-US"/>
           </a:p>
@@ -1407,7 +1423,7 @@
           <a:p>
             <a:fld id="{78C97017-6FC3-485B-9764-EAC9E56C1D49}" type="datetimeFigureOut">
               <a:rPr lang="en-US" smtClean="0"/>
-              <a:t>10/16/2016</a:t>
+              <a:t>3/12/2017</a:t>
             </a:fld>
             <a:endParaRPr lang="en-US"/>
           </a:p>
@@ -1695,7 +1711,7 @@
           <a:p>
             <a:fld id="{78C97017-6FC3-485B-9764-EAC9E56C1D49}" type="datetimeFigureOut">
               <a:rPr lang="en-US" smtClean="0"/>
-              <a:t>10/16/2016</a:t>
+              <a:t>3/12/2017</a:t>
             </a:fld>
             <a:endParaRPr lang="en-US"/>
           </a:p>
@@ -2117,7 +2133,7 @@
           <a:p>
             <a:fld id="{78C97017-6FC3-485B-9764-EAC9E56C1D49}" type="datetimeFigureOut">
               <a:rPr lang="en-US" smtClean="0"/>
-              <a:t>10/16/2016</a:t>
+              <a:t>3/12/2017</a:t>
             </a:fld>
             <a:endParaRPr lang="en-US"/>
           </a:p>
@@ -2235,7 +2251,7 @@
           <a:p>
             <a:fld id="{78C97017-6FC3-485B-9764-EAC9E56C1D49}" type="datetimeFigureOut">
               <a:rPr lang="en-US" smtClean="0"/>
-              <a:t>10/16/2016</a:t>
+              <a:t>3/12/2017</a:t>
             </a:fld>
             <a:endParaRPr lang="en-US"/>
           </a:p>
@@ -2330,7 +2346,7 @@
           <a:p>
             <a:fld id="{78C97017-6FC3-485B-9764-EAC9E56C1D49}" type="datetimeFigureOut">
               <a:rPr lang="en-US" smtClean="0"/>
-              <a:t>10/16/2016</a:t>
+              <a:t>3/12/2017</a:t>
             </a:fld>
             <a:endParaRPr lang="en-US"/>
           </a:p>
@@ -2607,7 +2623,7 @@
           <a:p>
             <a:fld id="{78C97017-6FC3-485B-9764-EAC9E56C1D49}" type="datetimeFigureOut">
               <a:rPr lang="en-US" smtClean="0"/>
-              <a:t>10/16/2016</a:t>
+              <a:t>3/12/2017</a:t>
             </a:fld>
             <a:endParaRPr lang="en-US"/>
           </a:p>
@@ -2860,7 +2876,7 @@
           <a:p>
             <a:fld id="{78C97017-6FC3-485B-9764-EAC9E56C1D49}" type="datetimeFigureOut">
               <a:rPr lang="en-US" smtClean="0"/>
-              <a:t>10/16/2016</a:t>
+              <a:t>3/12/2017</a:t>
             </a:fld>
             <a:endParaRPr lang="en-US"/>
           </a:p>
@@ -3073,7 +3089,7 @@
           <a:p>
             <a:fld id="{78C97017-6FC3-485B-9764-EAC9E56C1D49}" type="datetimeFigureOut">
               <a:rPr lang="en-US" smtClean="0"/>
-              <a:t>10/16/2016</a:t>
+              <a:t>3/12/2017</a:t>
             </a:fld>
             <a:endParaRPr lang="en-US"/>
           </a:p>
@@ -3581,7 +3597,7 @@
                   <a:schemeClr val="bg1"/>
                 </a:solidFill>
               </a:rPr>
-              <a:t>AddressBookStorage</a:t>
+              <a:t>EzDoStorage</a:t>
             </a:r>
             <a:endParaRPr lang="en-SG" sz="1050" dirty="0">
               <a:solidFill>
@@ -4154,36 +4170,7 @@
                   </a:schemeClr>
                 </a:solidFill>
               </a:rPr>
-              <a:t>XmlAddressBook</a:t>
-            </a:r>
-            <a:r>
-              <a:rPr lang="en-US" sz="1050" b="1" dirty="0" smtClean="0">
-                <a:solidFill>
-                  <a:schemeClr val="accent6">
-                    <a:lumMod val="75000"/>
-                  </a:schemeClr>
-                </a:solidFill>
-              </a:rPr>
-              <a:t/>
-            </a:r>
-            <a:br>
-              <a:rPr lang="en-US" sz="1050" b="1" dirty="0" smtClean="0">
-                <a:solidFill>
-                  <a:schemeClr val="accent6">
-                    <a:lumMod val="75000"/>
-                  </a:schemeClr>
-                </a:solidFill>
-              </a:rPr>
-            </a:br>
-            <a:r>
-              <a:rPr lang="en-US" sz="1050" b="1" dirty="0" smtClean="0">
-                <a:solidFill>
-                  <a:schemeClr val="accent6">
-                    <a:lumMod val="75000"/>
-                  </a:schemeClr>
-                </a:solidFill>
-              </a:rPr>
-              <a:t>Storage</a:t>
+              <a:t>XmlEzDoStorage</a:t>
             </a:r>
             <a:endParaRPr lang="en-SG" sz="1050" b="1" dirty="0">
               <a:solidFill>
@@ -4600,25 +4587,16 @@
               </a:rPr>
               <a:t>XmlSerializable</a:t>
             </a:r>
-            <a:r>
-              <a:rPr lang="en-US" sz="1050" b="1" dirty="0" smtClean="0">
-                <a:solidFill>
-                  <a:schemeClr val="accent6">
-                    <a:lumMod val="75000"/>
-                  </a:schemeClr>
-                </a:solidFill>
-              </a:rPr>
-              <a:t/>
-            </a:r>
-            <a:br>
-              <a:rPr lang="en-US" sz="1050" b="1" dirty="0" smtClean="0">
-                <a:solidFill>
-                  <a:schemeClr val="accent6">
-                    <a:lumMod val="75000"/>
-                  </a:schemeClr>
-                </a:solidFill>
-              </a:rPr>
-            </a:br>
+            <a:endParaRPr lang="en-US" sz="1050" b="1" dirty="0">
+              <a:solidFill>
+                <a:schemeClr val="accent6">
+                  <a:lumMod val="75000"/>
+                </a:schemeClr>
+              </a:solidFill>
+            </a:endParaRPr>
+          </a:p>
+          <a:p>
+            <a:pPr algn="ctr"/>
             <a:r>
               <a:rPr lang="en-US" sz="1050" b="1" dirty="0" err="1" smtClean="0">
                 <a:solidFill>
@@ -4627,7 +4605,7 @@
                   </a:schemeClr>
                 </a:solidFill>
               </a:rPr>
-              <a:t>AddressBook</a:t>
+              <a:t>EzDo</a:t>
             </a:r>
             <a:endParaRPr lang="en-SG" sz="1050" b="1" dirty="0">
               <a:solidFill>

--- a/docs/diagrams/StorageComponentClassDiagram.pptx
+++ b/docs/diagrams/StorageComponentClassDiagram.pptx
@@ -107,6 +107,22 @@
       </a:defRPr>
     </a:lvl9pPr>
   </p:defaultTextStyle>
+  <p:extLst>
+    <p:ext uri="{EFAFB233-063F-42B5-8137-9DF3F51BA10A}">
+      <p15:sldGuideLst xmlns:p15="http://schemas.microsoft.com/office/powerpoint/2012/main">
+        <p15:guide id="1" orient="horz" pos="1488">
+          <p15:clr>
+            <a:srgbClr val="A4A3A4"/>
+          </p15:clr>
+        </p15:guide>
+        <p15:guide id="2" pos="2880">
+          <p15:clr>
+            <a:srgbClr val="A4A3A4"/>
+          </p15:clr>
+        </p15:guide>
+      </p15:sldGuideLst>
+    </p:ext>
+  </p:extLst>
 </p:presentation>
 </file>
 
@@ -159,7 +175,7 @@
             </a:lvl1pPr>
           </a:lstStyle>
           <a:p>
-            <a:endParaRPr lang="en-US"/>
+            <a:endParaRPr lang="en-US" dirty="0"/>
           </a:p>
         </p:txBody>
       </p:sp>
@@ -192,9 +208,9 @@
           <a:p>
             <a:fld id="{F5CC4B3F-88C1-4FFA-B1B6-F41C21DC6924}" type="datetimeFigureOut">
               <a:rPr lang="en-US" smtClean="0"/>
-              <a:t>10/16/2016</a:t>
+              <a:t>3/13/17</a:t>
             </a:fld>
-            <a:endParaRPr lang="en-US"/>
+            <a:endParaRPr lang="en-US" dirty="0"/>
           </a:p>
         </p:txBody>
       </p:sp>
@@ -227,7 +243,7 @@
           <a:bodyPr vert="horz" lIns="91440" tIns="45720" rIns="91440" bIns="45720" rtlCol="0" anchor="ctr"/>
           <a:lstStyle/>
           <a:p>
-            <a:endParaRPr lang="en-US"/>
+            <a:endParaRPr lang="en-US" dirty="0"/>
           </a:p>
         </p:txBody>
       </p:sp>
@@ -318,7 +334,7 @@
             </a:lvl1pPr>
           </a:lstStyle>
           <a:p>
-            <a:endParaRPr lang="en-US"/>
+            <a:endParaRPr lang="en-US" dirty="0"/>
           </a:p>
         </p:txBody>
       </p:sp>
@@ -353,7 +369,7 @@
               <a:rPr lang="en-US" smtClean="0"/>
               <a:t>‹#›</a:t>
             </a:fld>
-            <a:endParaRPr lang="en-US"/>
+            <a:endParaRPr lang="en-US" dirty="0"/>
           </a:p>
         </p:txBody>
       </p:sp>
@@ -641,9 +657,9 @@
           <a:p>
             <a:fld id="{78C97017-6FC3-485B-9764-EAC9E56C1D49}" type="datetimeFigureOut">
               <a:rPr lang="en-US" smtClean="0"/>
-              <a:t>10/16/2016</a:t>
+              <a:t>3/13/17</a:t>
             </a:fld>
-            <a:endParaRPr lang="en-US"/>
+            <a:endParaRPr lang="en-US" dirty="0"/>
           </a:p>
         </p:txBody>
       </p:sp>
@@ -662,7 +678,7 @@
           <a:bodyPr/>
           <a:lstStyle/>
           <a:p>
-            <a:endParaRPr lang="en-US"/>
+            <a:endParaRPr lang="en-US" dirty="0"/>
           </a:p>
         </p:txBody>
       </p:sp>
@@ -685,7 +701,7 @@
               <a:rPr lang="en-US" smtClean="0"/>
               <a:t>‹#›</a:t>
             </a:fld>
-            <a:endParaRPr lang="en-US"/>
+            <a:endParaRPr lang="en-US" dirty="0"/>
           </a:p>
         </p:txBody>
       </p:sp>
@@ -811,9 +827,9 @@
           <a:p>
             <a:fld id="{78C97017-6FC3-485B-9764-EAC9E56C1D49}" type="datetimeFigureOut">
               <a:rPr lang="en-US" smtClean="0"/>
-              <a:t>10/16/2016</a:t>
+              <a:t>3/13/17</a:t>
             </a:fld>
-            <a:endParaRPr lang="en-US"/>
+            <a:endParaRPr lang="en-US" dirty="0"/>
           </a:p>
         </p:txBody>
       </p:sp>
@@ -832,7 +848,7 @@
           <a:bodyPr/>
           <a:lstStyle/>
           <a:p>
-            <a:endParaRPr lang="en-US"/>
+            <a:endParaRPr lang="en-US" dirty="0"/>
           </a:p>
         </p:txBody>
       </p:sp>
@@ -855,7 +871,7 @@
               <a:rPr lang="en-US" smtClean="0"/>
               <a:t>‹#›</a:t>
             </a:fld>
-            <a:endParaRPr lang="en-US"/>
+            <a:endParaRPr lang="en-US" dirty="0"/>
           </a:p>
         </p:txBody>
       </p:sp>
@@ -991,9 +1007,9 @@
           <a:p>
             <a:fld id="{78C97017-6FC3-485B-9764-EAC9E56C1D49}" type="datetimeFigureOut">
               <a:rPr lang="en-US" smtClean="0"/>
-              <a:t>10/16/2016</a:t>
+              <a:t>3/13/17</a:t>
             </a:fld>
-            <a:endParaRPr lang="en-US"/>
+            <a:endParaRPr lang="en-US" dirty="0"/>
           </a:p>
         </p:txBody>
       </p:sp>
@@ -1012,7 +1028,7 @@
           <a:bodyPr/>
           <a:lstStyle/>
           <a:p>
-            <a:endParaRPr lang="en-US"/>
+            <a:endParaRPr lang="en-US" dirty="0"/>
           </a:p>
         </p:txBody>
       </p:sp>
@@ -1035,7 +1051,7 @@
               <a:rPr lang="en-US" smtClean="0"/>
               <a:t>‹#›</a:t>
             </a:fld>
-            <a:endParaRPr lang="en-US"/>
+            <a:endParaRPr lang="en-US" dirty="0"/>
           </a:p>
         </p:txBody>
       </p:sp>
@@ -1161,9 +1177,9 @@
           <a:p>
             <a:fld id="{78C97017-6FC3-485B-9764-EAC9E56C1D49}" type="datetimeFigureOut">
               <a:rPr lang="en-US" smtClean="0"/>
-              <a:t>10/16/2016</a:t>
+              <a:t>3/13/17</a:t>
             </a:fld>
-            <a:endParaRPr lang="en-US"/>
+            <a:endParaRPr lang="en-US" dirty="0"/>
           </a:p>
         </p:txBody>
       </p:sp>
@@ -1182,7 +1198,7 @@
           <a:bodyPr/>
           <a:lstStyle/>
           <a:p>
-            <a:endParaRPr lang="en-US"/>
+            <a:endParaRPr lang="en-US" dirty="0"/>
           </a:p>
         </p:txBody>
       </p:sp>
@@ -1205,7 +1221,7 @@
               <a:rPr lang="en-US" smtClean="0"/>
               <a:t>‹#›</a:t>
             </a:fld>
-            <a:endParaRPr lang="en-US"/>
+            <a:endParaRPr lang="en-US" dirty="0"/>
           </a:p>
         </p:txBody>
       </p:sp>
@@ -1407,9 +1423,9 @@
           <a:p>
             <a:fld id="{78C97017-6FC3-485B-9764-EAC9E56C1D49}" type="datetimeFigureOut">
               <a:rPr lang="en-US" smtClean="0"/>
-              <a:t>10/16/2016</a:t>
+              <a:t>3/13/17</a:t>
             </a:fld>
-            <a:endParaRPr lang="en-US"/>
+            <a:endParaRPr lang="en-US" dirty="0"/>
           </a:p>
         </p:txBody>
       </p:sp>
@@ -1428,7 +1444,7 @@
           <a:bodyPr/>
           <a:lstStyle/>
           <a:p>
-            <a:endParaRPr lang="en-US"/>
+            <a:endParaRPr lang="en-US" dirty="0"/>
           </a:p>
         </p:txBody>
       </p:sp>
@@ -1451,7 +1467,7 @@
               <a:rPr lang="en-US" smtClean="0"/>
               <a:t>‹#›</a:t>
             </a:fld>
-            <a:endParaRPr lang="en-US"/>
+            <a:endParaRPr lang="en-US" dirty="0"/>
           </a:p>
         </p:txBody>
       </p:sp>
@@ -1695,9 +1711,9 @@
           <a:p>
             <a:fld id="{78C97017-6FC3-485B-9764-EAC9E56C1D49}" type="datetimeFigureOut">
               <a:rPr lang="en-US" smtClean="0"/>
-              <a:t>10/16/2016</a:t>
+              <a:t>3/13/17</a:t>
             </a:fld>
-            <a:endParaRPr lang="en-US"/>
+            <a:endParaRPr lang="en-US" dirty="0"/>
           </a:p>
         </p:txBody>
       </p:sp>
@@ -1716,7 +1732,7 @@
           <a:bodyPr/>
           <a:lstStyle/>
           <a:p>
-            <a:endParaRPr lang="en-US"/>
+            <a:endParaRPr lang="en-US" dirty="0"/>
           </a:p>
         </p:txBody>
       </p:sp>
@@ -1739,7 +1755,7 @@
               <a:rPr lang="en-US" smtClean="0"/>
               <a:t>‹#›</a:t>
             </a:fld>
-            <a:endParaRPr lang="en-US"/>
+            <a:endParaRPr lang="en-US" dirty="0"/>
           </a:p>
         </p:txBody>
       </p:sp>
@@ -2117,9 +2133,9 @@
           <a:p>
             <a:fld id="{78C97017-6FC3-485B-9764-EAC9E56C1D49}" type="datetimeFigureOut">
               <a:rPr lang="en-US" smtClean="0"/>
-              <a:t>10/16/2016</a:t>
+              <a:t>3/13/17</a:t>
             </a:fld>
-            <a:endParaRPr lang="en-US"/>
+            <a:endParaRPr lang="en-US" dirty="0"/>
           </a:p>
         </p:txBody>
       </p:sp>
@@ -2138,7 +2154,7 @@
           <a:bodyPr/>
           <a:lstStyle/>
           <a:p>
-            <a:endParaRPr lang="en-US"/>
+            <a:endParaRPr lang="en-US" dirty="0"/>
           </a:p>
         </p:txBody>
       </p:sp>
@@ -2161,7 +2177,7 @@
               <a:rPr lang="en-US" smtClean="0"/>
               <a:t>‹#›</a:t>
             </a:fld>
-            <a:endParaRPr lang="en-US"/>
+            <a:endParaRPr lang="en-US" dirty="0"/>
           </a:p>
         </p:txBody>
       </p:sp>
@@ -2235,9 +2251,9 @@
           <a:p>
             <a:fld id="{78C97017-6FC3-485B-9764-EAC9E56C1D49}" type="datetimeFigureOut">
               <a:rPr lang="en-US" smtClean="0"/>
-              <a:t>10/16/2016</a:t>
+              <a:t>3/13/17</a:t>
             </a:fld>
-            <a:endParaRPr lang="en-US"/>
+            <a:endParaRPr lang="en-US" dirty="0"/>
           </a:p>
         </p:txBody>
       </p:sp>
@@ -2256,7 +2272,7 @@
           <a:bodyPr/>
           <a:lstStyle/>
           <a:p>
-            <a:endParaRPr lang="en-US"/>
+            <a:endParaRPr lang="en-US" dirty="0"/>
           </a:p>
         </p:txBody>
       </p:sp>
@@ -2279,7 +2295,7 @@
               <a:rPr lang="en-US" smtClean="0"/>
               <a:t>‹#›</a:t>
             </a:fld>
-            <a:endParaRPr lang="en-US"/>
+            <a:endParaRPr lang="en-US" dirty="0"/>
           </a:p>
         </p:txBody>
       </p:sp>
@@ -2330,9 +2346,9 @@
           <a:p>
             <a:fld id="{78C97017-6FC3-485B-9764-EAC9E56C1D49}" type="datetimeFigureOut">
               <a:rPr lang="en-US" smtClean="0"/>
-              <a:t>10/16/2016</a:t>
+              <a:t>3/13/17</a:t>
             </a:fld>
-            <a:endParaRPr lang="en-US"/>
+            <a:endParaRPr lang="en-US" dirty="0"/>
           </a:p>
         </p:txBody>
       </p:sp>
@@ -2351,7 +2367,7 @@
           <a:bodyPr/>
           <a:lstStyle/>
           <a:p>
-            <a:endParaRPr lang="en-US"/>
+            <a:endParaRPr lang="en-US" dirty="0"/>
           </a:p>
         </p:txBody>
       </p:sp>
@@ -2374,7 +2390,7 @@
               <a:rPr lang="en-US" smtClean="0"/>
               <a:t>‹#›</a:t>
             </a:fld>
-            <a:endParaRPr lang="en-US"/>
+            <a:endParaRPr lang="en-US" dirty="0"/>
           </a:p>
         </p:txBody>
       </p:sp>
@@ -2607,9 +2623,9 @@
           <a:p>
             <a:fld id="{78C97017-6FC3-485B-9764-EAC9E56C1D49}" type="datetimeFigureOut">
               <a:rPr lang="en-US" smtClean="0"/>
-              <a:t>10/16/2016</a:t>
+              <a:t>3/13/17</a:t>
             </a:fld>
-            <a:endParaRPr lang="en-US"/>
+            <a:endParaRPr lang="en-US" dirty="0"/>
           </a:p>
         </p:txBody>
       </p:sp>
@@ -2628,7 +2644,7 @@
           <a:bodyPr/>
           <a:lstStyle/>
           <a:p>
-            <a:endParaRPr lang="en-US"/>
+            <a:endParaRPr lang="en-US" dirty="0"/>
           </a:p>
         </p:txBody>
       </p:sp>
@@ -2651,7 +2667,7 @@
               <a:rPr lang="en-US" smtClean="0"/>
               <a:t>‹#›</a:t>
             </a:fld>
-            <a:endParaRPr lang="en-US"/>
+            <a:endParaRPr lang="en-US" dirty="0"/>
           </a:p>
         </p:txBody>
       </p:sp>
@@ -2774,7 +2790,7 @@
             </a:lvl9pPr>
           </a:lstStyle>
           <a:p>
-            <a:endParaRPr lang="en-US"/>
+            <a:endParaRPr lang="en-US" dirty="0"/>
           </a:p>
         </p:txBody>
       </p:sp>
@@ -2860,9 +2876,9 @@
           <a:p>
             <a:fld id="{78C97017-6FC3-485B-9764-EAC9E56C1D49}" type="datetimeFigureOut">
               <a:rPr lang="en-US" smtClean="0"/>
-              <a:t>10/16/2016</a:t>
+              <a:t>3/13/17</a:t>
             </a:fld>
-            <a:endParaRPr lang="en-US"/>
+            <a:endParaRPr lang="en-US" dirty="0"/>
           </a:p>
         </p:txBody>
       </p:sp>
@@ -2881,7 +2897,7 @@
           <a:bodyPr/>
           <a:lstStyle/>
           <a:p>
-            <a:endParaRPr lang="en-US"/>
+            <a:endParaRPr lang="en-US" dirty="0"/>
           </a:p>
         </p:txBody>
       </p:sp>
@@ -2904,7 +2920,7 @@
               <a:rPr lang="en-US" smtClean="0"/>
               <a:t>‹#›</a:t>
             </a:fld>
-            <a:endParaRPr lang="en-US"/>
+            <a:endParaRPr lang="en-US" dirty="0"/>
           </a:p>
         </p:txBody>
       </p:sp>
@@ -3073,9 +3089,9 @@
           <a:p>
             <a:fld id="{78C97017-6FC3-485B-9764-EAC9E56C1D49}" type="datetimeFigureOut">
               <a:rPr lang="en-US" smtClean="0"/>
-              <a:t>10/16/2016</a:t>
+              <a:t>3/13/17</a:t>
             </a:fld>
-            <a:endParaRPr lang="en-US"/>
+            <a:endParaRPr lang="en-US" dirty="0"/>
           </a:p>
         </p:txBody>
       </p:sp>
@@ -3112,7 +3128,7 @@
             </a:lvl1pPr>
           </a:lstStyle>
           <a:p>
-            <a:endParaRPr lang="en-US"/>
+            <a:endParaRPr lang="en-US" dirty="0"/>
           </a:p>
         </p:txBody>
       </p:sp>
@@ -3153,7 +3169,7 @@
               <a:rPr lang="en-US" smtClean="0"/>
               <a:t>‹#›</a:t>
             </a:fld>
-            <a:endParaRPr lang="en-US"/>
+            <a:endParaRPr lang="en-US" dirty="0"/>
           </a:p>
         </p:txBody>
       </p:sp>
@@ -3456,8 +3472,8 @@
         </p:nvSpPr>
         <p:spPr>
           <a:xfrm>
-            <a:off x="1119865" y="2086382"/>
-            <a:ext cx="7871735" cy="1723618"/>
+            <a:off x="381000" y="2209800"/>
+            <a:ext cx="8458200" cy="2667000"/>
           </a:xfrm>
           <a:prstGeom prst="roundRect">
             <a:avLst>
@@ -3521,7 +3537,7 @@
         </p:nvSpPr>
         <p:spPr>
           <a:xfrm>
-            <a:off x="2877180" y="3158440"/>
+            <a:off x="2419979" y="3281858"/>
             <a:ext cx="1323049" cy="346760"/>
           </a:xfrm>
           <a:prstGeom prst="rect">
@@ -3576,12 +3592,20 @@
               </a:rPr>
             </a:br>
             <a:r>
-              <a:rPr lang="en-US" sz="1050" dirty="0" err="1" smtClean="0">
+              <a:rPr lang="en-US" sz="1050" dirty="0" smtClean="0">
                 <a:solidFill>
                   <a:schemeClr val="bg1"/>
                 </a:solidFill>
               </a:rPr>
-              <a:t>AddressBookStorage</a:t>
+              <a:t>Task</a:t>
+            </a:r>
+            <a:r>
+              <a:rPr lang="en-US" sz="1050" dirty="0" smtClean="0">
+                <a:solidFill>
+                  <a:schemeClr val="bg1"/>
+                </a:solidFill>
+              </a:rPr>
+              <a:t>BossStorage</a:t>
             </a:r>
             <a:endParaRPr lang="en-SG" sz="1050" dirty="0">
               <a:solidFill>
@@ -3599,7 +3623,7 @@
         </p:nvSpPr>
         <p:spPr>
           <a:xfrm rot="16200000">
-            <a:off x="1683963" y="2868687"/>
+            <a:off x="1226762" y="2992105"/>
             <a:ext cx="1093635" cy="346760"/>
           </a:xfrm>
           <a:prstGeom prst="rect">
@@ -3639,7 +3663,7 @@
           <a:p>
             <a:pPr algn="ctr"/>
             <a:r>
-              <a:rPr lang="en-US" sz="1050" dirty="0" err="1" smtClean="0">
+              <a:rPr lang="en-US" sz="1050" dirty="0" smtClean="0">
                 <a:solidFill>
                   <a:schemeClr val="bg1"/>
                 </a:solidFill>
@@ -3662,7 +3686,7 @@
         </p:nvSpPr>
         <p:spPr>
           <a:xfrm rot="16200000">
-            <a:off x="956202" y="2861202"/>
+            <a:off x="499001" y="2984620"/>
             <a:ext cx="1093635" cy="346760"/>
           </a:xfrm>
           <a:prstGeom prst="rect">
@@ -3736,7 +3760,7 @@
         </p:nvSpPr>
         <p:spPr>
           <a:xfrm rot="16200000">
-            <a:off x="1626910" y="2952291"/>
+            <a:off x="1169709" y="3075709"/>
             <a:ext cx="270504" cy="175523"/>
           </a:xfrm>
           <a:prstGeom prst="triangle">
@@ -3775,7 +3799,7 @@
           <a:lstStyle/>
           <a:p>
             <a:pPr algn="ctr"/>
-            <a:endParaRPr lang="en-SG" sz="1050">
+            <a:endParaRPr lang="en-SG" sz="1050" dirty="0">
               <a:solidFill>
                 <a:schemeClr val="bg1"/>
               </a:solidFill>
@@ -3794,7 +3818,7 @@
         </p:nvCxnSpPr>
         <p:spPr>
           <a:xfrm>
-            <a:off x="2656370" y="3326536"/>
+            <a:off x="2199169" y="3449954"/>
             <a:ext cx="220810" cy="5284"/>
           </a:xfrm>
           <a:prstGeom prst="straightConnector1">
@@ -3834,7 +3858,7 @@
         </p:nvCxnSpPr>
         <p:spPr>
           <a:xfrm>
-            <a:off x="910091" y="3040053"/>
+            <a:off x="452890" y="3163471"/>
             <a:ext cx="419548" cy="2860"/>
           </a:xfrm>
           <a:prstGeom prst="bentConnector3">
@@ -3879,7 +3903,7 @@
         </p:nvCxnSpPr>
         <p:spPr>
           <a:xfrm flipV="1">
-            <a:off x="1849924" y="3040052"/>
+            <a:off x="1392723" y="3163470"/>
             <a:ext cx="216105" cy="1"/>
           </a:xfrm>
           <a:prstGeom prst="line">
@@ -3920,7 +3944,7 @@
         </p:nvSpPr>
         <p:spPr>
           <a:xfrm>
-            <a:off x="2420322" y="3239846"/>
+            <a:off x="1963121" y="3363264"/>
             <a:ext cx="236048" cy="173380"/>
           </a:xfrm>
           <a:prstGeom prst="flowChartDecision">
@@ -3955,7 +3979,7 @@
           <a:lstStyle/>
           <a:p>
             <a:pPr algn="ctr"/>
-            <a:endParaRPr lang="en-US" sz="1050">
+            <a:endParaRPr lang="en-US" sz="1050" dirty="0">
               <a:solidFill>
                 <a:schemeClr val="bg1"/>
               </a:solidFill>
@@ -3974,7 +3998,7 @@
         </p:nvCxnSpPr>
         <p:spPr>
           <a:xfrm flipV="1">
-            <a:off x="4398041" y="3331820"/>
+            <a:off x="3940840" y="3455238"/>
             <a:ext cx="223324" cy="1"/>
           </a:xfrm>
           <a:prstGeom prst="bentConnector3">
@@ -4017,7 +4041,7 @@
         </p:nvSpPr>
         <p:spPr>
           <a:xfrm rot="5400000" flipV="1">
-            <a:off x="4175027" y="3244059"/>
+            <a:off x="3717826" y="3367477"/>
             <a:ext cx="270504" cy="175523"/>
           </a:xfrm>
           <a:prstGeom prst="triangle">
@@ -4056,7 +4080,7 @@
           <a:lstStyle/>
           <a:p>
             <a:pPr algn="ctr"/>
-            <a:endParaRPr lang="en-SG" sz="1050">
+            <a:endParaRPr lang="en-SG" sz="1050" dirty="0">
               <a:solidFill>
                 <a:schemeClr val="bg1"/>
               </a:solidFill>
@@ -4075,7 +4099,7 @@
         </p:nvCxnSpPr>
         <p:spPr>
           <a:xfrm>
-            <a:off x="5791200" y="3331820"/>
+            <a:off x="5333999" y="3455238"/>
             <a:ext cx="228600" cy="1970"/>
           </a:xfrm>
           <a:prstGeom prst="bentConnector3">
@@ -4118,7 +4142,7 @@
         </p:nvSpPr>
         <p:spPr>
           <a:xfrm>
-            <a:off x="4621365" y="3158440"/>
+            <a:off x="4164164" y="3281858"/>
             <a:ext cx="1169835" cy="346760"/>
           </a:xfrm>
           <a:prstGeom prst="rect">
@@ -4147,14 +4171,14 @@
           <a:p>
             <a:pPr algn="ctr"/>
             <a:r>
-              <a:rPr lang="en-US" sz="1050" b="1" dirty="0" err="1" smtClean="0">
+              <a:rPr lang="en-US" sz="1050" b="1" dirty="0" smtClean="0">
                 <a:solidFill>
                   <a:schemeClr val="accent6">
                     <a:lumMod val="75000"/>
                   </a:schemeClr>
                 </a:solidFill>
               </a:rPr>
-              <a:t>XmlAddressBook</a:t>
+              <a:t>XmlTaskBoss</a:t>
             </a:r>
             <a:r>
               <a:rPr lang="en-US" sz="1050" b="1" dirty="0" smtClean="0">
@@ -4203,7 +4227,7 @@
         </p:nvSpPr>
         <p:spPr>
           <a:xfrm>
-            <a:off x="2873943" y="2558040"/>
+            <a:off x="2416742" y="2681458"/>
             <a:ext cx="1323049" cy="346760"/>
           </a:xfrm>
           <a:prstGeom prst="rect">
@@ -4258,7 +4282,7 @@
               </a:rPr>
             </a:br>
             <a:r>
-              <a:rPr lang="en-US" sz="1050" dirty="0" err="1" smtClean="0">
+              <a:rPr lang="en-US" sz="1050" dirty="0" smtClean="0">
                 <a:solidFill>
                   <a:schemeClr val="bg1"/>
                 </a:solidFill>
@@ -4284,7 +4308,7 @@
         </p:nvCxnSpPr>
         <p:spPr>
           <a:xfrm>
-            <a:off x="2653133" y="2726136"/>
+            <a:off x="2195932" y="2849554"/>
             <a:ext cx="220810" cy="5284"/>
           </a:xfrm>
           <a:prstGeom prst="straightConnector1">
@@ -4324,7 +4348,7 @@
         </p:nvSpPr>
         <p:spPr>
           <a:xfrm>
-            <a:off x="2417085" y="2639446"/>
+            <a:off x="1959884" y="2762864"/>
             <a:ext cx="236048" cy="173380"/>
           </a:xfrm>
           <a:prstGeom prst="flowChartDecision">
@@ -4359,7 +4383,7 @@
           <a:lstStyle/>
           <a:p>
             <a:pPr algn="ctr"/>
-            <a:endParaRPr lang="en-US" sz="1050">
+            <a:endParaRPr lang="en-US" sz="1050" dirty="0">
               <a:solidFill>
                 <a:schemeClr val="bg1"/>
               </a:solidFill>
@@ -4378,7 +4402,7 @@
         </p:nvCxnSpPr>
         <p:spPr>
           <a:xfrm flipV="1">
-            <a:off x="4394804" y="2731420"/>
+            <a:off x="3937603" y="2854838"/>
             <a:ext cx="223324" cy="1"/>
           </a:xfrm>
           <a:prstGeom prst="bentConnector3">
@@ -4421,7 +4445,7 @@
         </p:nvSpPr>
         <p:spPr>
           <a:xfrm rot="5400000" flipV="1">
-            <a:off x="4171790" y="2643659"/>
+            <a:off x="3714589" y="2767077"/>
             <a:ext cx="270504" cy="175523"/>
           </a:xfrm>
           <a:prstGeom prst="triangle">
@@ -4460,7 +4484,7 @@
           <a:lstStyle/>
           <a:p>
             <a:pPr algn="ctr"/>
-            <a:endParaRPr lang="en-SG" sz="1050">
+            <a:endParaRPr lang="en-SG" sz="1050" dirty="0">
               <a:solidFill>
                 <a:schemeClr val="bg1"/>
               </a:solidFill>
@@ -4476,7 +4500,7 @@
         </p:nvSpPr>
         <p:spPr>
           <a:xfrm>
-            <a:off x="4618128" y="2558040"/>
+            <a:off x="4160927" y="2681458"/>
             <a:ext cx="1093635" cy="346760"/>
           </a:xfrm>
           <a:prstGeom prst="rect">
@@ -4516,20 +4540,12 @@
           <a:p>
             <a:pPr algn="ctr"/>
             <a:r>
-              <a:rPr lang="en-US" sz="1050" dirty="0" err="1" smtClean="0">
+              <a:rPr lang="en-US" sz="1050" dirty="0" smtClean="0">
                 <a:solidFill>
                   <a:schemeClr val="bg1"/>
                 </a:solidFill>
               </a:rPr>
               <a:t>JsonUserPrefs</a:t>
-            </a:r>
-            <a:r>
-              <a:rPr lang="en-US" sz="1050" dirty="0" smtClean="0">
-                <a:solidFill>
-                  <a:schemeClr val="bg1"/>
-                </a:solidFill>
-              </a:rPr>
-              <a:t/>
             </a:r>
             <a:br>
               <a:rPr lang="en-US" sz="1050" dirty="0" smtClean="0">
@@ -4562,7 +4578,7 @@
         </p:nvSpPr>
         <p:spPr>
           <a:xfrm>
-            <a:off x="6019800" y="3160410"/>
+            <a:off x="5562599" y="3283828"/>
             <a:ext cx="1200707" cy="346760"/>
           </a:xfrm>
           <a:prstGeom prst="rect">
@@ -4591,7 +4607,7 @@
           <a:p>
             <a:pPr algn="ctr"/>
             <a:r>
-              <a:rPr lang="en-US" sz="1050" b="1" dirty="0" err="1" smtClean="0">
+              <a:rPr lang="en-US" sz="1050" b="1" dirty="0" smtClean="0">
                 <a:solidFill>
                   <a:schemeClr val="accent6">
                     <a:lumMod val="75000"/>
@@ -4599,16 +4615,6 @@
                 </a:solidFill>
               </a:rPr>
               <a:t>XmlSerializable</a:t>
-            </a:r>
-            <a:r>
-              <a:rPr lang="en-US" sz="1050" b="1" dirty="0" smtClean="0">
-                <a:solidFill>
-                  <a:schemeClr val="accent6">
-                    <a:lumMod val="75000"/>
-                  </a:schemeClr>
-                </a:solidFill>
-              </a:rPr>
-              <a:t/>
             </a:r>
             <a:br>
               <a:rPr lang="en-US" sz="1050" b="1" dirty="0" smtClean="0">
@@ -4620,14 +4626,14 @@
               </a:rPr>
             </a:br>
             <a:r>
-              <a:rPr lang="en-US" sz="1050" b="1" dirty="0" err="1" smtClean="0">
+              <a:rPr lang="en-US" sz="1050" b="1" dirty="0" smtClean="0">
                 <a:solidFill>
                   <a:schemeClr val="accent6">
                     <a:lumMod val="75000"/>
                   </a:schemeClr>
                 </a:solidFill>
               </a:rPr>
-              <a:t>AddressBook</a:t>
+              <a:t>TaskBoss</a:t>
             </a:r>
             <a:endParaRPr lang="en-SG" sz="1050" b="1" dirty="0">
               <a:solidFill>
@@ -4643,15 +4649,15 @@
         <p:nvCxnSpPr>
           <p:cNvPr id="70" name="Elbow Connector 122"/>
           <p:cNvCxnSpPr>
-            <a:stCxn id="74" idx="0"/>
-            <a:endCxn id="73" idx="2"/>
+            <a:stCxn id="74" idx="2"/>
+            <a:endCxn id="73" idx="0"/>
           </p:cNvCxnSpPr>
           <p:nvPr/>
         </p:nvCxnSpPr>
         <p:spPr>
-          <a:xfrm rot="5400000" flipH="1" flipV="1">
-            <a:off x="8077993" y="2992020"/>
-            <a:ext cx="335208" cy="12700"/>
+          <a:xfrm rot="16200000" flipH="1">
+            <a:off x="7682455" y="3812602"/>
+            <a:ext cx="367970" cy="1"/>
           </a:xfrm>
           <a:prstGeom prst="bentConnector3">
             <a:avLst>
@@ -4688,7 +4694,63 @@
         </p:nvSpPr>
         <p:spPr>
           <a:xfrm>
-            <a:off x="7615738" y="2477656"/>
+            <a:off x="7162513" y="3996588"/>
+            <a:ext cx="1407855" cy="346760"/>
+          </a:xfrm>
+          <a:prstGeom prst="rect">
+            <a:avLst/>
+          </a:prstGeom>
+          <a:ln w="19050"/>
+          <a:effectLst/>
+        </p:spPr>
+        <p:style>
+          <a:lnRef idx="1">
+            <a:schemeClr val="accent6"/>
+          </a:lnRef>
+          <a:fillRef idx="2">
+            <a:schemeClr val="accent6"/>
+          </a:fillRef>
+          <a:effectRef idx="1">
+            <a:schemeClr val="accent6"/>
+          </a:effectRef>
+          <a:fontRef idx="minor">
+            <a:schemeClr val="dk1"/>
+          </a:fontRef>
+        </p:style>
+        <p:txBody>
+          <a:bodyPr rtlCol="0" anchor="ctr"/>
+          <a:lstStyle/>
+          <a:p>
+            <a:pPr algn="ctr"/>
+            <a:r>
+              <a:rPr lang="en-US" sz="1050" b="1" dirty="0" smtClean="0">
+                <a:solidFill>
+                  <a:schemeClr val="accent6">
+                    <a:lumMod val="75000"/>
+                  </a:schemeClr>
+                </a:solidFill>
+              </a:rPr>
+              <a:t>XmlAdaptedCategory</a:t>
+            </a:r>
+            <a:endParaRPr lang="en-SG" sz="1050" b="1" dirty="0">
+              <a:solidFill>
+                <a:schemeClr val="accent6">
+                  <a:lumMod val="75000"/>
+                </a:schemeClr>
+              </a:solidFill>
+            </a:endParaRPr>
+          </a:p>
+        </p:txBody>
+      </p:sp>
+      <p:sp>
+        <p:nvSpPr>
+          <p:cNvPr id="74" name="Rectangle 8"/>
+          <p:cNvSpPr/>
+          <p:nvPr/>
+        </p:nvSpPr>
+        <p:spPr>
+          <a:xfrm>
+            <a:off x="7236581" y="3281858"/>
             <a:ext cx="1259718" cy="346760"/>
           </a:xfrm>
           <a:prstGeom prst="rect">
@@ -4717,70 +4779,14 @@
           <a:p>
             <a:pPr algn="ctr"/>
             <a:r>
-              <a:rPr lang="en-US" sz="1050" b="1" dirty="0" err="1" smtClean="0">
+              <a:rPr lang="en-US" sz="1050" b="1" dirty="0" smtClean="0">
                 <a:solidFill>
                   <a:schemeClr val="accent6">
                     <a:lumMod val="75000"/>
                   </a:schemeClr>
                 </a:solidFill>
               </a:rPr>
-              <a:t>XmlAdaptedTag</a:t>
-            </a:r>
-            <a:endParaRPr lang="en-SG" sz="1050" b="1" dirty="0">
-              <a:solidFill>
-                <a:schemeClr val="accent6">
-                  <a:lumMod val="75000"/>
-                </a:schemeClr>
-              </a:solidFill>
-            </a:endParaRPr>
-          </a:p>
-        </p:txBody>
-      </p:sp>
-      <p:sp>
-        <p:nvSpPr>
-          <p:cNvPr id="74" name="Rectangle 8"/>
-          <p:cNvSpPr/>
-          <p:nvPr/>
-        </p:nvSpPr>
-        <p:spPr>
-          <a:xfrm>
-            <a:off x="7615738" y="3159624"/>
-            <a:ext cx="1259718" cy="346760"/>
-          </a:xfrm>
-          <a:prstGeom prst="rect">
-            <a:avLst/>
-          </a:prstGeom>
-          <a:ln w="19050"/>
-          <a:effectLst/>
-        </p:spPr>
-        <p:style>
-          <a:lnRef idx="1">
-            <a:schemeClr val="accent6"/>
-          </a:lnRef>
-          <a:fillRef idx="2">
-            <a:schemeClr val="accent6"/>
-          </a:fillRef>
-          <a:effectRef idx="1">
-            <a:schemeClr val="accent6"/>
-          </a:effectRef>
-          <a:fontRef idx="minor">
-            <a:schemeClr val="dk1"/>
-          </a:fontRef>
-        </p:style>
-        <p:txBody>
-          <a:bodyPr rtlCol="0" anchor="ctr"/>
-          <a:lstStyle/>
-          <a:p>
-            <a:pPr algn="ctr"/>
-            <a:r>
-              <a:rPr lang="en-US" sz="1050" b="1" dirty="0" err="1" smtClean="0">
-                <a:solidFill>
-                  <a:schemeClr val="accent6">
-                    <a:lumMod val="75000"/>
-                  </a:schemeClr>
-                </a:solidFill>
-              </a:rPr>
-              <a:t>XmlAdaptedPerson</a:t>
+              <a:t>XmlAdaptedTask</a:t>
             </a:r>
             <a:endParaRPr lang="en-SG" sz="1050" b="1" dirty="0">
               <a:solidFill>
@@ -4803,8 +4809,8 @@
         </p:nvCxnSpPr>
         <p:spPr>
           <a:xfrm flipV="1">
-            <a:off x="7220507" y="3333004"/>
-            <a:ext cx="395231" cy="786"/>
+            <a:off x="6763306" y="3455238"/>
+            <a:ext cx="473275" cy="1970"/>
           </a:xfrm>
           <a:prstGeom prst="bentConnector3">
             <a:avLst>

--- a/docs/diagrams/StorageComponentClassDiagram.pptx
+++ b/docs/diagrams/StorageComponentClassDiagram.pptx
@@ -107,6 +107,22 @@
       </a:defRPr>
     </a:lvl9pPr>
   </p:defaultTextStyle>
+  <p:extLst>
+    <p:ext uri="{EFAFB233-063F-42B5-8137-9DF3F51BA10A}">
+      <p15:sldGuideLst xmlns:p15="http://schemas.microsoft.com/office/powerpoint/2012/main">
+        <p15:guide id="1" orient="horz" pos="1488">
+          <p15:clr>
+            <a:srgbClr val="A4A3A4"/>
+          </p15:clr>
+        </p15:guide>
+        <p15:guide id="2" pos="2880">
+          <p15:clr>
+            <a:srgbClr val="A4A3A4"/>
+          </p15:clr>
+        </p15:guide>
+      </p15:sldGuideLst>
+    </p:ext>
+  </p:extLst>
 </p:presentation>
 </file>
 
@@ -192,7 +208,7 @@
           <a:p>
             <a:fld id="{F5CC4B3F-88C1-4FFA-B1B6-F41C21DC6924}" type="datetimeFigureOut">
               <a:rPr lang="en-US" smtClean="0"/>
-              <a:t>10/16/2016</a:t>
+              <a:t>3/14/2017</a:t>
             </a:fld>
             <a:endParaRPr lang="en-US"/>
           </a:p>
@@ -641,7 +657,7 @@
           <a:p>
             <a:fld id="{78C97017-6FC3-485B-9764-EAC9E56C1D49}" type="datetimeFigureOut">
               <a:rPr lang="en-US" smtClean="0"/>
-              <a:t>10/16/2016</a:t>
+              <a:t>3/14/2017</a:t>
             </a:fld>
             <a:endParaRPr lang="en-US"/>
           </a:p>
@@ -811,7 +827,7 @@
           <a:p>
             <a:fld id="{78C97017-6FC3-485B-9764-EAC9E56C1D49}" type="datetimeFigureOut">
               <a:rPr lang="en-US" smtClean="0"/>
-              <a:t>10/16/2016</a:t>
+              <a:t>3/14/2017</a:t>
             </a:fld>
             <a:endParaRPr lang="en-US"/>
           </a:p>
@@ -991,7 +1007,7 @@
           <a:p>
             <a:fld id="{78C97017-6FC3-485B-9764-EAC9E56C1D49}" type="datetimeFigureOut">
               <a:rPr lang="en-US" smtClean="0"/>
-              <a:t>10/16/2016</a:t>
+              <a:t>3/14/2017</a:t>
             </a:fld>
             <a:endParaRPr lang="en-US"/>
           </a:p>
@@ -1161,7 +1177,7 @@
           <a:p>
             <a:fld id="{78C97017-6FC3-485B-9764-EAC9E56C1D49}" type="datetimeFigureOut">
               <a:rPr lang="en-US" smtClean="0"/>
-              <a:t>10/16/2016</a:t>
+              <a:t>3/14/2017</a:t>
             </a:fld>
             <a:endParaRPr lang="en-US"/>
           </a:p>
@@ -1407,7 +1423,7 @@
           <a:p>
             <a:fld id="{78C97017-6FC3-485B-9764-EAC9E56C1D49}" type="datetimeFigureOut">
               <a:rPr lang="en-US" smtClean="0"/>
-              <a:t>10/16/2016</a:t>
+              <a:t>3/14/2017</a:t>
             </a:fld>
             <a:endParaRPr lang="en-US"/>
           </a:p>
@@ -1695,7 +1711,7 @@
           <a:p>
             <a:fld id="{78C97017-6FC3-485B-9764-EAC9E56C1D49}" type="datetimeFigureOut">
               <a:rPr lang="en-US" smtClean="0"/>
-              <a:t>10/16/2016</a:t>
+              <a:t>3/14/2017</a:t>
             </a:fld>
             <a:endParaRPr lang="en-US"/>
           </a:p>
@@ -2117,7 +2133,7 @@
           <a:p>
             <a:fld id="{78C97017-6FC3-485B-9764-EAC9E56C1D49}" type="datetimeFigureOut">
               <a:rPr lang="en-US" smtClean="0"/>
-              <a:t>10/16/2016</a:t>
+              <a:t>3/14/2017</a:t>
             </a:fld>
             <a:endParaRPr lang="en-US"/>
           </a:p>
@@ -2235,7 +2251,7 @@
           <a:p>
             <a:fld id="{78C97017-6FC3-485B-9764-EAC9E56C1D49}" type="datetimeFigureOut">
               <a:rPr lang="en-US" smtClean="0"/>
-              <a:t>10/16/2016</a:t>
+              <a:t>3/14/2017</a:t>
             </a:fld>
             <a:endParaRPr lang="en-US"/>
           </a:p>
@@ -2330,7 +2346,7 @@
           <a:p>
             <a:fld id="{78C97017-6FC3-485B-9764-EAC9E56C1D49}" type="datetimeFigureOut">
               <a:rPr lang="en-US" smtClean="0"/>
-              <a:t>10/16/2016</a:t>
+              <a:t>3/14/2017</a:t>
             </a:fld>
             <a:endParaRPr lang="en-US"/>
           </a:p>
@@ -2607,7 +2623,7 @@
           <a:p>
             <a:fld id="{78C97017-6FC3-485B-9764-EAC9E56C1D49}" type="datetimeFigureOut">
               <a:rPr lang="en-US" smtClean="0"/>
-              <a:t>10/16/2016</a:t>
+              <a:t>3/14/2017</a:t>
             </a:fld>
             <a:endParaRPr lang="en-US"/>
           </a:p>
@@ -2860,7 +2876,7 @@
           <a:p>
             <a:fld id="{78C97017-6FC3-485B-9764-EAC9E56C1D49}" type="datetimeFigureOut">
               <a:rPr lang="en-US" smtClean="0"/>
-              <a:t>10/16/2016</a:t>
+              <a:t>3/14/2017</a:t>
             </a:fld>
             <a:endParaRPr lang="en-US"/>
           </a:p>
@@ -3073,7 +3089,7 @@
           <a:p>
             <a:fld id="{78C97017-6FC3-485B-9764-EAC9E56C1D49}" type="datetimeFigureOut">
               <a:rPr lang="en-US" smtClean="0"/>
-              <a:t>10/16/2016</a:t>
+              <a:t>3/14/2017</a:t>
             </a:fld>
             <a:endParaRPr lang="en-US"/>
           </a:p>
@@ -3521,8 +3537,8 @@
         </p:nvSpPr>
         <p:spPr>
           <a:xfrm>
-            <a:off x="2877180" y="3158440"/>
-            <a:ext cx="1323049" cy="346760"/>
+            <a:off x="2866144" y="3158440"/>
+            <a:ext cx="1334086" cy="346760"/>
           </a:xfrm>
           <a:prstGeom prst="rect">
             <a:avLst/>
@@ -3576,12 +3592,20 @@
               </a:rPr>
             </a:br>
             <a:r>
-              <a:rPr lang="en-US" sz="1050" dirty="0" err="1" smtClean="0">
+              <a:rPr lang="en-US" sz="1050" dirty="0" smtClean="0">
                 <a:solidFill>
                   <a:schemeClr val="bg1"/>
                 </a:solidFill>
               </a:rPr>
-              <a:t>AddressBookStorage</a:t>
+              <a:t>TaskManager</a:t>
+            </a:r>
+            <a:r>
+              <a:rPr lang="en-US" sz="1050" dirty="0" smtClean="0">
+                <a:solidFill>
+                  <a:schemeClr val="bg1"/>
+                </a:solidFill>
+              </a:rPr>
+              <a:t>Storage</a:t>
             </a:r>
             <a:endParaRPr lang="en-SG" sz="1050" dirty="0">
               <a:solidFill>
@@ -3639,7 +3663,7 @@
           <a:p>
             <a:pPr algn="ctr"/>
             <a:r>
-              <a:rPr lang="en-US" sz="1050" dirty="0" err="1" smtClean="0">
+              <a:rPr lang="en-US" sz="1050" dirty="0" smtClean="0">
                 <a:solidFill>
                   <a:schemeClr val="bg1"/>
                 </a:solidFill>
@@ -3795,7 +3819,7 @@
         <p:spPr>
           <a:xfrm>
             <a:off x="2656370" y="3326536"/>
-            <a:ext cx="220810" cy="5284"/>
+            <a:ext cx="209774" cy="5284"/>
           </a:xfrm>
           <a:prstGeom prst="straightConnector1">
             <a:avLst/>
@@ -4147,14 +4171,14 @@
           <a:p>
             <a:pPr algn="ctr"/>
             <a:r>
-              <a:rPr lang="en-US" sz="1050" b="1" dirty="0" err="1" smtClean="0">
+              <a:rPr lang="en-US" sz="1050" b="1" dirty="0" smtClean="0">
                 <a:solidFill>
                   <a:schemeClr val="accent6">
                     <a:lumMod val="75000"/>
                   </a:schemeClr>
                 </a:solidFill>
               </a:rPr>
-              <a:t>XmlAddressBook</a:t>
+              <a:t>XmlTaskManager</a:t>
             </a:r>
             <a:r>
               <a:rPr lang="en-US" sz="1050" b="1" dirty="0" smtClean="0">
@@ -4203,8 +4227,8 @@
         </p:nvSpPr>
         <p:spPr>
           <a:xfrm>
-            <a:off x="2873943" y="2558040"/>
-            <a:ext cx="1323049" cy="346760"/>
+            <a:off x="2840573" y="2558040"/>
+            <a:ext cx="1356419" cy="346760"/>
           </a:xfrm>
           <a:prstGeom prst="rect">
             <a:avLst/>
@@ -4258,7 +4282,7 @@
               </a:rPr>
             </a:br>
             <a:r>
-              <a:rPr lang="en-US" sz="1050" dirty="0" err="1" smtClean="0">
+              <a:rPr lang="en-US" sz="1050" dirty="0" smtClean="0">
                 <a:solidFill>
                   <a:schemeClr val="bg1"/>
                 </a:solidFill>
@@ -4278,14 +4302,13 @@
           <p:cNvPr id="54" name="Straight Arrow Connector 53"/>
           <p:cNvCxnSpPr>
             <a:stCxn id="56" idx="3"/>
-            <a:endCxn id="52" idx="1"/>
           </p:cNvCxnSpPr>
           <p:nvPr/>
         </p:nvCxnSpPr>
         <p:spPr>
           <a:xfrm>
             <a:off x="2653133" y="2726136"/>
-            <a:ext cx="220810" cy="5284"/>
+            <a:ext cx="187440" cy="0"/>
           </a:xfrm>
           <a:prstGeom prst="straightConnector1">
             <a:avLst/>
@@ -4516,20 +4539,12 @@
           <a:p>
             <a:pPr algn="ctr"/>
             <a:r>
-              <a:rPr lang="en-US" sz="1050" dirty="0" err="1" smtClean="0">
+              <a:rPr lang="en-US" sz="1050" dirty="0" smtClean="0">
                 <a:solidFill>
                   <a:schemeClr val="bg1"/>
                 </a:solidFill>
               </a:rPr>
               <a:t>JsonUserPrefs</a:t>
-            </a:r>
-            <a:r>
-              <a:rPr lang="en-US" sz="1050" dirty="0" smtClean="0">
-                <a:solidFill>
-                  <a:schemeClr val="bg1"/>
-                </a:solidFill>
-              </a:rPr>
-              <a:t/>
             </a:r>
             <a:br>
               <a:rPr lang="en-US" sz="1050" dirty="0" smtClean="0">
@@ -4591,7 +4606,7 @@
           <a:p>
             <a:pPr algn="ctr"/>
             <a:r>
-              <a:rPr lang="en-US" sz="1050" b="1" dirty="0" err="1" smtClean="0">
+              <a:rPr lang="en-US" sz="1050" b="1" dirty="0" smtClean="0">
                 <a:solidFill>
                   <a:schemeClr val="accent6">
                     <a:lumMod val="75000"/>
@@ -4599,16 +4614,6 @@
                 </a:solidFill>
               </a:rPr>
               <a:t>XmlSerializable</a:t>
-            </a:r>
-            <a:r>
-              <a:rPr lang="en-US" sz="1050" b="1" dirty="0" smtClean="0">
-                <a:solidFill>
-                  <a:schemeClr val="accent6">
-                    <a:lumMod val="75000"/>
-                  </a:schemeClr>
-                </a:solidFill>
-              </a:rPr>
-              <a:t/>
             </a:r>
             <a:br>
               <a:rPr lang="en-US" sz="1050" b="1" dirty="0" smtClean="0">
@@ -4620,14 +4625,14 @@
               </a:rPr>
             </a:br>
             <a:r>
-              <a:rPr lang="en-US" sz="1050" b="1" dirty="0" err="1" smtClean="0">
+              <a:rPr lang="en-US" sz="1050" b="1" dirty="0" smtClean="0">
                 <a:solidFill>
                   <a:schemeClr val="accent6">
                     <a:lumMod val="75000"/>
                   </a:schemeClr>
                 </a:solidFill>
               </a:rPr>
-              <a:t>AddressBook</a:t>
+              <a:t>TaskManager</a:t>
             </a:r>
             <a:endParaRPr lang="en-SG" sz="1050" b="1" dirty="0">
               <a:solidFill>
@@ -4655,7 +4660,7 @@
           </a:xfrm>
           <a:prstGeom prst="bentConnector3">
             <a:avLst>
-              <a:gd name="adj1" fmla="val 50000"/>
+              <a:gd name="adj1" fmla="val 2421"/>
             </a:avLst>
           </a:prstGeom>
           <a:ln w="19050">
@@ -4717,7 +4722,7 @@
           <a:p>
             <a:pPr algn="ctr"/>
             <a:r>
-              <a:rPr lang="en-US" sz="1050" b="1" dirty="0" err="1" smtClean="0">
+              <a:rPr lang="en-US" sz="1050" b="1" dirty="0" smtClean="0">
                 <a:solidFill>
                   <a:schemeClr val="accent6">
                     <a:lumMod val="75000"/>
@@ -4773,14 +4778,14 @@
           <a:p>
             <a:pPr algn="ctr"/>
             <a:r>
-              <a:rPr lang="en-US" sz="1050" b="1" dirty="0" err="1" smtClean="0">
+              <a:rPr lang="en-US" sz="1050" b="1" dirty="0" smtClean="0">
                 <a:solidFill>
                   <a:schemeClr val="accent6">
                     <a:lumMod val="75000"/>
                   </a:schemeClr>
                 </a:solidFill>
               </a:rPr>
-              <a:t>XmlAdaptedPerson</a:t>
+              <a:t>XmlAdaptedTask</a:t>
             </a:r>
             <a:endParaRPr lang="en-SG" sz="1050" b="1" dirty="0">
               <a:solidFill>

--- a/docs/diagrams/StorageComponentClassDiagram.pptx
+++ b/docs/diagrams/StorageComponentClassDiagram.pptx
@@ -107,6 +107,22 @@
       </a:defRPr>
     </a:lvl9pPr>
   </p:defaultTextStyle>
+  <p:extLst>
+    <p:ext uri="{EFAFB233-063F-42B5-8137-9DF3F51BA10A}">
+      <p15:sldGuideLst xmlns:p15="http://schemas.microsoft.com/office/powerpoint/2012/main">
+        <p15:guide id="1" orient="horz" pos="1488">
+          <p15:clr>
+            <a:srgbClr val="A4A3A4"/>
+          </p15:clr>
+        </p15:guide>
+        <p15:guide id="2" pos="2880">
+          <p15:clr>
+            <a:srgbClr val="A4A3A4"/>
+          </p15:clr>
+        </p15:guide>
+      </p15:sldGuideLst>
+    </p:ext>
+  </p:extLst>
 </p:presentation>
 </file>
 
@@ -192,7 +208,7 @@
           <a:p>
             <a:fld id="{F5CC4B3F-88C1-4FFA-B1B6-F41C21DC6924}" type="datetimeFigureOut">
               <a:rPr lang="en-US" smtClean="0"/>
-              <a:t>10/16/2016</a:t>
+              <a:t>3/14/2017</a:t>
             </a:fld>
             <a:endParaRPr lang="en-US"/>
           </a:p>
@@ -641,7 +657,7 @@
           <a:p>
             <a:fld id="{78C97017-6FC3-485B-9764-EAC9E56C1D49}" type="datetimeFigureOut">
               <a:rPr lang="en-US" smtClean="0"/>
-              <a:t>10/16/2016</a:t>
+              <a:t>3/14/2017</a:t>
             </a:fld>
             <a:endParaRPr lang="en-US"/>
           </a:p>
@@ -811,7 +827,7 @@
           <a:p>
             <a:fld id="{78C97017-6FC3-485B-9764-EAC9E56C1D49}" type="datetimeFigureOut">
               <a:rPr lang="en-US" smtClean="0"/>
-              <a:t>10/16/2016</a:t>
+              <a:t>3/14/2017</a:t>
             </a:fld>
             <a:endParaRPr lang="en-US"/>
           </a:p>
@@ -991,7 +1007,7 @@
           <a:p>
             <a:fld id="{78C97017-6FC3-485B-9764-EAC9E56C1D49}" type="datetimeFigureOut">
               <a:rPr lang="en-US" smtClean="0"/>
-              <a:t>10/16/2016</a:t>
+              <a:t>3/14/2017</a:t>
             </a:fld>
             <a:endParaRPr lang="en-US"/>
           </a:p>
@@ -1161,7 +1177,7 @@
           <a:p>
             <a:fld id="{78C97017-6FC3-485B-9764-EAC9E56C1D49}" type="datetimeFigureOut">
               <a:rPr lang="en-US" smtClean="0"/>
-              <a:t>10/16/2016</a:t>
+              <a:t>3/14/2017</a:t>
             </a:fld>
             <a:endParaRPr lang="en-US"/>
           </a:p>
@@ -1407,7 +1423,7 @@
           <a:p>
             <a:fld id="{78C97017-6FC3-485B-9764-EAC9E56C1D49}" type="datetimeFigureOut">
               <a:rPr lang="en-US" smtClean="0"/>
-              <a:t>10/16/2016</a:t>
+              <a:t>3/14/2017</a:t>
             </a:fld>
             <a:endParaRPr lang="en-US"/>
           </a:p>
@@ -1695,7 +1711,7 @@
           <a:p>
             <a:fld id="{78C97017-6FC3-485B-9764-EAC9E56C1D49}" type="datetimeFigureOut">
               <a:rPr lang="en-US" smtClean="0"/>
-              <a:t>10/16/2016</a:t>
+              <a:t>3/14/2017</a:t>
             </a:fld>
             <a:endParaRPr lang="en-US"/>
           </a:p>
@@ -2117,7 +2133,7 @@
           <a:p>
             <a:fld id="{78C97017-6FC3-485B-9764-EAC9E56C1D49}" type="datetimeFigureOut">
               <a:rPr lang="en-US" smtClean="0"/>
-              <a:t>10/16/2016</a:t>
+              <a:t>3/14/2017</a:t>
             </a:fld>
             <a:endParaRPr lang="en-US"/>
           </a:p>
@@ -2235,7 +2251,7 @@
           <a:p>
             <a:fld id="{78C97017-6FC3-485B-9764-EAC9E56C1D49}" type="datetimeFigureOut">
               <a:rPr lang="en-US" smtClean="0"/>
-              <a:t>10/16/2016</a:t>
+              <a:t>3/14/2017</a:t>
             </a:fld>
             <a:endParaRPr lang="en-US"/>
           </a:p>
@@ -2330,7 +2346,7 @@
           <a:p>
             <a:fld id="{78C97017-6FC3-485B-9764-EAC9E56C1D49}" type="datetimeFigureOut">
               <a:rPr lang="en-US" smtClean="0"/>
-              <a:t>10/16/2016</a:t>
+              <a:t>3/14/2017</a:t>
             </a:fld>
             <a:endParaRPr lang="en-US"/>
           </a:p>
@@ -2607,7 +2623,7 @@
           <a:p>
             <a:fld id="{78C97017-6FC3-485B-9764-EAC9E56C1D49}" type="datetimeFigureOut">
               <a:rPr lang="en-US" smtClean="0"/>
-              <a:t>10/16/2016</a:t>
+              <a:t>3/14/2017</a:t>
             </a:fld>
             <a:endParaRPr lang="en-US"/>
           </a:p>
@@ -2860,7 +2876,7 @@
           <a:p>
             <a:fld id="{78C97017-6FC3-485B-9764-EAC9E56C1D49}" type="datetimeFigureOut">
               <a:rPr lang="en-US" smtClean="0"/>
-              <a:t>10/16/2016</a:t>
+              <a:t>3/14/2017</a:t>
             </a:fld>
             <a:endParaRPr lang="en-US"/>
           </a:p>
@@ -3073,7 +3089,7 @@
           <a:p>
             <a:fld id="{78C97017-6FC3-485B-9764-EAC9E56C1D49}" type="datetimeFigureOut">
               <a:rPr lang="en-US" smtClean="0"/>
-              <a:t>10/16/2016</a:t>
+              <a:t>3/14/2017</a:t>
             </a:fld>
             <a:endParaRPr lang="en-US"/>
           </a:p>
@@ -3450,7 +3466,7 @@
       </p:grpSpPr>
       <p:sp>
         <p:nvSpPr>
-          <p:cNvPr id="118" name="Rectangle 65"/>
+          <p:cNvPr id="53" name="Rectangle 65"/>
           <p:cNvSpPr/>
           <p:nvPr/>
         </p:nvSpPr>
@@ -3515,14 +3531,14 @@
       </p:sp>
       <p:sp>
         <p:nvSpPr>
-          <p:cNvPr id="2" name="Rectangle 8"/>
+          <p:cNvPr id="55" name="Rectangle 8"/>
           <p:cNvSpPr/>
           <p:nvPr/>
         </p:nvSpPr>
         <p:spPr>
           <a:xfrm>
-            <a:off x="2877180" y="3158440"/>
-            <a:ext cx="1323049" cy="346760"/>
+            <a:off x="2866144" y="3158440"/>
+            <a:ext cx="1330849" cy="346760"/>
           </a:xfrm>
           <a:prstGeom prst="rect">
             <a:avLst/>
@@ -3581,7 +3597,7 @@
                   <a:schemeClr val="bg1"/>
                 </a:solidFill>
               </a:rPr>
-              <a:t>AddressBookStorage</a:t>
+              <a:t>TaskManagerStorage</a:t>
             </a:r>
             <a:endParaRPr lang="en-SG" sz="1050" dirty="0">
               <a:solidFill>
@@ -3593,7 +3609,7 @@
       </p:sp>
       <p:sp>
         <p:nvSpPr>
-          <p:cNvPr id="9" name="Rectangle 62"/>
+          <p:cNvPr id="57" name="Rectangle 62"/>
           <p:cNvSpPr/>
           <p:nvPr/>
         </p:nvSpPr>
@@ -3656,7 +3672,7 @@
       </p:sp>
       <p:sp>
         <p:nvSpPr>
-          <p:cNvPr id="119" name="Rectangle 62"/>
+          <p:cNvPr id="59" name="Rectangle 62"/>
           <p:cNvSpPr/>
           <p:nvPr/>
         </p:nvSpPr>
@@ -3730,7 +3746,7 @@
       </p:sp>
       <p:sp>
         <p:nvSpPr>
-          <p:cNvPr id="120" name="Isosceles Triangle 102"/>
+          <p:cNvPr id="62" name="Isosceles Triangle 102"/>
           <p:cNvSpPr/>
           <p:nvPr/>
         </p:nvSpPr>
@@ -3785,17 +3801,17 @@
       </p:sp>
       <p:cxnSp>
         <p:nvCxnSpPr>
-          <p:cNvPr id="58" name="Straight Arrow Connector 57"/>
+          <p:cNvPr id="63" name="Straight Arrow Connector 62"/>
           <p:cNvCxnSpPr>
-            <a:stCxn id="42" idx="3"/>
-            <a:endCxn id="2" idx="1"/>
+            <a:stCxn id="68" idx="3"/>
+            <a:endCxn id="55" idx="1"/>
           </p:cNvCxnSpPr>
           <p:nvPr/>
         </p:nvCxnSpPr>
         <p:spPr>
           <a:xfrm>
             <a:off x="2656370" y="3326536"/>
-            <a:ext cx="220810" cy="5284"/>
+            <a:ext cx="209774" cy="5284"/>
           </a:xfrm>
           <a:prstGeom prst="straightConnector1">
             <a:avLst/>
@@ -3828,7 +3844,7 @@
       </p:cxnSp>
       <p:cxnSp>
         <p:nvCxnSpPr>
-          <p:cNvPr id="75" name="Elbow Connector 122"/>
+          <p:cNvPr id="64" name="Elbow Connector 122"/>
           <p:cNvCxnSpPr/>
           <p:nvPr/>
         </p:nvCxnSpPr>
@@ -3871,9 +3887,9 @@
       </p:cxnSp>
       <p:cxnSp>
         <p:nvCxnSpPr>
-          <p:cNvPr id="21" name="Straight Connector 20"/>
+          <p:cNvPr id="67" name="Straight Connector 66"/>
           <p:cNvCxnSpPr>
-            <a:stCxn id="120" idx="3"/>
+            <a:stCxn id="62" idx="3"/>
           </p:cNvCxnSpPr>
           <p:nvPr/>
         </p:nvCxnSpPr>
@@ -3914,7 +3930,7 @@
       </p:cxnSp>
       <p:sp>
         <p:nvSpPr>
-          <p:cNvPr id="42" name="Flowchart: Decision 96"/>
+          <p:cNvPr id="68" name="Flowchart: Decision 96"/>
           <p:cNvSpPr/>
           <p:nvPr/>
         </p:nvSpPr>
@@ -3965,10 +3981,10 @@
       </p:sp>
       <p:cxnSp>
         <p:nvCxnSpPr>
-          <p:cNvPr id="97" name="Elbow Connector 63"/>
+          <p:cNvPr id="69" name="Elbow Connector 63"/>
           <p:cNvCxnSpPr>
-            <a:stCxn id="99" idx="3"/>
-            <a:endCxn id="50" idx="1"/>
+            <a:stCxn id="71" idx="3"/>
+            <a:endCxn id="76" idx="1"/>
           </p:cNvCxnSpPr>
           <p:nvPr/>
         </p:nvCxnSpPr>
@@ -4011,7 +4027,7 @@
       </p:cxnSp>
       <p:sp>
         <p:nvSpPr>
-          <p:cNvPr id="99" name="Isosceles Triangle 102"/>
+          <p:cNvPr id="71" name="Isosceles Triangle 102"/>
           <p:cNvSpPr/>
           <p:nvPr/>
         </p:nvSpPr>
@@ -4066,10 +4082,10 @@
       </p:sp>
       <p:cxnSp>
         <p:nvCxnSpPr>
-          <p:cNvPr id="124" name="Elbow Connector 122"/>
+          <p:cNvPr id="72" name="Elbow Connector 122"/>
           <p:cNvCxnSpPr>
-            <a:stCxn id="50" idx="3"/>
-            <a:endCxn id="66" idx="1"/>
+            <a:stCxn id="76" idx="3"/>
+            <a:endCxn id="84" idx="1"/>
           </p:cNvCxnSpPr>
           <p:nvPr/>
         </p:nvCxnSpPr>
@@ -4112,7 +4128,7 @@
       </p:cxnSp>
       <p:sp>
         <p:nvSpPr>
-          <p:cNvPr id="50" name="Rectangle 8"/>
+          <p:cNvPr id="76" name="Rectangle 8"/>
           <p:cNvSpPr/>
           <p:nvPr/>
         </p:nvSpPr>
@@ -4154,7 +4170,7 @@
                   </a:schemeClr>
                 </a:solidFill>
               </a:rPr>
-              <a:t>XmlAddressBook</a:t>
+              <a:t>XmlTaskManager</a:t>
             </a:r>
             <a:r>
               <a:rPr lang="en-US" sz="1050" b="1" dirty="0" smtClean="0">
@@ -4197,7 +4213,7 @@
       </p:sp>
       <p:sp>
         <p:nvSpPr>
-          <p:cNvPr id="52" name="Rectangle 8"/>
+          <p:cNvPr id="78" name="Rectangle 8"/>
           <p:cNvSpPr/>
           <p:nvPr/>
         </p:nvSpPr>
@@ -4275,10 +4291,10 @@
       </p:sp>
       <p:cxnSp>
         <p:nvCxnSpPr>
-          <p:cNvPr id="54" name="Straight Arrow Connector 53"/>
+          <p:cNvPr id="79" name="Straight Arrow Connector 78"/>
           <p:cNvCxnSpPr>
-            <a:stCxn id="56" idx="3"/>
-            <a:endCxn id="52" idx="1"/>
+            <a:stCxn id="80" idx="3"/>
+            <a:endCxn id="78" idx="1"/>
           </p:cNvCxnSpPr>
           <p:nvPr/>
         </p:nvCxnSpPr>
@@ -4318,7 +4334,7 @@
       </p:cxnSp>
       <p:sp>
         <p:nvSpPr>
-          <p:cNvPr id="56" name="Flowchart: Decision 96"/>
+          <p:cNvPr id="80" name="Flowchart: Decision 96"/>
           <p:cNvSpPr/>
           <p:nvPr/>
         </p:nvSpPr>
@@ -4369,10 +4385,10 @@
       </p:sp>
       <p:cxnSp>
         <p:nvCxnSpPr>
-          <p:cNvPr id="60" name="Elbow Connector 63"/>
+          <p:cNvPr id="81" name="Elbow Connector 63"/>
           <p:cNvCxnSpPr>
-            <a:stCxn id="61" idx="3"/>
-            <a:endCxn id="65" idx="1"/>
+            <a:stCxn id="82" idx="3"/>
+            <a:endCxn id="83" idx="1"/>
           </p:cNvCxnSpPr>
           <p:nvPr/>
         </p:nvCxnSpPr>
@@ -4415,7 +4431,7 @@
       </p:cxnSp>
       <p:sp>
         <p:nvSpPr>
-          <p:cNvPr id="61" name="Isosceles Triangle 102"/>
+          <p:cNvPr id="82" name="Isosceles Triangle 102"/>
           <p:cNvSpPr/>
           <p:nvPr/>
         </p:nvSpPr>
@@ -4470,7 +4486,7 @@
       </p:sp>
       <p:sp>
         <p:nvSpPr>
-          <p:cNvPr id="65" name="Rectangle 8"/>
+          <p:cNvPr id="83" name="Rectangle 8"/>
           <p:cNvSpPr/>
           <p:nvPr/>
         </p:nvSpPr>
@@ -4556,7 +4572,7 @@
       </p:sp>
       <p:sp>
         <p:nvSpPr>
-          <p:cNvPr id="66" name="Rectangle 8"/>
+          <p:cNvPr id="84" name="Rectangle 8"/>
           <p:cNvSpPr/>
           <p:nvPr/>
         </p:nvSpPr>
@@ -4627,7 +4643,7 @@
                   </a:schemeClr>
                 </a:solidFill>
               </a:rPr>
-              <a:t>AddressBook</a:t>
+              <a:t>TaskManager</a:t>
             </a:r>
             <a:endParaRPr lang="en-SG" sz="1050" b="1" dirty="0">
               <a:solidFill>
@@ -4641,10 +4657,10 @@
       </p:sp>
       <p:cxnSp>
         <p:nvCxnSpPr>
-          <p:cNvPr id="70" name="Elbow Connector 122"/>
+          <p:cNvPr id="85" name="Elbow Connector 122"/>
           <p:cNvCxnSpPr>
-            <a:stCxn id="74" idx="0"/>
-            <a:endCxn id="73" idx="2"/>
+            <a:stCxn id="87" idx="0"/>
+            <a:endCxn id="86" idx="2"/>
           </p:cNvCxnSpPr>
           <p:nvPr/>
         </p:nvCxnSpPr>
@@ -4682,7 +4698,7 @@
       </p:cxnSp>
       <p:sp>
         <p:nvSpPr>
-          <p:cNvPr id="73" name="Rectangle 8"/>
+          <p:cNvPr id="86" name="Rectangle 8"/>
           <p:cNvSpPr/>
           <p:nvPr/>
         </p:nvSpPr>
@@ -4738,7 +4754,7 @@
       </p:sp>
       <p:sp>
         <p:nvSpPr>
-          <p:cNvPr id="74" name="Rectangle 8"/>
+          <p:cNvPr id="87" name="Rectangle 8"/>
           <p:cNvSpPr/>
           <p:nvPr/>
         </p:nvSpPr>
@@ -4780,7 +4796,7 @@
                   </a:schemeClr>
                 </a:solidFill>
               </a:rPr>
-              <a:t>XmlAdaptedPerson</a:t>
+              <a:t>XmlAdaptedTask</a:t>
             </a:r>
             <a:endParaRPr lang="en-SG" sz="1050" b="1" dirty="0">
               <a:solidFill>
@@ -4794,10 +4810,10 @@
       </p:sp>
       <p:cxnSp>
         <p:nvCxnSpPr>
-          <p:cNvPr id="77" name="Elbow Connector 122"/>
+          <p:cNvPr id="88" name="Elbow Connector 122"/>
           <p:cNvCxnSpPr>
-            <a:stCxn id="66" idx="3"/>
-            <a:endCxn id="74" idx="1"/>
+            <a:stCxn id="84" idx="3"/>
+            <a:endCxn id="87" idx="1"/>
           </p:cNvCxnSpPr>
           <p:nvPr/>
         </p:nvCxnSpPr>

--- a/docs/diagrams/StorageComponentClassDiagram.pptx
+++ b/docs/diagrams/StorageComponentClassDiagram.pptx
@@ -107,6 +107,22 @@
       </a:defRPr>
     </a:lvl9pPr>
   </p:defaultTextStyle>
+  <p:extLst>
+    <p:ext uri="{EFAFB233-063F-42B5-8137-9DF3F51BA10A}">
+      <p15:sldGuideLst xmlns:p15="http://schemas.microsoft.com/office/powerpoint/2012/main">
+        <p15:guide id="1" orient="horz" pos="1488">
+          <p15:clr>
+            <a:srgbClr val="A4A3A4"/>
+          </p15:clr>
+        </p15:guide>
+        <p15:guide id="2" pos="2880">
+          <p15:clr>
+            <a:srgbClr val="A4A3A4"/>
+          </p15:clr>
+        </p15:guide>
+      </p15:sldGuideLst>
+    </p:ext>
+  </p:extLst>
 </p:presentation>
 </file>
 
@@ -192,7 +208,7 @@
           <a:p>
             <a:fld id="{F5CC4B3F-88C1-4FFA-B1B6-F41C21DC6924}" type="datetimeFigureOut">
               <a:rPr lang="en-US" smtClean="0"/>
-              <a:t>10/16/2016</a:t>
+              <a:t>3/15/2017</a:t>
             </a:fld>
             <a:endParaRPr lang="en-US"/>
           </a:p>
@@ -256,38 +272,37 @@
           <a:p>
             <a:pPr lvl="0"/>
             <a:r>
-              <a:rPr lang="en-US" smtClean="0"/>
+              <a:rPr lang="en-US"/>
               <a:t>Click to edit Master text styles</a:t>
             </a:r>
           </a:p>
           <a:p>
             <a:pPr lvl="1"/>
             <a:r>
-              <a:rPr lang="en-US" smtClean="0"/>
+              <a:rPr lang="en-US"/>
               <a:t>Second level</a:t>
             </a:r>
           </a:p>
           <a:p>
             <a:pPr lvl="2"/>
             <a:r>
-              <a:rPr lang="en-US" smtClean="0"/>
+              <a:rPr lang="en-US"/>
               <a:t>Third level</a:t>
             </a:r>
           </a:p>
           <a:p>
             <a:pPr lvl="3"/>
             <a:r>
-              <a:rPr lang="en-US" smtClean="0"/>
+              <a:rPr lang="en-US"/>
               <a:t>Fourth level</a:t>
             </a:r>
           </a:p>
           <a:p>
             <a:pPr lvl="4"/>
             <a:r>
-              <a:rPr lang="en-US" smtClean="0"/>
+              <a:rPr lang="en-US"/>
               <a:t>Fifth level</a:t>
             </a:r>
-            <a:endParaRPr lang="en-US"/>
           </a:p>
         </p:txBody>
       </p:sp>
@@ -498,10 +513,9 @@
           <a:lstStyle/>
           <a:p>
             <a:r>
-              <a:rPr lang="en-US" smtClean="0"/>
+              <a:rPr lang="en-US"/>
               <a:t>Click to edit Master title style</a:t>
             </a:r>
-            <a:endParaRPr lang="en-US"/>
           </a:p>
         </p:txBody>
       </p:sp>
@@ -617,10 +631,9 @@
           </a:lstStyle>
           <a:p>
             <a:r>
-              <a:rPr lang="en-US" smtClean="0"/>
+              <a:rPr lang="en-US"/>
               <a:t>Click to edit Master subtitle style</a:t>
             </a:r>
-            <a:endParaRPr lang="en-US"/>
           </a:p>
         </p:txBody>
       </p:sp>
@@ -641,7 +654,7 @@
           <a:p>
             <a:fld id="{78C97017-6FC3-485B-9764-EAC9E56C1D49}" type="datetimeFigureOut">
               <a:rPr lang="en-US" smtClean="0"/>
-              <a:t>10/16/2016</a:t>
+              <a:t>3/15/2017</a:t>
             </a:fld>
             <a:endParaRPr lang="en-US"/>
           </a:p>
@@ -735,10 +748,9 @@
           <a:lstStyle/>
           <a:p>
             <a:r>
-              <a:rPr lang="en-US" smtClean="0"/>
+              <a:rPr lang="en-US"/>
               <a:t>Click to edit Master title style</a:t>
             </a:r>
-            <a:endParaRPr lang="en-US"/>
           </a:p>
         </p:txBody>
       </p:sp>
@@ -759,38 +771,37 @@
           <a:p>
             <a:pPr lvl="0"/>
             <a:r>
-              <a:rPr lang="en-US" smtClean="0"/>
+              <a:rPr lang="en-US"/>
               <a:t>Click to edit Master text styles</a:t>
             </a:r>
           </a:p>
           <a:p>
             <a:pPr lvl="1"/>
             <a:r>
-              <a:rPr lang="en-US" smtClean="0"/>
+              <a:rPr lang="en-US"/>
               <a:t>Second level</a:t>
             </a:r>
           </a:p>
           <a:p>
             <a:pPr lvl="2"/>
             <a:r>
-              <a:rPr lang="en-US" smtClean="0"/>
+              <a:rPr lang="en-US"/>
               <a:t>Third level</a:t>
             </a:r>
           </a:p>
           <a:p>
             <a:pPr lvl="3"/>
             <a:r>
-              <a:rPr lang="en-US" smtClean="0"/>
+              <a:rPr lang="en-US"/>
               <a:t>Fourth level</a:t>
             </a:r>
           </a:p>
           <a:p>
             <a:pPr lvl="4"/>
             <a:r>
-              <a:rPr lang="en-US" smtClean="0"/>
+              <a:rPr lang="en-US"/>
               <a:t>Fifth level</a:t>
             </a:r>
-            <a:endParaRPr lang="en-US"/>
           </a:p>
         </p:txBody>
       </p:sp>
@@ -811,7 +822,7 @@
           <a:p>
             <a:fld id="{78C97017-6FC3-485B-9764-EAC9E56C1D49}" type="datetimeFigureOut">
               <a:rPr lang="en-US" smtClean="0"/>
-              <a:t>10/16/2016</a:t>
+              <a:t>3/15/2017</a:t>
             </a:fld>
             <a:endParaRPr lang="en-US"/>
           </a:p>
@@ -910,10 +921,9 @@
           <a:lstStyle/>
           <a:p>
             <a:r>
-              <a:rPr lang="en-US" smtClean="0"/>
+              <a:rPr lang="en-US"/>
               <a:t>Click to edit Master title style</a:t>
             </a:r>
-            <a:endParaRPr lang="en-US"/>
           </a:p>
         </p:txBody>
       </p:sp>
@@ -939,38 +949,37 @@
           <a:p>
             <a:pPr lvl="0"/>
             <a:r>
-              <a:rPr lang="en-US" smtClean="0"/>
+              <a:rPr lang="en-US"/>
               <a:t>Click to edit Master text styles</a:t>
             </a:r>
           </a:p>
           <a:p>
             <a:pPr lvl="1"/>
             <a:r>
-              <a:rPr lang="en-US" smtClean="0"/>
+              <a:rPr lang="en-US"/>
               <a:t>Second level</a:t>
             </a:r>
           </a:p>
           <a:p>
             <a:pPr lvl="2"/>
             <a:r>
-              <a:rPr lang="en-US" smtClean="0"/>
+              <a:rPr lang="en-US"/>
               <a:t>Third level</a:t>
             </a:r>
           </a:p>
           <a:p>
             <a:pPr lvl="3"/>
             <a:r>
-              <a:rPr lang="en-US" smtClean="0"/>
+              <a:rPr lang="en-US"/>
               <a:t>Fourth level</a:t>
             </a:r>
           </a:p>
           <a:p>
             <a:pPr lvl="4"/>
             <a:r>
-              <a:rPr lang="en-US" smtClean="0"/>
+              <a:rPr lang="en-US"/>
               <a:t>Fifth level</a:t>
             </a:r>
-            <a:endParaRPr lang="en-US"/>
           </a:p>
         </p:txBody>
       </p:sp>
@@ -991,7 +1000,7 @@
           <a:p>
             <a:fld id="{78C97017-6FC3-485B-9764-EAC9E56C1D49}" type="datetimeFigureOut">
               <a:rPr lang="en-US" smtClean="0"/>
-              <a:t>10/16/2016</a:t>
+              <a:t>3/15/2017</a:t>
             </a:fld>
             <a:endParaRPr lang="en-US"/>
           </a:p>
@@ -1085,10 +1094,9 @@
           <a:lstStyle/>
           <a:p>
             <a:r>
-              <a:rPr lang="en-US" smtClean="0"/>
+              <a:rPr lang="en-US"/>
               <a:t>Click to edit Master title style</a:t>
             </a:r>
-            <a:endParaRPr lang="en-US"/>
           </a:p>
         </p:txBody>
       </p:sp>
@@ -1109,38 +1117,37 @@
           <a:p>
             <a:pPr lvl="0"/>
             <a:r>
-              <a:rPr lang="en-US" smtClean="0"/>
+              <a:rPr lang="en-US"/>
               <a:t>Click to edit Master text styles</a:t>
             </a:r>
           </a:p>
           <a:p>
             <a:pPr lvl="1"/>
             <a:r>
-              <a:rPr lang="en-US" smtClean="0"/>
+              <a:rPr lang="en-US"/>
               <a:t>Second level</a:t>
             </a:r>
           </a:p>
           <a:p>
             <a:pPr lvl="2"/>
             <a:r>
-              <a:rPr lang="en-US" smtClean="0"/>
+              <a:rPr lang="en-US"/>
               <a:t>Third level</a:t>
             </a:r>
           </a:p>
           <a:p>
             <a:pPr lvl="3"/>
             <a:r>
-              <a:rPr lang="en-US" smtClean="0"/>
+              <a:rPr lang="en-US"/>
               <a:t>Fourth level</a:t>
             </a:r>
           </a:p>
           <a:p>
             <a:pPr lvl="4"/>
             <a:r>
-              <a:rPr lang="en-US" smtClean="0"/>
+              <a:rPr lang="en-US"/>
               <a:t>Fifth level</a:t>
             </a:r>
-            <a:endParaRPr lang="en-US"/>
           </a:p>
         </p:txBody>
       </p:sp>
@@ -1161,7 +1168,7 @@
           <a:p>
             <a:fld id="{78C97017-6FC3-485B-9764-EAC9E56C1D49}" type="datetimeFigureOut">
               <a:rPr lang="en-US" smtClean="0"/>
-              <a:t>10/16/2016</a:t>
+              <a:t>3/15/2017</a:t>
             </a:fld>
             <a:endParaRPr lang="en-US"/>
           </a:p>
@@ -1264,10 +1271,9 @@
           </a:lstStyle>
           <a:p>
             <a:r>
-              <a:rPr lang="en-US" smtClean="0"/>
+              <a:rPr lang="en-US"/>
               <a:t>Click to edit Master title style</a:t>
             </a:r>
-            <a:endParaRPr lang="en-US"/>
           </a:p>
         </p:txBody>
       </p:sp>
@@ -1384,7 +1390,7 @@
           <a:p>
             <a:pPr lvl="0"/>
             <a:r>
-              <a:rPr lang="en-US" smtClean="0"/>
+              <a:rPr lang="en-US"/>
               <a:t>Click to edit Master text styles</a:t>
             </a:r>
           </a:p>
@@ -1407,7 +1413,7 @@
           <a:p>
             <a:fld id="{78C97017-6FC3-485B-9764-EAC9E56C1D49}" type="datetimeFigureOut">
               <a:rPr lang="en-US" smtClean="0"/>
-              <a:t>10/16/2016</a:t>
+              <a:t>3/15/2017</a:t>
             </a:fld>
             <a:endParaRPr lang="en-US"/>
           </a:p>
@@ -1501,10 +1507,9 @@
           <a:lstStyle/>
           <a:p>
             <a:r>
-              <a:rPr lang="en-US" smtClean="0"/>
+              <a:rPr lang="en-US"/>
               <a:t>Click to edit Master title style</a:t>
             </a:r>
-            <a:endParaRPr lang="en-US"/>
           </a:p>
         </p:txBody>
       </p:sp>
@@ -1558,38 +1563,37 @@
           <a:p>
             <a:pPr lvl="0"/>
             <a:r>
-              <a:rPr lang="en-US" smtClean="0"/>
+              <a:rPr lang="en-US"/>
               <a:t>Click to edit Master text styles</a:t>
             </a:r>
           </a:p>
           <a:p>
             <a:pPr lvl="1"/>
             <a:r>
-              <a:rPr lang="en-US" smtClean="0"/>
+              <a:rPr lang="en-US"/>
               <a:t>Second level</a:t>
             </a:r>
           </a:p>
           <a:p>
             <a:pPr lvl="2"/>
             <a:r>
-              <a:rPr lang="en-US" smtClean="0"/>
+              <a:rPr lang="en-US"/>
               <a:t>Third level</a:t>
             </a:r>
           </a:p>
           <a:p>
             <a:pPr lvl="3"/>
             <a:r>
-              <a:rPr lang="en-US" smtClean="0"/>
+              <a:rPr lang="en-US"/>
               <a:t>Fourth level</a:t>
             </a:r>
           </a:p>
           <a:p>
             <a:pPr lvl="4"/>
             <a:r>
-              <a:rPr lang="en-US" smtClean="0"/>
+              <a:rPr lang="en-US"/>
               <a:t>Fifth level</a:t>
             </a:r>
-            <a:endParaRPr lang="en-US"/>
           </a:p>
         </p:txBody>
       </p:sp>
@@ -1643,38 +1647,37 @@
           <a:p>
             <a:pPr lvl="0"/>
             <a:r>
-              <a:rPr lang="en-US" smtClean="0"/>
+              <a:rPr lang="en-US"/>
               <a:t>Click to edit Master text styles</a:t>
             </a:r>
           </a:p>
           <a:p>
             <a:pPr lvl="1"/>
             <a:r>
-              <a:rPr lang="en-US" smtClean="0"/>
+              <a:rPr lang="en-US"/>
               <a:t>Second level</a:t>
             </a:r>
           </a:p>
           <a:p>
             <a:pPr lvl="2"/>
             <a:r>
-              <a:rPr lang="en-US" smtClean="0"/>
+              <a:rPr lang="en-US"/>
               <a:t>Third level</a:t>
             </a:r>
           </a:p>
           <a:p>
             <a:pPr lvl="3"/>
             <a:r>
-              <a:rPr lang="en-US" smtClean="0"/>
+              <a:rPr lang="en-US"/>
               <a:t>Fourth level</a:t>
             </a:r>
           </a:p>
           <a:p>
             <a:pPr lvl="4"/>
             <a:r>
-              <a:rPr lang="en-US" smtClean="0"/>
+              <a:rPr lang="en-US"/>
               <a:t>Fifth level</a:t>
             </a:r>
-            <a:endParaRPr lang="en-US"/>
           </a:p>
         </p:txBody>
       </p:sp>
@@ -1695,7 +1698,7 @@
           <a:p>
             <a:fld id="{78C97017-6FC3-485B-9764-EAC9E56C1D49}" type="datetimeFigureOut">
               <a:rPr lang="en-US" smtClean="0"/>
-              <a:t>10/16/2016</a:t>
+              <a:t>3/15/2017</a:t>
             </a:fld>
             <a:endParaRPr lang="en-US"/>
           </a:p>
@@ -1793,10 +1796,9 @@
           </a:lstStyle>
           <a:p>
             <a:r>
-              <a:rPr lang="en-US" smtClean="0"/>
+              <a:rPr lang="en-US"/>
               <a:t>Click to edit Master title style</a:t>
             </a:r>
-            <a:endParaRPr lang="en-US"/>
           </a:p>
         </p:txBody>
       </p:sp>
@@ -1859,7 +1861,7 @@
           <a:p>
             <a:pPr lvl="0"/>
             <a:r>
-              <a:rPr lang="en-US" smtClean="0"/>
+              <a:rPr lang="en-US"/>
               <a:t>Click to edit Master text styles</a:t>
             </a:r>
           </a:p>
@@ -1915,38 +1917,37 @@
           <a:p>
             <a:pPr lvl="0"/>
             <a:r>
-              <a:rPr lang="en-US" smtClean="0"/>
+              <a:rPr lang="en-US"/>
               <a:t>Click to edit Master text styles</a:t>
             </a:r>
           </a:p>
           <a:p>
             <a:pPr lvl="1"/>
             <a:r>
-              <a:rPr lang="en-US" smtClean="0"/>
+              <a:rPr lang="en-US"/>
               <a:t>Second level</a:t>
             </a:r>
           </a:p>
           <a:p>
             <a:pPr lvl="2"/>
             <a:r>
-              <a:rPr lang="en-US" smtClean="0"/>
+              <a:rPr lang="en-US"/>
               <a:t>Third level</a:t>
             </a:r>
           </a:p>
           <a:p>
             <a:pPr lvl="3"/>
             <a:r>
-              <a:rPr lang="en-US" smtClean="0"/>
+              <a:rPr lang="en-US"/>
               <a:t>Fourth level</a:t>
             </a:r>
           </a:p>
           <a:p>
             <a:pPr lvl="4"/>
             <a:r>
-              <a:rPr lang="en-US" smtClean="0"/>
+              <a:rPr lang="en-US"/>
               <a:t>Fifth level</a:t>
             </a:r>
-            <a:endParaRPr lang="en-US"/>
           </a:p>
         </p:txBody>
       </p:sp>
@@ -2009,7 +2010,7 @@
           <a:p>
             <a:pPr lvl="0"/>
             <a:r>
-              <a:rPr lang="en-US" smtClean="0"/>
+              <a:rPr lang="en-US"/>
               <a:t>Click to edit Master text styles</a:t>
             </a:r>
           </a:p>
@@ -2065,38 +2066,37 @@
           <a:p>
             <a:pPr lvl="0"/>
             <a:r>
-              <a:rPr lang="en-US" smtClean="0"/>
+              <a:rPr lang="en-US"/>
               <a:t>Click to edit Master text styles</a:t>
             </a:r>
           </a:p>
           <a:p>
             <a:pPr lvl="1"/>
             <a:r>
-              <a:rPr lang="en-US" smtClean="0"/>
+              <a:rPr lang="en-US"/>
               <a:t>Second level</a:t>
             </a:r>
           </a:p>
           <a:p>
             <a:pPr lvl="2"/>
             <a:r>
-              <a:rPr lang="en-US" smtClean="0"/>
+              <a:rPr lang="en-US"/>
               <a:t>Third level</a:t>
             </a:r>
           </a:p>
           <a:p>
             <a:pPr lvl="3"/>
             <a:r>
-              <a:rPr lang="en-US" smtClean="0"/>
+              <a:rPr lang="en-US"/>
               <a:t>Fourth level</a:t>
             </a:r>
           </a:p>
           <a:p>
             <a:pPr lvl="4"/>
             <a:r>
-              <a:rPr lang="en-US" smtClean="0"/>
+              <a:rPr lang="en-US"/>
               <a:t>Fifth level</a:t>
             </a:r>
-            <a:endParaRPr lang="en-US"/>
           </a:p>
         </p:txBody>
       </p:sp>
@@ -2117,7 +2117,7 @@
           <a:p>
             <a:fld id="{78C97017-6FC3-485B-9764-EAC9E56C1D49}" type="datetimeFigureOut">
               <a:rPr lang="en-US" smtClean="0"/>
-              <a:t>10/16/2016</a:t>
+              <a:t>3/15/2017</a:t>
             </a:fld>
             <a:endParaRPr lang="en-US"/>
           </a:p>
@@ -2211,10 +2211,9 @@
           <a:lstStyle/>
           <a:p>
             <a:r>
-              <a:rPr lang="en-US" smtClean="0"/>
+              <a:rPr lang="en-US"/>
               <a:t>Click to edit Master title style</a:t>
             </a:r>
-            <a:endParaRPr lang="en-US"/>
           </a:p>
         </p:txBody>
       </p:sp>
@@ -2235,7 +2234,7 @@
           <a:p>
             <a:fld id="{78C97017-6FC3-485B-9764-EAC9E56C1D49}" type="datetimeFigureOut">
               <a:rPr lang="en-US" smtClean="0"/>
-              <a:t>10/16/2016</a:t>
+              <a:t>3/15/2017</a:t>
             </a:fld>
             <a:endParaRPr lang="en-US"/>
           </a:p>
@@ -2330,7 +2329,7 @@
           <a:p>
             <a:fld id="{78C97017-6FC3-485B-9764-EAC9E56C1D49}" type="datetimeFigureOut">
               <a:rPr lang="en-US" smtClean="0"/>
-              <a:t>10/16/2016</a:t>
+              <a:t>3/15/2017</a:t>
             </a:fld>
             <a:endParaRPr lang="en-US"/>
           </a:p>
@@ -2433,10 +2432,9 @@
           </a:lstStyle>
           <a:p>
             <a:r>
-              <a:rPr lang="en-US" smtClean="0"/>
+              <a:rPr lang="en-US"/>
               <a:t>Click to edit Master title style</a:t>
             </a:r>
-            <a:endParaRPr lang="en-US"/>
           </a:p>
         </p:txBody>
       </p:sp>
@@ -2490,38 +2488,37 @@
           <a:p>
             <a:pPr lvl="0"/>
             <a:r>
-              <a:rPr lang="en-US" smtClean="0"/>
+              <a:rPr lang="en-US"/>
               <a:t>Click to edit Master text styles</a:t>
             </a:r>
           </a:p>
           <a:p>
             <a:pPr lvl="1"/>
             <a:r>
-              <a:rPr lang="en-US" smtClean="0"/>
+              <a:rPr lang="en-US"/>
               <a:t>Second level</a:t>
             </a:r>
           </a:p>
           <a:p>
             <a:pPr lvl="2"/>
             <a:r>
-              <a:rPr lang="en-US" smtClean="0"/>
+              <a:rPr lang="en-US"/>
               <a:t>Third level</a:t>
             </a:r>
           </a:p>
           <a:p>
             <a:pPr lvl="3"/>
             <a:r>
-              <a:rPr lang="en-US" smtClean="0"/>
+              <a:rPr lang="en-US"/>
               <a:t>Fourth level</a:t>
             </a:r>
           </a:p>
           <a:p>
             <a:pPr lvl="4"/>
             <a:r>
-              <a:rPr lang="en-US" smtClean="0"/>
+              <a:rPr lang="en-US"/>
               <a:t>Fifth level</a:t>
             </a:r>
-            <a:endParaRPr lang="en-US"/>
           </a:p>
         </p:txBody>
       </p:sp>
@@ -2584,7 +2581,7 @@
           <a:p>
             <a:pPr lvl="0"/>
             <a:r>
-              <a:rPr lang="en-US" smtClean="0"/>
+              <a:rPr lang="en-US"/>
               <a:t>Click to edit Master text styles</a:t>
             </a:r>
           </a:p>
@@ -2607,7 +2604,7 @@
           <a:p>
             <a:fld id="{78C97017-6FC3-485B-9764-EAC9E56C1D49}" type="datetimeFigureOut">
               <a:rPr lang="en-US" smtClean="0"/>
-              <a:t>10/16/2016</a:t>
+              <a:t>3/15/2017</a:t>
             </a:fld>
             <a:endParaRPr lang="en-US"/>
           </a:p>
@@ -2710,10 +2707,9 @@
           </a:lstStyle>
           <a:p>
             <a:r>
-              <a:rPr lang="en-US" smtClean="0"/>
+              <a:rPr lang="en-US"/>
               <a:t>Click to edit Master title style</a:t>
             </a:r>
-            <a:endParaRPr lang="en-US"/>
           </a:p>
         </p:txBody>
       </p:sp>
@@ -2837,7 +2833,7 @@
           <a:p>
             <a:pPr lvl="0"/>
             <a:r>
-              <a:rPr lang="en-US" smtClean="0"/>
+              <a:rPr lang="en-US"/>
               <a:t>Click to edit Master text styles</a:t>
             </a:r>
           </a:p>
@@ -2860,7 +2856,7 @@
           <a:p>
             <a:fld id="{78C97017-6FC3-485B-9764-EAC9E56C1D49}" type="datetimeFigureOut">
               <a:rPr lang="en-US" smtClean="0"/>
-              <a:t>10/16/2016</a:t>
+              <a:t>3/15/2017</a:t>
             </a:fld>
             <a:endParaRPr lang="en-US"/>
           </a:p>
@@ -2969,10 +2965,9 @@
           <a:lstStyle/>
           <a:p>
             <a:r>
-              <a:rPr lang="en-US" smtClean="0"/>
+              <a:rPr lang="en-US"/>
               <a:t>Click to edit Master title style</a:t>
             </a:r>
-            <a:endParaRPr lang="en-US"/>
           </a:p>
         </p:txBody>
       </p:sp>
@@ -3003,38 +2998,37 @@
           <a:p>
             <a:pPr lvl="0"/>
             <a:r>
-              <a:rPr lang="en-US" smtClean="0"/>
+              <a:rPr lang="en-US"/>
               <a:t>Click to edit Master text styles</a:t>
             </a:r>
           </a:p>
           <a:p>
             <a:pPr lvl="1"/>
             <a:r>
-              <a:rPr lang="en-US" smtClean="0"/>
+              <a:rPr lang="en-US"/>
               <a:t>Second level</a:t>
             </a:r>
           </a:p>
           <a:p>
             <a:pPr lvl="2"/>
             <a:r>
-              <a:rPr lang="en-US" smtClean="0"/>
+              <a:rPr lang="en-US"/>
               <a:t>Third level</a:t>
             </a:r>
           </a:p>
           <a:p>
             <a:pPr lvl="3"/>
             <a:r>
-              <a:rPr lang="en-US" smtClean="0"/>
+              <a:rPr lang="en-US"/>
               <a:t>Fourth level</a:t>
             </a:r>
           </a:p>
           <a:p>
             <a:pPr lvl="4"/>
             <a:r>
-              <a:rPr lang="en-US" smtClean="0"/>
+              <a:rPr lang="en-US"/>
               <a:t>Fifth level</a:t>
             </a:r>
-            <a:endParaRPr lang="en-US"/>
           </a:p>
         </p:txBody>
       </p:sp>
@@ -3073,7 +3067,7 @@
           <a:p>
             <a:fld id="{78C97017-6FC3-485B-9764-EAC9E56C1D49}" type="datetimeFigureOut">
               <a:rPr lang="en-US" smtClean="0"/>
-              <a:t>10/16/2016</a:t>
+              <a:t>3/15/2017</a:t>
             </a:fld>
             <a:endParaRPr lang="en-US"/>
           </a:p>
@@ -3494,7 +3488,7 @@
           <a:lstStyle/>
           <a:p>
             <a:r>
-              <a:rPr lang="en-US" sz="1200" b="1" dirty="0" smtClean="0">
+              <a:rPr lang="en-US" sz="1200" b="1" dirty="0">
                 <a:solidFill>
                   <a:schemeClr val="accent6">
                     <a:lumMod val="75000"/>
@@ -3561,7 +3555,7 @@
           <a:p>
             <a:pPr algn="ctr"/>
             <a:r>
-              <a:rPr lang="en-US" sz="1050" dirty="0" smtClean="0">
+              <a:rPr lang="en-US" sz="1050" dirty="0">
                 <a:solidFill>
                   <a:schemeClr val="bg1"/>
                 </a:solidFill>
@@ -3569,19 +3563,19 @@
               <a:t>&lt;&lt;interface&gt;&gt;</a:t>
             </a:r>
             <a:br>
-              <a:rPr lang="en-US" sz="1050" dirty="0" smtClean="0">
+              <a:rPr lang="en-US" sz="1050" dirty="0">
                 <a:solidFill>
                   <a:schemeClr val="bg1"/>
                 </a:solidFill>
               </a:rPr>
             </a:br>
             <a:r>
-              <a:rPr lang="en-US" sz="1050" dirty="0" err="1" smtClean="0">
+              <a:rPr lang="en-US" sz="1050" dirty="0" err="1">
                 <a:solidFill>
                   <a:schemeClr val="bg1"/>
                 </a:solidFill>
               </a:rPr>
-              <a:t>AddressBookStorage</a:t>
+              <a:t>TaskBookStorage</a:t>
             </a:r>
             <a:endParaRPr lang="en-SG" sz="1050" dirty="0">
               <a:solidFill>
@@ -3639,7 +3633,7 @@
           <a:p>
             <a:pPr algn="ctr"/>
             <a:r>
-              <a:rPr lang="en-US" sz="1050" dirty="0" err="1" smtClean="0">
+              <a:rPr lang="en-US" sz="1050" dirty="0" err="1">
                 <a:solidFill>
                   <a:schemeClr val="bg1"/>
                 </a:solidFill>
@@ -3713,7 +3707,7 @@
           <a:p>
             <a:pPr algn="ctr"/>
             <a:r>
-              <a:rPr lang="en-US" sz="1050" dirty="0" smtClean="0">
+              <a:rPr lang="en-US" sz="1050" dirty="0">
                 <a:solidFill>
                   <a:schemeClr val="bg1"/>
                 </a:solidFill>
@@ -4147,27 +4141,17 @@
           <a:p>
             <a:pPr algn="ctr"/>
             <a:r>
-              <a:rPr lang="en-US" sz="1050" b="1" dirty="0" err="1" smtClean="0">
+              <a:rPr lang="en-US" sz="1050" b="1" dirty="0" err="1">
                 <a:solidFill>
                   <a:schemeClr val="accent6">
                     <a:lumMod val="75000"/>
                   </a:schemeClr>
                 </a:solidFill>
               </a:rPr>
-              <a:t>XmlAddressBook</a:t>
-            </a:r>
-            <a:r>
-              <a:rPr lang="en-US" sz="1050" b="1" dirty="0" smtClean="0">
-                <a:solidFill>
-                  <a:schemeClr val="accent6">
-                    <a:lumMod val="75000"/>
-                  </a:schemeClr>
-                </a:solidFill>
-              </a:rPr>
-              <a:t/>
+              <a:t>XmlTaskBook</a:t>
             </a:r>
             <a:br>
-              <a:rPr lang="en-US" sz="1050" b="1" dirty="0" smtClean="0">
+              <a:rPr lang="en-US" sz="1050" b="1" dirty="0">
                 <a:solidFill>
                   <a:schemeClr val="accent6">
                     <a:lumMod val="75000"/>
@@ -4176,7 +4160,7 @@
               </a:rPr>
             </a:br>
             <a:r>
-              <a:rPr lang="en-US" sz="1050" b="1" dirty="0" smtClean="0">
+              <a:rPr lang="en-US" sz="1050" b="1" dirty="0">
                 <a:solidFill>
                   <a:schemeClr val="accent6">
                     <a:lumMod val="75000"/>
@@ -4243,7 +4227,7 @@
           <a:p>
             <a:pPr algn="ctr"/>
             <a:r>
-              <a:rPr lang="en-US" sz="1050" dirty="0" smtClean="0">
+              <a:rPr lang="en-US" sz="1050" dirty="0">
                 <a:solidFill>
                   <a:schemeClr val="bg1"/>
                 </a:solidFill>
@@ -4251,14 +4235,14 @@
               <a:t>&lt;&lt;interface&gt;&gt;</a:t>
             </a:r>
             <a:br>
-              <a:rPr lang="en-US" sz="1050" dirty="0" smtClean="0">
+              <a:rPr lang="en-US" sz="1050" dirty="0">
                 <a:solidFill>
                   <a:schemeClr val="bg1"/>
                 </a:solidFill>
               </a:rPr>
             </a:br>
             <a:r>
-              <a:rPr lang="en-US" sz="1050" dirty="0" err="1" smtClean="0">
+              <a:rPr lang="en-US" sz="1050" dirty="0" err="1">
                 <a:solidFill>
                   <a:schemeClr val="bg1"/>
                 </a:solidFill>
@@ -4516,30 +4500,22 @@
           <a:p>
             <a:pPr algn="ctr"/>
             <a:r>
-              <a:rPr lang="en-US" sz="1050" dirty="0" err="1" smtClean="0">
+              <a:rPr lang="en-US" sz="1050" dirty="0" err="1">
                 <a:solidFill>
                   <a:schemeClr val="bg1"/>
                 </a:solidFill>
               </a:rPr>
               <a:t>JsonUserPrefs</a:t>
             </a:r>
-            <a:r>
-              <a:rPr lang="en-US" sz="1050" dirty="0" smtClean="0">
-                <a:solidFill>
-                  <a:schemeClr val="bg1"/>
-                </a:solidFill>
-              </a:rPr>
-              <a:t/>
-            </a:r>
             <a:br>
-              <a:rPr lang="en-US" sz="1050" dirty="0" smtClean="0">
+              <a:rPr lang="en-US" sz="1050" dirty="0">
                 <a:solidFill>
                   <a:schemeClr val="bg1"/>
                 </a:solidFill>
               </a:rPr>
             </a:br>
             <a:r>
-              <a:rPr lang="en-US" sz="1050" dirty="0" smtClean="0">
+              <a:rPr lang="en-US" sz="1050" dirty="0">
                 <a:solidFill>
                   <a:schemeClr val="bg1"/>
                 </a:solidFill>
@@ -4591,7 +4567,7 @@
           <a:p>
             <a:pPr algn="ctr"/>
             <a:r>
-              <a:rPr lang="en-US" sz="1050" b="1" dirty="0" err="1" smtClean="0">
+              <a:rPr lang="en-US" sz="1050" b="1" dirty="0" err="1">
                 <a:solidFill>
                   <a:schemeClr val="accent6">
                     <a:lumMod val="75000"/>
@@ -4600,18 +4576,8 @@
               </a:rPr>
               <a:t>XmlSerializable</a:t>
             </a:r>
-            <a:r>
-              <a:rPr lang="en-US" sz="1050" b="1" dirty="0" smtClean="0">
-                <a:solidFill>
-                  <a:schemeClr val="accent6">
-                    <a:lumMod val="75000"/>
-                  </a:schemeClr>
-                </a:solidFill>
-              </a:rPr>
-              <a:t/>
-            </a:r>
             <a:br>
-              <a:rPr lang="en-US" sz="1050" b="1" dirty="0" smtClean="0">
+              <a:rPr lang="en-US" sz="1050" b="1" dirty="0">
                 <a:solidFill>
                   <a:schemeClr val="accent6">
                     <a:lumMod val="75000"/>
@@ -4620,14 +4586,14 @@
               </a:rPr>
             </a:br>
             <a:r>
-              <a:rPr lang="en-US" sz="1050" b="1" dirty="0" err="1" smtClean="0">
+              <a:rPr lang="en-US" sz="1050" b="1" dirty="0" err="1">
                 <a:solidFill>
                   <a:schemeClr val="accent6">
                     <a:lumMod val="75000"/>
                   </a:schemeClr>
                 </a:solidFill>
               </a:rPr>
-              <a:t>AddressBook</a:t>
+              <a:t>TaskBook</a:t>
             </a:r>
             <a:endParaRPr lang="en-SG" sz="1050" b="1" dirty="0">
               <a:solidFill>
@@ -4717,7 +4683,7 @@
           <a:p>
             <a:pPr algn="ctr"/>
             <a:r>
-              <a:rPr lang="en-US" sz="1050" b="1" dirty="0" err="1" smtClean="0">
+              <a:rPr lang="en-US" sz="1050" b="1" dirty="0" err="1">
                 <a:solidFill>
                   <a:schemeClr val="accent6">
                     <a:lumMod val="75000"/>
@@ -4773,14 +4739,14 @@
           <a:p>
             <a:pPr algn="ctr"/>
             <a:r>
-              <a:rPr lang="en-US" sz="1050" b="1" dirty="0" err="1" smtClean="0">
+              <a:rPr lang="en-US" sz="1050" b="1" dirty="0" err="1">
                 <a:solidFill>
                   <a:schemeClr val="accent6">
                     <a:lumMod val="75000"/>
                   </a:schemeClr>
                 </a:solidFill>
               </a:rPr>
-              <a:t>XmlAdaptedPerson</a:t>
+              <a:t>XmlAdaptedTask</a:t>
             </a:r>
             <a:endParaRPr lang="en-SG" sz="1050" b="1" dirty="0">
               <a:solidFill>
@@ -4843,13 +4809,6 @@
   <p:clrMapOvr>
     <a:masterClrMapping/>
   </p:clrMapOvr>
-  <p:timing>
-    <p:tnLst>
-      <p:par>
-        <p:cTn id="1" dur="indefinite" restart="never" nodeType="tmRoot"/>
-      </p:par>
-    </p:tnLst>
-  </p:timing>
 </p:sld>
 </file>
 

--- a/docs/diagrams/StorageComponentClassDiagram.pptx
+++ b/docs/diagrams/StorageComponentClassDiagram.pptx
@@ -107,6 +107,22 @@
       </a:defRPr>
     </a:lvl9pPr>
   </p:defaultTextStyle>
+  <p:extLst>
+    <p:ext uri="{EFAFB233-063F-42B5-8137-9DF3F51BA10A}">
+      <p15:sldGuideLst xmlns:p15="http://schemas.microsoft.com/office/powerpoint/2012/main">
+        <p15:guide id="1" orient="horz" pos="1488">
+          <p15:clr>
+            <a:srgbClr val="A4A3A4"/>
+          </p15:clr>
+        </p15:guide>
+        <p15:guide id="2" pos="2880">
+          <p15:clr>
+            <a:srgbClr val="A4A3A4"/>
+          </p15:clr>
+        </p15:guide>
+      </p15:sldGuideLst>
+    </p:ext>
+  </p:extLst>
 </p:presentation>
 </file>
 
@@ -192,7 +208,7 @@
           <a:p>
             <a:fld id="{F5CC4B3F-88C1-4FFA-B1B6-F41C21DC6924}" type="datetimeFigureOut">
               <a:rPr lang="en-US" smtClean="0"/>
-              <a:t>10/16/2016</a:t>
+              <a:t>3/15/2017</a:t>
             </a:fld>
             <a:endParaRPr lang="en-US"/>
           </a:p>
@@ -641,7 +657,7 @@
           <a:p>
             <a:fld id="{78C97017-6FC3-485B-9764-EAC9E56C1D49}" type="datetimeFigureOut">
               <a:rPr lang="en-US" smtClean="0"/>
-              <a:t>10/16/2016</a:t>
+              <a:t>3/15/2017</a:t>
             </a:fld>
             <a:endParaRPr lang="en-US"/>
           </a:p>
@@ -811,7 +827,7 @@
           <a:p>
             <a:fld id="{78C97017-6FC3-485B-9764-EAC9E56C1D49}" type="datetimeFigureOut">
               <a:rPr lang="en-US" smtClean="0"/>
-              <a:t>10/16/2016</a:t>
+              <a:t>3/15/2017</a:t>
             </a:fld>
             <a:endParaRPr lang="en-US"/>
           </a:p>
@@ -991,7 +1007,7 @@
           <a:p>
             <a:fld id="{78C97017-6FC3-485B-9764-EAC9E56C1D49}" type="datetimeFigureOut">
               <a:rPr lang="en-US" smtClean="0"/>
-              <a:t>10/16/2016</a:t>
+              <a:t>3/15/2017</a:t>
             </a:fld>
             <a:endParaRPr lang="en-US"/>
           </a:p>
@@ -1161,7 +1177,7 @@
           <a:p>
             <a:fld id="{78C97017-6FC3-485B-9764-EAC9E56C1D49}" type="datetimeFigureOut">
               <a:rPr lang="en-US" smtClean="0"/>
-              <a:t>10/16/2016</a:t>
+              <a:t>3/15/2017</a:t>
             </a:fld>
             <a:endParaRPr lang="en-US"/>
           </a:p>
@@ -1407,7 +1423,7 @@
           <a:p>
             <a:fld id="{78C97017-6FC3-485B-9764-EAC9E56C1D49}" type="datetimeFigureOut">
               <a:rPr lang="en-US" smtClean="0"/>
-              <a:t>10/16/2016</a:t>
+              <a:t>3/15/2017</a:t>
             </a:fld>
             <a:endParaRPr lang="en-US"/>
           </a:p>
@@ -1695,7 +1711,7 @@
           <a:p>
             <a:fld id="{78C97017-6FC3-485B-9764-EAC9E56C1D49}" type="datetimeFigureOut">
               <a:rPr lang="en-US" smtClean="0"/>
-              <a:t>10/16/2016</a:t>
+              <a:t>3/15/2017</a:t>
             </a:fld>
             <a:endParaRPr lang="en-US"/>
           </a:p>
@@ -2117,7 +2133,7 @@
           <a:p>
             <a:fld id="{78C97017-6FC3-485B-9764-EAC9E56C1D49}" type="datetimeFigureOut">
               <a:rPr lang="en-US" smtClean="0"/>
-              <a:t>10/16/2016</a:t>
+              <a:t>3/15/2017</a:t>
             </a:fld>
             <a:endParaRPr lang="en-US"/>
           </a:p>
@@ -2235,7 +2251,7 @@
           <a:p>
             <a:fld id="{78C97017-6FC3-485B-9764-EAC9E56C1D49}" type="datetimeFigureOut">
               <a:rPr lang="en-US" smtClean="0"/>
-              <a:t>10/16/2016</a:t>
+              <a:t>3/15/2017</a:t>
             </a:fld>
             <a:endParaRPr lang="en-US"/>
           </a:p>
@@ -2330,7 +2346,7 @@
           <a:p>
             <a:fld id="{78C97017-6FC3-485B-9764-EAC9E56C1D49}" type="datetimeFigureOut">
               <a:rPr lang="en-US" smtClean="0"/>
-              <a:t>10/16/2016</a:t>
+              <a:t>3/15/2017</a:t>
             </a:fld>
             <a:endParaRPr lang="en-US"/>
           </a:p>
@@ -2607,7 +2623,7 @@
           <a:p>
             <a:fld id="{78C97017-6FC3-485B-9764-EAC9E56C1D49}" type="datetimeFigureOut">
               <a:rPr lang="en-US" smtClean="0"/>
-              <a:t>10/16/2016</a:t>
+              <a:t>3/15/2017</a:t>
             </a:fld>
             <a:endParaRPr lang="en-US"/>
           </a:p>
@@ -2860,7 +2876,7 @@
           <a:p>
             <a:fld id="{78C97017-6FC3-485B-9764-EAC9E56C1D49}" type="datetimeFigureOut">
               <a:rPr lang="en-US" smtClean="0"/>
-              <a:t>10/16/2016</a:t>
+              <a:t>3/15/2017</a:t>
             </a:fld>
             <a:endParaRPr lang="en-US"/>
           </a:p>
@@ -3073,7 +3089,7 @@
           <a:p>
             <a:fld id="{78C97017-6FC3-485B-9764-EAC9E56C1D49}" type="datetimeFigureOut">
               <a:rPr lang="en-US" smtClean="0"/>
-              <a:t>10/16/2016</a:t>
+              <a:t>3/15/2017</a:t>
             </a:fld>
             <a:endParaRPr lang="en-US"/>
           </a:p>
@@ -3457,7 +3473,7 @@
         <p:spPr>
           <a:xfrm>
             <a:off x="1119865" y="2086382"/>
-            <a:ext cx="7871735" cy="1723618"/>
+            <a:ext cx="7871735" cy="1647418"/>
           </a:xfrm>
           <a:prstGeom prst="roundRect">
             <a:avLst>
@@ -3581,7 +3597,7 @@
                   <a:schemeClr val="bg1"/>
                 </a:solidFill>
               </a:rPr>
-              <a:t>AddressBookStorage</a:t>
+              <a:t>TodoListStorage</a:t>
             </a:r>
             <a:endParaRPr lang="en-SG" sz="1050" dirty="0">
               <a:solidFill>
@@ -4154,7 +4170,7 @@
                   </a:schemeClr>
                 </a:solidFill>
               </a:rPr>
-              <a:t>XmlAddressBook</a:t>
+              <a:t>XmlTodoList</a:t>
             </a:r>
             <a:r>
               <a:rPr lang="en-US" sz="1050" b="1" dirty="0" smtClean="0">
@@ -4627,7 +4643,7 @@
                   </a:schemeClr>
                 </a:solidFill>
               </a:rPr>
-              <a:t>AddressBook</a:t>
+              <a:t>TodoList</a:t>
             </a:r>
             <a:endParaRPr lang="en-SG" sz="1050" b="1" dirty="0">
               <a:solidFill>
@@ -4780,7 +4796,7 @@
                   </a:schemeClr>
                 </a:solidFill>
               </a:rPr>
-              <a:t>XmlAdaptedPerson</a:t>
+              <a:t>XmlAdaptedTask</a:t>
             </a:r>
             <a:endParaRPr lang="en-SG" sz="1050" b="1" dirty="0">
               <a:solidFill>

--- a/docs/diagrams/StorageComponentClassDiagram.pptx
+++ b/docs/diagrams/StorageComponentClassDiagram.pptx
@@ -2,13 +2,13 @@
 <file path=ppt/presentation.xml><?xml version="1.0" encoding="utf-8"?>
 <p:presentation xmlns:a="http://schemas.openxmlformats.org/drawingml/2006/main" xmlns:r="http://schemas.openxmlformats.org/officeDocument/2006/relationships" xmlns:p="http://schemas.openxmlformats.org/presentationml/2006/main" saveSubsetFonts="1">
   <p:sldMasterIdLst>
-    <p:sldMasterId id="2147483648" r:id="rId1"/>
+    <p:sldMasterId id="2147483659" r:id="rId5"/>
   </p:sldMasterIdLst>
   <p:notesMasterIdLst>
-    <p:notesMasterId r:id="rId3"/>
+    <p:notesMasterId r:id="rId6"/>
   </p:notesMasterIdLst>
   <p:sldIdLst>
-    <p:sldId id="264" r:id="rId2"/>
+    <p:sldId id="256" r:id="rId7"/>
   </p:sldIdLst>
   <p:sldSz cx="9144000" cy="6858000" type="screen4x3"/>
   <p:notesSz cx="6858000" cy="9144000"/>
@@ -16,8 +16,8 @@
     <a:defPPr>
       <a:defRPr lang="en-US"/>
     </a:defPPr>
-    <a:lvl1pPr marL="0" algn="l" defTabSz="914400" rtl="0" eaLnBrk="1" latinLnBrk="0" hangingPunct="1">
-      <a:defRPr sz="1800" kern="1200">
+    <a:lvl1pPr algn="l" defTabSz="914400" eaLnBrk="1" hangingPunct="1" latinLnBrk="0" marL="0" rtl="0">
+      <a:defRPr kern="1200" sz="1800">
         <a:solidFill>
           <a:schemeClr val="tx1"/>
         </a:solidFill>
@@ -26,8 +26,8 @@
         <a:cs typeface="+mn-cs"/>
       </a:defRPr>
     </a:lvl1pPr>
-    <a:lvl2pPr marL="457200" algn="l" defTabSz="914400" rtl="0" eaLnBrk="1" latinLnBrk="0" hangingPunct="1">
-      <a:defRPr sz="1800" kern="1200">
+    <a:lvl2pPr algn="l" defTabSz="914400" eaLnBrk="1" hangingPunct="1" latinLnBrk="0" marL="457200" rtl="0">
+      <a:defRPr kern="1200" sz="1800">
         <a:solidFill>
           <a:schemeClr val="tx1"/>
         </a:solidFill>
@@ -36,8 +36,8 @@
         <a:cs typeface="+mn-cs"/>
       </a:defRPr>
     </a:lvl2pPr>
-    <a:lvl3pPr marL="914400" algn="l" defTabSz="914400" rtl="0" eaLnBrk="1" latinLnBrk="0" hangingPunct="1">
-      <a:defRPr sz="1800" kern="1200">
+    <a:lvl3pPr algn="l" defTabSz="914400" eaLnBrk="1" hangingPunct="1" latinLnBrk="0" marL="914400" rtl="0">
+      <a:defRPr kern="1200" sz="1800">
         <a:solidFill>
           <a:schemeClr val="tx1"/>
         </a:solidFill>
@@ -46,8 +46,8 @@
         <a:cs typeface="+mn-cs"/>
       </a:defRPr>
     </a:lvl3pPr>
-    <a:lvl4pPr marL="1371600" algn="l" defTabSz="914400" rtl="0" eaLnBrk="1" latinLnBrk="0" hangingPunct="1">
-      <a:defRPr sz="1800" kern="1200">
+    <a:lvl4pPr algn="l" defTabSz="914400" eaLnBrk="1" hangingPunct="1" latinLnBrk="0" marL="1371600" rtl="0">
+      <a:defRPr kern="1200" sz="1800">
         <a:solidFill>
           <a:schemeClr val="tx1"/>
         </a:solidFill>
@@ -56,8 +56,8 @@
         <a:cs typeface="+mn-cs"/>
       </a:defRPr>
     </a:lvl4pPr>
-    <a:lvl5pPr marL="1828800" algn="l" defTabSz="914400" rtl="0" eaLnBrk="1" latinLnBrk="0" hangingPunct="1">
-      <a:defRPr sz="1800" kern="1200">
+    <a:lvl5pPr algn="l" defTabSz="914400" eaLnBrk="1" hangingPunct="1" latinLnBrk="0" marL="1828800" rtl="0">
+      <a:defRPr kern="1200" sz="1800">
         <a:solidFill>
           <a:schemeClr val="tx1"/>
         </a:solidFill>
@@ -66,8 +66,8 @@
         <a:cs typeface="+mn-cs"/>
       </a:defRPr>
     </a:lvl5pPr>
-    <a:lvl6pPr marL="2286000" algn="l" defTabSz="914400" rtl="0" eaLnBrk="1" latinLnBrk="0" hangingPunct="1">
-      <a:defRPr sz="1800" kern="1200">
+    <a:lvl6pPr algn="l" defTabSz="914400" eaLnBrk="1" hangingPunct="1" latinLnBrk="0" marL="2286000" rtl="0">
+      <a:defRPr kern="1200" sz="1800">
         <a:solidFill>
           <a:schemeClr val="tx1"/>
         </a:solidFill>
@@ -76,8 +76,8 @@
         <a:cs typeface="+mn-cs"/>
       </a:defRPr>
     </a:lvl6pPr>
-    <a:lvl7pPr marL="2743200" algn="l" defTabSz="914400" rtl="0" eaLnBrk="1" latinLnBrk="0" hangingPunct="1">
-      <a:defRPr sz="1800" kern="1200">
+    <a:lvl7pPr algn="l" defTabSz="914400" eaLnBrk="1" hangingPunct="1" latinLnBrk="0" marL="2743200" rtl="0">
+      <a:defRPr kern="1200" sz="1800">
         <a:solidFill>
           <a:schemeClr val="tx1"/>
         </a:solidFill>
@@ -86,8 +86,8 @@
         <a:cs typeface="+mn-cs"/>
       </a:defRPr>
     </a:lvl7pPr>
-    <a:lvl8pPr marL="3200400" algn="l" defTabSz="914400" rtl="0" eaLnBrk="1" latinLnBrk="0" hangingPunct="1">
-      <a:defRPr sz="1800" kern="1200">
+    <a:lvl8pPr algn="l" defTabSz="914400" eaLnBrk="1" hangingPunct="1" latinLnBrk="0" marL="3200400" rtl="0">
+      <a:defRPr kern="1200" sz="1800">
         <a:solidFill>
           <a:schemeClr val="tx1"/>
         </a:solidFill>
@@ -96,8 +96,8 @@
         <a:cs typeface="+mn-cs"/>
       </a:defRPr>
     </a:lvl8pPr>
-    <a:lvl9pPr marL="3657600" algn="l" defTabSz="914400" rtl="0" eaLnBrk="1" latinLnBrk="0" hangingPunct="1">
-      <a:defRPr sz="1800" kern="1200">
+    <a:lvl9pPr algn="l" defTabSz="914400" eaLnBrk="1" hangingPunct="1" latinLnBrk="0" marL="3657600" rtl="0">
+      <a:defRPr kern="1200" sz="1800">
         <a:solidFill>
           <a:schemeClr val="tx1"/>
         </a:solidFill>
@@ -139,7 +139,7 @@
             <a:spLocks noGrp="1"/>
           </p:cNvSpPr>
           <p:nvPr>
-            <p:ph type="hdr" sz="quarter"/>
+            <p:ph sz="quarter" type="hdr"/>
           </p:nvPr>
         </p:nvSpPr>
         <p:spPr>
@@ -152,7 +152,7 @@
           </a:prstGeom>
         </p:spPr>
         <p:txBody>
-          <a:bodyPr vert="horz" lIns="91440" tIns="45720" rIns="91440" bIns="45720" rtlCol="0"/>
+          <a:bodyPr bIns="45720" lIns="91440" numCol="1" rIns="91440" rtlCol="0" tIns="45720" vert="horz"/>
           <a:lstStyle>
             <a:lvl1pPr algn="l">
               <a:defRPr sz="1200"/>
@@ -170,7 +170,7 @@
             <a:spLocks noGrp="1"/>
           </p:cNvSpPr>
           <p:nvPr>
-            <p:ph type="dt" idx="1"/>
+            <p:ph idx="1" type="dt"/>
           </p:nvPr>
         </p:nvSpPr>
         <p:spPr>
@@ -183,7 +183,7 @@
           </a:prstGeom>
         </p:spPr>
         <p:txBody>
-          <a:bodyPr vert="horz" lIns="91440" tIns="45720" rIns="91440" bIns="45720" rtlCol="0"/>
+          <a:bodyPr bIns="45720" lIns="91440" numCol="1" rIns="91440" rtlCol="0" tIns="45720" vert="horz"/>
           <a:lstStyle>
             <a:lvl1pPr algn="r">
               <a:defRPr sz="1200"/>
@@ -202,10 +202,10 @@
         <p:nvSpPr>
           <p:cNvPr id="4" name="Slide Image Placeholder 3"/>
           <p:cNvSpPr>
-            <a:spLocks noGrp="1" noRot="1" noChangeAspect="1"/>
-          </p:cNvSpPr>
-          <p:nvPr>
-            <p:ph type="sldImg" idx="2"/>
+            <a:spLocks noChangeAspect="1" noGrp="1" noRot="1"/>
+          </p:cNvSpPr>
+          <p:nvPr>
+            <p:ph idx="2" type="sldImg"/>
           </p:nvPr>
         </p:nvSpPr>
         <p:spPr>
@@ -224,7 +224,7 @@
           </a:ln>
         </p:spPr>
         <p:txBody>
-          <a:bodyPr vert="horz" lIns="91440" tIns="45720" rIns="91440" bIns="45720" rtlCol="0" anchor="ctr"/>
+          <a:bodyPr anchor="ctr" bIns="45720" lIns="91440" numCol="1" rIns="91440" rtlCol="0" tIns="45720" vert="horz"/>
           <a:lstStyle/>
           <a:p>
             <a:endParaRPr lang="en-US"/>
@@ -238,7 +238,7 @@
             <a:spLocks noGrp="1"/>
           </p:cNvSpPr>
           <p:nvPr>
-            <p:ph type="body" sz="quarter" idx="3"/>
+            <p:ph idx="3" sz="quarter" type="body"/>
           </p:nvPr>
         </p:nvSpPr>
         <p:spPr>
@@ -251,7 +251,7 @@
           </a:prstGeom>
         </p:spPr>
         <p:txBody>
-          <a:bodyPr vert="horz" lIns="91440" tIns="45720" rIns="91440" bIns="45720" rtlCol="0"/>
+          <a:bodyPr bIns="45720" lIns="91440" numCol="1" rIns="91440" rtlCol="0" tIns="45720" vert="horz"/>
           <a:lstStyle/>
           <a:p>
             <a:pPr lvl="0"/>
@@ -298,7 +298,7 @@
             <a:spLocks noGrp="1"/>
           </p:cNvSpPr>
           <p:nvPr>
-            <p:ph type="ftr" sz="quarter" idx="4"/>
+            <p:ph idx="4" sz="quarter" type="ftr"/>
           </p:nvPr>
         </p:nvSpPr>
         <p:spPr>
@@ -311,7 +311,7 @@
           </a:prstGeom>
         </p:spPr>
         <p:txBody>
-          <a:bodyPr vert="horz" lIns="91440" tIns="45720" rIns="91440" bIns="45720" rtlCol="0" anchor="b"/>
+          <a:bodyPr anchor="b" bIns="45720" lIns="91440" numCol="1" rIns="91440" rtlCol="0" tIns="45720" vert="horz"/>
           <a:lstStyle>
             <a:lvl1pPr algn="l">
               <a:defRPr sz="1200"/>
@@ -329,7 +329,7 @@
             <a:spLocks noGrp="1"/>
           </p:cNvSpPr>
           <p:nvPr>
-            <p:ph type="sldNum" sz="quarter" idx="5"/>
+            <p:ph idx="5" sz="quarter" type="sldNum"/>
           </p:nvPr>
         </p:nvSpPr>
         <p:spPr>
@@ -342,7 +342,7 @@
           </a:prstGeom>
         </p:spPr>
         <p:txBody>
-          <a:bodyPr vert="horz" lIns="91440" tIns="45720" rIns="91440" bIns="45720" rtlCol="0" anchor="b"/>
+          <a:bodyPr anchor="b" bIns="45720" lIns="91440" numCol="1" rIns="91440" rtlCol="0" tIns="45720" vert="horz"/>
           <a:lstStyle>
             <a:lvl1pPr algn="r">
               <a:defRPr sz="1200"/>
@@ -364,10 +364,10 @@
       </p:ext>
     </p:extLst>
   </p:cSld>
-  <p:clrMap bg1="lt1" tx1="dk1" bg2="lt2" tx2="dk2" accent1="accent1" accent2="accent2" accent3="accent3" accent4="accent4" accent5="accent5" accent6="accent6" hlink="hlink" folHlink="folHlink"/>
+  <p:clrMap accent1="accent1" accent2="accent2" accent3="accent3" accent4="accent4" accent5="accent5" accent6="accent6" bg1="lt1" bg2="lt2" folHlink="folHlink" hlink="hlink" tx1="dk1" tx2="dk2"/>
   <p:notesStyle>
-    <a:lvl1pPr marL="0" algn="l" defTabSz="914400" rtl="0" eaLnBrk="1" latinLnBrk="0" hangingPunct="1">
-      <a:defRPr sz="1200" kern="1200">
+    <a:lvl1pPr algn="l" defTabSz="914400" eaLnBrk="1" hangingPunct="1" latinLnBrk="0" marL="0" rtl="0">
+      <a:defRPr kern="1200" sz="1200">
         <a:solidFill>
           <a:schemeClr val="tx1"/>
         </a:solidFill>
@@ -376,8 +376,8 @@
         <a:cs typeface="+mn-cs"/>
       </a:defRPr>
     </a:lvl1pPr>
-    <a:lvl2pPr marL="457200" algn="l" defTabSz="914400" rtl="0" eaLnBrk="1" latinLnBrk="0" hangingPunct="1">
-      <a:defRPr sz="1200" kern="1200">
+    <a:lvl2pPr algn="l" defTabSz="914400" eaLnBrk="1" hangingPunct="1" latinLnBrk="0" marL="457200" rtl="0">
+      <a:defRPr kern="1200" sz="1200">
         <a:solidFill>
           <a:schemeClr val="tx1"/>
         </a:solidFill>
@@ -386,8 +386,8 @@
         <a:cs typeface="+mn-cs"/>
       </a:defRPr>
     </a:lvl2pPr>
-    <a:lvl3pPr marL="914400" algn="l" defTabSz="914400" rtl="0" eaLnBrk="1" latinLnBrk="0" hangingPunct="1">
-      <a:defRPr sz="1200" kern="1200">
+    <a:lvl3pPr algn="l" defTabSz="914400" eaLnBrk="1" hangingPunct="1" latinLnBrk="0" marL="914400" rtl="0">
+      <a:defRPr kern="1200" sz="1200">
         <a:solidFill>
           <a:schemeClr val="tx1"/>
         </a:solidFill>
@@ -396,8 +396,8 @@
         <a:cs typeface="+mn-cs"/>
       </a:defRPr>
     </a:lvl3pPr>
-    <a:lvl4pPr marL="1371600" algn="l" defTabSz="914400" rtl="0" eaLnBrk="1" latinLnBrk="0" hangingPunct="1">
-      <a:defRPr sz="1200" kern="1200">
+    <a:lvl4pPr algn="l" defTabSz="914400" eaLnBrk="1" hangingPunct="1" latinLnBrk="0" marL="1371600" rtl="0">
+      <a:defRPr kern="1200" sz="1200">
         <a:solidFill>
           <a:schemeClr val="tx1"/>
         </a:solidFill>
@@ -406,8 +406,8 @@
         <a:cs typeface="+mn-cs"/>
       </a:defRPr>
     </a:lvl4pPr>
-    <a:lvl5pPr marL="1828800" algn="l" defTabSz="914400" rtl="0" eaLnBrk="1" latinLnBrk="0" hangingPunct="1">
-      <a:defRPr sz="1200" kern="1200">
+    <a:lvl5pPr algn="l" defTabSz="914400" eaLnBrk="1" hangingPunct="1" latinLnBrk="0" marL="1828800" rtl="0">
+      <a:defRPr kern="1200" sz="1200">
         <a:solidFill>
           <a:schemeClr val="tx1"/>
         </a:solidFill>
@@ -416,8 +416,8 @@
         <a:cs typeface="+mn-cs"/>
       </a:defRPr>
     </a:lvl5pPr>
-    <a:lvl6pPr marL="2286000" algn="l" defTabSz="914400" rtl="0" eaLnBrk="1" latinLnBrk="0" hangingPunct="1">
-      <a:defRPr sz="1200" kern="1200">
+    <a:lvl6pPr algn="l" defTabSz="914400" eaLnBrk="1" hangingPunct="1" latinLnBrk="0" marL="2286000" rtl="0">
+      <a:defRPr kern="1200" sz="1200">
         <a:solidFill>
           <a:schemeClr val="tx1"/>
         </a:solidFill>
@@ -426,8 +426,8 @@
         <a:cs typeface="+mn-cs"/>
       </a:defRPr>
     </a:lvl6pPr>
-    <a:lvl7pPr marL="2743200" algn="l" defTabSz="914400" rtl="0" eaLnBrk="1" latinLnBrk="0" hangingPunct="1">
-      <a:defRPr sz="1200" kern="1200">
+    <a:lvl7pPr algn="l" defTabSz="914400" eaLnBrk="1" hangingPunct="1" latinLnBrk="0" marL="2743200" rtl="0">
+      <a:defRPr kern="1200" sz="1200">
         <a:solidFill>
           <a:schemeClr val="tx1"/>
         </a:solidFill>
@@ -436,8 +436,8 @@
         <a:cs typeface="+mn-cs"/>
       </a:defRPr>
     </a:lvl7pPr>
-    <a:lvl8pPr marL="3200400" algn="l" defTabSz="914400" rtl="0" eaLnBrk="1" latinLnBrk="0" hangingPunct="1">
-      <a:defRPr sz="1200" kern="1200">
+    <a:lvl8pPr algn="l" defTabSz="914400" eaLnBrk="1" hangingPunct="1" latinLnBrk="0" marL="3200400" rtl="0">
+      <a:defRPr kern="1200" sz="1200">
         <a:solidFill>
           <a:schemeClr val="tx1"/>
         </a:solidFill>
@@ -446,8 +446,8 @@
         <a:cs typeface="+mn-cs"/>
       </a:defRPr>
     </a:lvl8pPr>
-    <a:lvl9pPr marL="3657600" algn="l" defTabSz="914400" rtl="0" eaLnBrk="1" latinLnBrk="0" hangingPunct="1">
-      <a:defRPr sz="1200" kern="1200">
+    <a:lvl9pPr algn="l" defTabSz="914400" eaLnBrk="1" hangingPunct="1" latinLnBrk="0" marL="3657600" rtl="0">
+      <a:defRPr kern="1200" sz="1200">
         <a:solidFill>
           <a:schemeClr val="tx1"/>
         </a:solidFill>
@@ -461,7 +461,7 @@
 </file>
 
 <file path=ppt/slideLayouts/slideLayout1.xml><?xml version="1.0" encoding="utf-8"?>
-<p:sldLayout xmlns:a="http://schemas.openxmlformats.org/drawingml/2006/main" xmlns:r="http://schemas.openxmlformats.org/officeDocument/2006/relationships" xmlns:p="http://schemas.openxmlformats.org/presentationml/2006/main" type="title" preserve="1">
+<p:sldLayout xmlns:a="http://schemas.openxmlformats.org/drawingml/2006/main" xmlns:r="http://schemas.openxmlformats.org/officeDocument/2006/relationships" xmlns:p="http://schemas.openxmlformats.org/presentationml/2006/main" preserve="1" type="title">
   <p:cSld name="Title Slide">
     <p:spTree>
       <p:nvGrpSpPr>
@@ -494,7 +494,7 @@
           </a:xfrm>
         </p:spPr>
         <p:txBody>
-          <a:bodyPr/>
+          <a:bodyPr numCol="1"/>
           <a:lstStyle/>
           <a:p>
             <a:r>
@@ -512,7 +512,7 @@
             <a:spLocks noGrp="1"/>
           </p:cNvSpPr>
           <p:nvPr>
-            <p:ph type="subTitle" idx="1"/>
+            <p:ph idx="1" type="subTitle"/>
           </p:nvPr>
         </p:nvSpPr>
         <p:spPr>
@@ -522,9 +522,9 @@
           </a:xfrm>
         </p:spPr>
         <p:txBody>
-          <a:bodyPr/>
+          <a:bodyPr numCol="1"/>
           <a:lstStyle>
-            <a:lvl1pPr marL="0" indent="0" algn="ctr">
+            <a:lvl1pPr algn="ctr" indent="0" marL="0">
               <a:buNone/>
               <a:defRPr>
                 <a:solidFill>
@@ -534,7 +534,7 @@
                 </a:solidFill>
               </a:defRPr>
             </a:lvl1pPr>
-            <a:lvl2pPr marL="457200" indent="0" algn="ctr">
+            <a:lvl2pPr algn="ctr" indent="0" marL="457200">
               <a:buNone/>
               <a:defRPr>
                 <a:solidFill>
@@ -544,7 +544,7 @@
                 </a:solidFill>
               </a:defRPr>
             </a:lvl2pPr>
-            <a:lvl3pPr marL="914400" indent="0" algn="ctr">
+            <a:lvl3pPr algn="ctr" indent="0" marL="914400">
               <a:buNone/>
               <a:defRPr>
                 <a:solidFill>
@@ -554,7 +554,7 @@
                 </a:solidFill>
               </a:defRPr>
             </a:lvl3pPr>
-            <a:lvl4pPr marL="1371600" indent="0" algn="ctr">
+            <a:lvl4pPr algn="ctr" indent="0" marL="1371600">
               <a:buNone/>
               <a:defRPr>
                 <a:solidFill>
@@ -564,7 +564,7 @@
                 </a:solidFill>
               </a:defRPr>
             </a:lvl4pPr>
-            <a:lvl5pPr marL="1828800" indent="0" algn="ctr">
+            <a:lvl5pPr algn="ctr" indent="0" marL="1828800">
               <a:buNone/>
               <a:defRPr>
                 <a:solidFill>
@@ -574,7 +574,7 @@
                 </a:solidFill>
               </a:defRPr>
             </a:lvl5pPr>
-            <a:lvl6pPr marL="2286000" indent="0" algn="ctr">
+            <a:lvl6pPr algn="ctr" indent="0" marL="2286000">
               <a:buNone/>
               <a:defRPr>
                 <a:solidFill>
@@ -584,7 +584,7 @@
                 </a:solidFill>
               </a:defRPr>
             </a:lvl6pPr>
-            <a:lvl7pPr marL="2743200" indent="0" algn="ctr">
+            <a:lvl7pPr algn="ctr" indent="0" marL="2743200">
               <a:buNone/>
               <a:defRPr>
                 <a:solidFill>
@@ -594,7 +594,7 @@
                 </a:solidFill>
               </a:defRPr>
             </a:lvl7pPr>
-            <a:lvl8pPr marL="3200400" indent="0" algn="ctr">
+            <a:lvl8pPr algn="ctr" indent="0" marL="3200400">
               <a:buNone/>
               <a:defRPr>
                 <a:solidFill>
@@ -604,7 +604,7 @@
                 </a:solidFill>
               </a:defRPr>
             </a:lvl8pPr>
-            <a:lvl9pPr marL="3657600" indent="0" algn="ctr">
+            <a:lvl9pPr algn="ctr" indent="0" marL="3657600">
               <a:buNone/>
               <a:defRPr>
                 <a:solidFill>
@@ -631,12 +631,12 @@
             <a:spLocks noGrp="1"/>
           </p:cNvSpPr>
           <p:nvPr>
-            <p:ph type="dt" sz="half" idx="10"/>
+            <p:ph idx="10" sz="half" type="dt"/>
           </p:nvPr>
         </p:nvSpPr>
         <p:spPr/>
         <p:txBody>
-          <a:bodyPr/>
+          <a:bodyPr numCol="1"/>
           <a:lstStyle/>
           <a:p>
             <a:fld id="{78C97017-6FC3-485B-9764-EAC9E56C1D49}" type="datetimeFigureOut">
@@ -654,12 +654,12 @@
             <a:spLocks noGrp="1"/>
           </p:cNvSpPr>
           <p:nvPr>
-            <p:ph type="ftr" sz="quarter" idx="11"/>
+            <p:ph idx="11" sz="quarter" type="ftr"/>
           </p:nvPr>
         </p:nvSpPr>
         <p:spPr/>
         <p:txBody>
-          <a:bodyPr/>
+          <a:bodyPr numCol="1"/>
           <a:lstStyle/>
           <a:p>
             <a:endParaRPr lang="en-US"/>
@@ -673,12 +673,12 @@
             <a:spLocks noGrp="1"/>
           </p:cNvSpPr>
           <p:nvPr>
-            <p:ph type="sldNum" sz="quarter" idx="12"/>
+            <p:ph idx="12" sz="quarter" type="sldNum"/>
           </p:nvPr>
         </p:nvSpPr>
         <p:spPr/>
         <p:txBody>
-          <a:bodyPr/>
+          <a:bodyPr numCol="1"/>
           <a:lstStyle/>
           <a:p>
             <a:fld id="{FB34683C-161B-4520-BF45-B179E228CF2A}" type="slidenum">
@@ -703,7 +703,7 @@
 </file>
 
 <file path=ppt/slideLayouts/slideLayout10.xml><?xml version="1.0" encoding="utf-8"?>
-<p:sldLayout xmlns:a="http://schemas.openxmlformats.org/drawingml/2006/main" xmlns:r="http://schemas.openxmlformats.org/officeDocument/2006/relationships" xmlns:p="http://schemas.openxmlformats.org/presentationml/2006/main" type="vertTx" preserve="1">
+<p:sldLayout xmlns:a="http://schemas.openxmlformats.org/drawingml/2006/main" xmlns:r="http://schemas.openxmlformats.org/officeDocument/2006/relationships" xmlns:p="http://schemas.openxmlformats.org/presentationml/2006/main" preserve="1" type="vertTx">
   <p:cSld name="Title and Vertical Text">
     <p:spTree>
       <p:nvGrpSpPr>
@@ -731,7 +731,7 @@
         </p:nvSpPr>
         <p:spPr/>
         <p:txBody>
-          <a:bodyPr/>
+          <a:bodyPr numCol="1"/>
           <a:lstStyle/>
           <a:p>
             <a:r>
@@ -749,12 +749,12 @@
             <a:spLocks noGrp="1"/>
           </p:cNvSpPr>
           <p:nvPr>
-            <p:ph type="body" orient="vert" idx="1"/>
+            <p:ph idx="1" orient="vert" type="body"/>
           </p:nvPr>
         </p:nvSpPr>
         <p:spPr/>
         <p:txBody>
-          <a:bodyPr vert="eaVert"/>
+          <a:bodyPr numCol="1" vert="eaVert"/>
           <a:lstStyle/>
           <a:p>
             <a:pPr lvl="0"/>
@@ -801,12 +801,12 @@
             <a:spLocks noGrp="1"/>
           </p:cNvSpPr>
           <p:nvPr>
-            <p:ph type="dt" sz="half" idx="10"/>
+            <p:ph idx="10" sz="half" type="dt"/>
           </p:nvPr>
         </p:nvSpPr>
         <p:spPr/>
         <p:txBody>
-          <a:bodyPr/>
+          <a:bodyPr numCol="1"/>
           <a:lstStyle/>
           <a:p>
             <a:fld id="{78C97017-6FC3-485B-9764-EAC9E56C1D49}" type="datetimeFigureOut">
@@ -824,12 +824,12 @@
             <a:spLocks noGrp="1"/>
           </p:cNvSpPr>
           <p:nvPr>
-            <p:ph type="ftr" sz="quarter" idx="11"/>
+            <p:ph idx="11" sz="quarter" type="ftr"/>
           </p:nvPr>
         </p:nvSpPr>
         <p:spPr/>
         <p:txBody>
-          <a:bodyPr/>
+          <a:bodyPr numCol="1"/>
           <a:lstStyle/>
           <a:p>
             <a:endParaRPr lang="en-US"/>
@@ -843,12 +843,12 @@
             <a:spLocks noGrp="1"/>
           </p:cNvSpPr>
           <p:nvPr>
-            <p:ph type="sldNum" sz="quarter" idx="12"/>
+            <p:ph idx="12" sz="quarter" type="sldNum"/>
           </p:nvPr>
         </p:nvSpPr>
         <p:spPr/>
         <p:txBody>
-          <a:bodyPr/>
+          <a:bodyPr numCol="1"/>
           <a:lstStyle/>
           <a:p>
             <a:fld id="{FB34683C-161B-4520-BF45-B179E228CF2A}" type="slidenum">
@@ -873,7 +873,7 @@
 </file>
 
 <file path=ppt/slideLayouts/slideLayout11.xml><?xml version="1.0" encoding="utf-8"?>
-<p:sldLayout xmlns:a="http://schemas.openxmlformats.org/drawingml/2006/main" xmlns:r="http://schemas.openxmlformats.org/officeDocument/2006/relationships" xmlns:p="http://schemas.openxmlformats.org/presentationml/2006/main" type="vertTitleAndTx" preserve="1">
+<p:sldLayout xmlns:a="http://schemas.openxmlformats.org/drawingml/2006/main" xmlns:r="http://schemas.openxmlformats.org/officeDocument/2006/relationships" xmlns:p="http://schemas.openxmlformats.org/presentationml/2006/main" preserve="1" type="vertTitleAndTx">
   <p:cSld name="Vertical Title and Text">
     <p:spTree>
       <p:nvGrpSpPr>
@@ -896,7 +896,7 @@
             <a:spLocks noGrp="1"/>
           </p:cNvSpPr>
           <p:nvPr>
-            <p:ph type="title" orient="vert"/>
+            <p:ph orient="vert" type="title"/>
           </p:nvPr>
         </p:nvSpPr>
         <p:spPr>
@@ -906,7 +906,7 @@
           </a:xfrm>
         </p:spPr>
         <p:txBody>
-          <a:bodyPr vert="eaVert"/>
+          <a:bodyPr numCol="1" vert="eaVert"/>
           <a:lstStyle/>
           <a:p>
             <a:r>
@@ -924,7 +924,7 @@
             <a:spLocks noGrp="1"/>
           </p:cNvSpPr>
           <p:nvPr>
-            <p:ph type="body" orient="vert" idx="1"/>
+            <p:ph idx="1" orient="vert" type="body"/>
           </p:nvPr>
         </p:nvSpPr>
         <p:spPr>
@@ -934,7 +934,7 @@
           </a:xfrm>
         </p:spPr>
         <p:txBody>
-          <a:bodyPr vert="eaVert"/>
+          <a:bodyPr numCol="1" vert="eaVert"/>
           <a:lstStyle/>
           <a:p>
             <a:pPr lvl="0"/>
@@ -981,12 +981,12 @@
             <a:spLocks noGrp="1"/>
           </p:cNvSpPr>
           <p:nvPr>
-            <p:ph type="dt" sz="half" idx="10"/>
+            <p:ph idx="10" sz="half" type="dt"/>
           </p:nvPr>
         </p:nvSpPr>
         <p:spPr/>
         <p:txBody>
-          <a:bodyPr/>
+          <a:bodyPr numCol="1"/>
           <a:lstStyle/>
           <a:p>
             <a:fld id="{78C97017-6FC3-485B-9764-EAC9E56C1D49}" type="datetimeFigureOut">
@@ -1004,12 +1004,12 @@
             <a:spLocks noGrp="1"/>
           </p:cNvSpPr>
           <p:nvPr>
-            <p:ph type="ftr" sz="quarter" idx="11"/>
+            <p:ph idx="11" sz="quarter" type="ftr"/>
           </p:nvPr>
         </p:nvSpPr>
         <p:spPr/>
         <p:txBody>
-          <a:bodyPr/>
+          <a:bodyPr numCol="1"/>
           <a:lstStyle/>
           <a:p>
             <a:endParaRPr lang="en-US"/>
@@ -1023,12 +1023,12 @@
             <a:spLocks noGrp="1"/>
           </p:cNvSpPr>
           <p:nvPr>
-            <p:ph type="sldNum" sz="quarter" idx="12"/>
+            <p:ph idx="12" sz="quarter" type="sldNum"/>
           </p:nvPr>
         </p:nvSpPr>
         <p:spPr/>
         <p:txBody>
-          <a:bodyPr/>
+          <a:bodyPr numCol="1"/>
           <a:lstStyle/>
           <a:p>
             <a:fld id="{FB34683C-161B-4520-BF45-B179E228CF2A}" type="slidenum">
@@ -1053,7 +1053,7 @@
 </file>
 
 <file path=ppt/slideLayouts/slideLayout2.xml><?xml version="1.0" encoding="utf-8"?>
-<p:sldLayout xmlns:a="http://schemas.openxmlformats.org/drawingml/2006/main" xmlns:r="http://schemas.openxmlformats.org/officeDocument/2006/relationships" xmlns:p="http://schemas.openxmlformats.org/presentationml/2006/main" type="obj" preserve="1">
+<p:sldLayout xmlns:a="http://schemas.openxmlformats.org/drawingml/2006/main" xmlns:r="http://schemas.openxmlformats.org/officeDocument/2006/relationships" xmlns:p="http://schemas.openxmlformats.org/presentationml/2006/main" preserve="1" type="obj">
   <p:cSld name="Title and Content">
     <p:spTree>
       <p:nvGrpSpPr>
@@ -1081,7 +1081,7 @@
         </p:nvSpPr>
         <p:spPr/>
         <p:txBody>
-          <a:bodyPr/>
+          <a:bodyPr numCol="1"/>
           <a:lstStyle/>
           <a:p>
             <a:r>
@@ -1104,7 +1104,7 @@
         </p:nvSpPr>
         <p:spPr/>
         <p:txBody>
-          <a:bodyPr/>
+          <a:bodyPr numCol="1"/>
           <a:lstStyle/>
           <a:p>
             <a:pPr lvl="0"/>
@@ -1151,12 +1151,12 @@
             <a:spLocks noGrp="1"/>
           </p:cNvSpPr>
           <p:nvPr>
-            <p:ph type="dt" sz="half" idx="10"/>
+            <p:ph idx="10" sz="half" type="dt"/>
           </p:nvPr>
         </p:nvSpPr>
         <p:spPr/>
         <p:txBody>
-          <a:bodyPr/>
+          <a:bodyPr numCol="1"/>
           <a:lstStyle/>
           <a:p>
             <a:fld id="{78C97017-6FC3-485B-9764-EAC9E56C1D49}" type="datetimeFigureOut">
@@ -1174,12 +1174,12 @@
             <a:spLocks noGrp="1"/>
           </p:cNvSpPr>
           <p:nvPr>
-            <p:ph type="ftr" sz="quarter" idx="11"/>
+            <p:ph idx="11" sz="quarter" type="ftr"/>
           </p:nvPr>
         </p:nvSpPr>
         <p:spPr/>
         <p:txBody>
-          <a:bodyPr/>
+          <a:bodyPr numCol="1"/>
           <a:lstStyle/>
           <a:p>
             <a:endParaRPr lang="en-US"/>
@@ -1193,12 +1193,12 @@
             <a:spLocks noGrp="1"/>
           </p:cNvSpPr>
           <p:nvPr>
-            <p:ph type="sldNum" sz="quarter" idx="12"/>
+            <p:ph idx="12" sz="quarter" type="sldNum"/>
           </p:nvPr>
         </p:nvSpPr>
         <p:spPr/>
         <p:txBody>
-          <a:bodyPr/>
+          <a:bodyPr numCol="1"/>
           <a:lstStyle/>
           <a:p>
             <a:fld id="{FB34683C-161B-4520-BF45-B179E228CF2A}" type="slidenum">
@@ -1223,7 +1223,7 @@
 </file>
 
 <file path=ppt/slideLayouts/slideLayout3.xml><?xml version="1.0" encoding="utf-8"?>
-<p:sldLayout xmlns:a="http://schemas.openxmlformats.org/drawingml/2006/main" xmlns:r="http://schemas.openxmlformats.org/officeDocument/2006/relationships" xmlns:p="http://schemas.openxmlformats.org/presentationml/2006/main" type="secHead" preserve="1">
+<p:sldLayout xmlns:a="http://schemas.openxmlformats.org/drawingml/2006/main" xmlns:r="http://schemas.openxmlformats.org/officeDocument/2006/relationships" xmlns:p="http://schemas.openxmlformats.org/presentationml/2006/main" preserve="1" type="secHead">
   <p:cSld name="Section Header">
     <p:spTree>
       <p:nvGrpSpPr>
@@ -1256,10 +1256,10 @@
           </a:xfrm>
         </p:spPr>
         <p:txBody>
-          <a:bodyPr anchor="t"/>
+          <a:bodyPr anchor="t" numCol="1"/>
           <a:lstStyle>
             <a:lvl1pPr algn="l">
-              <a:defRPr sz="4000" b="1" cap="all"/>
+              <a:defRPr b="1" cap="all" sz="4000"/>
             </a:lvl1pPr>
           </a:lstStyle>
           <a:p>
@@ -1278,7 +1278,7 @@
             <a:spLocks noGrp="1"/>
           </p:cNvSpPr>
           <p:nvPr>
-            <p:ph type="body" idx="1"/>
+            <p:ph idx="1" type="body"/>
           </p:nvPr>
         </p:nvSpPr>
         <p:spPr>
@@ -1288,9 +1288,9 @@
           </a:xfrm>
         </p:spPr>
         <p:txBody>
-          <a:bodyPr anchor="b"/>
+          <a:bodyPr anchor="b" numCol="1"/>
           <a:lstStyle>
-            <a:lvl1pPr marL="0" indent="0">
+            <a:lvl1pPr indent="0" marL="0">
               <a:buNone/>
               <a:defRPr sz="2000">
                 <a:solidFill>
@@ -1300,7 +1300,7 @@
                 </a:solidFill>
               </a:defRPr>
             </a:lvl1pPr>
-            <a:lvl2pPr marL="457200" indent="0">
+            <a:lvl2pPr indent="0" marL="457200">
               <a:buNone/>
               <a:defRPr sz="1800">
                 <a:solidFill>
@@ -1310,7 +1310,7 @@
                 </a:solidFill>
               </a:defRPr>
             </a:lvl2pPr>
-            <a:lvl3pPr marL="914400" indent="0">
+            <a:lvl3pPr indent="0" marL="914400">
               <a:buNone/>
               <a:defRPr sz="1600">
                 <a:solidFill>
@@ -1320,7 +1320,7 @@
                 </a:solidFill>
               </a:defRPr>
             </a:lvl3pPr>
-            <a:lvl4pPr marL="1371600" indent="0">
+            <a:lvl4pPr indent="0" marL="1371600">
               <a:buNone/>
               <a:defRPr sz="1400">
                 <a:solidFill>
@@ -1330,7 +1330,7 @@
                 </a:solidFill>
               </a:defRPr>
             </a:lvl4pPr>
-            <a:lvl5pPr marL="1828800" indent="0">
+            <a:lvl5pPr indent="0" marL="1828800">
               <a:buNone/>
               <a:defRPr sz="1400">
                 <a:solidFill>
@@ -1340,7 +1340,7 @@
                 </a:solidFill>
               </a:defRPr>
             </a:lvl5pPr>
-            <a:lvl6pPr marL="2286000" indent="0">
+            <a:lvl6pPr indent="0" marL="2286000">
               <a:buNone/>
               <a:defRPr sz="1400">
                 <a:solidFill>
@@ -1350,7 +1350,7 @@
                 </a:solidFill>
               </a:defRPr>
             </a:lvl6pPr>
-            <a:lvl7pPr marL="2743200" indent="0">
+            <a:lvl7pPr indent="0" marL="2743200">
               <a:buNone/>
               <a:defRPr sz="1400">
                 <a:solidFill>
@@ -1360,7 +1360,7 @@
                 </a:solidFill>
               </a:defRPr>
             </a:lvl7pPr>
-            <a:lvl8pPr marL="3200400" indent="0">
+            <a:lvl8pPr indent="0" marL="3200400">
               <a:buNone/>
               <a:defRPr sz="1400">
                 <a:solidFill>
@@ -1370,7 +1370,7 @@
                 </a:solidFill>
               </a:defRPr>
             </a:lvl8pPr>
-            <a:lvl9pPr marL="3657600" indent="0">
+            <a:lvl9pPr indent="0" marL="3657600">
               <a:buNone/>
               <a:defRPr sz="1400">
                 <a:solidFill>
@@ -1397,12 +1397,12 @@
             <a:spLocks noGrp="1"/>
           </p:cNvSpPr>
           <p:nvPr>
-            <p:ph type="dt" sz="half" idx="10"/>
+            <p:ph idx="10" sz="half" type="dt"/>
           </p:nvPr>
         </p:nvSpPr>
         <p:spPr/>
         <p:txBody>
-          <a:bodyPr/>
+          <a:bodyPr numCol="1"/>
           <a:lstStyle/>
           <a:p>
             <a:fld id="{78C97017-6FC3-485B-9764-EAC9E56C1D49}" type="datetimeFigureOut">
@@ -1420,12 +1420,12 @@
             <a:spLocks noGrp="1"/>
           </p:cNvSpPr>
           <p:nvPr>
-            <p:ph type="ftr" sz="quarter" idx="11"/>
+            <p:ph idx="11" sz="quarter" type="ftr"/>
           </p:nvPr>
         </p:nvSpPr>
         <p:spPr/>
         <p:txBody>
-          <a:bodyPr/>
+          <a:bodyPr numCol="1"/>
           <a:lstStyle/>
           <a:p>
             <a:endParaRPr lang="en-US"/>
@@ -1439,12 +1439,12 @@
             <a:spLocks noGrp="1"/>
           </p:cNvSpPr>
           <p:nvPr>
-            <p:ph type="sldNum" sz="quarter" idx="12"/>
+            <p:ph idx="12" sz="quarter" type="sldNum"/>
           </p:nvPr>
         </p:nvSpPr>
         <p:spPr/>
         <p:txBody>
-          <a:bodyPr/>
+          <a:bodyPr numCol="1"/>
           <a:lstStyle/>
           <a:p>
             <a:fld id="{FB34683C-161B-4520-BF45-B179E228CF2A}" type="slidenum">
@@ -1469,7 +1469,7 @@
 </file>
 
 <file path=ppt/slideLayouts/slideLayout4.xml><?xml version="1.0" encoding="utf-8"?>
-<p:sldLayout xmlns:a="http://schemas.openxmlformats.org/drawingml/2006/main" xmlns:r="http://schemas.openxmlformats.org/officeDocument/2006/relationships" xmlns:p="http://schemas.openxmlformats.org/presentationml/2006/main" type="twoObj" preserve="1">
+<p:sldLayout xmlns:a="http://schemas.openxmlformats.org/drawingml/2006/main" xmlns:r="http://schemas.openxmlformats.org/officeDocument/2006/relationships" xmlns:p="http://schemas.openxmlformats.org/presentationml/2006/main" preserve="1" type="twoObj">
   <p:cSld name="Two Content">
     <p:spTree>
       <p:nvGrpSpPr>
@@ -1497,7 +1497,7 @@
         </p:nvSpPr>
         <p:spPr/>
         <p:txBody>
-          <a:bodyPr/>
+          <a:bodyPr numCol="1"/>
           <a:lstStyle/>
           <a:p>
             <a:r>
@@ -1515,7 +1515,7 @@
             <a:spLocks noGrp="1"/>
           </p:cNvSpPr>
           <p:nvPr>
-            <p:ph sz="half" idx="1"/>
+            <p:ph idx="1" sz="half"/>
           </p:nvPr>
         </p:nvSpPr>
         <p:spPr>
@@ -1525,7 +1525,7 @@
           </a:xfrm>
         </p:spPr>
         <p:txBody>
-          <a:bodyPr/>
+          <a:bodyPr numCol="1"/>
           <a:lstStyle>
             <a:lvl1pPr>
               <a:defRPr sz="2800"/>
@@ -1600,7 +1600,7 @@
             <a:spLocks noGrp="1"/>
           </p:cNvSpPr>
           <p:nvPr>
-            <p:ph sz="half" idx="2"/>
+            <p:ph idx="2" sz="half"/>
           </p:nvPr>
         </p:nvSpPr>
         <p:spPr>
@@ -1610,7 +1610,7 @@
           </a:xfrm>
         </p:spPr>
         <p:txBody>
-          <a:bodyPr/>
+          <a:bodyPr numCol="1"/>
           <a:lstStyle>
             <a:lvl1pPr>
               <a:defRPr sz="2800"/>
@@ -1685,12 +1685,12 @@
             <a:spLocks noGrp="1"/>
           </p:cNvSpPr>
           <p:nvPr>
-            <p:ph type="dt" sz="half" idx="10"/>
+            <p:ph idx="10" sz="half" type="dt"/>
           </p:nvPr>
         </p:nvSpPr>
         <p:spPr/>
         <p:txBody>
-          <a:bodyPr/>
+          <a:bodyPr numCol="1"/>
           <a:lstStyle/>
           <a:p>
             <a:fld id="{78C97017-6FC3-485B-9764-EAC9E56C1D49}" type="datetimeFigureOut">
@@ -1708,12 +1708,12 @@
             <a:spLocks noGrp="1"/>
           </p:cNvSpPr>
           <p:nvPr>
-            <p:ph type="ftr" sz="quarter" idx="11"/>
+            <p:ph idx="11" sz="quarter" type="ftr"/>
           </p:nvPr>
         </p:nvSpPr>
         <p:spPr/>
         <p:txBody>
-          <a:bodyPr/>
+          <a:bodyPr numCol="1"/>
           <a:lstStyle/>
           <a:p>
             <a:endParaRPr lang="en-US"/>
@@ -1727,12 +1727,12 @@
             <a:spLocks noGrp="1"/>
           </p:cNvSpPr>
           <p:nvPr>
-            <p:ph type="sldNum" sz="quarter" idx="12"/>
+            <p:ph idx="12" sz="quarter" type="sldNum"/>
           </p:nvPr>
         </p:nvSpPr>
         <p:spPr/>
         <p:txBody>
-          <a:bodyPr/>
+          <a:bodyPr numCol="1"/>
           <a:lstStyle/>
           <a:p>
             <a:fld id="{FB34683C-161B-4520-BF45-B179E228CF2A}" type="slidenum">
@@ -1757,7 +1757,7 @@
 </file>
 
 <file path=ppt/slideLayouts/slideLayout5.xml><?xml version="1.0" encoding="utf-8"?>
-<p:sldLayout xmlns:a="http://schemas.openxmlformats.org/drawingml/2006/main" xmlns:r="http://schemas.openxmlformats.org/officeDocument/2006/relationships" xmlns:p="http://schemas.openxmlformats.org/presentationml/2006/main" type="twoTxTwoObj" preserve="1">
+<p:sldLayout xmlns:a="http://schemas.openxmlformats.org/drawingml/2006/main" xmlns:r="http://schemas.openxmlformats.org/officeDocument/2006/relationships" xmlns:p="http://schemas.openxmlformats.org/presentationml/2006/main" preserve="1" type="twoTxTwoObj">
   <p:cSld name="Comparison">
     <p:spTree>
       <p:nvGrpSpPr>
@@ -1785,7 +1785,7 @@
         </p:nvSpPr>
         <p:spPr/>
         <p:txBody>
-          <a:bodyPr/>
+          <a:bodyPr numCol="1"/>
           <a:lstStyle>
             <a:lvl1pPr>
               <a:defRPr/>
@@ -1807,7 +1807,7 @@
             <a:spLocks noGrp="1"/>
           </p:cNvSpPr>
           <p:nvPr>
-            <p:ph type="body" idx="1"/>
+            <p:ph idx="1" type="body"/>
           </p:nvPr>
         </p:nvSpPr>
         <p:spPr>
@@ -1817,43 +1817,43 @@
           </a:xfrm>
         </p:spPr>
         <p:txBody>
-          <a:bodyPr anchor="b"/>
+          <a:bodyPr anchor="b" numCol="1"/>
           <a:lstStyle>
-            <a:lvl1pPr marL="0" indent="0">
-              <a:buNone/>
-              <a:defRPr sz="2400" b="1"/>
+            <a:lvl1pPr indent="0" marL="0">
+              <a:buNone/>
+              <a:defRPr b="1" sz="2400"/>
             </a:lvl1pPr>
-            <a:lvl2pPr marL="457200" indent="0">
-              <a:buNone/>
-              <a:defRPr sz="2000" b="1"/>
+            <a:lvl2pPr indent="0" marL="457200">
+              <a:buNone/>
+              <a:defRPr b="1" sz="2000"/>
             </a:lvl2pPr>
-            <a:lvl3pPr marL="914400" indent="0">
-              <a:buNone/>
-              <a:defRPr sz="1800" b="1"/>
+            <a:lvl3pPr indent="0" marL="914400">
+              <a:buNone/>
+              <a:defRPr b="1" sz="1800"/>
             </a:lvl3pPr>
-            <a:lvl4pPr marL="1371600" indent="0">
-              <a:buNone/>
-              <a:defRPr sz="1600" b="1"/>
+            <a:lvl4pPr indent="0" marL="1371600">
+              <a:buNone/>
+              <a:defRPr b="1" sz="1600"/>
             </a:lvl4pPr>
-            <a:lvl5pPr marL="1828800" indent="0">
-              <a:buNone/>
-              <a:defRPr sz="1600" b="1"/>
+            <a:lvl5pPr indent="0" marL="1828800">
+              <a:buNone/>
+              <a:defRPr b="1" sz="1600"/>
             </a:lvl5pPr>
-            <a:lvl6pPr marL="2286000" indent="0">
-              <a:buNone/>
-              <a:defRPr sz="1600" b="1"/>
+            <a:lvl6pPr indent="0" marL="2286000">
+              <a:buNone/>
+              <a:defRPr b="1" sz="1600"/>
             </a:lvl6pPr>
-            <a:lvl7pPr marL="2743200" indent="0">
-              <a:buNone/>
-              <a:defRPr sz="1600" b="1"/>
+            <a:lvl7pPr indent="0" marL="2743200">
+              <a:buNone/>
+              <a:defRPr b="1" sz="1600"/>
             </a:lvl7pPr>
-            <a:lvl8pPr marL="3200400" indent="0">
-              <a:buNone/>
-              <a:defRPr sz="1600" b="1"/>
+            <a:lvl8pPr indent="0" marL="3200400">
+              <a:buNone/>
+              <a:defRPr b="1" sz="1600"/>
             </a:lvl8pPr>
-            <a:lvl9pPr marL="3657600" indent="0">
-              <a:buNone/>
-              <a:defRPr sz="1600" b="1"/>
+            <a:lvl9pPr indent="0" marL="3657600">
+              <a:buNone/>
+              <a:defRPr b="1" sz="1600"/>
             </a:lvl9pPr>
           </a:lstStyle>
           <a:p>
@@ -1872,7 +1872,7 @@
             <a:spLocks noGrp="1"/>
           </p:cNvSpPr>
           <p:nvPr>
-            <p:ph sz="half" idx="2"/>
+            <p:ph idx="2" sz="half"/>
           </p:nvPr>
         </p:nvSpPr>
         <p:spPr>
@@ -1882,7 +1882,7 @@
           </a:xfrm>
         </p:spPr>
         <p:txBody>
-          <a:bodyPr/>
+          <a:bodyPr numCol="1"/>
           <a:lstStyle>
             <a:lvl1pPr>
               <a:defRPr sz="2400"/>
@@ -1957,7 +1957,7 @@
             <a:spLocks noGrp="1"/>
           </p:cNvSpPr>
           <p:nvPr>
-            <p:ph type="body" sz="quarter" idx="3"/>
+            <p:ph idx="3" sz="quarter" type="body"/>
           </p:nvPr>
         </p:nvSpPr>
         <p:spPr>
@@ -1967,43 +1967,43 @@
           </a:xfrm>
         </p:spPr>
         <p:txBody>
-          <a:bodyPr anchor="b"/>
+          <a:bodyPr anchor="b" numCol="1"/>
           <a:lstStyle>
-            <a:lvl1pPr marL="0" indent="0">
-              <a:buNone/>
-              <a:defRPr sz="2400" b="1"/>
+            <a:lvl1pPr indent="0" marL="0">
+              <a:buNone/>
+              <a:defRPr b="1" sz="2400"/>
             </a:lvl1pPr>
-            <a:lvl2pPr marL="457200" indent="0">
-              <a:buNone/>
-              <a:defRPr sz="2000" b="1"/>
+            <a:lvl2pPr indent="0" marL="457200">
+              <a:buNone/>
+              <a:defRPr b="1" sz="2000"/>
             </a:lvl2pPr>
-            <a:lvl3pPr marL="914400" indent="0">
-              <a:buNone/>
-              <a:defRPr sz="1800" b="1"/>
+            <a:lvl3pPr indent="0" marL="914400">
+              <a:buNone/>
+              <a:defRPr b="1" sz="1800"/>
             </a:lvl3pPr>
-            <a:lvl4pPr marL="1371600" indent="0">
-              <a:buNone/>
-              <a:defRPr sz="1600" b="1"/>
+            <a:lvl4pPr indent="0" marL="1371600">
+              <a:buNone/>
+              <a:defRPr b="1" sz="1600"/>
             </a:lvl4pPr>
-            <a:lvl5pPr marL="1828800" indent="0">
-              <a:buNone/>
-              <a:defRPr sz="1600" b="1"/>
+            <a:lvl5pPr indent="0" marL="1828800">
+              <a:buNone/>
+              <a:defRPr b="1" sz="1600"/>
             </a:lvl5pPr>
-            <a:lvl6pPr marL="2286000" indent="0">
-              <a:buNone/>
-              <a:defRPr sz="1600" b="1"/>
+            <a:lvl6pPr indent="0" marL="2286000">
+              <a:buNone/>
+              <a:defRPr b="1" sz="1600"/>
             </a:lvl6pPr>
-            <a:lvl7pPr marL="2743200" indent="0">
-              <a:buNone/>
-              <a:defRPr sz="1600" b="1"/>
+            <a:lvl7pPr indent="0" marL="2743200">
+              <a:buNone/>
+              <a:defRPr b="1" sz="1600"/>
             </a:lvl7pPr>
-            <a:lvl8pPr marL="3200400" indent="0">
-              <a:buNone/>
-              <a:defRPr sz="1600" b="1"/>
+            <a:lvl8pPr indent="0" marL="3200400">
+              <a:buNone/>
+              <a:defRPr b="1" sz="1600"/>
             </a:lvl8pPr>
-            <a:lvl9pPr marL="3657600" indent="0">
-              <a:buNone/>
-              <a:defRPr sz="1600" b="1"/>
+            <a:lvl9pPr indent="0" marL="3657600">
+              <a:buNone/>
+              <a:defRPr b="1" sz="1600"/>
             </a:lvl9pPr>
           </a:lstStyle>
           <a:p>
@@ -2022,7 +2022,7 @@
             <a:spLocks noGrp="1"/>
           </p:cNvSpPr>
           <p:nvPr>
-            <p:ph sz="quarter" idx="4"/>
+            <p:ph idx="4" sz="quarter"/>
           </p:nvPr>
         </p:nvSpPr>
         <p:spPr>
@@ -2032,7 +2032,7 @@
           </a:xfrm>
         </p:spPr>
         <p:txBody>
-          <a:bodyPr/>
+          <a:bodyPr numCol="1"/>
           <a:lstStyle>
             <a:lvl1pPr>
               <a:defRPr sz="2400"/>
@@ -2107,12 +2107,12 @@
             <a:spLocks noGrp="1"/>
           </p:cNvSpPr>
           <p:nvPr>
-            <p:ph type="dt" sz="half" idx="10"/>
+            <p:ph idx="10" sz="half" type="dt"/>
           </p:nvPr>
         </p:nvSpPr>
         <p:spPr/>
         <p:txBody>
-          <a:bodyPr/>
+          <a:bodyPr numCol="1"/>
           <a:lstStyle/>
           <a:p>
             <a:fld id="{78C97017-6FC3-485B-9764-EAC9E56C1D49}" type="datetimeFigureOut">
@@ -2130,12 +2130,12 @@
             <a:spLocks noGrp="1"/>
           </p:cNvSpPr>
           <p:nvPr>
-            <p:ph type="ftr" sz="quarter" idx="11"/>
+            <p:ph idx="11" sz="quarter" type="ftr"/>
           </p:nvPr>
         </p:nvSpPr>
         <p:spPr/>
         <p:txBody>
-          <a:bodyPr/>
+          <a:bodyPr numCol="1"/>
           <a:lstStyle/>
           <a:p>
             <a:endParaRPr lang="en-US"/>
@@ -2149,12 +2149,12 @@
             <a:spLocks noGrp="1"/>
           </p:cNvSpPr>
           <p:nvPr>
-            <p:ph type="sldNum" sz="quarter" idx="12"/>
+            <p:ph idx="12" sz="quarter" type="sldNum"/>
           </p:nvPr>
         </p:nvSpPr>
         <p:spPr/>
         <p:txBody>
-          <a:bodyPr/>
+          <a:bodyPr numCol="1"/>
           <a:lstStyle/>
           <a:p>
             <a:fld id="{FB34683C-161B-4520-BF45-B179E228CF2A}" type="slidenum">
@@ -2179,7 +2179,7 @@
 </file>
 
 <file path=ppt/slideLayouts/slideLayout6.xml><?xml version="1.0" encoding="utf-8"?>
-<p:sldLayout xmlns:a="http://schemas.openxmlformats.org/drawingml/2006/main" xmlns:r="http://schemas.openxmlformats.org/officeDocument/2006/relationships" xmlns:p="http://schemas.openxmlformats.org/presentationml/2006/main" type="titleOnly" preserve="1">
+<p:sldLayout xmlns:a="http://schemas.openxmlformats.org/drawingml/2006/main" xmlns:r="http://schemas.openxmlformats.org/officeDocument/2006/relationships" xmlns:p="http://schemas.openxmlformats.org/presentationml/2006/main" preserve="1" type="titleOnly">
   <p:cSld name="Title Only">
     <p:spTree>
       <p:nvGrpSpPr>
@@ -2207,7 +2207,7 @@
         </p:nvSpPr>
         <p:spPr/>
         <p:txBody>
-          <a:bodyPr/>
+          <a:bodyPr numCol="1"/>
           <a:lstStyle/>
           <a:p>
             <a:r>
@@ -2225,12 +2225,12 @@
             <a:spLocks noGrp="1"/>
           </p:cNvSpPr>
           <p:nvPr>
-            <p:ph type="dt" sz="half" idx="10"/>
+            <p:ph idx="10" sz="half" type="dt"/>
           </p:nvPr>
         </p:nvSpPr>
         <p:spPr/>
         <p:txBody>
-          <a:bodyPr/>
+          <a:bodyPr numCol="1"/>
           <a:lstStyle/>
           <a:p>
             <a:fld id="{78C97017-6FC3-485B-9764-EAC9E56C1D49}" type="datetimeFigureOut">
@@ -2248,12 +2248,12 @@
             <a:spLocks noGrp="1"/>
           </p:cNvSpPr>
           <p:nvPr>
-            <p:ph type="ftr" sz="quarter" idx="11"/>
+            <p:ph idx="11" sz="quarter" type="ftr"/>
           </p:nvPr>
         </p:nvSpPr>
         <p:spPr/>
         <p:txBody>
-          <a:bodyPr/>
+          <a:bodyPr numCol="1"/>
           <a:lstStyle/>
           <a:p>
             <a:endParaRPr lang="en-US"/>
@@ -2267,12 +2267,12 @@
             <a:spLocks noGrp="1"/>
           </p:cNvSpPr>
           <p:nvPr>
-            <p:ph type="sldNum" sz="quarter" idx="12"/>
+            <p:ph idx="12" sz="quarter" type="sldNum"/>
           </p:nvPr>
         </p:nvSpPr>
         <p:spPr/>
         <p:txBody>
-          <a:bodyPr/>
+          <a:bodyPr numCol="1"/>
           <a:lstStyle/>
           <a:p>
             <a:fld id="{FB34683C-161B-4520-BF45-B179E228CF2A}" type="slidenum">
@@ -2297,7 +2297,7 @@
 </file>
 
 <file path=ppt/slideLayouts/slideLayout7.xml><?xml version="1.0" encoding="utf-8"?>
-<p:sldLayout xmlns:a="http://schemas.openxmlformats.org/drawingml/2006/main" xmlns:r="http://schemas.openxmlformats.org/officeDocument/2006/relationships" xmlns:p="http://schemas.openxmlformats.org/presentationml/2006/main" type="blank" preserve="1">
+<p:sldLayout xmlns:a="http://schemas.openxmlformats.org/drawingml/2006/main" xmlns:r="http://schemas.openxmlformats.org/officeDocument/2006/relationships" xmlns:p="http://schemas.openxmlformats.org/presentationml/2006/main" preserve="1" type="blank">
   <p:cSld name="Blank">
     <p:spTree>
       <p:nvGrpSpPr>
@@ -2320,12 +2320,12 @@
             <a:spLocks noGrp="1"/>
           </p:cNvSpPr>
           <p:nvPr>
-            <p:ph type="dt" sz="half" idx="10"/>
+            <p:ph idx="10" sz="half" type="dt"/>
           </p:nvPr>
         </p:nvSpPr>
         <p:spPr/>
         <p:txBody>
-          <a:bodyPr/>
+          <a:bodyPr numCol="1"/>
           <a:lstStyle/>
           <a:p>
             <a:fld id="{78C97017-6FC3-485B-9764-EAC9E56C1D49}" type="datetimeFigureOut">
@@ -2343,12 +2343,12 @@
             <a:spLocks noGrp="1"/>
           </p:cNvSpPr>
           <p:nvPr>
-            <p:ph type="ftr" sz="quarter" idx="11"/>
+            <p:ph idx="11" sz="quarter" type="ftr"/>
           </p:nvPr>
         </p:nvSpPr>
         <p:spPr/>
         <p:txBody>
-          <a:bodyPr/>
+          <a:bodyPr numCol="1"/>
           <a:lstStyle/>
           <a:p>
             <a:endParaRPr lang="en-US"/>
@@ -2362,12 +2362,12 @@
             <a:spLocks noGrp="1"/>
           </p:cNvSpPr>
           <p:nvPr>
-            <p:ph type="sldNum" sz="quarter" idx="12"/>
+            <p:ph idx="12" sz="quarter" type="sldNum"/>
           </p:nvPr>
         </p:nvSpPr>
         <p:spPr/>
         <p:txBody>
-          <a:bodyPr/>
+          <a:bodyPr numCol="1"/>
           <a:lstStyle/>
           <a:p>
             <a:fld id="{FB34683C-161B-4520-BF45-B179E228CF2A}" type="slidenum">
@@ -2392,7 +2392,7 @@
 </file>
 
 <file path=ppt/slideLayouts/slideLayout8.xml><?xml version="1.0" encoding="utf-8"?>
-<p:sldLayout xmlns:a="http://schemas.openxmlformats.org/drawingml/2006/main" xmlns:r="http://schemas.openxmlformats.org/officeDocument/2006/relationships" xmlns:p="http://schemas.openxmlformats.org/presentationml/2006/main" type="objTx" preserve="1">
+<p:sldLayout xmlns:a="http://schemas.openxmlformats.org/drawingml/2006/main" xmlns:r="http://schemas.openxmlformats.org/officeDocument/2006/relationships" xmlns:p="http://schemas.openxmlformats.org/presentationml/2006/main" preserve="1" type="objTx">
   <p:cSld name="Content with Caption">
     <p:spTree>
       <p:nvGrpSpPr>
@@ -2425,10 +2425,10 @@
           </a:xfrm>
         </p:spPr>
         <p:txBody>
-          <a:bodyPr anchor="b"/>
+          <a:bodyPr anchor="b" numCol="1"/>
           <a:lstStyle>
             <a:lvl1pPr algn="l">
-              <a:defRPr sz="2000" b="1"/>
+              <a:defRPr b="1" sz="2000"/>
             </a:lvl1pPr>
           </a:lstStyle>
           <a:p>
@@ -2457,7 +2457,7 @@
           </a:xfrm>
         </p:spPr>
         <p:txBody>
-          <a:bodyPr/>
+          <a:bodyPr numCol="1"/>
           <a:lstStyle>
             <a:lvl1pPr>
               <a:defRPr sz="3200"/>
@@ -2532,7 +2532,7 @@
             <a:spLocks noGrp="1"/>
           </p:cNvSpPr>
           <p:nvPr>
-            <p:ph type="body" sz="half" idx="2"/>
+            <p:ph idx="2" sz="half" type="body"/>
           </p:nvPr>
         </p:nvSpPr>
         <p:spPr>
@@ -2542,41 +2542,41 @@
           </a:xfrm>
         </p:spPr>
         <p:txBody>
-          <a:bodyPr/>
+          <a:bodyPr numCol="1"/>
           <a:lstStyle>
-            <a:lvl1pPr marL="0" indent="0">
+            <a:lvl1pPr indent="0" marL="0">
               <a:buNone/>
               <a:defRPr sz="1400"/>
             </a:lvl1pPr>
-            <a:lvl2pPr marL="457200" indent="0">
+            <a:lvl2pPr indent="0" marL="457200">
               <a:buNone/>
               <a:defRPr sz="1200"/>
             </a:lvl2pPr>
-            <a:lvl3pPr marL="914400" indent="0">
+            <a:lvl3pPr indent="0" marL="914400">
               <a:buNone/>
               <a:defRPr sz="1000"/>
             </a:lvl3pPr>
-            <a:lvl4pPr marL="1371600" indent="0">
+            <a:lvl4pPr indent="0" marL="1371600">
               <a:buNone/>
               <a:defRPr sz="900"/>
             </a:lvl4pPr>
-            <a:lvl5pPr marL="1828800" indent="0">
+            <a:lvl5pPr indent="0" marL="1828800">
               <a:buNone/>
               <a:defRPr sz="900"/>
             </a:lvl5pPr>
-            <a:lvl6pPr marL="2286000" indent="0">
+            <a:lvl6pPr indent="0" marL="2286000">
               <a:buNone/>
               <a:defRPr sz="900"/>
             </a:lvl6pPr>
-            <a:lvl7pPr marL="2743200" indent="0">
+            <a:lvl7pPr indent="0" marL="2743200">
               <a:buNone/>
               <a:defRPr sz="900"/>
             </a:lvl7pPr>
-            <a:lvl8pPr marL="3200400" indent="0">
+            <a:lvl8pPr indent="0" marL="3200400">
               <a:buNone/>
               <a:defRPr sz="900"/>
             </a:lvl8pPr>
-            <a:lvl9pPr marL="3657600" indent="0">
+            <a:lvl9pPr indent="0" marL="3657600">
               <a:buNone/>
               <a:defRPr sz="900"/>
             </a:lvl9pPr>
@@ -2597,12 +2597,12 @@
             <a:spLocks noGrp="1"/>
           </p:cNvSpPr>
           <p:nvPr>
-            <p:ph type="dt" sz="half" idx="10"/>
+            <p:ph idx="10" sz="half" type="dt"/>
           </p:nvPr>
         </p:nvSpPr>
         <p:spPr/>
         <p:txBody>
-          <a:bodyPr/>
+          <a:bodyPr numCol="1"/>
           <a:lstStyle/>
           <a:p>
             <a:fld id="{78C97017-6FC3-485B-9764-EAC9E56C1D49}" type="datetimeFigureOut">
@@ -2620,12 +2620,12 @@
             <a:spLocks noGrp="1"/>
           </p:cNvSpPr>
           <p:nvPr>
-            <p:ph type="ftr" sz="quarter" idx="11"/>
+            <p:ph idx="11" sz="quarter" type="ftr"/>
           </p:nvPr>
         </p:nvSpPr>
         <p:spPr/>
         <p:txBody>
-          <a:bodyPr/>
+          <a:bodyPr numCol="1"/>
           <a:lstStyle/>
           <a:p>
             <a:endParaRPr lang="en-US"/>
@@ -2639,12 +2639,12 @@
             <a:spLocks noGrp="1"/>
           </p:cNvSpPr>
           <p:nvPr>
-            <p:ph type="sldNum" sz="quarter" idx="12"/>
+            <p:ph idx="12" sz="quarter" type="sldNum"/>
           </p:nvPr>
         </p:nvSpPr>
         <p:spPr/>
         <p:txBody>
-          <a:bodyPr/>
+          <a:bodyPr numCol="1"/>
           <a:lstStyle/>
           <a:p>
             <a:fld id="{FB34683C-161B-4520-BF45-B179E228CF2A}" type="slidenum">
@@ -2669,7 +2669,7 @@
 </file>
 
 <file path=ppt/slideLayouts/slideLayout9.xml><?xml version="1.0" encoding="utf-8"?>
-<p:sldLayout xmlns:a="http://schemas.openxmlformats.org/drawingml/2006/main" xmlns:r="http://schemas.openxmlformats.org/officeDocument/2006/relationships" xmlns:p="http://schemas.openxmlformats.org/presentationml/2006/main" type="picTx" preserve="1">
+<p:sldLayout xmlns:a="http://schemas.openxmlformats.org/drawingml/2006/main" xmlns:r="http://schemas.openxmlformats.org/officeDocument/2006/relationships" xmlns:p="http://schemas.openxmlformats.org/presentationml/2006/main" preserve="1" type="picTx">
   <p:cSld name="Picture with Caption">
     <p:spTree>
       <p:nvGrpSpPr>
@@ -2702,10 +2702,10 @@
           </a:xfrm>
         </p:spPr>
         <p:txBody>
-          <a:bodyPr anchor="b"/>
+          <a:bodyPr anchor="b" numCol="1"/>
           <a:lstStyle>
             <a:lvl1pPr algn="l">
-              <a:defRPr sz="2000" b="1"/>
+              <a:defRPr b="1" sz="2000"/>
             </a:lvl1pPr>
           </a:lstStyle>
           <a:p>
@@ -2724,7 +2724,7 @@
             <a:spLocks noGrp="1"/>
           </p:cNvSpPr>
           <p:nvPr>
-            <p:ph type="pic" idx="1"/>
+            <p:ph idx="1" type="pic"/>
           </p:nvPr>
         </p:nvSpPr>
         <p:spPr>
@@ -2734,41 +2734,41 @@
           </a:xfrm>
         </p:spPr>
         <p:txBody>
-          <a:bodyPr/>
+          <a:bodyPr numCol="1"/>
           <a:lstStyle>
-            <a:lvl1pPr marL="0" indent="0">
+            <a:lvl1pPr indent="0" marL="0">
               <a:buNone/>
               <a:defRPr sz="3200"/>
             </a:lvl1pPr>
-            <a:lvl2pPr marL="457200" indent="0">
+            <a:lvl2pPr indent="0" marL="457200">
               <a:buNone/>
               <a:defRPr sz="2800"/>
             </a:lvl2pPr>
-            <a:lvl3pPr marL="914400" indent="0">
+            <a:lvl3pPr indent="0" marL="914400">
               <a:buNone/>
               <a:defRPr sz="2400"/>
             </a:lvl3pPr>
-            <a:lvl4pPr marL="1371600" indent="0">
+            <a:lvl4pPr indent="0" marL="1371600">
               <a:buNone/>
               <a:defRPr sz="2000"/>
             </a:lvl4pPr>
-            <a:lvl5pPr marL="1828800" indent="0">
+            <a:lvl5pPr indent="0" marL="1828800">
               <a:buNone/>
               <a:defRPr sz="2000"/>
             </a:lvl5pPr>
-            <a:lvl6pPr marL="2286000" indent="0">
+            <a:lvl6pPr indent="0" marL="2286000">
               <a:buNone/>
               <a:defRPr sz="2000"/>
             </a:lvl6pPr>
-            <a:lvl7pPr marL="2743200" indent="0">
+            <a:lvl7pPr indent="0" marL="2743200">
               <a:buNone/>
               <a:defRPr sz="2000"/>
             </a:lvl7pPr>
-            <a:lvl8pPr marL="3200400" indent="0">
+            <a:lvl8pPr indent="0" marL="3200400">
               <a:buNone/>
               <a:defRPr sz="2000"/>
             </a:lvl8pPr>
-            <a:lvl9pPr marL="3657600" indent="0">
+            <a:lvl9pPr indent="0" marL="3657600">
               <a:buNone/>
               <a:defRPr sz="2000"/>
             </a:lvl9pPr>
@@ -2785,7 +2785,7 @@
             <a:spLocks noGrp="1"/>
           </p:cNvSpPr>
           <p:nvPr>
-            <p:ph type="body" sz="half" idx="2"/>
+            <p:ph idx="2" sz="half" type="body"/>
           </p:nvPr>
         </p:nvSpPr>
         <p:spPr>
@@ -2795,41 +2795,41 @@
           </a:xfrm>
         </p:spPr>
         <p:txBody>
-          <a:bodyPr/>
+          <a:bodyPr numCol="1"/>
           <a:lstStyle>
-            <a:lvl1pPr marL="0" indent="0">
+            <a:lvl1pPr indent="0" marL="0">
               <a:buNone/>
               <a:defRPr sz="1400"/>
             </a:lvl1pPr>
-            <a:lvl2pPr marL="457200" indent="0">
+            <a:lvl2pPr indent="0" marL="457200">
               <a:buNone/>
               <a:defRPr sz="1200"/>
             </a:lvl2pPr>
-            <a:lvl3pPr marL="914400" indent="0">
+            <a:lvl3pPr indent="0" marL="914400">
               <a:buNone/>
               <a:defRPr sz="1000"/>
             </a:lvl3pPr>
-            <a:lvl4pPr marL="1371600" indent="0">
+            <a:lvl4pPr indent="0" marL="1371600">
               <a:buNone/>
               <a:defRPr sz="900"/>
             </a:lvl4pPr>
-            <a:lvl5pPr marL="1828800" indent="0">
+            <a:lvl5pPr indent="0" marL="1828800">
               <a:buNone/>
               <a:defRPr sz="900"/>
             </a:lvl5pPr>
-            <a:lvl6pPr marL="2286000" indent="0">
+            <a:lvl6pPr indent="0" marL="2286000">
               <a:buNone/>
               <a:defRPr sz="900"/>
             </a:lvl6pPr>
-            <a:lvl7pPr marL="2743200" indent="0">
+            <a:lvl7pPr indent="0" marL="2743200">
               <a:buNone/>
               <a:defRPr sz="900"/>
             </a:lvl7pPr>
-            <a:lvl8pPr marL="3200400" indent="0">
+            <a:lvl8pPr indent="0" marL="3200400">
               <a:buNone/>
               <a:defRPr sz="900"/>
             </a:lvl8pPr>
-            <a:lvl9pPr marL="3657600" indent="0">
+            <a:lvl9pPr indent="0" marL="3657600">
               <a:buNone/>
               <a:defRPr sz="900"/>
             </a:lvl9pPr>
@@ -2850,12 +2850,12 @@
             <a:spLocks noGrp="1"/>
           </p:cNvSpPr>
           <p:nvPr>
-            <p:ph type="dt" sz="half" idx="10"/>
+            <p:ph idx="10" sz="half" type="dt"/>
           </p:nvPr>
         </p:nvSpPr>
         <p:spPr/>
         <p:txBody>
-          <a:bodyPr/>
+          <a:bodyPr numCol="1"/>
           <a:lstStyle/>
           <a:p>
             <a:fld id="{78C97017-6FC3-485B-9764-EAC9E56C1D49}" type="datetimeFigureOut">
@@ -2873,12 +2873,12 @@
             <a:spLocks noGrp="1"/>
           </p:cNvSpPr>
           <p:nvPr>
-            <p:ph type="ftr" sz="quarter" idx="11"/>
+            <p:ph idx="11" sz="quarter" type="ftr"/>
           </p:nvPr>
         </p:nvSpPr>
         <p:spPr/>
         <p:txBody>
-          <a:bodyPr/>
+          <a:bodyPr numCol="1"/>
           <a:lstStyle/>
           <a:p>
             <a:endParaRPr lang="en-US"/>
@@ -2892,12 +2892,12 @@
             <a:spLocks noGrp="1"/>
           </p:cNvSpPr>
           <p:nvPr>
-            <p:ph type="sldNum" sz="quarter" idx="12"/>
+            <p:ph idx="12" sz="quarter" type="sldNum"/>
           </p:nvPr>
         </p:nvSpPr>
         <p:spPr/>
         <p:txBody>
-          <a:bodyPr/>
+          <a:bodyPr numCol="1"/>
           <a:lstStyle/>
           <a:p>
             <a:fld id="{FB34683C-161B-4520-BF45-B179E228CF2A}" type="slidenum">
@@ -2963,7 +2963,7 @@
           </a:prstGeom>
         </p:spPr>
         <p:txBody>
-          <a:bodyPr vert="horz" lIns="91440" tIns="45720" rIns="91440" bIns="45720" rtlCol="0" anchor="ctr">
+          <a:bodyPr anchor="ctr" bIns="45720" lIns="91440" numCol="1" rIns="91440" rtlCol="0" tIns="45720" vert="horz">
             <a:normAutofit/>
           </a:bodyPr>
           <a:lstStyle/>
@@ -2983,7 +2983,7 @@
             <a:spLocks noGrp="1"/>
           </p:cNvSpPr>
           <p:nvPr>
-            <p:ph type="body" idx="1"/>
+            <p:ph idx="1" type="body"/>
           </p:nvPr>
         </p:nvSpPr>
         <p:spPr>
@@ -2996,7 +2996,7 @@
           </a:prstGeom>
         </p:spPr>
         <p:txBody>
-          <a:bodyPr vert="horz" lIns="91440" tIns="45720" rIns="91440" bIns="45720" rtlCol="0">
+          <a:bodyPr bIns="45720" lIns="91440" numCol="1" rIns="91440" rtlCol="0" tIns="45720" vert="horz">
             <a:normAutofit/>
           </a:bodyPr>
           <a:lstStyle/>
@@ -3045,7 +3045,7 @@
             <a:spLocks noGrp="1"/>
           </p:cNvSpPr>
           <p:nvPr>
-            <p:ph type="dt" sz="half" idx="2"/>
+            <p:ph idx="2" sz="half" type="dt"/>
           </p:nvPr>
         </p:nvSpPr>
         <p:spPr>
@@ -3058,7 +3058,7 @@
           </a:prstGeom>
         </p:spPr>
         <p:txBody>
-          <a:bodyPr vert="horz" lIns="91440" tIns="45720" rIns="91440" bIns="45720" rtlCol="0" anchor="ctr"/>
+          <a:bodyPr anchor="ctr" bIns="45720" lIns="91440" numCol="1" rIns="91440" rtlCol="0" tIns="45720" vert="horz"/>
           <a:lstStyle>
             <a:lvl1pPr algn="l">
               <a:defRPr sz="1200">
@@ -3086,7 +3086,7 @@
             <a:spLocks noGrp="1"/>
           </p:cNvSpPr>
           <p:nvPr>
-            <p:ph type="ftr" sz="quarter" idx="3"/>
+            <p:ph idx="3" sz="quarter" type="ftr"/>
           </p:nvPr>
         </p:nvSpPr>
         <p:spPr>
@@ -3099,7 +3099,7 @@
           </a:prstGeom>
         </p:spPr>
         <p:txBody>
-          <a:bodyPr vert="horz" lIns="91440" tIns="45720" rIns="91440" bIns="45720" rtlCol="0" anchor="ctr"/>
+          <a:bodyPr anchor="ctr" bIns="45720" lIns="91440" numCol="1" rIns="91440" rtlCol="0" tIns="45720" vert="horz"/>
           <a:lstStyle>
             <a:lvl1pPr algn="ctr">
               <a:defRPr sz="1200">
@@ -3123,7 +3123,7 @@
             <a:spLocks noGrp="1"/>
           </p:cNvSpPr>
           <p:nvPr>
-            <p:ph type="sldNum" sz="quarter" idx="4"/>
+            <p:ph idx="4" sz="quarter" type="sldNum"/>
           </p:nvPr>
         </p:nvSpPr>
         <p:spPr>
@@ -3136,7 +3136,7 @@
           </a:prstGeom>
         </p:spPr>
         <p:txBody>
-          <a:bodyPr vert="horz" lIns="91440" tIns="45720" rIns="91440" bIns="45720" rtlCol="0" anchor="ctr"/>
+          <a:bodyPr anchor="ctr" bIns="45720" lIns="91440" numCol="1" rIns="91440" rtlCol="0" tIns="45720" vert="horz"/>
           <a:lstStyle>
             <a:lvl1pPr algn="r">
               <a:defRPr sz="1200">
@@ -3164,28 +3164,28 @@
       </p:ext>
     </p:extLst>
   </p:cSld>
-  <p:clrMap bg1="lt1" tx1="dk1" bg2="lt2" tx2="dk2" accent1="accent1" accent2="accent2" accent3="accent3" accent4="accent4" accent5="accent5" accent6="accent6" hlink="hlink" folHlink="folHlink"/>
+  <p:clrMap accent1="accent1" accent2="accent2" accent3="accent3" accent4="accent4" accent5="accent5" accent6="accent6" bg1="lt1" bg2="lt2" folHlink="folHlink" hlink="hlink" tx1="dk1" tx2="dk2"/>
   <p:sldLayoutIdLst>
-    <p:sldLayoutId id="2147483649" r:id="rId1"/>
-    <p:sldLayoutId id="2147483650" r:id="rId2"/>
-    <p:sldLayoutId id="2147483651" r:id="rId3"/>
-    <p:sldLayoutId id="2147483652" r:id="rId4"/>
-    <p:sldLayoutId id="2147483653" r:id="rId5"/>
-    <p:sldLayoutId id="2147483654" r:id="rId6"/>
-    <p:sldLayoutId id="2147483655" r:id="rId7"/>
-    <p:sldLayoutId id="2147483656" r:id="rId8"/>
-    <p:sldLayoutId id="2147483657" r:id="rId9"/>
-    <p:sldLayoutId id="2147483658" r:id="rId10"/>
-    <p:sldLayoutId id="2147483659" r:id="rId11"/>
+    <p:sldLayoutId id="2147483648" r:id="rId2"/>
+    <p:sldLayoutId id="2147483649" r:id="rId3"/>
+    <p:sldLayoutId id="2147483650" r:id="rId4"/>
+    <p:sldLayoutId id="2147483651" r:id="rId5"/>
+    <p:sldLayoutId id="2147483652" r:id="rId6"/>
+    <p:sldLayoutId id="2147483653" r:id="rId7"/>
+    <p:sldLayoutId id="2147483654" r:id="rId8"/>
+    <p:sldLayoutId id="2147483655" r:id="rId9"/>
+    <p:sldLayoutId id="2147483656" r:id="rId10"/>
+    <p:sldLayoutId id="2147483657" r:id="rId11"/>
+    <p:sldLayoutId id="2147483658" r:id="rId12"/>
   </p:sldLayoutIdLst>
   <p:txStyles>
     <p:titleStyle>
-      <a:lvl1pPr algn="ctr" defTabSz="914400" rtl="0" eaLnBrk="1" latinLnBrk="0" hangingPunct="1">
+      <a:lvl1pPr algn="ctr" defTabSz="914400" eaLnBrk="1" hangingPunct="1" latinLnBrk="0" rtl="0">
         <a:spcBef>
           <a:spcPct val="0"/>
         </a:spcBef>
         <a:buNone/>
-        <a:defRPr sz="4400" kern="1200">
+        <a:defRPr kern="1200" sz="4400">
           <a:solidFill>
             <a:schemeClr val="tx1"/>
           </a:solidFill>
@@ -3196,13 +3196,13 @@
       </a:lvl1pPr>
     </p:titleStyle>
     <p:bodyStyle>
-      <a:lvl1pPr marL="342900" indent="-342900" algn="l" defTabSz="914400" rtl="0" eaLnBrk="1" latinLnBrk="0" hangingPunct="1">
+      <a:lvl1pPr algn="l" defTabSz="914400" eaLnBrk="1" hangingPunct="1" indent="-342900" latinLnBrk="0" marL="342900" rtl="0">
         <a:spcBef>
           <a:spcPct val="20000"/>
         </a:spcBef>
-        <a:buFont typeface="Arial" panose="020B0604020202020204" pitchFamily="34" charset="0"/>
+        <a:buFont charset="0" panose="020B0604020202020204" pitchFamily="34" typeface="Arial"/>
         <a:buChar char="•"/>
-        <a:defRPr sz="3200" kern="1200">
+        <a:defRPr kern="1200" sz="3200">
           <a:solidFill>
             <a:schemeClr val="tx1"/>
           </a:solidFill>
@@ -3211,13 +3211,13 @@
           <a:cs typeface="+mn-cs"/>
         </a:defRPr>
       </a:lvl1pPr>
-      <a:lvl2pPr marL="742950" indent="-285750" algn="l" defTabSz="914400" rtl="0" eaLnBrk="1" latinLnBrk="0" hangingPunct="1">
+      <a:lvl2pPr algn="l" defTabSz="914400" eaLnBrk="1" hangingPunct="1" indent="-285750" latinLnBrk="0" marL="742950" rtl="0">
         <a:spcBef>
           <a:spcPct val="20000"/>
         </a:spcBef>
-        <a:buFont typeface="Arial" panose="020B0604020202020204" pitchFamily="34" charset="0"/>
+        <a:buFont charset="0" panose="020B0604020202020204" pitchFamily="34" typeface="Arial"/>
         <a:buChar char="–"/>
-        <a:defRPr sz="2800" kern="1200">
+        <a:defRPr kern="1200" sz="2800">
           <a:solidFill>
             <a:schemeClr val="tx1"/>
           </a:solidFill>
@@ -3226,13 +3226,13 @@
           <a:cs typeface="+mn-cs"/>
         </a:defRPr>
       </a:lvl2pPr>
-      <a:lvl3pPr marL="1143000" indent="-228600" algn="l" defTabSz="914400" rtl="0" eaLnBrk="1" latinLnBrk="0" hangingPunct="1">
+      <a:lvl3pPr algn="l" defTabSz="914400" eaLnBrk="1" hangingPunct="1" indent="-228600" latinLnBrk="0" marL="1143000" rtl="0">
         <a:spcBef>
           <a:spcPct val="20000"/>
         </a:spcBef>
-        <a:buFont typeface="Arial" panose="020B0604020202020204" pitchFamily="34" charset="0"/>
+        <a:buFont charset="0" panose="020B0604020202020204" pitchFamily="34" typeface="Arial"/>
         <a:buChar char="•"/>
-        <a:defRPr sz="2400" kern="1200">
+        <a:defRPr kern="1200" sz="2400">
           <a:solidFill>
             <a:schemeClr val="tx1"/>
           </a:solidFill>
@@ -3241,13 +3241,13 @@
           <a:cs typeface="+mn-cs"/>
         </a:defRPr>
       </a:lvl3pPr>
-      <a:lvl4pPr marL="1600200" indent="-228600" algn="l" defTabSz="914400" rtl="0" eaLnBrk="1" latinLnBrk="0" hangingPunct="1">
+      <a:lvl4pPr algn="l" defTabSz="914400" eaLnBrk="1" hangingPunct="1" indent="-228600" latinLnBrk="0" marL="1600200" rtl="0">
         <a:spcBef>
           <a:spcPct val="20000"/>
         </a:spcBef>
-        <a:buFont typeface="Arial" panose="020B0604020202020204" pitchFamily="34" charset="0"/>
+        <a:buFont charset="0" panose="020B0604020202020204" pitchFamily="34" typeface="Arial"/>
         <a:buChar char="–"/>
-        <a:defRPr sz="2000" kern="1200">
+        <a:defRPr kern="1200" sz="2000">
           <a:solidFill>
             <a:schemeClr val="tx1"/>
           </a:solidFill>
@@ -3256,13 +3256,13 @@
           <a:cs typeface="+mn-cs"/>
         </a:defRPr>
       </a:lvl4pPr>
-      <a:lvl5pPr marL="2057400" indent="-228600" algn="l" defTabSz="914400" rtl="0" eaLnBrk="1" latinLnBrk="0" hangingPunct="1">
+      <a:lvl5pPr algn="l" defTabSz="914400" eaLnBrk="1" hangingPunct="1" indent="-228600" latinLnBrk="0" marL="2057400" rtl="0">
         <a:spcBef>
           <a:spcPct val="20000"/>
         </a:spcBef>
-        <a:buFont typeface="Arial" panose="020B0604020202020204" pitchFamily="34" charset="0"/>
+        <a:buFont charset="0" panose="020B0604020202020204" pitchFamily="34" typeface="Arial"/>
         <a:buChar char="»"/>
-        <a:defRPr sz="2000" kern="1200">
+        <a:defRPr kern="1200" sz="2000">
           <a:solidFill>
             <a:schemeClr val="tx1"/>
           </a:solidFill>
@@ -3271,13 +3271,13 @@
           <a:cs typeface="+mn-cs"/>
         </a:defRPr>
       </a:lvl5pPr>
-      <a:lvl6pPr marL="2514600" indent="-228600" algn="l" defTabSz="914400" rtl="0" eaLnBrk="1" latinLnBrk="0" hangingPunct="1">
+      <a:lvl6pPr algn="l" defTabSz="914400" eaLnBrk="1" hangingPunct="1" indent="-228600" latinLnBrk="0" marL="2514600" rtl="0">
         <a:spcBef>
           <a:spcPct val="20000"/>
         </a:spcBef>
-        <a:buFont typeface="Arial" panose="020B0604020202020204" pitchFamily="34" charset="0"/>
+        <a:buFont charset="0" panose="020B0604020202020204" pitchFamily="34" typeface="Arial"/>
         <a:buChar char="•"/>
-        <a:defRPr sz="2000" kern="1200">
+        <a:defRPr kern="1200" sz="2000">
           <a:solidFill>
             <a:schemeClr val="tx1"/>
           </a:solidFill>
@@ -3286,13 +3286,13 @@
           <a:cs typeface="+mn-cs"/>
         </a:defRPr>
       </a:lvl6pPr>
-      <a:lvl7pPr marL="2971800" indent="-228600" algn="l" defTabSz="914400" rtl="0" eaLnBrk="1" latinLnBrk="0" hangingPunct="1">
+      <a:lvl7pPr algn="l" defTabSz="914400" eaLnBrk="1" hangingPunct="1" indent="-228600" latinLnBrk="0" marL="2971800" rtl="0">
         <a:spcBef>
           <a:spcPct val="20000"/>
         </a:spcBef>
-        <a:buFont typeface="Arial" panose="020B0604020202020204" pitchFamily="34" charset="0"/>
+        <a:buFont charset="0" panose="020B0604020202020204" pitchFamily="34" typeface="Arial"/>
         <a:buChar char="•"/>
-        <a:defRPr sz="2000" kern="1200">
+        <a:defRPr kern="1200" sz="2000">
           <a:solidFill>
             <a:schemeClr val="tx1"/>
           </a:solidFill>
@@ -3301,13 +3301,13 @@
           <a:cs typeface="+mn-cs"/>
         </a:defRPr>
       </a:lvl7pPr>
-      <a:lvl8pPr marL="3429000" indent="-228600" algn="l" defTabSz="914400" rtl="0" eaLnBrk="1" latinLnBrk="0" hangingPunct="1">
+      <a:lvl8pPr algn="l" defTabSz="914400" eaLnBrk="1" hangingPunct="1" indent="-228600" latinLnBrk="0" marL="3429000" rtl="0">
         <a:spcBef>
           <a:spcPct val="20000"/>
         </a:spcBef>
-        <a:buFont typeface="Arial" panose="020B0604020202020204" pitchFamily="34" charset="0"/>
+        <a:buFont charset="0" panose="020B0604020202020204" pitchFamily="34" typeface="Arial"/>
         <a:buChar char="•"/>
-        <a:defRPr sz="2000" kern="1200">
+        <a:defRPr kern="1200" sz="2000">
           <a:solidFill>
             <a:schemeClr val="tx1"/>
           </a:solidFill>
@@ -3316,13 +3316,13 @@
           <a:cs typeface="+mn-cs"/>
         </a:defRPr>
       </a:lvl8pPr>
-      <a:lvl9pPr marL="3886200" indent="-228600" algn="l" defTabSz="914400" rtl="0" eaLnBrk="1" latinLnBrk="0" hangingPunct="1">
+      <a:lvl9pPr algn="l" defTabSz="914400" eaLnBrk="1" hangingPunct="1" indent="-228600" latinLnBrk="0" marL="3886200" rtl="0">
         <a:spcBef>
           <a:spcPct val="20000"/>
         </a:spcBef>
-        <a:buFont typeface="Arial" panose="020B0604020202020204" pitchFamily="34" charset="0"/>
+        <a:buFont charset="0" panose="020B0604020202020204" pitchFamily="34" typeface="Arial"/>
         <a:buChar char="•"/>
-        <a:defRPr sz="2000" kern="1200">
+        <a:defRPr kern="1200" sz="2000">
           <a:solidFill>
             <a:schemeClr val="tx1"/>
           </a:solidFill>
@@ -3336,8 +3336,8 @@
       <a:defPPr>
         <a:defRPr lang="en-US"/>
       </a:defPPr>
-      <a:lvl1pPr marL="0" algn="l" defTabSz="914400" rtl="0" eaLnBrk="1" latinLnBrk="0" hangingPunct="1">
-        <a:defRPr sz="1800" kern="1200">
+      <a:lvl1pPr algn="l" defTabSz="914400" eaLnBrk="1" hangingPunct="1" latinLnBrk="0" marL="0" rtl="0">
+        <a:defRPr kern="1200" sz="1800">
           <a:solidFill>
             <a:schemeClr val="tx1"/>
           </a:solidFill>
@@ -3346,8 +3346,8 @@
           <a:cs typeface="+mn-cs"/>
         </a:defRPr>
       </a:lvl1pPr>
-      <a:lvl2pPr marL="457200" algn="l" defTabSz="914400" rtl="0" eaLnBrk="1" latinLnBrk="0" hangingPunct="1">
-        <a:defRPr sz="1800" kern="1200">
+      <a:lvl2pPr algn="l" defTabSz="914400" eaLnBrk="1" hangingPunct="1" latinLnBrk="0" marL="457200" rtl="0">
+        <a:defRPr kern="1200" sz="1800">
           <a:solidFill>
             <a:schemeClr val="tx1"/>
           </a:solidFill>
@@ -3356,8 +3356,8 @@
           <a:cs typeface="+mn-cs"/>
         </a:defRPr>
       </a:lvl2pPr>
-      <a:lvl3pPr marL="914400" algn="l" defTabSz="914400" rtl="0" eaLnBrk="1" latinLnBrk="0" hangingPunct="1">
-        <a:defRPr sz="1800" kern="1200">
+      <a:lvl3pPr algn="l" defTabSz="914400" eaLnBrk="1" hangingPunct="1" latinLnBrk="0" marL="914400" rtl="0">
+        <a:defRPr kern="1200" sz="1800">
           <a:solidFill>
             <a:schemeClr val="tx1"/>
           </a:solidFill>
@@ -3366,8 +3366,8 @@
           <a:cs typeface="+mn-cs"/>
         </a:defRPr>
       </a:lvl3pPr>
-      <a:lvl4pPr marL="1371600" algn="l" defTabSz="914400" rtl="0" eaLnBrk="1" latinLnBrk="0" hangingPunct="1">
-        <a:defRPr sz="1800" kern="1200">
+      <a:lvl4pPr algn="l" defTabSz="914400" eaLnBrk="1" hangingPunct="1" latinLnBrk="0" marL="1371600" rtl="0">
+        <a:defRPr kern="1200" sz="1800">
           <a:solidFill>
             <a:schemeClr val="tx1"/>
           </a:solidFill>
@@ -3376,8 +3376,8 @@
           <a:cs typeface="+mn-cs"/>
         </a:defRPr>
       </a:lvl4pPr>
-      <a:lvl5pPr marL="1828800" algn="l" defTabSz="914400" rtl="0" eaLnBrk="1" latinLnBrk="0" hangingPunct="1">
-        <a:defRPr sz="1800" kern="1200">
+      <a:lvl5pPr algn="l" defTabSz="914400" eaLnBrk="1" hangingPunct="1" latinLnBrk="0" marL="1828800" rtl="0">
+        <a:defRPr kern="1200" sz="1800">
           <a:solidFill>
             <a:schemeClr val="tx1"/>
           </a:solidFill>
@@ -3386,8 +3386,8 @@
           <a:cs typeface="+mn-cs"/>
         </a:defRPr>
       </a:lvl5pPr>
-      <a:lvl6pPr marL="2286000" algn="l" defTabSz="914400" rtl="0" eaLnBrk="1" latinLnBrk="0" hangingPunct="1">
-        <a:defRPr sz="1800" kern="1200">
+      <a:lvl6pPr algn="l" defTabSz="914400" eaLnBrk="1" hangingPunct="1" latinLnBrk="0" marL="2286000" rtl="0">
+        <a:defRPr kern="1200" sz="1800">
           <a:solidFill>
             <a:schemeClr val="tx1"/>
           </a:solidFill>
@@ -3396,8 +3396,8 @@
           <a:cs typeface="+mn-cs"/>
         </a:defRPr>
       </a:lvl6pPr>
-      <a:lvl7pPr marL="2743200" algn="l" defTabSz="914400" rtl="0" eaLnBrk="1" latinLnBrk="0" hangingPunct="1">
-        <a:defRPr sz="1800" kern="1200">
+      <a:lvl7pPr algn="l" defTabSz="914400" eaLnBrk="1" hangingPunct="1" latinLnBrk="0" marL="2743200" rtl="0">
+        <a:defRPr kern="1200" sz="1800">
           <a:solidFill>
             <a:schemeClr val="tx1"/>
           </a:solidFill>
@@ -3406,8 +3406,8 @@
           <a:cs typeface="+mn-cs"/>
         </a:defRPr>
       </a:lvl7pPr>
-      <a:lvl8pPr marL="3200400" algn="l" defTabSz="914400" rtl="0" eaLnBrk="1" latinLnBrk="0" hangingPunct="1">
-        <a:defRPr sz="1800" kern="1200">
+      <a:lvl8pPr algn="l" defTabSz="914400" eaLnBrk="1" hangingPunct="1" latinLnBrk="0" marL="3200400" rtl="0">
+        <a:defRPr kern="1200" sz="1800">
           <a:solidFill>
             <a:schemeClr val="tx1"/>
           </a:solidFill>
@@ -3416,8 +3416,8 @@
           <a:cs typeface="+mn-cs"/>
         </a:defRPr>
       </a:lvl8pPr>
-      <a:lvl9pPr marL="3657600" algn="l" defTabSz="914400" rtl="0" eaLnBrk="1" latinLnBrk="0" hangingPunct="1">
-        <a:defRPr sz="1800" kern="1200">
+      <a:lvl9pPr algn="l" defTabSz="914400" eaLnBrk="1" hangingPunct="1" latinLnBrk="0" marL="3657600" rtl="0">
+        <a:defRPr kern="1200" sz="1800">
           <a:solidFill>
             <a:schemeClr val="tx1"/>
           </a:solidFill>
@@ -3461,7 +3461,7 @@
           </a:xfrm>
           <a:prstGeom prst="roundRect">
             <a:avLst>
-              <a:gd name="adj" fmla="val 3484"/>
+              <a:gd fmla="val 3484" name="adj"/>
             </a:avLst>
           </a:prstGeom>
           <a:solidFill>
@@ -3490,11 +3490,11 @@
           </a:fontRef>
         </p:style>
         <p:txBody>
-          <a:bodyPr rtlCol="0" anchor="t"/>
-          <a:lstStyle/>
-          <a:p>
-            <a:r>
-              <a:rPr lang="en-US" sz="1200" b="1" dirty="0" smtClean="0">
+          <a:bodyPr anchor="t" numCol="1" rtlCol="0"/>
+          <a:lstStyle/>
+          <a:p>
+            <a:r>
+              <a:rPr b="1" dirty="0" lang="en-US" smtClean="0" sz="1200">
                 <a:solidFill>
                   <a:schemeClr val="accent6">
                     <a:lumMod val="75000"/>
@@ -3503,7 +3503,7 @@
               </a:rPr>
               <a:t>Storage</a:t>
             </a:r>
-            <a:endParaRPr lang="en-SG" sz="1200" b="1" dirty="0">
+            <a:endParaRPr altLang="en-SG" b="1" dirty="0" lang="en-SG" sz="1200">
               <a:solidFill>
                 <a:schemeClr val="accent6">
                   <a:lumMod val="75000"/>
@@ -3556,12 +3556,12 @@
           </a:fontRef>
         </p:style>
         <p:txBody>
-          <a:bodyPr rtlCol="0" anchor="ctr"/>
+          <a:bodyPr anchor="ctr" numCol="1" rtlCol="0"/>
           <a:lstStyle/>
           <a:p>
             <a:pPr algn="ctr"/>
             <a:r>
-              <a:rPr lang="en-US" sz="1050" dirty="0" smtClean="0">
+              <a:rPr dirty="0" lang="en-US" smtClean="0" sz="1050">
                 <a:solidFill>
                   <a:schemeClr val="bg1"/>
                 </a:solidFill>
@@ -3569,21 +3569,21 @@
               <a:t>&lt;&lt;interface&gt;&gt;</a:t>
             </a:r>
             <a:br>
-              <a:rPr lang="en-US" sz="1050" dirty="0" smtClean="0">
+              <a:rPr dirty="0" lang="en-US" smtClean="0" sz="1050">
                 <a:solidFill>
                   <a:schemeClr val="bg1"/>
                 </a:solidFill>
               </a:rPr>
             </a:br>
             <a:r>
-              <a:rPr lang="en-US" sz="1050" dirty="0" err="1" smtClean="0">
+              <a:rPr dirty="0" err="1" lang="en-US" smtClean="0" sz="1050">
                 <a:solidFill>
                   <a:schemeClr val="bg1"/>
                 </a:solidFill>
               </a:rPr>
-              <a:t>AddressBookStorage</a:t>
-            </a:r>
-            <a:endParaRPr lang="en-SG" sz="1050" dirty="0">
+              <a:t>TaskManagerStorage</a:t>
+            </a:r>
+            <a:endParaRPr altLang="en-SG" dirty="0" lang="en-SG" sz="1050">
               <a:solidFill>
                 <a:schemeClr val="bg1"/>
               </a:solidFill>
@@ -3634,19 +3634,19 @@
           </a:fontRef>
         </p:style>
         <p:txBody>
-          <a:bodyPr rtlCol="0" anchor="ctr"/>
+          <a:bodyPr anchor="ctr" numCol="1" rtlCol="0"/>
           <a:lstStyle/>
           <a:p>
             <a:pPr algn="ctr"/>
             <a:r>
-              <a:rPr lang="en-US" sz="1050" dirty="0" err="1" smtClean="0">
+              <a:rPr dirty="0" err="1" lang="en-US" smtClean="0" sz="1050">
                 <a:solidFill>
                   <a:schemeClr val="bg1"/>
                 </a:solidFill>
               </a:rPr>
               <a:t>StorageManager</a:t>
             </a:r>
-            <a:endParaRPr lang="en-SG" sz="1050" dirty="0">
+            <a:endParaRPr altLang="en-SG" dirty="0" lang="en-SG" sz="1050">
               <a:solidFill>
                 <a:schemeClr val="bg1"/>
               </a:solidFill>
@@ -3697,12 +3697,12 @@
           </a:fontRef>
         </p:style>
         <p:txBody>
-          <a:bodyPr rtlCol="0" anchor="ctr"/>
+          <a:bodyPr anchor="ctr" numCol="1" rtlCol="0"/>
           <a:lstStyle/>
           <a:p>
             <a:pPr algn="ctr"/>
             <a:r>
-              <a:rPr lang="en-US" sz="1050" dirty="0">
+              <a:rPr dirty="0" lang="en-US" sz="1050">
                 <a:solidFill>
                   <a:schemeClr val="bg1"/>
                 </a:solidFill>
@@ -3713,14 +3713,14 @@
           <a:p>
             <a:pPr algn="ctr"/>
             <a:r>
-              <a:rPr lang="en-US" sz="1050" dirty="0" smtClean="0">
+              <a:rPr dirty="0" lang="en-US" smtClean="0" sz="1050">
                 <a:solidFill>
                   <a:schemeClr val="bg1"/>
                 </a:solidFill>
               </a:rPr>
               <a:t>Storage</a:t>
             </a:r>
-            <a:endParaRPr lang="en-SG" sz="1050" dirty="0">
+            <a:endParaRPr altLang="en-SG" dirty="0" lang="en-SG" sz="1050">
               <a:solidFill>
                 <a:schemeClr val="bg1"/>
               </a:solidFill>
@@ -3771,11 +3771,11 @@
           </a:fontRef>
         </p:style>
         <p:txBody>
-          <a:bodyPr rtlCol="0" anchor="ctr"/>
+          <a:bodyPr anchor="ctr" numCol="1" rtlCol="0"/>
           <a:lstStyle/>
           <a:p>
             <a:pPr algn="ctr"/>
-            <a:endParaRPr lang="en-SG" sz="1050">
+            <a:endParaRPr altLang="en-SG" lang="en-SG" sz="1050">
               <a:solidFill>
                 <a:schemeClr val="bg1"/>
               </a:solidFill>
@@ -3806,8 +3806,8 @@
                 <a:lumMod val="75000"/>
               </a:schemeClr>
             </a:solidFill>
-            <a:headEnd type="none" w="med" len="med"/>
-            <a:tailEnd type="arrow" w="med" len="med"/>
+            <a:headEnd len="med" type="none" w="med"/>
+            <a:tailEnd len="med" type="arrow" w="med"/>
           </a:ln>
           <a:effectLst/>
         </p:spPr>
@@ -3839,7 +3839,7 @@
           </a:xfrm>
           <a:prstGeom prst="bentConnector3">
             <a:avLst>
-              <a:gd name="adj1" fmla="val 50000"/>
+              <a:gd fmla="val 50000" name="adj1"/>
             </a:avLst>
           </a:prstGeom>
           <a:ln w="19050">
@@ -3849,8 +3849,8 @@
               </a:schemeClr>
             </a:solidFill>
             <a:prstDash val="sysDot"/>
-            <a:headEnd type="none" w="med" len="med"/>
-            <a:tailEnd type="arrow" w="med" len="med"/>
+            <a:headEnd len="med" type="none" w="med"/>
+            <a:tailEnd len="med" type="arrow" w="med"/>
           </a:ln>
           <a:effectLst/>
         </p:spPr>
@@ -3892,8 +3892,8 @@
               </a:schemeClr>
             </a:solidFill>
             <a:prstDash val="sysDot"/>
-            <a:headEnd type="none" w="med" len="med"/>
-            <a:tailEnd type="none" w="med" len="med"/>
+            <a:headEnd len="med" type="none" w="med"/>
+            <a:tailEnd len="med" type="none" w="med"/>
           </a:ln>
           <a:effectLst/>
         </p:spPr>
@@ -3951,7 +3951,7 @@
           </a:fontRef>
         </p:style>
         <p:txBody>
-          <a:bodyPr rtlCol="0" anchor="ctr"/>
+          <a:bodyPr anchor="ctr" numCol="1" rtlCol="0"/>
           <a:lstStyle/>
           <a:p>
             <a:pPr algn="ctr"/>
@@ -3979,7 +3979,7 @@
           </a:xfrm>
           <a:prstGeom prst="bentConnector3">
             <a:avLst>
-              <a:gd name="adj1" fmla="val 50000"/>
+              <a:gd fmla="val 50000" name="adj1"/>
             </a:avLst>
           </a:prstGeom>
           <a:ln w="19050">
@@ -3989,8 +3989,8 @@
               </a:schemeClr>
             </a:solidFill>
             <a:prstDash val="sysDot"/>
-            <a:headEnd type="none" w="med" len="med"/>
-            <a:tailEnd type="none" w="med" len="med"/>
+            <a:headEnd len="med" type="none" w="med"/>
+            <a:tailEnd len="med" type="none" w="med"/>
           </a:ln>
           <a:effectLst/>
         </p:spPr>
@@ -4016,7 +4016,7 @@
           <p:nvPr/>
         </p:nvSpPr>
         <p:spPr>
-          <a:xfrm rot="5400000" flipV="1">
+          <a:xfrm flipV="1" rot="5400000">
             <a:off x="4175027" y="3244059"/>
             <a:ext cx="270504" cy="175523"/>
           </a:xfrm>
@@ -4052,11 +4052,11 @@
           </a:fontRef>
         </p:style>
         <p:txBody>
-          <a:bodyPr rtlCol="0" anchor="ctr"/>
+          <a:bodyPr anchor="ctr" numCol="1" rtlCol="0"/>
           <a:lstStyle/>
           <a:p>
             <a:pPr algn="ctr"/>
-            <a:endParaRPr lang="en-SG" sz="1050">
+            <a:endParaRPr altLang="en-SG" lang="en-SG" sz="1050">
               <a:solidFill>
                 <a:schemeClr val="bg1"/>
               </a:solidFill>
@@ -4080,7 +4080,7 @@
           </a:xfrm>
           <a:prstGeom prst="bentConnector3">
             <a:avLst>
-              <a:gd name="adj1" fmla="val 50000"/>
+              <a:gd fmla="val 50000" name="adj1"/>
             </a:avLst>
           </a:prstGeom>
           <a:ln w="19050">
@@ -4090,8 +4090,8 @@
               </a:schemeClr>
             </a:solidFill>
             <a:prstDash val="sysDot"/>
-            <a:headEnd type="none" w="med" len="med"/>
-            <a:tailEnd type="arrow" w="med" len="med"/>
+            <a:headEnd len="med" type="none" w="med"/>
+            <a:tailEnd len="med" type="arrow" w="med"/>
           </a:ln>
           <a:effectLst/>
         </p:spPr>
@@ -4142,22 +4142,22 @@
           </a:fontRef>
         </p:style>
         <p:txBody>
-          <a:bodyPr rtlCol="0" anchor="ctr"/>
+          <a:bodyPr anchor="ctr" numCol="1" rtlCol="0"/>
           <a:lstStyle/>
           <a:p>
             <a:pPr algn="ctr"/>
             <a:r>
-              <a:rPr lang="en-US" sz="1050" b="1" dirty="0" err="1" smtClean="0">
+              <a:rPr b="1" dirty="0" err="1" lang="en-US" smtClean="0" sz="1050">
                 <a:solidFill>
                   <a:schemeClr val="accent6">
                     <a:lumMod val="75000"/>
                   </a:schemeClr>
                 </a:solidFill>
               </a:rPr>
-              <a:t>XmlAddressBook</a:t>
-            </a:r>
-            <a:r>
-              <a:rPr lang="en-US" sz="1050" b="1" dirty="0" smtClean="0">
+              <a:t>XmlTaskManager</a:t>
+            </a:r>
+            <a:r>
+              <a:rPr b="1" dirty="0" lang="en-US" smtClean="0" sz="1050">
                 <a:solidFill>
                   <a:schemeClr val="accent6">
                     <a:lumMod val="75000"/>
@@ -4167,7 +4167,7 @@
               <a:t/>
             </a:r>
             <a:br>
-              <a:rPr lang="en-US" sz="1050" b="1" dirty="0" smtClean="0">
+              <a:rPr b="1" dirty="0" lang="en-US" smtClean="0" sz="1050">
                 <a:solidFill>
                   <a:schemeClr val="accent6">
                     <a:lumMod val="75000"/>
@@ -4176,7 +4176,7 @@
               </a:rPr>
             </a:br>
             <a:r>
-              <a:rPr lang="en-US" sz="1050" b="1" dirty="0" smtClean="0">
+              <a:rPr b="1" dirty="0" lang="en-US" smtClean="0" sz="1050">
                 <a:solidFill>
                   <a:schemeClr val="accent6">
                     <a:lumMod val="75000"/>
@@ -4185,7 +4185,7 @@
               </a:rPr>
               <a:t>Storage</a:t>
             </a:r>
-            <a:endParaRPr lang="en-SG" sz="1050" b="1" dirty="0">
+            <a:endParaRPr altLang="en-SG" b="1" dirty="0" lang="en-SG" sz="1050">
               <a:solidFill>
                 <a:schemeClr val="accent6">
                   <a:lumMod val="75000"/>
@@ -4238,12 +4238,12 @@
           </a:fontRef>
         </p:style>
         <p:txBody>
-          <a:bodyPr rtlCol="0" anchor="ctr"/>
+          <a:bodyPr anchor="ctr" numCol="1" rtlCol="0"/>
           <a:lstStyle/>
           <a:p>
             <a:pPr algn="ctr"/>
             <a:r>
-              <a:rPr lang="en-US" sz="1050" dirty="0" smtClean="0">
+              <a:rPr dirty="0" lang="en-US" smtClean="0" sz="1050">
                 <a:solidFill>
                   <a:schemeClr val="bg1"/>
                 </a:solidFill>
@@ -4251,21 +4251,21 @@
               <a:t>&lt;&lt;interface&gt;&gt;</a:t>
             </a:r>
             <a:br>
-              <a:rPr lang="en-US" sz="1050" dirty="0" smtClean="0">
+              <a:rPr dirty="0" lang="en-US" smtClean="0" sz="1050">
                 <a:solidFill>
                   <a:schemeClr val="bg1"/>
                 </a:solidFill>
               </a:rPr>
             </a:br>
             <a:r>
-              <a:rPr lang="en-US" sz="1050" dirty="0" err="1" smtClean="0">
+              <a:rPr dirty="0" err="1" lang="en-US" smtClean="0" sz="1050">
                 <a:solidFill>
                   <a:schemeClr val="bg1"/>
                 </a:solidFill>
               </a:rPr>
               <a:t>UserPrefsStorage</a:t>
             </a:r>
-            <a:endParaRPr lang="en-SG" sz="1050" dirty="0">
+            <a:endParaRPr altLang="en-SG" dirty="0" lang="en-SG" sz="1050">
               <a:solidFill>
                 <a:schemeClr val="bg1"/>
               </a:solidFill>
@@ -4296,8 +4296,8 @@
                 <a:lumMod val="75000"/>
               </a:schemeClr>
             </a:solidFill>
-            <a:headEnd type="none" w="med" len="med"/>
-            <a:tailEnd type="arrow" w="med" len="med"/>
+            <a:headEnd len="med" type="none" w="med"/>
+            <a:tailEnd len="med" type="arrow" w="med"/>
           </a:ln>
           <a:effectLst/>
         </p:spPr>
@@ -4355,7 +4355,7 @@
           </a:fontRef>
         </p:style>
         <p:txBody>
-          <a:bodyPr rtlCol="0" anchor="ctr"/>
+          <a:bodyPr anchor="ctr" numCol="1" rtlCol="0"/>
           <a:lstStyle/>
           <a:p>
             <a:pPr algn="ctr"/>
@@ -4383,7 +4383,7 @@
           </a:xfrm>
           <a:prstGeom prst="bentConnector3">
             <a:avLst>
-              <a:gd name="adj1" fmla="val 50000"/>
+              <a:gd fmla="val 50000" name="adj1"/>
             </a:avLst>
           </a:prstGeom>
           <a:ln w="19050">
@@ -4393,8 +4393,8 @@
               </a:schemeClr>
             </a:solidFill>
             <a:prstDash val="sysDot"/>
-            <a:headEnd type="none" w="med" len="med"/>
-            <a:tailEnd type="none" w="med" len="med"/>
+            <a:headEnd len="med" type="none" w="med"/>
+            <a:tailEnd len="med" type="none" w="med"/>
           </a:ln>
           <a:effectLst/>
         </p:spPr>
@@ -4420,7 +4420,7 @@
           <p:nvPr/>
         </p:nvSpPr>
         <p:spPr>
-          <a:xfrm rot="5400000" flipV="1">
+          <a:xfrm flipV="1" rot="5400000">
             <a:off x="4171790" y="2643659"/>
             <a:ext cx="270504" cy="175523"/>
           </a:xfrm>
@@ -4456,11 +4456,11 @@
           </a:fontRef>
         </p:style>
         <p:txBody>
-          <a:bodyPr rtlCol="0" anchor="ctr"/>
+          <a:bodyPr anchor="ctr" numCol="1" rtlCol="0"/>
           <a:lstStyle/>
           <a:p>
             <a:pPr algn="ctr"/>
-            <a:endParaRPr lang="en-SG" sz="1050">
+            <a:endParaRPr altLang="en-SG" lang="en-SG" sz="1050">
               <a:solidFill>
                 <a:schemeClr val="bg1"/>
               </a:solidFill>
@@ -4511,12 +4511,12 @@
           </a:fontRef>
         </p:style>
         <p:txBody>
-          <a:bodyPr rtlCol="0" anchor="ctr"/>
+          <a:bodyPr anchor="ctr" numCol="1" rtlCol="0"/>
           <a:lstStyle/>
           <a:p>
             <a:pPr algn="ctr"/>
             <a:r>
-              <a:rPr lang="en-US" sz="1050" dirty="0" err="1" smtClean="0">
+              <a:rPr dirty="0" err="1" lang="en-US" smtClean="0" sz="1050">
                 <a:solidFill>
                   <a:schemeClr val="bg1"/>
                 </a:solidFill>
@@ -4524,7 +4524,7 @@
               <a:t>JsonUserPrefs</a:t>
             </a:r>
             <a:r>
-              <a:rPr lang="en-US" sz="1050" dirty="0" smtClean="0">
+              <a:rPr dirty="0" lang="en-US" smtClean="0" sz="1050">
                 <a:solidFill>
                   <a:schemeClr val="bg1"/>
                 </a:solidFill>
@@ -4532,21 +4532,21 @@
               <a:t/>
             </a:r>
             <a:br>
-              <a:rPr lang="en-US" sz="1050" dirty="0" smtClean="0">
+              <a:rPr dirty="0" lang="en-US" smtClean="0" sz="1050">
                 <a:solidFill>
                   <a:schemeClr val="bg1"/>
                 </a:solidFill>
               </a:rPr>
             </a:br>
             <a:r>
-              <a:rPr lang="en-US" sz="1050" dirty="0" smtClean="0">
+              <a:rPr dirty="0" lang="en-US" smtClean="0" sz="1050">
                 <a:solidFill>
                   <a:schemeClr val="bg1"/>
                 </a:solidFill>
               </a:rPr>
               <a:t>Storage</a:t>
             </a:r>
-            <a:endParaRPr lang="en-SG" sz="1050" dirty="0">
+            <a:endParaRPr altLang="en-SG" dirty="0" lang="en-SG" sz="1050">
               <a:solidFill>
                 <a:schemeClr val="bg1"/>
               </a:solidFill>
@@ -4586,12 +4586,12 @@
           </a:fontRef>
         </p:style>
         <p:txBody>
-          <a:bodyPr rtlCol="0" anchor="ctr"/>
+          <a:bodyPr anchor="ctr" numCol="1" rtlCol="0"/>
           <a:lstStyle/>
           <a:p>
             <a:pPr algn="ctr"/>
             <a:r>
-              <a:rPr lang="en-US" sz="1050" b="1" dirty="0" err="1" smtClean="0">
+              <a:rPr b="1" dirty="0" err="1" lang="en-US" smtClean="0" sz="1050">
                 <a:solidFill>
                   <a:schemeClr val="accent6">
                     <a:lumMod val="75000"/>
@@ -4601,7 +4601,7 @@
               <a:t>XmlSerializable</a:t>
             </a:r>
             <a:r>
-              <a:rPr lang="en-US" sz="1050" b="1" dirty="0" smtClean="0">
+              <a:rPr b="1" dirty="0" lang="en-US" smtClean="0" sz="1050">
                 <a:solidFill>
                   <a:schemeClr val="accent6">
                     <a:lumMod val="75000"/>
@@ -4611,7 +4611,7 @@
               <a:t/>
             </a:r>
             <a:br>
-              <a:rPr lang="en-US" sz="1050" b="1" dirty="0" smtClean="0">
+              <a:rPr b="1" dirty="0" lang="en-US" smtClean="0" sz="1050">
                 <a:solidFill>
                   <a:schemeClr val="accent6">
                     <a:lumMod val="75000"/>
@@ -4620,16 +4620,16 @@
               </a:rPr>
             </a:br>
             <a:r>
-              <a:rPr lang="en-US" sz="1050" b="1" dirty="0" err="1" smtClean="0">
+              <a:rPr b="1" dirty="0" err="1" lang="en-US" smtClean="0" sz="1050">
                 <a:solidFill>
                   <a:schemeClr val="accent6">
                     <a:lumMod val="75000"/>
                   </a:schemeClr>
                 </a:solidFill>
               </a:rPr>
-              <a:t>AddressBook</a:t>
-            </a:r>
-            <a:endParaRPr lang="en-SG" sz="1050" b="1" dirty="0">
+              <a:t>TaskManager</a:t>
+            </a:r>
+            <a:endParaRPr altLang="en-SG" b="1" dirty="0" lang="en-SG" sz="1050">
               <a:solidFill>
                 <a:schemeClr val="accent6">
                   <a:lumMod val="75000"/>
@@ -4649,19 +4649,19 @@
           <p:nvPr/>
         </p:nvCxnSpPr>
         <p:spPr>
-          <a:xfrm rot="5400000" flipH="1" flipV="1">
+          <a:xfrm flipH="1" flipV="1" rot="5400000">
             <a:off x="8077993" y="2992020"/>
             <a:ext cx="335208" cy="12700"/>
           </a:xfrm>
           <a:prstGeom prst="bentConnector3">
             <a:avLst>
-              <a:gd name="adj1" fmla="val 50000"/>
+              <a:gd fmla="val 50000" name="adj1"/>
             </a:avLst>
           </a:prstGeom>
           <a:ln w="19050">
             <a:prstDash val="sysDot"/>
-            <a:headEnd type="none" w="med" len="med"/>
-            <a:tailEnd type="arrow" w="med" len="med"/>
+            <a:headEnd len="med" type="none" w="med"/>
+            <a:tailEnd len="med" type="arrow" w="med"/>
           </a:ln>
           <a:effectLst/>
         </p:spPr>
@@ -4712,12 +4712,12 @@
           </a:fontRef>
         </p:style>
         <p:txBody>
-          <a:bodyPr rtlCol="0" anchor="ctr"/>
+          <a:bodyPr anchor="ctr" numCol="1" rtlCol="0"/>
           <a:lstStyle/>
           <a:p>
             <a:pPr algn="ctr"/>
             <a:r>
-              <a:rPr lang="en-US" sz="1050" b="1" dirty="0" err="1" smtClean="0">
+              <a:rPr b="1" dirty="0" err="1" lang="en-US" smtClean="0" sz="1050">
                 <a:solidFill>
                   <a:schemeClr val="accent6">
                     <a:lumMod val="75000"/>
@@ -4726,7 +4726,7 @@
               </a:rPr>
               <a:t>XmlAdaptedTag</a:t>
             </a:r>
-            <a:endParaRPr lang="en-SG" sz="1050" b="1" dirty="0">
+            <a:endParaRPr altLang="en-SG" b="1" dirty="0" lang="en-SG" sz="1050">
               <a:solidFill>
                 <a:schemeClr val="accent6">
                   <a:lumMod val="75000"/>
@@ -4768,21 +4768,21 @@
           </a:fontRef>
         </p:style>
         <p:txBody>
-          <a:bodyPr rtlCol="0" anchor="ctr"/>
+          <a:bodyPr anchor="ctr" numCol="1" rtlCol="0"/>
           <a:lstStyle/>
           <a:p>
             <a:pPr algn="ctr"/>
             <a:r>
-              <a:rPr lang="en-US" sz="1050" b="1" dirty="0" err="1" smtClean="0">
+              <a:rPr b="1" dirty="0" err="1" lang="en-US" smtClean="0" sz="1050">
                 <a:solidFill>
                   <a:schemeClr val="accent6">
                     <a:lumMod val="75000"/>
                   </a:schemeClr>
                 </a:solidFill>
               </a:rPr>
-              <a:t>XmlAdaptedPerson</a:t>
-            </a:r>
-            <a:endParaRPr lang="en-SG" sz="1050" b="1" dirty="0">
+              <a:t>XmlAdaptedTask</a:t>
+            </a:r>
+            <a:endParaRPr altLang="en-SG" b="1" dirty="0" lang="en-SG" sz="1050">
               <a:solidFill>
                 <a:schemeClr val="accent6">
                   <a:lumMod val="75000"/>
@@ -4808,13 +4808,13 @@
           </a:xfrm>
           <a:prstGeom prst="bentConnector3">
             <a:avLst>
-              <a:gd name="adj1" fmla="val 50000"/>
+              <a:gd fmla="val 50000" name="adj1"/>
             </a:avLst>
           </a:prstGeom>
           <a:ln w="19050">
             <a:prstDash val="sysDot"/>
-            <a:headEnd type="none" w="med" len="med"/>
-            <a:tailEnd type="arrow" w="med" len="med"/>
+            <a:headEnd len="med" type="none" w="med"/>
+            <a:tailEnd len="med" type="arrow" w="med"/>
           </a:ln>
           <a:effectLst/>
         </p:spPr>
@@ -4846,7 +4846,7 @@
   <p:timing>
     <p:tnLst>
       <p:par>
-        <p:cTn id="1" dur="indefinite" restart="never" nodeType="tmRoot"/>
+        <p:cTn dur="indefinite" id="1" nodeType="tmRoot" restart="never"/>
       </p:par>
     </p:tnLst>
   </p:timing>
@@ -4858,10 +4858,10 @@
   <a:themeElements>
     <a:clrScheme name="Office">
       <a:dk1>
-        <a:sysClr val="windowText" lastClr="000000"/>
+        <a:sysClr lastClr="000000" val="windowText"/>
       </a:dk1>
       <a:lt1>
-        <a:sysClr val="window" lastClr="FFFFFF"/>
+        <a:sysClr lastClr="FFFFFF" val="window"/>
       </a:lt1>
       <a:dk2>
         <a:srgbClr val="1F497D"/>
@@ -5019,7 +5019,7 @@
         </a:gradFill>
       </a:fillStyleLst>
       <a:lnStyleLst>
-        <a:ln w="9525" cap="flat" cmpd="sng" algn="ctr">
+        <a:ln algn="ctr" cap="flat" cmpd="sng" w="9525">
           <a:solidFill>
             <a:schemeClr val="phClr">
               <a:shade val="95000"/>
@@ -5028,13 +5028,13 @@
           </a:solidFill>
           <a:prstDash val="solid"/>
         </a:ln>
-        <a:ln w="25400" cap="flat" cmpd="sng" algn="ctr">
+        <a:ln algn="ctr" cap="flat" cmpd="sng" w="25400">
           <a:solidFill>
             <a:schemeClr val="phClr"/>
           </a:solidFill>
           <a:prstDash val="solid"/>
         </a:ln>
-        <a:ln w="38100" cap="flat" cmpd="sng" algn="ctr">
+        <a:ln algn="ctr" cap="flat" cmpd="sng" w="38100">
           <a:solidFill>
             <a:schemeClr val="phClr"/>
           </a:solidFill>
@@ -5044,7 +5044,7 @@
       <a:effectStyleLst>
         <a:effectStyle>
           <a:effectLst>
-            <a:outerShdw blurRad="40000" dist="20000" dir="5400000" rotWithShape="0">
+            <a:outerShdw blurRad="40000" dir="5400000" dist="20000" rotWithShape="0">
               <a:srgbClr val="000000">
                 <a:alpha val="38000"/>
               </a:srgbClr>
@@ -5053,7 +5053,7 @@
         </a:effectStyle>
         <a:effectStyle>
           <a:effectLst>
-            <a:outerShdw blurRad="40000" dist="23000" dir="5400000" rotWithShape="0">
+            <a:outerShdw blurRad="40000" dir="5400000" dist="23000" rotWithShape="0">
               <a:srgbClr val="000000">
                 <a:alpha val="35000"/>
               </a:srgbClr>
@@ -5062,7 +5062,7 @@
         </a:effectStyle>
         <a:effectStyle>
           <a:effectLst>
-            <a:outerShdw blurRad="40000" dist="23000" dir="5400000" rotWithShape="0">
+            <a:outerShdw blurRad="40000" dir="5400000" dist="23000" rotWithShape="0">
               <a:srgbClr val="000000">
                 <a:alpha val="35000"/>
               </a:srgbClr>
@@ -5072,12 +5072,12 @@
             <a:camera prst="orthographicFront">
               <a:rot lat="0" lon="0" rev="0"/>
             </a:camera>
-            <a:lightRig rig="threePt" dir="t">
+            <a:lightRig dir="t" rig="threePt">
               <a:rot lat="0" lon="0" rev="1200000"/>
             </a:lightRig>
           </a:scene3d>
           <a:sp3d>
-            <a:bevelT w="63500" h="25400"/>
+            <a:bevelT h="25400" w="63500"/>
           </a:sp3d>
         </a:effectStyle>
       </a:effectStyleLst>
@@ -5108,7 +5108,7 @@
             </a:gs>
           </a:gsLst>
           <a:path path="circle">
-            <a:fillToRect l="50000" t="-80000" r="50000" b="180000"/>
+            <a:fillToRect b="180000" l="50000" r="50000" t="-80000"/>
           </a:path>
         </a:gradFill>
         <a:gradFill rotWithShape="1">
@@ -5127,7 +5127,7 @@
             </a:gs>
           </a:gsLst>
           <a:path path="circle">
-            <a:fillToRect l="50000" t="50000" r="50000" b="50000"/>
+            <a:fillToRect b="50000" l="50000" r="50000" t="50000"/>
           </a:path>
         </a:gradFill>
       </a:bgFillStyleLst>
@@ -5143,10 +5143,10 @@
   <a:themeElements>
     <a:clrScheme name="Office">
       <a:dk1>
-        <a:sysClr val="windowText" lastClr="000000"/>
+        <a:sysClr lastClr="000000" val="windowText"/>
       </a:dk1>
       <a:lt1>
-        <a:sysClr val="window" lastClr="FFFFFF"/>
+        <a:sysClr lastClr="FFFFFF" val="window"/>
       </a:lt1>
       <a:dk2>
         <a:srgbClr val="1F497D"/>
@@ -5304,7 +5304,7 @@
         </a:gradFill>
       </a:fillStyleLst>
       <a:lnStyleLst>
-        <a:ln w="9525" cap="flat" cmpd="sng" algn="ctr">
+        <a:ln algn="ctr" cap="flat" cmpd="sng" w="9525">
           <a:solidFill>
             <a:schemeClr val="phClr">
               <a:shade val="95000"/>
@@ -5313,13 +5313,13 @@
           </a:solidFill>
           <a:prstDash val="solid"/>
         </a:ln>
-        <a:ln w="25400" cap="flat" cmpd="sng" algn="ctr">
+        <a:ln algn="ctr" cap="flat" cmpd="sng" w="25400">
           <a:solidFill>
             <a:schemeClr val="phClr"/>
           </a:solidFill>
           <a:prstDash val="solid"/>
         </a:ln>
-        <a:ln w="38100" cap="flat" cmpd="sng" algn="ctr">
+        <a:ln algn="ctr" cap="flat" cmpd="sng" w="38100">
           <a:solidFill>
             <a:schemeClr val="phClr"/>
           </a:solidFill>
@@ -5329,7 +5329,7 @@
       <a:effectStyleLst>
         <a:effectStyle>
           <a:effectLst>
-            <a:outerShdw blurRad="40000" dist="20000" dir="5400000" rotWithShape="0">
+            <a:outerShdw blurRad="40000" dir="5400000" dist="20000" rotWithShape="0">
               <a:srgbClr val="000000">
                 <a:alpha val="38000"/>
               </a:srgbClr>
@@ -5338,7 +5338,7 @@
         </a:effectStyle>
         <a:effectStyle>
           <a:effectLst>
-            <a:outerShdw blurRad="40000" dist="23000" dir="5400000" rotWithShape="0">
+            <a:outerShdw blurRad="40000" dir="5400000" dist="23000" rotWithShape="0">
               <a:srgbClr val="000000">
                 <a:alpha val="35000"/>
               </a:srgbClr>
@@ -5347,7 +5347,7 @@
         </a:effectStyle>
         <a:effectStyle>
           <a:effectLst>
-            <a:outerShdw blurRad="40000" dist="23000" dir="5400000" rotWithShape="0">
+            <a:outerShdw blurRad="40000" dir="5400000" dist="23000" rotWithShape="0">
               <a:srgbClr val="000000">
                 <a:alpha val="35000"/>
               </a:srgbClr>
@@ -5357,12 +5357,12 @@
             <a:camera prst="orthographicFront">
               <a:rot lat="0" lon="0" rev="0"/>
             </a:camera>
-            <a:lightRig rig="threePt" dir="t">
+            <a:lightRig dir="t" rig="threePt">
               <a:rot lat="0" lon="0" rev="1200000"/>
             </a:lightRig>
           </a:scene3d>
           <a:sp3d>
-            <a:bevelT w="63500" h="25400"/>
+            <a:bevelT h="25400" w="63500"/>
           </a:sp3d>
         </a:effectStyle>
       </a:effectStyleLst>
@@ -5393,7 +5393,7 @@
             </a:gs>
           </a:gsLst>
           <a:path path="circle">
-            <a:fillToRect l="50000" t="-80000" r="50000" b="180000"/>
+            <a:fillToRect b="180000" l="50000" r="50000" t="-80000"/>
           </a:path>
         </a:gradFill>
         <a:gradFill rotWithShape="1">
@@ -5412,7 +5412,7 @@
             </a:gs>
           </a:gsLst>
           <a:path path="circle">
-            <a:fillToRect l="50000" t="50000" r="50000" b="50000"/>
+            <a:fillToRect b="50000" l="50000" r="50000" t="50000"/>
           </a:path>
         </a:gradFill>
       </a:bgFillStyleLst>

--- a/docs/diagrams/StorageComponentClassDiagram.pptx
+++ b/docs/diagrams/StorageComponentClassDiagram.pptx
@@ -107,6 +107,22 @@
       </a:defRPr>
     </a:lvl9pPr>
   </p:defaultTextStyle>
+  <p:extLst>
+    <p:ext uri="{EFAFB233-063F-42B5-8137-9DF3F51BA10A}">
+      <p15:sldGuideLst xmlns:p15="http://schemas.microsoft.com/office/powerpoint/2012/main">
+        <p15:guide id="1" orient="horz" pos="1488">
+          <p15:clr>
+            <a:srgbClr val="A4A3A4"/>
+          </p15:clr>
+        </p15:guide>
+        <p15:guide id="2" pos="2880">
+          <p15:clr>
+            <a:srgbClr val="A4A3A4"/>
+          </p15:clr>
+        </p15:guide>
+      </p15:sldGuideLst>
+    </p:ext>
+  </p:extLst>
 </p:presentation>
 </file>
 
@@ -192,7 +208,7 @@
           <a:p>
             <a:fld id="{F5CC4B3F-88C1-4FFA-B1B6-F41C21DC6924}" type="datetimeFigureOut">
               <a:rPr lang="en-US" smtClean="0"/>
-              <a:t>10/16/2016</a:t>
+              <a:t>3/16/17</a:t>
             </a:fld>
             <a:endParaRPr lang="en-US"/>
           </a:p>
@@ -641,7 +657,7 @@
           <a:p>
             <a:fld id="{78C97017-6FC3-485B-9764-EAC9E56C1D49}" type="datetimeFigureOut">
               <a:rPr lang="en-US" smtClean="0"/>
-              <a:t>10/16/2016</a:t>
+              <a:t>3/16/17</a:t>
             </a:fld>
             <a:endParaRPr lang="en-US"/>
           </a:p>
@@ -811,7 +827,7 @@
           <a:p>
             <a:fld id="{78C97017-6FC3-485B-9764-EAC9E56C1D49}" type="datetimeFigureOut">
               <a:rPr lang="en-US" smtClean="0"/>
-              <a:t>10/16/2016</a:t>
+              <a:t>3/16/17</a:t>
             </a:fld>
             <a:endParaRPr lang="en-US"/>
           </a:p>
@@ -991,7 +1007,7 @@
           <a:p>
             <a:fld id="{78C97017-6FC3-485B-9764-EAC9E56C1D49}" type="datetimeFigureOut">
               <a:rPr lang="en-US" smtClean="0"/>
-              <a:t>10/16/2016</a:t>
+              <a:t>3/16/17</a:t>
             </a:fld>
             <a:endParaRPr lang="en-US"/>
           </a:p>
@@ -1161,7 +1177,7 @@
           <a:p>
             <a:fld id="{78C97017-6FC3-485B-9764-EAC9E56C1D49}" type="datetimeFigureOut">
               <a:rPr lang="en-US" smtClean="0"/>
-              <a:t>10/16/2016</a:t>
+              <a:t>3/16/17</a:t>
             </a:fld>
             <a:endParaRPr lang="en-US"/>
           </a:p>
@@ -1407,7 +1423,7 @@
           <a:p>
             <a:fld id="{78C97017-6FC3-485B-9764-EAC9E56C1D49}" type="datetimeFigureOut">
               <a:rPr lang="en-US" smtClean="0"/>
-              <a:t>10/16/2016</a:t>
+              <a:t>3/16/17</a:t>
             </a:fld>
             <a:endParaRPr lang="en-US"/>
           </a:p>
@@ -1695,7 +1711,7 @@
           <a:p>
             <a:fld id="{78C97017-6FC3-485B-9764-EAC9E56C1D49}" type="datetimeFigureOut">
               <a:rPr lang="en-US" smtClean="0"/>
-              <a:t>10/16/2016</a:t>
+              <a:t>3/16/17</a:t>
             </a:fld>
             <a:endParaRPr lang="en-US"/>
           </a:p>
@@ -2117,7 +2133,7 @@
           <a:p>
             <a:fld id="{78C97017-6FC3-485B-9764-EAC9E56C1D49}" type="datetimeFigureOut">
               <a:rPr lang="en-US" smtClean="0"/>
-              <a:t>10/16/2016</a:t>
+              <a:t>3/16/17</a:t>
             </a:fld>
             <a:endParaRPr lang="en-US"/>
           </a:p>
@@ -2235,7 +2251,7 @@
           <a:p>
             <a:fld id="{78C97017-6FC3-485B-9764-EAC9E56C1D49}" type="datetimeFigureOut">
               <a:rPr lang="en-US" smtClean="0"/>
-              <a:t>10/16/2016</a:t>
+              <a:t>3/16/17</a:t>
             </a:fld>
             <a:endParaRPr lang="en-US"/>
           </a:p>
@@ -2330,7 +2346,7 @@
           <a:p>
             <a:fld id="{78C97017-6FC3-485B-9764-EAC9E56C1D49}" type="datetimeFigureOut">
               <a:rPr lang="en-US" smtClean="0"/>
-              <a:t>10/16/2016</a:t>
+              <a:t>3/16/17</a:t>
             </a:fld>
             <a:endParaRPr lang="en-US"/>
           </a:p>
@@ -2607,7 +2623,7 @@
           <a:p>
             <a:fld id="{78C97017-6FC3-485B-9764-EAC9E56C1D49}" type="datetimeFigureOut">
               <a:rPr lang="en-US" smtClean="0"/>
-              <a:t>10/16/2016</a:t>
+              <a:t>3/16/17</a:t>
             </a:fld>
             <a:endParaRPr lang="en-US"/>
           </a:p>
@@ -2860,7 +2876,7 @@
           <a:p>
             <a:fld id="{78C97017-6FC3-485B-9764-EAC9E56C1D49}" type="datetimeFigureOut">
               <a:rPr lang="en-US" smtClean="0"/>
-              <a:t>10/16/2016</a:t>
+              <a:t>3/16/17</a:t>
             </a:fld>
             <a:endParaRPr lang="en-US"/>
           </a:p>
@@ -3073,7 +3089,7 @@
           <a:p>
             <a:fld id="{78C97017-6FC3-485B-9764-EAC9E56C1D49}" type="datetimeFigureOut">
               <a:rPr lang="en-US" smtClean="0"/>
-              <a:t>10/16/2016</a:t>
+              <a:t>3/16/17</a:t>
             </a:fld>
             <a:endParaRPr lang="en-US"/>
           </a:p>
@@ -3576,14 +3592,14 @@
               </a:rPr>
             </a:br>
             <a:r>
-              <a:rPr lang="en-US" sz="1050" dirty="0" err="1" smtClean="0">
+              <a:rPr lang="en-US" sz="1000" dirty="0" err="1" smtClean="0">
                 <a:solidFill>
                   <a:schemeClr val="bg1"/>
                 </a:solidFill>
               </a:rPr>
-              <a:t>AddressBookStorage</a:t>
-            </a:r>
-            <a:endParaRPr lang="en-SG" sz="1050" dirty="0">
+              <a:t>TaskManagerStorage</a:t>
+            </a:r>
+            <a:endParaRPr lang="en-SG" sz="1000" dirty="0">
               <a:solidFill>
                 <a:schemeClr val="bg1"/>
               </a:solidFill>
@@ -4154,7 +4170,7 @@
                   </a:schemeClr>
                 </a:solidFill>
               </a:rPr>
-              <a:t>XmlAddressBook</a:t>
+              <a:t>XmlTaskManager</a:t>
             </a:r>
             <a:r>
               <a:rPr lang="en-US" sz="1050" b="1" dirty="0" smtClean="0">
@@ -4627,7 +4643,7 @@
                   </a:schemeClr>
                 </a:solidFill>
               </a:rPr>
-              <a:t>AddressBook</a:t>
+              <a:t>TaskManager</a:t>
             </a:r>
             <a:endParaRPr lang="en-SG" sz="1050" b="1" dirty="0">
               <a:solidFill>
@@ -4780,7 +4796,7 @@
                   </a:schemeClr>
                 </a:solidFill>
               </a:rPr>
-              <a:t>XmlAdaptedPerson</a:t>
+              <a:t>XmlAdaptedTask</a:t>
             </a:r>
             <a:endParaRPr lang="en-SG" sz="1050" b="1" dirty="0">
               <a:solidFill>

--- a/docs/diagrams/StorageComponentClassDiagram.pptx
+++ b/docs/diagrams/StorageComponentClassDiagram.pptx
@@ -107,6 +107,22 @@
       </a:defRPr>
     </a:lvl9pPr>
   </p:defaultTextStyle>
+  <p:extLst>
+    <p:ext uri="{EFAFB233-063F-42B5-8137-9DF3F51BA10A}">
+      <p15:sldGuideLst xmlns:p15="http://schemas.microsoft.com/office/powerpoint/2012/main">
+        <p15:guide id="1" orient="horz" pos="1488">
+          <p15:clr>
+            <a:srgbClr val="A4A3A4"/>
+          </p15:clr>
+        </p15:guide>
+        <p15:guide id="2" pos="2880">
+          <p15:clr>
+            <a:srgbClr val="A4A3A4"/>
+          </p15:clr>
+        </p15:guide>
+      </p15:sldGuideLst>
+    </p:ext>
+  </p:extLst>
 </p:presentation>
 </file>
 
@@ -192,7 +208,7 @@
           <a:p>
             <a:fld id="{F5CC4B3F-88C1-4FFA-B1B6-F41C21DC6924}" type="datetimeFigureOut">
               <a:rPr lang="en-US" smtClean="0"/>
-              <a:t>10/16/2016</a:t>
+              <a:t>17-Mar-17</a:t>
             </a:fld>
             <a:endParaRPr lang="en-US"/>
           </a:p>
@@ -641,7 +657,7 @@
           <a:p>
             <a:fld id="{78C97017-6FC3-485B-9764-EAC9E56C1D49}" type="datetimeFigureOut">
               <a:rPr lang="en-US" smtClean="0"/>
-              <a:t>10/16/2016</a:t>
+              <a:t>17-Mar-17</a:t>
             </a:fld>
             <a:endParaRPr lang="en-US"/>
           </a:p>
@@ -811,7 +827,7 @@
           <a:p>
             <a:fld id="{78C97017-6FC3-485B-9764-EAC9E56C1D49}" type="datetimeFigureOut">
               <a:rPr lang="en-US" smtClean="0"/>
-              <a:t>10/16/2016</a:t>
+              <a:t>17-Mar-17</a:t>
             </a:fld>
             <a:endParaRPr lang="en-US"/>
           </a:p>
@@ -991,7 +1007,7 @@
           <a:p>
             <a:fld id="{78C97017-6FC3-485B-9764-EAC9E56C1D49}" type="datetimeFigureOut">
               <a:rPr lang="en-US" smtClean="0"/>
-              <a:t>10/16/2016</a:t>
+              <a:t>17-Mar-17</a:t>
             </a:fld>
             <a:endParaRPr lang="en-US"/>
           </a:p>
@@ -1161,7 +1177,7 @@
           <a:p>
             <a:fld id="{78C97017-6FC3-485B-9764-EAC9E56C1D49}" type="datetimeFigureOut">
               <a:rPr lang="en-US" smtClean="0"/>
-              <a:t>10/16/2016</a:t>
+              <a:t>17-Mar-17</a:t>
             </a:fld>
             <a:endParaRPr lang="en-US"/>
           </a:p>
@@ -1407,7 +1423,7 @@
           <a:p>
             <a:fld id="{78C97017-6FC3-485B-9764-EAC9E56C1D49}" type="datetimeFigureOut">
               <a:rPr lang="en-US" smtClean="0"/>
-              <a:t>10/16/2016</a:t>
+              <a:t>17-Mar-17</a:t>
             </a:fld>
             <a:endParaRPr lang="en-US"/>
           </a:p>
@@ -1695,7 +1711,7 @@
           <a:p>
             <a:fld id="{78C97017-6FC3-485B-9764-EAC9E56C1D49}" type="datetimeFigureOut">
               <a:rPr lang="en-US" smtClean="0"/>
-              <a:t>10/16/2016</a:t>
+              <a:t>17-Mar-17</a:t>
             </a:fld>
             <a:endParaRPr lang="en-US"/>
           </a:p>
@@ -2117,7 +2133,7 @@
           <a:p>
             <a:fld id="{78C97017-6FC3-485B-9764-EAC9E56C1D49}" type="datetimeFigureOut">
               <a:rPr lang="en-US" smtClean="0"/>
-              <a:t>10/16/2016</a:t>
+              <a:t>17-Mar-17</a:t>
             </a:fld>
             <a:endParaRPr lang="en-US"/>
           </a:p>
@@ -2235,7 +2251,7 @@
           <a:p>
             <a:fld id="{78C97017-6FC3-485B-9764-EAC9E56C1D49}" type="datetimeFigureOut">
               <a:rPr lang="en-US" smtClean="0"/>
-              <a:t>10/16/2016</a:t>
+              <a:t>17-Mar-17</a:t>
             </a:fld>
             <a:endParaRPr lang="en-US"/>
           </a:p>
@@ -2330,7 +2346,7 @@
           <a:p>
             <a:fld id="{78C97017-6FC3-485B-9764-EAC9E56C1D49}" type="datetimeFigureOut">
               <a:rPr lang="en-US" smtClean="0"/>
-              <a:t>10/16/2016</a:t>
+              <a:t>17-Mar-17</a:t>
             </a:fld>
             <a:endParaRPr lang="en-US"/>
           </a:p>
@@ -2607,7 +2623,7 @@
           <a:p>
             <a:fld id="{78C97017-6FC3-485B-9764-EAC9E56C1D49}" type="datetimeFigureOut">
               <a:rPr lang="en-US" smtClean="0"/>
-              <a:t>10/16/2016</a:t>
+              <a:t>17-Mar-17</a:t>
             </a:fld>
             <a:endParaRPr lang="en-US"/>
           </a:p>
@@ -2860,7 +2876,7 @@
           <a:p>
             <a:fld id="{78C97017-6FC3-485B-9764-EAC9E56C1D49}" type="datetimeFigureOut">
               <a:rPr lang="en-US" smtClean="0"/>
-              <a:t>10/16/2016</a:t>
+              <a:t>17-Mar-17</a:t>
             </a:fld>
             <a:endParaRPr lang="en-US"/>
           </a:p>
@@ -3073,7 +3089,7 @@
           <a:p>
             <a:fld id="{78C97017-6FC3-485B-9764-EAC9E56C1D49}" type="datetimeFigureOut">
               <a:rPr lang="en-US" smtClean="0"/>
-              <a:t>10/16/2016</a:t>
+              <a:t>17-Mar-17</a:t>
             </a:fld>
             <a:endParaRPr lang="en-US"/>
           </a:p>
@@ -3522,7 +3538,7 @@
         <p:spPr>
           <a:xfrm>
             <a:off x="2877180" y="3158440"/>
-            <a:ext cx="1323049" cy="346760"/>
+            <a:ext cx="1348954" cy="346760"/>
           </a:xfrm>
           <a:prstGeom prst="rect">
             <a:avLst/>
@@ -3581,7 +3597,15 @@
                   <a:schemeClr val="bg1"/>
                 </a:solidFill>
               </a:rPr>
-              <a:t>AddressBookStorage</a:t>
+              <a:t>TaskManager</a:t>
+            </a:r>
+            <a:r>
+              <a:rPr lang="en-US" sz="1050" dirty="0" err="1" smtClean="0">
+                <a:solidFill>
+                  <a:schemeClr val="bg1"/>
+                </a:solidFill>
+              </a:rPr>
+              <a:t>Storage</a:t>
             </a:r>
             <a:endParaRPr lang="en-SG" sz="1050" dirty="0">
               <a:solidFill>
@@ -4154,7 +4178,7 @@
                   </a:schemeClr>
                 </a:solidFill>
               </a:rPr>
-              <a:t>XmlAddressBook</a:t>
+              <a:t>XmlTaskManager</a:t>
             </a:r>
             <a:r>
               <a:rPr lang="en-US" sz="1050" b="1" dirty="0" smtClean="0">
@@ -4627,7 +4651,7 @@
                   </a:schemeClr>
                 </a:solidFill>
               </a:rPr>
-              <a:t>AddressBook</a:t>
+              <a:t>TaskManager</a:t>
             </a:r>
             <a:endParaRPr lang="en-SG" sz="1050" b="1" dirty="0">
               <a:solidFill>
@@ -4773,14 +4797,14 @@
           <a:p>
             <a:pPr algn="ctr"/>
             <a:r>
-              <a:rPr lang="en-US" sz="1050" b="1" dirty="0" err="1" smtClean="0">
+              <a:rPr lang="en-US" sz="1050" b="1" smtClean="0">
                 <a:solidFill>
                   <a:schemeClr val="accent6">
                     <a:lumMod val="75000"/>
                   </a:schemeClr>
                 </a:solidFill>
               </a:rPr>
-              <a:t>XmlAdaptedPerson</a:t>
+              <a:t>XmlAdaptedTask</a:t>
             </a:r>
             <a:endParaRPr lang="en-SG" sz="1050" b="1" dirty="0">
               <a:solidFill>

--- a/docs/diagrams/StorageComponentClassDiagram.pptx
+++ b/docs/diagrams/StorageComponentClassDiagram.pptx
@@ -107,6 +107,22 @@
       </a:defRPr>
     </a:lvl9pPr>
   </p:defaultTextStyle>
+  <p:extLst>
+    <p:ext uri="{EFAFB233-063F-42B5-8137-9DF3F51BA10A}">
+      <p15:sldGuideLst xmlns:p15="http://schemas.microsoft.com/office/powerpoint/2012/main">
+        <p15:guide id="1" orient="horz" pos="1488">
+          <p15:clr>
+            <a:srgbClr val="A4A3A4"/>
+          </p15:clr>
+        </p15:guide>
+        <p15:guide id="2" pos="2880">
+          <p15:clr>
+            <a:srgbClr val="A4A3A4"/>
+          </p15:clr>
+        </p15:guide>
+      </p15:sldGuideLst>
+    </p:ext>
+  </p:extLst>
 </p:presentation>
 </file>
 
@@ -192,7 +208,7 @@
           <a:p>
             <a:fld id="{F5CC4B3F-88C1-4FFA-B1B6-F41C21DC6924}" type="datetimeFigureOut">
               <a:rPr lang="en-US" smtClean="0"/>
-              <a:t>10/16/2016</a:t>
+              <a:t>3/18/2017</a:t>
             </a:fld>
             <a:endParaRPr lang="en-US"/>
           </a:p>
@@ -641,7 +657,7 @@
           <a:p>
             <a:fld id="{78C97017-6FC3-485B-9764-EAC9E56C1D49}" type="datetimeFigureOut">
               <a:rPr lang="en-US" smtClean="0"/>
-              <a:t>10/16/2016</a:t>
+              <a:t>3/18/2017</a:t>
             </a:fld>
             <a:endParaRPr lang="en-US"/>
           </a:p>
@@ -811,7 +827,7 @@
           <a:p>
             <a:fld id="{78C97017-6FC3-485B-9764-EAC9E56C1D49}" type="datetimeFigureOut">
               <a:rPr lang="en-US" smtClean="0"/>
-              <a:t>10/16/2016</a:t>
+              <a:t>3/18/2017</a:t>
             </a:fld>
             <a:endParaRPr lang="en-US"/>
           </a:p>
@@ -991,7 +1007,7 @@
           <a:p>
             <a:fld id="{78C97017-6FC3-485B-9764-EAC9E56C1D49}" type="datetimeFigureOut">
               <a:rPr lang="en-US" smtClean="0"/>
-              <a:t>10/16/2016</a:t>
+              <a:t>3/18/2017</a:t>
             </a:fld>
             <a:endParaRPr lang="en-US"/>
           </a:p>
@@ -1161,7 +1177,7 @@
           <a:p>
             <a:fld id="{78C97017-6FC3-485B-9764-EAC9E56C1D49}" type="datetimeFigureOut">
               <a:rPr lang="en-US" smtClean="0"/>
-              <a:t>10/16/2016</a:t>
+              <a:t>3/18/2017</a:t>
             </a:fld>
             <a:endParaRPr lang="en-US"/>
           </a:p>
@@ -1407,7 +1423,7 @@
           <a:p>
             <a:fld id="{78C97017-6FC3-485B-9764-EAC9E56C1D49}" type="datetimeFigureOut">
               <a:rPr lang="en-US" smtClean="0"/>
-              <a:t>10/16/2016</a:t>
+              <a:t>3/18/2017</a:t>
             </a:fld>
             <a:endParaRPr lang="en-US"/>
           </a:p>
@@ -1695,7 +1711,7 @@
           <a:p>
             <a:fld id="{78C97017-6FC3-485B-9764-EAC9E56C1D49}" type="datetimeFigureOut">
               <a:rPr lang="en-US" smtClean="0"/>
-              <a:t>10/16/2016</a:t>
+              <a:t>3/18/2017</a:t>
             </a:fld>
             <a:endParaRPr lang="en-US"/>
           </a:p>
@@ -2117,7 +2133,7 @@
           <a:p>
             <a:fld id="{78C97017-6FC3-485B-9764-EAC9E56C1D49}" type="datetimeFigureOut">
               <a:rPr lang="en-US" smtClean="0"/>
-              <a:t>10/16/2016</a:t>
+              <a:t>3/18/2017</a:t>
             </a:fld>
             <a:endParaRPr lang="en-US"/>
           </a:p>
@@ -2235,7 +2251,7 @@
           <a:p>
             <a:fld id="{78C97017-6FC3-485B-9764-EAC9E56C1D49}" type="datetimeFigureOut">
               <a:rPr lang="en-US" smtClean="0"/>
-              <a:t>10/16/2016</a:t>
+              <a:t>3/18/2017</a:t>
             </a:fld>
             <a:endParaRPr lang="en-US"/>
           </a:p>
@@ -2330,7 +2346,7 @@
           <a:p>
             <a:fld id="{78C97017-6FC3-485B-9764-EAC9E56C1D49}" type="datetimeFigureOut">
               <a:rPr lang="en-US" smtClean="0"/>
-              <a:t>10/16/2016</a:t>
+              <a:t>3/18/2017</a:t>
             </a:fld>
             <a:endParaRPr lang="en-US"/>
           </a:p>
@@ -2607,7 +2623,7 @@
           <a:p>
             <a:fld id="{78C97017-6FC3-485B-9764-EAC9E56C1D49}" type="datetimeFigureOut">
               <a:rPr lang="en-US" smtClean="0"/>
-              <a:t>10/16/2016</a:t>
+              <a:t>3/18/2017</a:t>
             </a:fld>
             <a:endParaRPr lang="en-US"/>
           </a:p>
@@ -2860,7 +2876,7 @@
           <a:p>
             <a:fld id="{78C97017-6FC3-485B-9764-EAC9E56C1D49}" type="datetimeFigureOut">
               <a:rPr lang="en-US" smtClean="0"/>
-              <a:t>10/16/2016</a:t>
+              <a:t>3/18/2017</a:t>
             </a:fld>
             <a:endParaRPr lang="en-US"/>
           </a:p>
@@ -3073,7 +3089,7 @@
           <a:p>
             <a:fld id="{78C97017-6FC3-485B-9764-EAC9E56C1D49}" type="datetimeFigureOut">
               <a:rPr lang="en-US" smtClean="0"/>
-              <a:t>10/16/2016</a:t>
+              <a:t>3/18/2017</a:t>
             </a:fld>
             <a:endParaRPr lang="en-US"/>
           </a:p>
@@ -4176,14 +4192,14 @@
               </a:rPr>
             </a:br>
             <a:r>
-              <a:rPr lang="en-US" sz="1050" b="1" dirty="0" smtClean="0">
+              <a:rPr lang="en-US" sz="1050" b="1" dirty="0" err="1" smtClean="0">
                 <a:solidFill>
                   <a:schemeClr val="accent6">
                     <a:lumMod val="75000"/>
                   </a:schemeClr>
                 </a:solidFill>
               </a:rPr>
-              <a:t>Storage</a:t>
+              <a:t>TaskManager</a:t>
             </a:r>
             <a:endParaRPr lang="en-SG" sz="1050" b="1" dirty="0">
               <a:solidFill>
@@ -4627,7 +4643,7 @@
                   </a:schemeClr>
                 </a:solidFill>
               </a:rPr>
-              <a:t>AddressBook</a:t>
+              <a:t>TaskManager</a:t>
             </a:r>
             <a:endParaRPr lang="en-SG" sz="1050" b="1" dirty="0">
               <a:solidFill>
@@ -4780,7 +4796,7 @@
                   </a:schemeClr>
                 </a:solidFill>
               </a:rPr>
-              <a:t>XmlAdaptedPerson</a:t>
+              <a:t>XmlAdaptedTask</a:t>
             </a:r>
             <a:endParaRPr lang="en-SG" sz="1050" b="1" dirty="0">
               <a:solidFill>

--- a/docs/diagrams/StorageComponentClassDiagram.pptx
+++ b/docs/diagrams/StorageComponentClassDiagram.pptx
@@ -107,6 +107,22 @@
       </a:defRPr>
     </a:lvl9pPr>
   </p:defaultTextStyle>
+  <p:extLst>
+    <p:ext uri="{EFAFB233-063F-42B5-8137-9DF3F51BA10A}">
+      <p15:sldGuideLst xmlns:p15="http://schemas.microsoft.com/office/powerpoint/2012/main">
+        <p15:guide id="1" orient="horz" pos="1488">
+          <p15:clr>
+            <a:srgbClr val="A4A3A4"/>
+          </p15:clr>
+        </p15:guide>
+        <p15:guide id="2" pos="2880">
+          <p15:clr>
+            <a:srgbClr val="A4A3A4"/>
+          </p15:clr>
+        </p15:guide>
+      </p15:sldGuideLst>
+    </p:ext>
+  </p:extLst>
 </p:presentation>
 </file>
 
@@ -192,7 +208,7 @@
           <a:p>
             <a:fld id="{F5CC4B3F-88C1-4FFA-B1B6-F41C21DC6924}" type="datetimeFigureOut">
               <a:rPr lang="en-US" smtClean="0"/>
-              <a:t>10/16/2016</a:t>
+              <a:t>3/19/2017</a:t>
             </a:fld>
             <a:endParaRPr lang="en-US"/>
           </a:p>
@@ -256,38 +272,37 @@
           <a:p>
             <a:pPr lvl="0"/>
             <a:r>
-              <a:rPr lang="en-US" smtClean="0"/>
+              <a:rPr lang="en-US"/>
               <a:t>Click to edit Master text styles</a:t>
             </a:r>
           </a:p>
           <a:p>
             <a:pPr lvl="1"/>
             <a:r>
-              <a:rPr lang="en-US" smtClean="0"/>
+              <a:rPr lang="en-US"/>
               <a:t>Second level</a:t>
             </a:r>
           </a:p>
           <a:p>
             <a:pPr lvl="2"/>
             <a:r>
-              <a:rPr lang="en-US" smtClean="0"/>
+              <a:rPr lang="en-US"/>
               <a:t>Third level</a:t>
             </a:r>
           </a:p>
           <a:p>
             <a:pPr lvl="3"/>
             <a:r>
-              <a:rPr lang="en-US" smtClean="0"/>
+              <a:rPr lang="en-US"/>
               <a:t>Fourth level</a:t>
             </a:r>
           </a:p>
           <a:p>
             <a:pPr lvl="4"/>
             <a:r>
-              <a:rPr lang="en-US" smtClean="0"/>
+              <a:rPr lang="en-US"/>
               <a:t>Fifth level</a:t>
             </a:r>
-            <a:endParaRPr lang="en-US"/>
           </a:p>
         </p:txBody>
       </p:sp>
@@ -498,10 +513,9 @@
           <a:lstStyle/>
           <a:p>
             <a:r>
-              <a:rPr lang="en-US" smtClean="0"/>
+              <a:rPr lang="en-US"/>
               <a:t>Click to edit Master title style</a:t>
             </a:r>
-            <a:endParaRPr lang="en-US"/>
           </a:p>
         </p:txBody>
       </p:sp>
@@ -617,10 +631,9 @@
           </a:lstStyle>
           <a:p>
             <a:r>
-              <a:rPr lang="en-US" smtClean="0"/>
+              <a:rPr lang="en-US"/>
               <a:t>Click to edit Master subtitle style</a:t>
             </a:r>
-            <a:endParaRPr lang="en-US"/>
           </a:p>
         </p:txBody>
       </p:sp>
@@ -641,7 +654,7 @@
           <a:p>
             <a:fld id="{78C97017-6FC3-485B-9764-EAC9E56C1D49}" type="datetimeFigureOut">
               <a:rPr lang="en-US" smtClean="0"/>
-              <a:t>10/16/2016</a:t>
+              <a:t>3/19/2017</a:t>
             </a:fld>
             <a:endParaRPr lang="en-US"/>
           </a:p>
@@ -735,10 +748,9 @@
           <a:lstStyle/>
           <a:p>
             <a:r>
-              <a:rPr lang="en-US" smtClean="0"/>
+              <a:rPr lang="en-US"/>
               <a:t>Click to edit Master title style</a:t>
             </a:r>
-            <a:endParaRPr lang="en-US"/>
           </a:p>
         </p:txBody>
       </p:sp>
@@ -759,38 +771,37 @@
           <a:p>
             <a:pPr lvl="0"/>
             <a:r>
-              <a:rPr lang="en-US" smtClean="0"/>
+              <a:rPr lang="en-US"/>
               <a:t>Click to edit Master text styles</a:t>
             </a:r>
           </a:p>
           <a:p>
             <a:pPr lvl="1"/>
             <a:r>
-              <a:rPr lang="en-US" smtClean="0"/>
+              <a:rPr lang="en-US"/>
               <a:t>Second level</a:t>
             </a:r>
           </a:p>
           <a:p>
             <a:pPr lvl="2"/>
             <a:r>
-              <a:rPr lang="en-US" smtClean="0"/>
+              <a:rPr lang="en-US"/>
               <a:t>Third level</a:t>
             </a:r>
           </a:p>
           <a:p>
             <a:pPr lvl="3"/>
             <a:r>
-              <a:rPr lang="en-US" smtClean="0"/>
+              <a:rPr lang="en-US"/>
               <a:t>Fourth level</a:t>
             </a:r>
           </a:p>
           <a:p>
             <a:pPr lvl="4"/>
             <a:r>
-              <a:rPr lang="en-US" smtClean="0"/>
+              <a:rPr lang="en-US"/>
               <a:t>Fifth level</a:t>
             </a:r>
-            <a:endParaRPr lang="en-US"/>
           </a:p>
         </p:txBody>
       </p:sp>
@@ -811,7 +822,7 @@
           <a:p>
             <a:fld id="{78C97017-6FC3-485B-9764-EAC9E56C1D49}" type="datetimeFigureOut">
               <a:rPr lang="en-US" smtClean="0"/>
-              <a:t>10/16/2016</a:t>
+              <a:t>3/19/2017</a:t>
             </a:fld>
             <a:endParaRPr lang="en-US"/>
           </a:p>
@@ -910,10 +921,9 @@
           <a:lstStyle/>
           <a:p>
             <a:r>
-              <a:rPr lang="en-US" smtClean="0"/>
+              <a:rPr lang="en-US"/>
               <a:t>Click to edit Master title style</a:t>
             </a:r>
-            <a:endParaRPr lang="en-US"/>
           </a:p>
         </p:txBody>
       </p:sp>
@@ -939,38 +949,37 @@
           <a:p>
             <a:pPr lvl="0"/>
             <a:r>
-              <a:rPr lang="en-US" smtClean="0"/>
+              <a:rPr lang="en-US"/>
               <a:t>Click to edit Master text styles</a:t>
             </a:r>
           </a:p>
           <a:p>
             <a:pPr lvl="1"/>
             <a:r>
-              <a:rPr lang="en-US" smtClean="0"/>
+              <a:rPr lang="en-US"/>
               <a:t>Second level</a:t>
             </a:r>
           </a:p>
           <a:p>
             <a:pPr lvl="2"/>
             <a:r>
-              <a:rPr lang="en-US" smtClean="0"/>
+              <a:rPr lang="en-US"/>
               <a:t>Third level</a:t>
             </a:r>
           </a:p>
           <a:p>
             <a:pPr lvl="3"/>
             <a:r>
-              <a:rPr lang="en-US" smtClean="0"/>
+              <a:rPr lang="en-US"/>
               <a:t>Fourth level</a:t>
             </a:r>
           </a:p>
           <a:p>
             <a:pPr lvl="4"/>
             <a:r>
-              <a:rPr lang="en-US" smtClean="0"/>
+              <a:rPr lang="en-US"/>
               <a:t>Fifth level</a:t>
             </a:r>
-            <a:endParaRPr lang="en-US"/>
           </a:p>
         </p:txBody>
       </p:sp>
@@ -991,7 +1000,7 @@
           <a:p>
             <a:fld id="{78C97017-6FC3-485B-9764-EAC9E56C1D49}" type="datetimeFigureOut">
               <a:rPr lang="en-US" smtClean="0"/>
-              <a:t>10/16/2016</a:t>
+              <a:t>3/19/2017</a:t>
             </a:fld>
             <a:endParaRPr lang="en-US"/>
           </a:p>
@@ -1085,10 +1094,9 @@
           <a:lstStyle/>
           <a:p>
             <a:r>
-              <a:rPr lang="en-US" smtClean="0"/>
+              <a:rPr lang="en-US"/>
               <a:t>Click to edit Master title style</a:t>
             </a:r>
-            <a:endParaRPr lang="en-US"/>
           </a:p>
         </p:txBody>
       </p:sp>
@@ -1109,38 +1117,37 @@
           <a:p>
             <a:pPr lvl="0"/>
             <a:r>
-              <a:rPr lang="en-US" smtClean="0"/>
+              <a:rPr lang="en-US"/>
               <a:t>Click to edit Master text styles</a:t>
             </a:r>
           </a:p>
           <a:p>
             <a:pPr lvl="1"/>
             <a:r>
-              <a:rPr lang="en-US" smtClean="0"/>
+              <a:rPr lang="en-US"/>
               <a:t>Second level</a:t>
             </a:r>
           </a:p>
           <a:p>
             <a:pPr lvl="2"/>
             <a:r>
-              <a:rPr lang="en-US" smtClean="0"/>
+              <a:rPr lang="en-US"/>
               <a:t>Third level</a:t>
             </a:r>
           </a:p>
           <a:p>
             <a:pPr lvl="3"/>
             <a:r>
-              <a:rPr lang="en-US" smtClean="0"/>
+              <a:rPr lang="en-US"/>
               <a:t>Fourth level</a:t>
             </a:r>
           </a:p>
           <a:p>
             <a:pPr lvl="4"/>
             <a:r>
-              <a:rPr lang="en-US" smtClean="0"/>
+              <a:rPr lang="en-US"/>
               <a:t>Fifth level</a:t>
             </a:r>
-            <a:endParaRPr lang="en-US"/>
           </a:p>
         </p:txBody>
       </p:sp>
@@ -1161,7 +1168,7 @@
           <a:p>
             <a:fld id="{78C97017-6FC3-485B-9764-EAC9E56C1D49}" type="datetimeFigureOut">
               <a:rPr lang="en-US" smtClean="0"/>
-              <a:t>10/16/2016</a:t>
+              <a:t>3/19/2017</a:t>
             </a:fld>
             <a:endParaRPr lang="en-US"/>
           </a:p>
@@ -1264,10 +1271,9 @@
           </a:lstStyle>
           <a:p>
             <a:r>
-              <a:rPr lang="en-US" smtClean="0"/>
+              <a:rPr lang="en-US"/>
               <a:t>Click to edit Master title style</a:t>
             </a:r>
-            <a:endParaRPr lang="en-US"/>
           </a:p>
         </p:txBody>
       </p:sp>
@@ -1384,7 +1390,7 @@
           <a:p>
             <a:pPr lvl="0"/>
             <a:r>
-              <a:rPr lang="en-US" smtClean="0"/>
+              <a:rPr lang="en-US"/>
               <a:t>Click to edit Master text styles</a:t>
             </a:r>
           </a:p>
@@ -1407,7 +1413,7 @@
           <a:p>
             <a:fld id="{78C97017-6FC3-485B-9764-EAC9E56C1D49}" type="datetimeFigureOut">
               <a:rPr lang="en-US" smtClean="0"/>
-              <a:t>10/16/2016</a:t>
+              <a:t>3/19/2017</a:t>
             </a:fld>
             <a:endParaRPr lang="en-US"/>
           </a:p>
@@ -1501,10 +1507,9 @@
           <a:lstStyle/>
           <a:p>
             <a:r>
-              <a:rPr lang="en-US" smtClean="0"/>
+              <a:rPr lang="en-US"/>
               <a:t>Click to edit Master title style</a:t>
             </a:r>
-            <a:endParaRPr lang="en-US"/>
           </a:p>
         </p:txBody>
       </p:sp>
@@ -1558,38 +1563,37 @@
           <a:p>
             <a:pPr lvl="0"/>
             <a:r>
-              <a:rPr lang="en-US" smtClean="0"/>
+              <a:rPr lang="en-US"/>
               <a:t>Click to edit Master text styles</a:t>
             </a:r>
           </a:p>
           <a:p>
             <a:pPr lvl="1"/>
             <a:r>
-              <a:rPr lang="en-US" smtClean="0"/>
+              <a:rPr lang="en-US"/>
               <a:t>Second level</a:t>
             </a:r>
           </a:p>
           <a:p>
             <a:pPr lvl="2"/>
             <a:r>
-              <a:rPr lang="en-US" smtClean="0"/>
+              <a:rPr lang="en-US"/>
               <a:t>Third level</a:t>
             </a:r>
           </a:p>
           <a:p>
             <a:pPr lvl="3"/>
             <a:r>
-              <a:rPr lang="en-US" smtClean="0"/>
+              <a:rPr lang="en-US"/>
               <a:t>Fourth level</a:t>
             </a:r>
           </a:p>
           <a:p>
             <a:pPr lvl="4"/>
             <a:r>
-              <a:rPr lang="en-US" smtClean="0"/>
+              <a:rPr lang="en-US"/>
               <a:t>Fifth level</a:t>
             </a:r>
-            <a:endParaRPr lang="en-US"/>
           </a:p>
         </p:txBody>
       </p:sp>
@@ -1643,38 +1647,37 @@
           <a:p>
             <a:pPr lvl="0"/>
             <a:r>
-              <a:rPr lang="en-US" smtClean="0"/>
+              <a:rPr lang="en-US"/>
               <a:t>Click to edit Master text styles</a:t>
             </a:r>
           </a:p>
           <a:p>
             <a:pPr lvl="1"/>
             <a:r>
-              <a:rPr lang="en-US" smtClean="0"/>
+              <a:rPr lang="en-US"/>
               <a:t>Second level</a:t>
             </a:r>
           </a:p>
           <a:p>
             <a:pPr lvl="2"/>
             <a:r>
-              <a:rPr lang="en-US" smtClean="0"/>
+              <a:rPr lang="en-US"/>
               <a:t>Third level</a:t>
             </a:r>
           </a:p>
           <a:p>
             <a:pPr lvl="3"/>
             <a:r>
-              <a:rPr lang="en-US" smtClean="0"/>
+              <a:rPr lang="en-US"/>
               <a:t>Fourth level</a:t>
             </a:r>
           </a:p>
           <a:p>
             <a:pPr lvl="4"/>
             <a:r>
-              <a:rPr lang="en-US" smtClean="0"/>
+              <a:rPr lang="en-US"/>
               <a:t>Fifth level</a:t>
             </a:r>
-            <a:endParaRPr lang="en-US"/>
           </a:p>
         </p:txBody>
       </p:sp>
@@ -1695,7 +1698,7 @@
           <a:p>
             <a:fld id="{78C97017-6FC3-485B-9764-EAC9E56C1D49}" type="datetimeFigureOut">
               <a:rPr lang="en-US" smtClean="0"/>
-              <a:t>10/16/2016</a:t>
+              <a:t>3/19/2017</a:t>
             </a:fld>
             <a:endParaRPr lang="en-US"/>
           </a:p>
@@ -1793,10 +1796,9 @@
           </a:lstStyle>
           <a:p>
             <a:r>
-              <a:rPr lang="en-US" smtClean="0"/>
+              <a:rPr lang="en-US"/>
               <a:t>Click to edit Master title style</a:t>
             </a:r>
-            <a:endParaRPr lang="en-US"/>
           </a:p>
         </p:txBody>
       </p:sp>
@@ -1859,7 +1861,7 @@
           <a:p>
             <a:pPr lvl="0"/>
             <a:r>
-              <a:rPr lang="en-US" smtClean="0"/>
+              <a:rPr lang="en-US"/>
               <a:t>Click to edit Master text styles</a:t>
             </a:r>
           </a:p>
@@ -1915,38 +1917,37 @@
           <a:p>
             <a:pPr lvl="0"/>
             <a:r>
-              <a:rPr lang="en-US" smtClean="0"/>
+              <a:rPr lang="en-US"/>
               <a:t>Click to edit Master text styles</a:t>
             </a:r>
           </a:p>
           <a:p>
             <a:pPr lvl="1"/>
             <a:r>
-              <a:rPr lang="en-US" smtClean="0"/>
+              <a:rPr lang="en-US"/>
               <a:t>Second level</a:t>
             </a:r>
           </a:p>
           <a:p>
             <a:pPr lvl="2"/>
             <a:r>
-              <a:rPr lang="en-US" smtClean="0"/>
+              <a:rPr lang="en-US"/>
               <a:t>Third level</a:t>
             </a:r>
           </a:p>
           <a:p>
             <a:pPr lvl="3"/>
             <a:r>
-              <a:rPr lang="en-US" smtClean="0"/>
+              <a:rPr lang="en-US"/>
               <a:t>Fourth level</a:t>
             </a:r>
           </a:p>
           <a:p>
             <a:pPr lvl="4"/>
             <a:r>
-              <a:rPr lang="en-US" smtClean="0"/>
+              <a:rPr lang="en-US"/>
               <a:t>Fifth level</a:t>
             </a:r>
-            <a:endParaRPr lang="en-US"/>
           </a:p>
         </p:txBody>
       </p:sp>
@@ -2009,7 +2010,7 @@
           <a:p>
             <a:pPr lvl="0"/>
             <a:r>
-              <a:rPr lang="en-US" smtClean="0"/>
+              <a:rPr lang="en-US"/>
               <a:t>Click to edit Master text styles</a:t>
             </a:r>
           </a:p>
@@ -2065,38 +2066,37 @@
           <a:p>
             <a:pPr lvl="0"/>
             <a:r>
-              <a:rPr lang="en-US" smtClean="0"/>
+              <a:rPr lang="en-US"/>
               <a:t>Click to edit Master text styles</a:t>
             </a:r>
           </a:p>
           <a:p>
             <a:pPr lvl="1"/>
             <a:r>
-              <a:rPr lang="en-US" smtClean="0"/>
+              <a:rPr lang="en-US"/>
               <a:t>Second level</a:t>
             </a:r>
           </a:p>
           <a:p>
             <a:pPr lvl="2"/>
             <a:r>
-              <a:rPr lang="en-US" smtClean="0"/>
+              <a:rPr lang="en-US"/>
               <a:t>Third level</a:t>
             </a:r>
           </a:p>
           <a:p>
             <a:pPr lvl="3"/>
             <a:r>
-              <a:rPr lang="en-US" smtClean="0"/>
+              <a:rPr lang="en-US"/>
               <a:t>Fourth level</a:t>
             </a:r>
           </a:p>
           <a:p>
             <a:pPr lvl="4"/>
             <a:r>
-              <a:rPr lang="en-US" smtClean="0"/>
+              <a:rPr lang="en-US"/>
               <a:t>Fifth level</a:t>
             </a:r>
-            <a:endParaRPr lang="en-US"/>
           </a:p>
         </p:txBody>
       </p:sp>
@@ -2117,7 +2117,7 @@
           <a:p>
             <a:fld id="{78C97017-6FC3-485B-9764-EAC9E56C1D49}" type="datetimeFigureOut">
               <a:rPr lang="en-US" smtClean="0"/>
-              <a:t>10/16/2016</a:t>
+              <a:t>3/19/2017</a:t>
             </a:fld>
             <a:endParaRPr lang="en-US"/>
           </a:p>
@@ -2211,10 +2211,9 @@
           <a:lstStyle/>
           <a:p>
             <a:r>
-              <a:rPr lang="en-US" smtClean="0"/>
+              <a:rPr lang="en-US"/>
               <a:t>Click to edit Master title style</a:t>
             </a:r>
-            <a:endParaRPr lang="en-US"/>
           </a:p>
         </p:txBody>
       </p:sp>
@@ -2235,7 +2234,7 @@
           <a:p>
             <a:fld id="{78C97017-6FC3-485B-9764-EAC9E56C1D49}" type="datetimeFigureOut">
               <a:rPr lang="en-US" smtClean="0"/>
-              <a:t>10/16/2016</a:t>
+              <a:t>3/19/2017</a:t>
             </a:fld>
             <a:endParaRPr lang="en-US"/>
           </a:p>
@@ -2330,7 +2329,7 @@
           <a:p>
             <a:fld id="{78C97017-6FC3-485B-9764-EAC9E56C1D49}" type="datetimeFigureOut">
               <a:rPr lang="en-US" smtClean="0"/>
-              <a:t>10/16/2016</a:t>
+              <a:t>3/19/2017</a:t>
             </a:fld>
             <a:endParaRPr lang="en-US"/>
           </a:p>
@@ -2433,10 +2432,9 @@
           </a:lstStyle>
           <a:p>
             <a:r>
-              <a:rPr lang="en-US" smtClean="0"/>
+              <a:rPr lang="en-US"/>
               <a:t>Click to edit Master title style</a:t>
             </a:r>
-            <a:endParaRPr lang="en-US"/>
           </a:p>
         </p:txBody>
       </p:sp>
@@ -2490,38 +2488,37 @@
           <a:p>
             <a:pPr lvl="0"/>
             <a:r>
-              <a:rPr lang="en-US" smtClean="0"/>
+              <a:rPr lang="en-US"/>
               <a:t>Click to edit Master text styles</a:t>
             </a:r>
           </a:p>
           <a:p>
             <a:pPr lvl="1"/>
             <a:r>
-              <a:rPr lang="en-US" smtClean="0"/>
+              <a:rPr lang="en-US"/>
               <a:t>Second level</a:t>
             </a:r>
           </a:p>
           <a:p>
             <a:pPr lvl="2"/>
             <a:r>
-              <a:rPr lang="en-US" smtClean="0"/>
+              <a:rPr lang="en-US"/>
               <a:t>Third level</a:t>
             </a:r>
           </a:p>
           <a:p>
             <a:pPr lvl="3"/>
             <a:r>
-              <a:rPr lang="en-US" smtClean="0"/>
+              <a:rPr lang="en-US"/>
               <a:t>Fourth level</a:t>
             </a:r>
           </a:p>
           <a:p>
             <a:pPr lvl="4"/>
             <a:r>
-              <a:rPr lang="en-US" smtClean="0"/>
+              <a:rPr lang="en-US"/>
               <a:t>Fifth level</a:t>
             </a:r>
-            <a:endParaRPr lang="en-US"/>
           </a:p>
         </p:txBody>
       </p:sp>
@@ -2584,7 +2581,7 @@
           <a:p>
             <a:pPr lvl="0"/>
             <a:r>
-              <a:rPr lang="en-US" smtClean="0"/>
+              <a:rPr lang="en-US"/>
               <a:t>Click to edit Master text styles</a:t>
             </a:r>
           </a:p>
@@ -2607,7 +2604,7 @@
           <a:p>
             <a:fld id="{78C97017-6FC3-485B-9764-EAC9E56C1D49}" type="datetimeFigureOut">
               <a:rPr lang="en-US" smtClean="0"/>
-              <a:t>10/16/2016</a:t>
+              <a:t>3/19/2017</a:t>
             </a:fld>
             <a:endParaRPr lang="en-US"/>
           </a:p>
@@ -2710,10 +2707,9 @@
           </a:lstStyle>
           <a:p>
             <a:r>
-              <a:rPr lang="en-US" smtClean="0"/>
+              <a:rPr lang="en-US"/>
               <a:t>Click to edit Master title style</a:t>
             </a:r>
-            <a:endParaRPr lang="en-US"/>
           </a:p>
         </p:txBody>
       </p:sp>
@@ -2837,7 +2833,7 @@
           <a:p>
             <a:pPr lvl="0"/>
             <a:r>
-              <a:rPr lang="en-US" smtClean="0"/>
+              <a:rPr lang="en-US"/>
               <a:t>Click to edit Master text styles</a:t>
             </a:r>
           </a:p>
@@ -2860,7 +2856,7 @@
           <a:p>
             <a:fld id="{78C97017-6FC3-485B-9764-EAC9E56C1D49}" type="datetimeFigureOut">
               <a:rPr lang="en-US" smtClean="0"/>
-              <a:t>10/16/2016</a:t>
+              <a:t>3/19/2017</a:t>
             </a:fld>
             <a:endParaRPr lang="en-US"/>
           </a:p>
@@ -2969,10 +2965,9 @@
           <a:lstStyle/>
           <a:p>
             <a:r>
-              <a:rPr lang="en-US" smtClean="0"/>
+              <a:rPr lang="en-US"/>
               <a:t>Click to edit Master title style</a:t>
             </a:r>
-            <a:endParaRPr lang="en-US"/>
           </a:p>
         </p:txBody>
       </p:sp>
@@ -3003,38 +2998,37 @@
           <a:p>
             <a:pPr lvl="0"/>
             <a:r>
-              <a:rPr lang="en-US" smtClean="0"/>
+              <a:rPr lang="en-US"/>
               <a:t>Click to edit Master text styles</a:t>
             </a:r>
           </a:p>
           <a:p>
             <a:pPr lvl="1"/>
             <a:r>
-              <a:rPr lang="en-US" smtClean="0"/>
+              <a:rPr lang="en-US"/>
               <a:t>Second level</a:t>
             </a:r>
           </a:p>
           <a:p>
             <a:pPr lvl="2"/>
             <a:r>
-              <a:rPr lang="en-US" smtClean="0"/>
+              <a:rPr lang="en-US"/>
               <a:t>Third level</a:t>
             </a:r>
           </a:p>
           <a:p>
             <a:pPr lvl="3"/>
             <a:r>
-              <a:rPr lang="en-US" smtClean="0"/>
+              <a:rPr lang="en-US"/>
               <a:t>Fourth level</a:t>
             </a:r>
           </a:p>
           <a:p>
             <a:pPr lvl="4"/>
             <a:r>
-              <a:rPr lang="en-US" smtClean="0"/>
+              <a:rPr lang="en-US"/>
               <a:t>Fifth level</a:t>
             </a:r>
-            <a:endParaRPr lang="en-US"/>
           </a:p>
         </p:txBody>
       </p:sp>
@@ -3073,7 +3067,7 @@
           <a:p>
             <a:fld id="{78C97017-6FC3-485B-9764-EAC9E56C1D49}" type="datetimeFigureOut">
               <a:rPr lang="en-US" smtClean="0"/>
-              <a:t>10/16/2016</a:t>
+              <a:t>3/19/2017</a:t>
             </a:fld>
             <a:endParaRPr lang="en-US"/>
           </a:p>
@@ -3494,7 +3488,7 @@
           <a:lstStyle/>
           <a:p>
             <a:r>
-              <a:rPr lang="en-US" sz="1200" b="1" dirty="0" smtClean="0">
+              <a:rPr lang="en-US" sz="1200" b="1" dirty="0">
                 <a:solidFill>
                   <a:schemeClr val="accent6">
                     <a:lumMod val="75000"/>
@@ -3521,8 +3515,8 @@
         </p:nvSpPr>
         <p:spPr>
           <a:xfrm>
-            <a:off x="2877180" y="3158440"/>
-            <a:ext cx="1323049" cy="346760"/>
+            <a:off x="2866144" y="3158440"/>
+            <a:ext cx="1334085" cy="346760"/>
           </a:xfrm>
           <a:prstGeom prst="rect">
             <a:avLst/>
@@ -3561,7 +3555,7 @@
           <a:p>
             <a:pPr algn="ctr"/>
             <a:r>
-              <a:rPr lang="en-US" sz="1050" dirty="0" smtClean="0">
+              <a:rPr lang="en-US" sz="1050" dirty="0">
                 <a:solidFill>
                   <a:schemeClr val="bg1"/>
                 </a:solidFill>
@@ -3569,24 +3563,26 @@
               <a:t>&lt;&lt;interface&gt;&gt;</a:t>
             </a:r>
             <a:br>
-              <a:rPr lang="en-US" sz="1050" dirty="0" smtClean="0">
+              <a:rPr lang="en-US" sz="1050" dirty="0">
                 <a:solidFill>
                   <a:schemeClr val="bg1"/>
                 </a:solidFill>
               </a:rPr>
             </a:br>
             <a:r>
-              <a:rPr lang="en-US" sz="1050" dirty="0" err="1" smtClean="0">
+              <a:rPr lang="en-US" sz="1050" dirty="0" err="1">
                 <a:solidFill>
                   <a:schemeClr val="bg1"/>
                 </a:solidFill>
+                <a:cs typeface="Adobe Arabic" panose="02040503050201020203" pitchFamily="18" charset="-78"/>
               </a:rPr>
-              <a:t>AddressBookStorage</a:t>
+              <a:t>TaskManagerStorage</a:t>
             </a:r>
             <a:endParaRPr lang="en-SG" sz="1050" dirty="0">
               <a:solidFill>
                 <a:schemeClr val="bg1"/>
               </a:solidFill>
+              <a:cs typeface="Adobe Arabic" panose="02040503050201020203" pitchFamily="18" charset="-78"/>
             </a:endParaRPr>
           </a:p>
         </p:txBody>
@@ -3639,7 +3635,7 @@
           <a:p>
             <a:pPr algn="ctr"/>
             <a:r>
-              <a:rPr lang="en-US" sz="1050" dirty="0" err="1" smtClean="0">
+              <a:rPr lang="en-US" sz="1050" dirty="0" err="1">
                 <a:solidFill>
                   <a:schemeClr val="bg1"/>
                 </a:solidFill>
@@ -3713,7 +3709,7 @@
           <a:p>
             <a:pPr algn="ctr"/>
             <a:r>
-              <a:rPr lang="en-US" sz="1050" dirty="0" smtClean="0">
+              <a:rPr lang="en-US" sz="1050" dirty="0">
                 <a:solidFill>
                   <a:schemeClr val="bg1"/>
                 </a:solidFill>
@@ -3787,6 +3783,7 @@
         <p:nvCxnSpPr>
           <p:cNvPr id="58" name="Straight Arrow Connector 57"/>
           <p:cNvCxnSpPr>
+            <a:cxnSpLocks/>
             <a:stCxn id="42" idx="3"/>
             <a:endCxn id="2" idx="1"/>
           </p:cNvCxnSpPr>
@@ -3795,7 +3792,7 @@
         <p:spPr>
           <a:xfrm>
             <a:off x="2656370" y="3326536"/>
-            <a:ext cx="220810" cy="5284"/>
+            <a:ext cx="209774" cy="5284"/>
           </a:xfrm>
           <a:prstGeom prst="straightConnector1">
             <a:avLst/>
@@ -4147,27 +4144,17 @@
           <a:p>
             <a:pPr algn="ctr"/>
             <a:r>
-              <a:rPr lang="en-US" sz="1050" b="1" dirty="0" err="1" smtClean="0">
+              <a:rPr lang="en-US" sz="1050" b="1" dirty="0" err="1">
                 <a:solidFill>
                   <a:schemeClr val="accent6">
                     <a:lumMod val="75000"/>
                   </a:schemeClr>
                 </a:solidFill>
               </a:rPr>
-              <a:t>XmlAddressBook</a:t>
-            </a:r>
-            <a:r>
-              <a:rPr lang="en-US" sz="1050" b="1" dirty="0" smtClean="0">
-                <a:solidFill>
-                  <a:schemeClr val="accent6">
-                    <a:lumMod val="75000"/>
-                  </a:schemeClr>
-                </a:solidFill>
-              </a:rPr>
-              <a:t/>
+              <a:t>XmlTaskManager</a:t>
             </a:r>
             <a:br>
-              <a:rPr lang="en-US" sz="1050" b="1" dirty="0" smtClean="0">
+              <a:rPr lang="en-US" sz="1050" b="1" dirty="0">
                 <a:solidFill>
                   <a:schemeClr val="accent6">
                     <a:lumMod val="75000"/>
@@ -4176,7 +4163,7 @@
               </a:rPr>
             </a:br>
             <a:r>
-              <a:rPr lang="en-US" sz="1050" b="1" dirty="0" smtClean="0">
+              <a:rPr lang="en-US" sz="1050" b="1" dirty="0">
                 <a:solidFill>
                   <a:schemeClr val="accent6">
                     <a:lumMod val="75000"/>
@@ -4243,7 +4230,7 @@
           <a:p>
             <a:pPr algn="ctr"/>
             <a:r>
-              <a:rPr lang="en-US" sz="1050" dirty="0" smtClean="0">
+              <a:rPr lang="en-US" sz="1050" dirty="0">
                 <a:solidFill>
                   <a:schemeClr val="bg1"/>
                 </a:solidFill>
@@ -4251,14 +4238,14 @@
               <a:t>&lt;&lt;interface&gt;&gt;</a:t>
             </a:r>
             <a:br>
-              <a:rPr lang="en-US" sz="1050" dirty="0" smtClean="0">
+              <a:rPr lang="en-US" sz="1050" dirty="0">
                 <a:solidFill>
                   <a:schemeClr val="bg1"/>
                 </a:solidFill>
               </a:rPr>
             </a:br>
             <a:r>
-              <a:rPr lang="en-US" sz="1050" dirty="0" err="1" smtClean="0">
+              <a:rPr lang="en-US" sz="1050" dirty="0" err="1">
                 <a:solidFill>
                   <a:schemeClr val="bg1"/>
                 </a:solidFill>
@@ -4516,30 +4503,22 @@
           <a:p>
             <a:pPr algn="ctr"/>
             <a:r>
-              <a:rPr lang="en-US" sz="1050" dirty="0" err="1" smtClean="0">
+              <a:rPr lang="en-US" sz="1050" dirty="0" err="1">
                 <a:solidFill>
                   <a:schemeClr val="bg1"/>
                 </a:solidFill>
               </a:rPr>
               <a:t>JsonUserPrefs</a:t>
             </a:r>
-            <a:r>
-              <a:rPr lang="en-US" sz="1050" dirty="0" smtClean="0">
-                <a:solidFill>
-                  <a:schemeClr val="bg1"/>
-                </a:solidFill>
-              </a:rPr>
-              <a:t/>
-            </a:r>
             <a:br>
-              <a:rPr lang="en-US" sz="1050" dirty="0" smtClean="0">
+              <a:rPr lang="en-US" sz="1050" dirty="0">
                 <a:solidFill>
                   <a:schemeClr val="bg1"/>
                 </a:solidFill>
               </a:rPr>
             </a:br>
             <a:r>
-              <a:rPr lang="en-US" sz="1050" dirty="0" smtClean="0">
+              <a:rPr lang="en-US" sz="1050" dirty="0">
                 <a:solidFill>
                   <a:schemeClr val="bg1"/>
                 </a:solidFill>
@@ -4591,7 +4570,7 @@
           <a:p>
             <a:pPr algn="ctr"/>
             <a:r>
-              <a:rPr lang="en-US" sz="1050" b="1" dirty="0" err="1" smtClean="0">
+              <a:rPr lang="en-US" sz="1050" b="1" dirty="0" err="1">
                 <a:solidFill>
                   <a:schemeClr val="accent6">
                     <a:lumMod val="75000"/>
@@ -4600,18 +4579,8 @@
               </a:rPr>
               <a:t>XmlSerializable</a:t>
             </a:r>
-            <a:r>
-              <a:rPr lang="en-US" sz="1050" b="1" dirty="0" smtClean="0">
-                <a:solidFill>
-                  <a:schemeClr val="accent6">
-                    <a:lumMod val="75000"/>
-                  </a:schemeClr>
-                </a:solidFill>
-              </a:rPr>
-              <a:t/>
-            </a:r>
             <a:br>
-              <a:rPr lang="en-US" sz="1050" b="1" dirty="0" smtClean="0">
+              <a:rPr lang="en-US" sz="1050" b="1" dirty="0">
                 <a:solidFill>
                   <a:schemeClr val="accent6">
                     <a:lumMod val="75000"/>
@@ -4620,14 +4589,14 @@
               </a:rPr>
             </a:br>
             <a:r>
-              <a:rPr lang="en-US" sz="1050" b="1" dirty="0" err="1" smtClean="0">
+              <a:rPr lang="en-US" sz="1050" b="1" dirty="0" err="1">
                 <a:solidFill>
                   <a:schemeClr val="accent6">
                     <a:lumMod val="75000"/>
                   </a:schemeClr>
                 </a:solidFill>
               </a:rPr>
-              <a:t>AddressBook</a:t>
+              <a:t>TaskManager</a:t>
             </a:r>
             <a:endParaRPr lang="en-SG" sz="1050" b="1" dirty="0">
               <a:solidFill>
@@ -4717,7 +4686,7 @@
           <a:p>
             <a:pPr algn="ctr"/>
             <a:r>
-              <a:rPr lang="en-US" sz="1050" b="1" dirty="0" err="1" smtClean="0">
+              <a:rPr lang="en-US" sz="1050" b="1" dirty="0" err="1">
                 <a:solidFill>
                   <a:schemeClr val="accent6">
                     <a:lumMod val="75000"/>
@@ -4773,14 +4742,14 @@
           <a:p>
             <a:pPr algn="ctr"/>
             <a:r>
-              <a:rPr lang="en-US" sz="1050" b="1" dirty="0" err="1" smtClean="0">
+              <a:rPr lang="en-US" sz="1050" b="1" dirty="0" err="1">
                 <a:solidFill>
                   <a:schemeClr val="accent6">
                     <a:lumMod val="75000"/>
                   </a:schemeClr>
                 </a:solidFill>
               </a:rPr>
-              <a:t>XmlAdaptedPerson</a:t>
+              <a:t>XmlAdaptedTask</a:t>
             </a:r>
             <a:endParaRPr lang="en-SG" sz="1050" b="1" dirty="0">
               <a:solidFill>
@@ -4843,13 +4812,6 @@
   <p:clrMapOvr>
     <a:masterClrMapping/>
   </p:clrMapOvr>
-  <p:timing>
-    <p:tnLst>
-      <p:par>
-        <p:cTn id="1" dur="indefinite" restart="never" nodeType="tmRoot"/>
-      </p:par>
-    </p:tnLst>
-  </p:timing>
 </p:sld>
 </file>
 

--- a/docs/diagrams/StorageComponentClassDiagram.pptx
+++ b/docs/diagrams/StorageComponentClassDiagram.pptx
@@ -107,6 +107,22 @@
       </a:defRPr>
     </a:lvl9pPr>
   </p:defaultTextStyle>
+  <p:extLst>
+    <p:ext uri="{EFAFB233-063F-42B5-8137-9DF3F51BA10A}">
+      <p15:sldGuideLst xmlns:p15="http://schemas.microsoft.com/office/powerpoint/2012/main">
+        <p15:guide id="1" orient="horz" pos="1488">
+          <p15:clr>
+            <a:srgbClr val="A4A3A4"/>
+          </p15:clr>
+        </p15:guide>
+        <p15:guide id="2" pos="2880">
+          <p15:clr>
+            <a:srgbClr val="A4A3A4"/>
+          </p15:clr>
+        </p15:guide>
+      </p15:sldGuideLst>
+    </p:ext>
+  </p:extLst>
 </p:presentation>
 </file>
 
@@ -192,7 +208,7 @@
           <a:p>
             <a:fld id="{F5CC4B3F-88C1-4FFA-B1B6-F41C21DC6924}" type="datetimeFigureOut">
               <a:rPr lang="en-US" smtClean="0"/>
-              <a:t>10/16/2016</a:t>
+              <a:t>3/21/2017</a:t>
             </a:fld>
             <a:endParaRPr lang="en-US"/>
           </a:p>
@@ -256,38 +272,37 @@
           <a:p>
             <a:pPr lvl="0"/>
             <a:r>
-              <a:rPr lang="en-US" smtClean="0"/>
+              <a:rPr lang="en-US"/>
               <a:t>Click to edit Master text styles</a:t>
             </a:r>
           </a:p>
           <a:p>
             <a:pPr lvl="1"/>
             <a:r>
-              <a:rPr lang="en-US" smtClean="0"/>
+              <a:rPr lang="en-US"/>
               <a:t>Second level</a:t>
             </a:r>
           </a:p>
           <a:p>
             <a:pPr lvl="2"/>
             <a:r>
-              <a:rPr lang="en-US" smtClean="0"/>
+              <a:rPr lang="en-US"/>
               <a:t>Third level</a:t>
             </a:r>
           </a:p>
           <a:p>
             <a:pPr lvl="3"/>
             <a:r>
-              <a:rPr lang="en-US" smtClean="0"/>
+              <a:rPr lang="en-US"/>
               <a:t>Fourth level</a:t>
             </a:r>
           </a:p>
           <a:p>
             <a:pPr lvl="4"/>
             <a:r>
-              <a:rPr lang="en-US" smtClean="0"/>
+              <a:rPr lang="en-US"/>
               <a:t>Fifth level</a:t>
             </a:r>
-            <a:endParaRPr lang="en-US"/>
           </a:p>
         </p:txBody>
       </p:sp>
@@ -498,10 +513,9 @@
           <a:lstStyle/>
           <a:p>
             <a:r>
-              <a:rPr lang="en-US" smtClean="0"/>
+              <a:rPr lang="en-US"/>
               <a:t>Click to edit Master title style</a:t>
             </a:r>
-            <a:endParaRPr lang="en-US"/>
           </a:p>
         </p:txBody>
       </p:sp>
@@ -617,10 +631,9 @@
           </a:lstStyle>
           <a:p>
             <a:r>
-              <a:rPr lang="en-US" smtClean="0"/>
+              <a:rPr lang="en-US"/>
               <a:t>Click to edit Master subtitle style</a:t>
             </a:r>
-            <a:endParaRPr lang="en-US"/>
           </a:p>
         </p:txBody>
       </p:sp>
@@ -641,7 +654,7 @@
           <a:p>
             <a:fld id="{78C97017-6FC3-485B-9764-EAC9E56C1D49}" type="datetimeFigureOut">
               <a:rPr lang="en-US" smtClean="0"/>
-              <a:t>10/16/2016</a:t>
+              <a:t>3/21/2017</a:t>
             </a:fld>
             <a:endParaRPr lang="en-US"/>
           </a:p>
@@ -735,10 +748,9 @@
           <a:lstStyle/>
           <a:p>
             <a:r>
-              <a:rPr lang="en-US" smtClean="0"/>
+              <a:rPr lang="en-US"/>
               <a:t>Click to edit Master title style</a:t>
             </a:r>
-            <a:endParaRPr lang="en-US"/>
           </a:p>
         </p:txBody>
       </p:sp>
@@ -759,38 +771,37 @@
           <a:p>
             <a:pPr lvl="0"/>
             <a:r>
-              <a:rPr lang="en-US" smtClean="0"/>
+              <a:rPr lang="en-US"/>
               <a:t>Click to edit Master text styles</a:t>
             </a:r>
           </a:p>
           <a:p>
             <a:pPr lvl="1"/>
             <a:r>
-              <a:rPr lang="en-US" smtClean="0"/>
+              <a:rPr lang="en-US"/>
               <a:t>Second level</a:t>
             </a:r>
           </a:p>
           <a:p>
             <a:pPr lvl="2"/>
             <a:r>
-              <a:rPr lang="en-US" smtClean="0"/>
+              <a:rPr lang="en-US"/>
               <a:t>Third level</a:t>
             </a:r>
           </a:p>
           <a:p>
             <a:pPr lvl="3"/>
             <a:r>
-              <a:rPr lang="en-US" smtClean="0"/>
+              <a:rPr lang="en-US"/>
               <a:t>Fourth level</a:t>
             </a:r>
           </a:p>
           <a:p>
             <a:pPr lvl="4"/>
             <a:r>
-              <a:rPr lang="en-US" smtClean="0"/>
+              <a:rPr lang="en-US"/>
               <a:t>Fifth level</a:t>
             </a:r>
-            <a:endParaRPr lang="en-US"/>
           </a:p>
         </p:txBody>
       </p:sp>
@@ -811,7 +822,7 @@
           <a:p>
             <a:fld id="{78C97017-6FC3-485B-9764-EAC9E56C1D49}" type="datetimeFigureOut">
               <a:rPr lang="en-US" smtClean="0"/>
-              <a:t>10/16/2016</a:t>
+              <a:t>3/21/2017</a:t>
             </a:fld>
             <a:endParaRPr lang="en-US"/>
           </a:p>
@@ -910,10 +921,9 @@
           <a:lstStyle/>
           <a:p>
             <a:r>
-              <a:rPr lang="en-US" smtClean="0"/>
+              <a:rPr lang="en-US"/>
               <a:t>Click to edit Master title style</a:t>
             </a:r>
-            <a:endParaRPr lang="en-US"/>
           </a:p>
         </p:txBody>
       </p:sp>
@@ -939,38 +949,37 @@
           <a:p>
             <a:pPr lvl="0"/>
             <a:r>
-              <a:rPr lang="en-US" smtClean="0"/>
+              <a:rPr lang="en-US"/>
               <a:t>Click to edit Master text styles</a:t>
             </a:r>
           </a:p>
           <a:p>
             <a:pPr lvl="1"/>
             <a:r>
-              <a:rPr lang="en-US" smtClean="0"/>
+              <a:rPr lang="en-US"/>
               <a:t>Second level</a:t>
             </a:r>
           </a:p>
           <a:p>
             <a:pPr lvl="2"/>
             <a:r>
-              <a:rPr lang="en-US" smtClean="0"/>
+              <a:rPr lang="en-US"/>
               <a:t>Third level</a:t>
             </a:r>
           </a:p>
           <a:p>
             <a:pPr lvl="3"/>
             <a:r>
-              <a:rPr lang="en-US" smtClean="0"/>
+              <a:rPr lang="en-US"/>
               <a:t>Fourth level</a:t>
             </a:r>
           </a:p>
           <a:p>
             <a:pPr lvl="4"/>
             <a:r>
-              <a:rPr lang="en-US" smtClean="0"/>
+              <a:rPr lang="en-US"/>
               <a:t>Fifth level</a:t>
             </a:r>
-            <a:endParaRPr lang="en-US"/>
           </a:p>
         </p:txBody>
       </p:sp>
@@ -991,7 +1000,7 @@
           <a:p>
             <a:fld id="{78C97017-6FC3-485B-9764-EAC9E56C1D49}" type="datetimeFigureOut">
               <a:rPr lang="en-US" smtClean="0"/>
-              <a:t>10/16/2016</a:t>
+              <a:t>3/21/2017</a:t>
             </a:fld>
             <a:endParaRPr lang="en-US"/>
           </a:p>
@@ -1085,10 +1094,9 @@
           <a:lstStyle/>
           <a:p>
             <a:r>
-              <a:rPr lang="en-US" smtClean="0"/>
+              <a:rPr lang="en-US"/>
               <a:t>Click to edit Master title style</a:t>
             </a:r>
-            <a:endParaRPr lang="en-US"/>
           </a:p>
         </p:txBody>
       </p:sp>
@@ -1109,38 +1117,37 @@
           <a:p>
             <a:pPr lvl="0"/>
             <a:r>
-              <a:rPr lang="en-US" smtClean="0"/>
+              <a:rPr lang="en-US"/>
               <a:t>Click to edit Master text styles</a:t>
             </a:r>
           </a:p>
           <a:p>
             <a:pPr lvl="1"/>
             <a:r>
-              <a:rPr lang="en-US" smtClean="0"/>
+              <a:rPr lang="en-US"/>
               <a:t>Second level</a:t>
             </a:r>
           </a:p>
           <a:p>
             <a:pPr lvl="2"/>
             <a:r>
-              <a:rPr lang="en-US" smtClean="0"/>
+              <a:rPr lang="en-US"/>
               <a:t>Third level</a:t>
             </a:r>
           </a:p>
           <a:p>
             <a:pPr lvl="3"/>
             <a:r>
-              <a:rPr lang="en-US" smtClean="0"/>
+              <a:rPr lang="en-US"/>
               <a:t>Fourth level</a:t>
             </a:r>
           </a:p>
           <a:p>
             <a:pPr lvl="4"/>
             <a:r>
-              <a:rPr lang="en-US" smtClean="0"/>
+              <a:rPr lang="en-US"/>
               <a:t>Fifth level</a:t>
             </a:r>
-            <a:endParaRPr lang="en-US"/>
           </a:p>
         </p:txBody>
       </p:sp>
@@ -1161,7 +1168,7 @@
           <a:p>
             <a:fld id="{78C97017-6FC3-485B-9764-EAC9E56C1D49}" type="datetimeFigureOut">
               <a:rPr lang="en-US" smtClean="0"/>
-              <a:t>10/16/2016</a:t>
+              <a:t>3/21/2017</a:t>
             </a:fld>
             <a:endParaRPr lang="en-US"/>
           </a:p>
@@ -1264,10 +1271,9 @@
           </a:lstStyle>
           <a:p>
             <a:r>
-              <a:rPr lang="en-US" smtClean="0"/>
+              <a:rPr lang="en-US"/>
               <a:t>Click to edit Master title style</a:t>
             </a:r>
-            <a:endParaRPr lang="en-US"/>
           </a:p>
         </p:txBody>
       </p:sp>
@@ -1384,7 +1390,7 @@
           <a:p>
             <a:pPr lvl="0"/>
             <a:r>
-              <a:rPr lang="en-US" smtClean="0"/>
+              <a:rPr lang="en-US"/>
               <a:t>Click to edit Master text styles</a:t>
             </a:r>
           </a:p>
@@ -1407,7 +1413,7 @@
           <a:p>
             <a:fld id="{78C97017-6FC3-485B-9764-EAC9E56C1D49}" type="datetimeFigureOut">
               <a:rPr lang="en-US" smtClean="0"/>
-              <a:t>10/16/2016</a:t>
+              <a:t>3/21/2017</a:t>
             </a:fld>
             <a:endParaRPr lang="en-US"/>
           </a:p>
@@ -1501,10 +1507,9 @@
           <a:lstStyle/>
           <a:p>
             <a:r>
-              <a:rPr lang="en-US" smtClean="0"/>
+              <a:rPr lang="en-US"/>
               <a:t>Click to edit Master title style</a:t>
             </a:r>
-            <a:endParaRPr lang="en-US"/>
           </a:p>
         </p:txBody>
       </p:sp>
@@ -1558,38 +1563,37 @@
           <a:p>
             <a:pPr lvl="0"/>
             <a:r>
-              <a:rPr lang="en-US" smtClean="0"/>
+              <a:rPr lang="en-US"/>
               <a:t>Click to edit Master text styles</a:t>
             </a:r>
           </a:p>
           <a:p>
             <a:pPr lvl="1"/>
             <a:r>
-              <a:rPr lang="en-US" smtClean="0"/>
+              <a:rPr lang="en-US"/>
               <a:t>Second level</a:t>
             </a:r>
           </a:p>
           <a:p>
             <a:pPr lvl="2"/>
             <a:r>
-              <a:rPr lang="en-US" smtClean="0"/>
+              <a:rPr lang="en-US"/>
               <a:t>Third level</a:t>
             </a:r>
           </a:p>
           <a:p>
             <a:pPr lvl="3"/>
             <a:r>
-              <a:rPr lang="en-US" smtClean="0"/>
+              <a:rPr lang="en-US"/>
               <a:t>Fourth level</a:t>
             </a:r>
           </a:p>
           <a:p>
             <a:pPr lvl="4"/>
             <a:r>
-              <a:rPr lang="en-US" smtClean="0"/>
+              <a:rPr lang="en-US"/>
               <a:t>Fifth level</a:t>
             </a:r>
-            <a:endParaRPr lang="en-US"/>
           </a:p>
         </p:txBody>
       </p:sp>
@@ -1643,38 +1647,37 @@
           <a:p>
             <a:pPr lvl="0"/>
             <a:r>
-              <a:rPr lang="en-US" smtClean="0"/>
+              <a:rPr lang="en-US"/>
               <a:t>Click to edit Master text styles</a:t>
             </a:r>
           </a:p>
           <a:p>
             <a:pPr lvl="1"/>
             <a:r>
-              <a:rPr lang="en-US" smtClean="0"/>
+              <a:rPr lang="en-US"/>
               <a:t>Second level</a:t>
             </a:r>
           </a:p>
           <a:p>
             <a:pPr lvl="2"/>
             <a:r>
-              <a:rPr lang="en-US" smtClean="0"/>
+              <a:rPr lang="en-US"/>
               <a:t>Third level</a:t>
             </a:r>
           </a:p>
           <a:p>
             <a:pPr lvl="3"/>
             <a:r>
-              <a:rPr lang="en-US" smtClean="0"/>
+              <a:rPr lang="en-US"/>
               <a:t>Fourth level</a:t>
             </a:r>
           </a:p>
           <a:p>
             <a:pPr lvl="4"/>
             <a:r>
-              <a:rPr lang="en-US" smtClean="0"/>
+              <a:rPr lang="en-US"/>
               <a:t>Fifth level</a:t>
             </a:r>
-            <a:endParaRPr lang="en-US"/>
           </a:p>
         </p:txBody>
       </p:sp>
@@ -1695,7 +1698,7 @@
           <a:p>
             <a:fld id="{78C97017-6FC3-485B-9764-EAC9E56C1D49}" type="datetimeFigureOut">
               <a:rPr lang="en-US" smtClean="0"/>
-              <a:t>10/16/2016</a:t>
+              <a:t>3/21/2017</a:t>
             </a:fld>
             <a:endParaRPr lang="en-US"/>
           </a:p>
@@ -1793,10 +1796,9 @@
           </a:lstStyle>
           <a:p>
             <a:r>
-              <a:rPr lang="en-US" smtClean="0"/>
+              <a:rPr lang="en-US"/>
               <a:t>Click to edit Master title style</a:t>
             </a:r>
-            <a:endParaRPr lang="en-US"/>
           </a:p>
         </p:txBody>
       </p:sp>
@@ -1859,7 +1861,7 @@
           <a:p>
             <a:pPr lvl="0"/>
             <a:r>
-              <a:rPr lang="en-US" smtClean="0"/>
+              <a:rPr lang="en-US"/>
               <a:t>Click to edit Master text styles</a:t>
             </a:r>
           </a:p>
@@ -1915,38 +1917,37 @@
           <a:p>
             <a:pPr lvl="0"/>
             <a:r>
-              <a:rPr lang="en-US" smtClean="0"/>
+              <a:rPr lang="en-US"/>
               <a:t>Click to edit Master text styles</a:t>
             </a:r>
           </a:p>
           <a:p>
             <a:pPr lvl="1"/>
             <a:r>
-              <a:rPr lang="en-US" smtClean="0"/>
+              <a:rPr lang="en-US"/>
               <a:t>Second level</a:t>
             </a:r>
           </a:p>
           <a:p>
             <a:pPr lvl="2"/>
             <a:r>
-              <a:rPr lang="en-US" smtClean="0"/>
+              <a:rPr lang="en-US"/>
               <a:t>Third level</a:t>
             </a:r>
           </a:p>
           <a:p>
             <a:pPr lvl="3"/>
             <a:r>
-              <a:rPr lang="en-US" smtClean="0"/>
+              <a:rPr lang="en-US"/>
               <a:t>Fourth level</a:t>
             </a:r>
           </a:p>
           <a:p>
             <a:pPr lvl="4"/>
             <a:r>
-              <a:rPr lang="en-US" smtClean="0"/>
+              <a:rPr lang="en-US"/>
               <a:t>Fifth level</a:t>
             </a:r>
-            <a:endParaRPr lang="en-US"/>
           </a:p>
         </p:txBody>
       </p:sp>
@@ -2009,7 +2010,7 @@
           <a:p>
             <a:pPr lvl="0"/>
             <a:r>
-              <a:rPr lang="en-US" smtClean="0"/>
+              <a:rPr lang="en-US"/>
               <a:t>Click to edit Master text styles</a:t>
             </a:r>
           </a:p>
@@ -2065,38 +2066,37 @@
           <a:p>
             <a:pPr lvl="0"/>
             <a:r>
-              <a:rPr lang="en-US" smtClean="0"/>
+              <a:rPr lang="en-US"/>
               <a:t>Click to edit Master text styles</a:t>
             </a:r>
           </a:p>
           <a:p>
             <a:pPr lvl="1"/>
             <a:r>
-              <a:rPr lang="en-US" smtClean="0"/>
+              <a:rPr lang="en-US"/>
               <a:t>Second level</a:t>
             </a:r>
           </a:p>
           <a:p>
             <a:pPr lvl="2"/>
             <a:r>
-              <a:rPr lang="en-US" smtClean="0"/>
+              <a:rPr lang="en-US"/>
               <a:t>Third level</a:t>
             </a:r>
           </a:p>
           <a:p>
             <a:pPr lvl="3"/>
             <a:r>
-              <a:rPr lang="en-US" smtClean="0"/>
+              <a:rPr lang="en-US"/>
               <a:t>Fourth level</a:t>
             </a:r>
           </a:p>
           <a:p>
             <a:pPr lvl="4"/>
             <a:r>
-              <a:rPr lang="en-US" smtClean="0"/>
+              <a:rPr lang="en-US"/>
               <a:t>Fifth level</a:t>
             </a:r>
-            <a:endParaRPr lang="en-US"/>
           </a:p>
         </p:txBody>
       </p:sp>
@@ -2117,7 +2117,7 @@
           <a:p>
             <a:fld id="{78C97017-6FC3-485B-9764-EAC9E56C1D49}" type="datetimeFigureOut">
               <a:rPr lang="en-US" smtClean="0"/>
-              <a:t>10/16/2016</a:t>
+              <a:t>3/21/2017</a:t>
             </a:fld>
             <a:endParaRPr lang="en-US"/>
           </a:p>
@@ -2211,10 +2211,9 @@
           <a:lstStyle/>
           <a:p>
             <a:r>
-              <a:rPr lang="en-US" smtClean="0"/>
+              <a:rPr lang="en-US"/>
               <a:t>Click to edit Master title style</a:t>
             </a:r>
-            <a:endParaRPr lang="en-US"/>
           </a:p>
         </p:txBody>
       </p:sp>
@@ -2235,7 +2234,7 @@
           <a:p>
             <a:fld id="{78C97017-6FC3-485B-9764-EAC9E56C1D49}" type="datetimeFigureOut">
               <a:rPr lang="en-US" smtClean="0"/>
-              <a:t>10/16/2016</a:t>
+              <a:t>3/21/2017</a:t>
             </a:fld>
             <a:endParaRPr lang="en-US"/>
           </a:p>
@@ -2330,7 +2329,7 @@
           <a:p>
             <a:fld id="{78C97017-6FC3-485B-9764-EAC9E56C1D49}" type="datetimeFigureOut">
               <a:rPr lang="en-US" smtClean="0"/>
-              <a:t>10/16/2016</a:t>
+              <a:t>3/21/2017</a:t>
             </a:fld>
             <a:endParaRPr lang="en-US"/>
           </a:p>
@@ -2433,10 +2432,9 @@
           </a:lstStyle>
           <a:p>
             <a:r>
-              <a:rPr lang="en-US" smtClean="0"/>
+              <a:rPr lang="en-US"/>
               <a:t>Click to edit Master title style</a:t>
             </a:r>
-            <a:endParaRPr lang="en-US"/>
           </a:p>
         </p:txBody>
       </p:sp>
@@ -2490,38 +2488,37 @@
           <a:p>
             <a:pPr lvl="0"/>
             <a:r>
-              <a:rPr lang="en-US" smtClean="0"/>
+              <a:rPr lang="en-US"/>
               <a:t>Click to edit Master text styles</a:t>
             </a:r>
           </a:p>
           <a:p>
             <a:pPr lvl="1"/>
             <a:r>
-              <a:rPr lang="en-US" smtClean="0"/>
+              <a:rPr lang="en-US"/>
               <a:t>Second level</a:t>
             </a:r>
           </a:p>
           <a:p>
             <a:pPr lvl="2"/>
             <a:r>
-              <a:rPr lang="en-US" smtClean="0"/>
+              <a:rPr lang="en-US"/>
               <a:t>Third level</a:t>
             </a:r>
           </a:p>
           <a:p>
             <a:pPr lvl="3"/>
             <a:r>
-              <a:rPr lang="en-US" smtClean="0"/>
+              <a:rPr lang="en-US"/>
               <a:t>Fourth level</a:t>
             </a:r>
           </a:p>
           <a:p>
             <a:pPr lvl="4"/>
             <a:r>
-              <a:rPr lang="en-US" smtClean="0"/>
+              <a:rPr lang="en-US"/>
               <a:t>Fifth level</a:t>
             </a:r>
-            <a:endParaRPr lang="en-US"/>
           </a:p>
         </p:txBody>
       </p:sp>
@@ -2584,7 +2581,7 @@
           <a:p>
             <a:pPr lvl="0"/>
             <a:r>
-              <a:rPr lang="en-US" smtClean="0"/>
+              <a:rPr lang="en-US"/>
               <a:t>Click to edit Master text styles</a:t>
             </a:r>
           </a:p>
@@ -2607,7 +2604,7 @@
           <a:p>
             <a:fld id="{78C97017-6FC3-485B-9764-EAC9E56C1D49}" type="datetimeFigureOut">
               <a:rPr lang="en-US" smtClean="0"/>
-              <a:t>10/16/2016</a:t>
+              <a:t>3/21/2017</a:t>
             </a:fld>
             <a:endParaRPr lang="en-US"/>
           </a:p>
@@ -2710,10 +2707,9 @@
           </a:lstStyle>
           <a:p>
             <a:r>
-              <a:rPr lang="en-US" smtClean="0"/>
+              <a:rPr lang="en-US"/>
               <a:t>Click to edit Master title style</a:t>
             </a:r>
-            <a:endParaRPr lang="en-US"/>
           </a:p>
         </p:txBody>
       </p:sp>
@@ -2837,7 +2833,7 @@
           <a:p>
             <a:pPr lvl="0"/>
             <a:r>
-              <a:rPr lang="en-US" smtClean="0"/>
+              <a:rPr lang="en-US"/>
               <a:t>Click to edit Master text styles</a:t>
             </a:r>
           </a:p>
@@ -2860,7 +2856,7 @@
           <a:p>
             <a:fld id="{78C97017-6FC3-485B-9764-EAC9E56C1D49}" type="datetimeFigureOut">
               <a:rPr lang="en-US" smtClean="0"/>
-              <a:t>10/16/2016</a:t>
+              <a:t>3/21/2017</a:t>
             </a:fld>
             <a:endParaRPr lang="en-US"/>
           </a:p>
@@ -2969,10 +2965,9 @@
           <a:lstStyle/>
           <a:p>
             <a:r>
-              <a:rPr lang="en-US" smtClean="0"/>
+              <a:rPr lang="en-US"/>
               <a:t>Click to edit Master title style</a:t>
             </a:r>
-            <a:endParaRPr lang="en-US"/>
           </a:p>
         </p:txBody>
       </p:sp>
@@ -3003,38 +2998,37 @@
           <a:p>
             <a:pPr lvl="0"/>
             <a:r>
-              <a:rPr lang="en-US" smtClean="0"/>
+              <a:rPr lang="en-US"/>
               <a:t>Click to edit Master text styles</a:t>
             </a:r>
           </a:p>
           <a:p>
             <a:pPr lvl="1"/>
             <a:r>
-              <a:rPr lang="en-US" smtClean="0"/>
+              <a:rPr lang="en-US"/>
               <a:t>Second level</a:t>
             </a:r>
           </a:p>
           <a:p>
             <a:pPr lvl="2"/>
             <a:r>
-              <a:rPr lang="en-US" smtClean="0"/>
+              <a:rPr lang="en-US"/>
               <a:t>Third level</a:t>
             </a:r>
           </a:p>
           <a:p>
             <a:pPr lvl="3"/>
             <a:r>
-              <a:rPr lang="en-US" smtClean="0"/>
+              <a:rPr lang="en-US"/>
               <a:t>Fourth level</a:t>
             </a:r>
           </a:p>
           <a:p>
             <a:pPr lvl="4"/>
             <a:r>
-              <a:rPr lang="en-US" smtClean="0"/>
+              <a:rPr lang="en-US"/>
               <a:t>Fifth level</a:t>
             </a:r>
-            <a:endParaRPr lang="en-US"/>
           </a:p>
         </p:txBody>
       </p:sp>
@@ -3073,7 +3067,7 @@
           <a:p>
             <a:fld id="{78C97017-6FC3-485B-9764-EAC9E56C1D49}" type="datetimeFigureOut">
               <a:rPr lang="en-US" smtClean="0"/>
-              <a:t>10/16/2016</a:t>
+              <a:t>3/21/2017</a:t>
             </a:fld>
             <a:endParaRPr lang="en-US"/>
           </a:p>
@@ -3494,7 +3488,7 @@
           <a:lstStyle/>
           <a:p>
             <a:r>
-              <a:rPr lang="en-US" sz="1200" b="1" dirty="0" smtClean="0">
+              <a:rPr lang="en-US" sz="1200" b="1" dirty="0">
                 <a:solidFill>
                   <a:schemeClr val="accent6">
                     <a:lumMod val="75000"/>
@@ -3561,7 +3555,7 @@
           <a:p>
             <a:pPr algn="ctr"/>
             <a:r>
-              <a:rPr lang="en-US" sz="1050" dirty="0" smtClean="0">
+              <a:rPr lang="en-US" sz="1050" dirty="0">
                 <a:solidFill>
                   <a:schemeClr val="bg1"/>
                 </a:solidFill>
@@ -3569,19 +3563,19 @@
               <a:t>&lt;&lt;interface&gt;&gt;</a:t>
             </a:r>
             <a:br>
-              <a:rPr lang="en-US" sz="1050" dirty="0" smtClean="0">
+              <a:rPr lang="en-US" sz="1050" dirty="0">
                 <a:solidFill>
                   <a:schemeClr val="bg1"/>
                 </a:solidFill>
               </a:rPr>
             </a:br>
             <a:r>
-              <a:rPr lang="en-US" sz="1050" dirty="0" err="1" smtClean="0">
+              <a:rPr lang="en-US" sz="1050" dirty="0" err="1">
                 <a:solidFill>
                   <a:schemeClr val="bg1"/>
                 </a:solidFill>
               </a:rPr>
-              <a:t>AddressBookStorage</a:t>
+              <a:t>WhatsLeftStorage</a:t>
             </a:r>
             <a:endParaRPr lang="en-SG" sz="1050" dirty="0">
               <a:solidFill>
@@ -3639,7 +3633,7 @@
           <a:p>
             <a:pPr algn="ctr"/>
             <a:r>
-              <a:rPr lang="en-US" sz="1050" dirty="0" err="1" smtClean="0">
+              <a:rPr lang="en-US" sz="1050" dirty="0" err="1">
                 <a:solidFill>
                   <a:schemeClr val="bg1"/>
                 </a:solidFill>
@@ -3713,7 +3707,7 @@
           <a:p>
             <a:pPr algn="ctr"/>
             <a:r>
-              <a:rPr lang="en-US" sz="1050" dirty="0" smtClean="0">
+              <a:rPr lang="en-US" sz="1050" dirty="0">
                 <a:solidFill>
                   <a:schemeClr val="bg1"/>
                 </a:solidFill>
@@ -4147,27 +4141,17 @@
           <a:p>
             <a:pPr algn="ctr"/>
             <a:r>
-              <a:rPr lang="en-US" sz="1050" b="1" dirty="0" err="1" smtClean="0">
+              <a:rPr lang="en-US" sz="1050" b="1" dirty="0" err="1">
                 <a:solidFill>
                   <a:schemeClr val="accent6">
                     <a:lumMod val="75000"/>
                   </a:schemeClr>
                 </a:solidFill>
               </a:rPr>
-              <a:t>XmlAddressBook</a:t>
-            </a:r>
-            <a:r>
-              <a:rPr lang="en-US" sz="1050" b="1" dirty="0" smtClean="0">
-                <a:solidFill>
-                  <a:schemeClr val="accent6">
-                    <a:lumMod val="75000"/>
-                  </a:schemeClr>
-                </a:solidFill>
-              </a:rPr>
-              <a:t/>
+              <a:t>XmlWhatsLeft</a:t>
             </a:r>
             <a:br>
-              <a:rPr lang="en-US" sz="1050" b="1" dirty="0" smtClean="0">
+              <a:rPr lang="en-US" sz="1050" b="1" dirty="0">
                 <a:solidFill>
                   <a:schemeClr val="accent6">
                     <a:lumMod val="75000"/>
@@ -4176,7 +4160,7 @@
               </a:rPr>
             </a:br>
             <a:r>
-              <a:rPr lang="en-US" sz="1050" b="1" dirty="0" smtClean="0">
+              <a:rPr lang="en-US" sz="1050" b="1" dirty="0">
                 <a:solidFill>
                   <a:schemeClr val="accent6">
                     <a:lumMod val="75000"/>
@@ -4243,7 +4227,7 @@
           <a:p>
             <a:pPr algn="ctr"/>
             <a:r>
-              <a:rPr lang="en-US" sz="1050" dirty="0" smtClean="0">
+              <a:rPr lang="en-US" sz="1050" dirty="0">
                 <a:solidFill>
                   <a:schemeClr val="bg1"/>
                 </a:solidFill>
@@ -4251,14 +4235,14 @@
               <a:t>&lt;&lt;interface&gt;&gt;</a:t>
             </a:r>
             <a:br>
-              <a:rPr lang="en-US" sz="1050" dirty="0" smtClean="0">
+              <a:rPr lang="en-US" sz="1050" dirty="0">
                 <a:solidFill>
                   <a:schemeClr val="bg1"/>
                 </a:solidFill>
               </a:rPr>
             </a:br>
             <a:r>
-              <a:rPr lang="en-US" sz="1050" dirty="0" err="1" smtClean="0">
+              <a:rPr lang="en-US" sz="1050" dirty="0" err="1">
                 <a:solidFill>
                   <a:schemeClr val="bg1"/>
                 </a:solidFill>
@@ -4516,30 +4500,22 @@
           <a:p>
             <a:pPr algn="ctr"/>
             <a:r>
-              <a:rPr lang="en-US" sz="1050" dirty="0" err="1" smtClean="0">
+              <a:rPr lang="en-US" sz="1050" dirty="0" err="1">
                 <a:solidFill>
                   <a:schemeClr val="bg1"/>
                 </a:solidFill>
               </a:rPr>
               <a:t>JsonUserPrefs</a:t>
             </a:r>
-            <a:r>
-              <a:rPr lang="en-US" sz="1050" dirty="0" smtClean="0">
-                <a:solidFill>
-                  <a:schemeClr val="bg1"/>
-                </a:solidFill>
-              </a:rPr>
-              <a:t/>
-            </a:r>
             <a:br>
-              <a:rPr lang="en-US" sz="1050" dirty="0" smtClean="0">
+              <a:rPr lang="en-US" sz="1050" dirty="0">
                 <a:solidFill>
                   <a:schemeClr val="bg1"/>
                 </a:solidFill>
               </a:rPr>
             </a:br>
             <a:r>
-              <a:rPr lang="en-US" sz="1050" dirty="0" smtClean="0">
+              <a:rPr lang="en-US" sz="1050" dirty="0">
                 <a:solidFill>
                   <a:schemeClr val="bg1"/>
                 </a:solidFill>
@@ -4591,7 +4567,7 @@
           <a:p>
             <a:pPr algn="ctr"/>
             <a:r>
-              <a:rPr lang="en-US" sz="1050" b="1" dirty="0" err="1" smtClean="0">
+              <a:rPr lang="en-US" sz="1050" b="1" dirty="0" err="1">
                 <a:solidFill>
                   <a:schemeClr val="accent6">
                     <a:lumMod val="75000"/>
@@ -4600,18 +4576,8 @@
               </a:rPr>
               <a:t>XmlSerializable</a:t>
             </a:r>
-            <a:r>
-              <a:rPr lang="en-US" sz="1050" b="1" dirty="0" smtClean="0">
-                <a:solidFill>
-                  <a:schemeClr val="accent6">
-                    <a:lumMod val="75000"/>
-                  </a:schemeClr>
-                </a:solidFill>
-              </a:rPr>
-              <a:t/>
-            </a:r>
             <a:br>
-              <a:rPr lang="en-US" sz="1050" b="1" dirty="0" smtClean="0">
+              <a:rPr lang="en-US" sz="1050" b="1" dirty="0">
                 <a:solidFill>
                   <a:schemeClr val="accent6">
                     <a:lumMod val="75000"/>
@@ -4620,14 +4586,14 @@
               </a:rPr>
             </a:br>
             <a:r>
-              <a:rPr lang="en-US" sz="1050" b="1" dirty="0" err="1" smtClean="0">
+              <a:rPr lang="en-US" sz="1050" b="1" dirty="0" err="1">
                 <a:solidFill>
                   <a:schemeClr val="accent6">
                     <a:lumMod val="75000"/>
                   </a:schemeClr>
                 </a:solidFill>
               </a:rPr>
-              <a:t>AddressBook</a:t>
+              <a:t>WhatsLeft</a:t>
             </a:r>
             <a:endParaRPr lang="en-SG" sz="1050" b="1" dirty="0">
               <a:solidFill>
@@ -4643,15 +4609,16 @@
         <p:nvCxnSpPr>
           <p:cNvPr id="70" name="Elbow Connector 122"/>
           <p:cNvCxnSpPr>
+            <a:cxnSpLocks/>
             <a:stCxn id="74" idx="0"/>
             <a:endCxn id="73" idx="2"/>
           </p:cNvCxnSpPr>
           <p:nvPr/>
         </p:nvCxnSpPr>
         <p:spPr>
-          <a:xfrm rot="5400000" flipH="1" flipV="1">
-            <a:off x="8077993" y="2992020"/>
-            <a:ext cx="335208" cy="12700"/>
+          <a:xfrm rot="16200000" flipV="1">
+            <a:off x="8087979" y="2982034"/>
+            <a:ext cx="335208" cy="19972"/>
           </a:xfrm>
           <a:prstGeom prst="bentConnector3">
             <a:avLst>
@@ -4717,7 +4684,7 @@
           <a:p>
             <a:pPr algn="ctr"/>
             <a:r>
-              <a:rPr lang="en-US" sz="1050" b="1" dirty="0" err="1" smtClean="0">
+              <a:rPr lang="en-US" sz="1050" b="1" dirty="0" err="1">
                 <a:solidFill>
                   <a:schemeClr val="accent6">
                     <a:lumMod val="75000"/>
@@ -4745,7 +4712,7 @@
         <p:spPr>
           <a:xfrm>
             <a:off x="7615738" y="3159624"/>
-            <a:ext cx="1259718" cy="346760"/>
+            <a:ext cx="1299662" cy="346760"/>
           </a:xfrm>
           <a:prstGeom prst="rect">
             <a:avLst/>
@@ -4773,14 +4740,14 @@
           <a:p>
             <a:pPr algn="ctr"/>
             <a:r>
-              <a:rPr lang="en-US" sz="1050" b="1" dirty="0" err="1" smtClean="0">
+              <a:rPr lang="en-US" sz="1050" b="1" dirty="0" err="1">
                 <a:solidFill>
                   <a:schemeClr val="accent6">
                     <a:lumMod val="75000"/>
                   </a:schemeClr>
                 </a:solidFill>
               </a:rPr>
-              <a:t>XmlAdaptedPerson</a:t>
+              <a:t>XmlAdaptedActivity</a:t>
             </a:r>
             <a:endParaRPr lang="en-SG" sz="1050" b="1" dirty="0">
               <a:solidFill>
@@ -4796,6 +4763,7 @@
         <p:nvCxnSpPr>
           <p:cNvPr id="77" name="Elbow Connector 122"/>
           <p:cNvCxnSpPr>
+            <a:cxnSpLocks/>
             <a:stCxn id="66" idx="3"/>
             <a:endCxn id="74" idx="1"/>
           </p:cNvCxnSpPr>
@@ -4843,13 +4811,6 @@
   <p:clrMapOvr>
     <a:masterClrMapping/>
   </p:clrMapOvr>
-  <p:timing>
-    <p:tnLst>
-      <p:par>
-        <p:cTn id="1" dur="indefinite" restart="never" nodeType="tmRoot"/>
-      </p:par>
-    </p:tnLst>
-  </p:timing>
 </p:sld>
 </file>
 

--- a/docs/diagrams/StorageComponentClassDiagram.pptx
+++ b/docs/diagrams/StorageComponentClassDiagram.pptx
@@ -107,6 +107,22 @@
       </a:defRPr>
     </a:lvl9pPr>
   </p:defaultTextStyle>
+  <p:extLst>
+    <p:ext uri="{EFAFB233-063F-42B5-8137-9DF3F51BA10A}">
+      <p15:sldGuideLst xmlns:p15="http://schemas.microsoft.com/office/powerpoint/2012/main">
+        <p15:guide id="1" orient="horz" pos="1488">
+          <p15:clr>
+            <a:srgbClr val="A4A3A4"/>
+          </p15:clr>
+        </p15:guide>
+        <p15:guide id="2" pos="2880">
+          <p15:clr>
+            <a:srgbClr val="A4A3A4"/>
+          </p15:clr>
+        </p15:guide>
+      </p15:sldGuideLst>
+    </p:ext>
+  </p:extLst>
 </p:presentation>
 </file>
 
@@ -192,7 +208,7 @@
           <a:p>
             <a:fld id="{F5CC4B3F-88C1-4FFA-B1B6-F41C21DC6924}" type="datetimeFigureOut">
               <a:rPr lang="en-US" smtClean="0"/>
-              <a:t>10/16/2016</a:t>
+              <a:t>3/22/17</a:t>
             </a:fld>
             <a:endParaRPr lang="en-US"/>
           </a:p>
@@ -641,7 +657,7 @@
           <a:p>
             <a:fld id="{78C97017-6FC3-485B-9764-EAC9E56C1D49}" type="datetimeFigureOut">
               <a:rPr lang="en-US" smtClean="0"/>
-              <a:t>10/16/2016</a:t>
+              <a:t>3/22/17</a:t>
             </a:fld>
             <a:endParaRPr lang="en-US"/>
           </a:p>
@@ -811,7 +827,7 @@
           <a:p>
             <a:fld id="{78C97017-6FC3-485B-9764-EAC9E56C1D49}" type="datetimeFigureOut">
               <a:rPr lang="en-US" smtClean="0"/>
-              <a:t>10/16/2016</a:t>
+              <a:t>3/22/17</a:t>
             </a:fld>
             <a:endParaRPr lang="en-US"/>
           </a:p>
@@ -991,7 +1007,7 @@
           <a:p>
             <a:fld id="{78C97017-6FC3-485B-9764-EAC9E56C1D49}" type="datetimeFigureOut">
               <a:rPr lang="en-US" smtClean="0"/>
-              <a:t>10/16/2016</a:t>
+              <a:t>3/22/17</a:t>
             </a:fld>
             <a:endParaRPr lang="en-US"/>
           </a:p>
@@ -1161,7 +1177,7 @@
           <a:p>
             <a:fld id="{78C97017-6FC3-485B-9764-EAC9E56C1D49}" type="datetimeFigureOut">
               <a:rPr lang="en-US" smtClean="0"/>
-              <a:t>10/16/2016</a:t>
+              <a:t>3/22/17</a:t>
             </a:fld>
             <a:endParaRPr lang="en-US"/>
           </a:p>
@@ -1407,7 +1423,7 @@
           <a:p>
             <a:fld id="{78C97017-6FC3-485B-9764-EAC9E56C1D49}" type="datetimeFigureOut">
               <a:rPr lang="en-US" smtClean="0"/>
-              <a:t>10/16/2016</a:t>
+              <a:t>3/22/17</a:t>
             </a:fld>
             <a:endParaRPr lang="en-US"/>
           </a:p>
@@ -1695,7 +1711,7 @@
           <a:p>
             <a:fld id="{78C97017-6FC3-485B-9764-EAC9E56C1D49}" type="datetimeFigureOut">
               <a:rPr lang="en-US" smtClean="0"/>
-              <a:t>10/16/2016</a:t>
+              <a:t>3/22/17</a:t>
             </a:fld>
             <a:endParaRPr lang="en-US"/>
           </a:p>
@@ -2117,7 +2133,7 @@
           <a:p>
             <a:fld id="{78C97017-6FC3-485B-9764-EAC9E56C1D49}" type="datetimeFigureOut">
               <a:rPr lang="en-US" smtClean="0"/>
-              <a:t>10/16/2016</a:t>
+              <a:t>3/22/17</a:t>
             </a:fld>
             <a:endParaRPr lang="en-US"/>
           </a:p>
@@ -2235,7 +2251,7 @@
           <a:p>
             <a:fld id="{78C97017-6FC3-485B-9764-EAC9E56C1D49}" type="datetimeFigureOut">
               <a:rPr lang="en-US" smtClean="0"/>
-              <a:t>10/16/2016</a:t>
+              <a:t>3/22/17</a:t>
             </a:fld>
             <a:endParaRPr lang="en-US"/>
           </a:p>
@@ -2330,7 +2346,7 @@
           <a:p>
             <a:fld id="{78C97017-6FC3-485B-9764-EAC9E56C1D49}" type="datetimeFigureOut">
               <a:rPr lang="en-US" smtClean="0"/>
-              <a:t>10/16/2016</a:t>
+              <a:t>3/22/17</a:t>
             </a:fld>
             <a:endParaRPr lang="en-US"/>
           </a:p>
@@ -2607,7 +2623,7 @@
           <a:p>
             <a:fld id="{78C97017-6FC3-485B-9764-EAC9E56C1D49}" type="datetimeFigureOut">
               <a:rPr lang="en-US" smtClean="0"/>
-              <a:t>10/16/2016</a:t>
+              <a:t>3/22/17</a:t>
             </a:fld>
             <a:endParaRPr lang="en-US"/>
           </a:p>
@@ -2860,7 +2876,7 @@
           <a:p>
             <a:fld id="{78C97017-6FC3-485B-9764-EAC9E56C1D49}" type="datetimeFigureOut">
               <a:rPr lang="en-US" smtClean="0"/>
-              <a:t>10/16/2016</a:t>
+              <a:t>3/22/17</a:t>
             </a:fld>
             <a:endParaRPr lang="en-US"/>
           </a:p>
@@ -3073,7 +3089,7 @@
           <a:p>
             <a:fld id="{78C97017-6FC3-485B-9764-EAC9E56C1D49}" type="datetimeFigureOut">
               <a:rPr lang="en-US" smtClean="0"/>
-              <a:t>10/16/2016</a:t>
+              <a:t>3/22/17</a:t>
             </a:fld>
             <a:endParaRPr lang="en-US"/>
           </a:p>
@@ -3521,8 +3537,8 @@
         </p:nvSpPr>
         <p:spPr>
           <a:xfrm>
-            <a:off x="2877180" y="3158440"/>
-            <a:ext cx="1323049" cy="346760"/>
+            <a:off x="2877180" y="3040052"/>
+            <a:ext cx="1323049" cy="465148"/>
           </a:xfrm>
           <a:prstGeom prst="rect">
             <a:avLst/>
@@ -3576,14 +3592,22 @@
               </a:rPr>
             </a:br>
             <a:r>
-              <a:rPr lang="en-US" sz="1050" dirty="0" err="1" smtClean="0">
+              <a:rPr lang="en-US" sz="900" dirty="0" err="1" smtClean="0">
                 <a:solidFill>
                   <a:schemeClr val="bg1"/>
                 </a:solidFill>
               </a:rPr>
-              <a:t>AddressBookStorage</a:t>
-            </a:r>
-            <a:endParaRPr lang="en-SG" sz="1050" dirty="0">
+              <a:t>TaskManager</a:t>
+            </a:r>
+            <a:r>
+              <a:rPr lang="en-US" sz="900" dirty="0" err="1" smtClean="0">
+                <a:solidFill>
+                  <a:schemeClr val="bg1"/>
+                </a:solidFill>
+              </a:rPr>
+              <a:t>Storage</a:t>
+            </a:r>
+            <a:endParaRPr lang="en-SG" sz="900" dirty="0">
               <a:solidFill>
                 <a:schemeClr val="bg1"/>
               </a:solidFill>
@@ -3793,9 +3817,9 @@
           <p:nvPr/>
         </p:nvCxnSpPr>
         <p:spPr>
-          <a:xfrm>
-            <a:off x="2656370" y="3326536"/>
-            <a:ext cx="220810" cy="5284"/>
+          <a:xfrm flipV="1">
+            <a:off x="2656370" y="3272626"/>
+            <a:ext cx="220810" cy="53910"/>
           </a:xfrm>
           <a:prstGeom prst="straightConnector1">
             <a:avLst/>
@@ -4154,7 +4178,7 @@
                   </a:schemeClr>
                 </a:solidFill>
               </a:rPr>
-              <a:t>XmlAddressBook</a:t>
+              <a:t>XmlTaskManager</a:t>
             </a:r>
             <a:r>
               <a:rPr lang="en-US" sz="1050" b="1" dirty="0" smtClean="0">
@@ -4627,104 +4651,7 @@
                   </a:schemeClr>
                 </a:solidFill>
               </a:rPr>
-              <a:t>AddressBook</a:t>
-            </a:r>
-            <a:endParaRPr lang="en-SG" sz="1050" b="1" dirty="0">
-              <a:solidFill>
-                <a:schemeClr val="accent6">
-                  <a:lumMod val="75000"/>
-                </a:schemeClr>
-              </a:solidFill>
-            </a:endParaRPr>
-          </a:p>
-        </p:txBody>
-      </p:sp>
-      <p:cxnSp>
-        <p:nvCxnSpPr>
-          <p:cNvPr id="70" name="Elbow Connector 122"/>
-          <p:cNvCxnSpPr>
-            <a:stCxn id="74" idx="0"/>
-            <a:endCxn id="73" idx="2"/>
-          </p:cNvCxnSpPr>
-          <p:nvPr/>
-        </p:nvCxnSpPr>
-        <p:spPr>
-          <a:xfrm rot="5400000" flipH="1" flipV="1">
-            <a:off x="8077993" y="2992020"/>
-            <a:ext cx="335208" cy="12700"/>
-          </a:xfrm>
-          <a:prstGeom prst="bentConnector3">
-            <a:avLst>
-              <a:gd name="adj1" fmla="val 50000"/>
-            </a:avLst>
-          </a:prstGeom>
-          <a:ln w="19050">
-            <a:prstDash val="sysDot"/>
-            <a:headEnd type="none" w="med" len="med"/>
-            <a:tailEnd type="arrow" w="med" len="med"/>
-          </a:ln>
-          <a:effectLst/>
-        </p:spPr>
-        <p:style>
-          <a:lnRef idx="1">
-            <a:schemeClr val="accent6"/>
-          </a:lnRef>
-          <a:fillRef idx="2">
-            <a:schemeClr val="accent6"/>
-          </a:fillRef>
-          <a:effectRef idx="1">
-            <a:schemeClr val="accent6"/>
-          </a:effectRef>
-          <a:fontRef idx="minor">
-            <a:schemeClr val="dk1"/>
-          </a:fontRef>
-        </p:style>
-      </p:cxnSp>
-      <p:sp>
-        <p:nvSpPr>
-          <p:cNvPr id="73" name="Rectangle 8"/>
-          <p:cNvSpPr/>
-          <p:nvPr/>
-        </p:nvSpPr>
-        <p:spPr>
-          <a:xfrm>
-            <a:off x="7615738" y="2477656"/>
-            <a:ext cx="1259718" cy="346760"/>
-          </a:xfrm>
-          <a:prstGeom prst="rect">
-            <a:avLst/>
-          </a:prstGeom>
-          <a:ln w="19050"/>
-          <a:effectLst/>
-        </p:spPr>
-        <p:style>
-          <a:lnRef idx="1">
-            <a:schemeClr val="accent6"/>
-          </a:lnRef>
-          <a:fillRef idx="2">
-            <a:schemeClr val="accent6"/>
-          </a:fillRef>
-          <a:effectRef idx="1">
-            <a:schemeClr val="accent6"/>
-          </a:effectRef>
-          <a:fontRef idx="minor">
-            <a:schemeClr val="dk1"/>
-          </a:fontRef>
-        </p:style>
-        <p:txBody>
-          <a:bodyPr rtlCol="0" anchor="ctr"/>
-          <a:lstStyle/>
-          <a:p>
-            <a:pPr algn="ctr"/>
-            <a:r>
-              <a:rPr lang="en-US" sz="1050" b="1" dirty="0" err="1" smtClean="0">
-                <a:solidFill>
-                  <a:schemeClr val="accent6">
-                    <a:lumMod val="75000"/>
-                  </a:schemeClr>
-                </a:solidFill>
-              </a:rPr>
-              <a:t>XmlAdaptedTag</a:t>
+              <a:t>TaskManager</a:t>
             </a:r>
             <a:endParaRPr lang="en-SG" sz="1050" b="1" dirty="0">
               <a:solidFill>
@@ -4780,7 +4707,7 @@
                   </a:schemeClr>
                 </a:solidFill>
               </a:rPr>
-              <a:t>XmlAdaptedPerson</a:t>
+              <a:t>XmlAdaptedTak</a:t>
             </a:r>
             <a:endParaRPr lang="en-SG" sz="1050" b="1" dirty="0">
               <a:solidFill>

--- a/docs/diagrams/StorageComponentClassDiagram.pptx
+++ b/docs/diagrams/StorageComponentClassDiagram.pptx
@@ -107,6 +107,22 @@
       </a:defRPr>
     </a:lvl9pPr>
   </p:defaultTextStyle>
+  <p:extLst>
+    <p:ext uri="{EFAFB233-063F-42B5-8137-9DF3F51BA10A}">
+      <p15:sldGuideLst xmlns:p15="http://schemas.microsoft.com/office/powerpoint/2012/main">
+        <p15:guide id="1" orient="horz" pos="1488">
+          <p15:clr>
+            <a:srgbClr val="A4A3A4"/>
+          </p15:clr>
+        </p15:guide>
+        <p15:guide id="2" pos="2880">
+          <p15:clr>
+            <a:srgbClr val="A4A3A4"/>
+          </p15:clr>
+        </p15:guide>
+      </p15:sldGuideLst>
+    </p:ext>
+  </p:extLst>
 </p:presentation>
 </file>
 
@@ -192,7 +208,7 @@
           <a:p>
             <a:fld id="{F5CC4B3F-88C1-4FFA-B1B6-F41C21DC6924}" type="datetimeFigureOut">
               <a:rPr lang="en-US" smtClean="0"/>
-              <a:t>10/16/2016</a:t>
+              <a:t>3/22/2017</a:t>
             </a:fld>
             <a:endParaRPr lang="en-US"/>
           </a:p>
@@ -641,7 +657,7 @@
           <a:p>
             <a:fld id="{78C97017-6FC3-485B-9764-EAC9E56C1D49}" type="datetimeFigureOut">
               <a:rPr lang="en-US" smtClean="0"/>
-              <a:t>10/16/2016</a:t>
+              <a:t>3/22/2017</a:t>
             </a:fld>
             <a:endParaRPr lang="en-US"/>
           </a:p>
@@ -811,7 +827,7 @@
           <a:p>
             <a:fld id="{78C97017-6FC3-485B-9764-EAC9E56C1D49}" type="datetimeFigureOut">
               <a:rPr lang="en-US" smtClean="0"/>
-              <a:t>10/16/2016</a:t>
+              <a:t>3/22/2017</a:t>
             </a:fld>
             <a:endParaRPr lang="en-US"/>
           </a:p>
@@ -991,7 +1007,7 @@
           <a:p>
             <a:fld id="{78C97017-6FC3-485B-9764-EAC9E56C1D49}" type="datetimeFigureOut">
               <a:rPr lang="en-US" smtClean="0"/>
-              <a:t>10/16/2016</a:t>
+              <a:t>3/22/2017</a:t>
             </a:fld>
             <a:endParaRPr lang="en-US"/>
           </a:p>
@@ -1161,7 +1177,7 @@
           <a:p>
             <a:fld id="{78C97017-6FC3-485B-9764-EAC9E56C1D49}" type="datetimeFigureOut">
               <a:rPr lang="en-US" smtClean="0"/>
-              <a:t>10/16/2016</a:t>
+              <a:t>3/22/2017</a:t>
             </a:fld>
             <a:endParaRPr lang="en-US"/>
           </a:p>
@@ -1407,7 +1423,7 @@
           <a:p>
             <a:fld id="{78C97017-6FC3-485B-9764-EAC9E56C1D49}" type="datetimeFigureOut">
               <a:rPr lang="en-US" smtClean="0"/>
-              <a:t>10/16/2016</a:t>
+              <a:t>3/22/2017</a:t>
             </a:fld>
             <a:endParaRPr lang="en-US"/>
           </a:p>
@@ -1695,7 +1711,7 @@
           <a:p>
             <a:fld id="{78C97017-6FC3-485B-9764-EAC9E56C1D49}" type="datetimeFigureOut">
               <a:rPr lang="en-US" smtClean="0"/>
-              <a:t>10/16/2016</a:t>
+              <a:t>3/22/2017</a:t>
             </a:fld>
             <a:endParaRPr lang="en-US"/>
           </a:p>
@@ -2117,7 +2133,7 @@
           <a:p>
             <a:fld id="{78C97017-6FC3-485B-9764-EAC9E56C1D49}" type="datetimeFigureOut">
               <a:rPr lang="en-US" smtClean="0"/>
-              <a:t>10/16/2016</a:t>
+              <a:t>3/22/2017</a:t>
             </a:fld>
             <a:endParaRPr lang="en-US"/>
           </a:p>
@@ -2235,7 +2251,7 @@
           <a:p>
             <a:fld id="{78C97017-6FC3-485B-9764-EAC9E56C1D49}" type="datetimeFigureOut">
               <a:rPr lang="en-US" smtClean="0"/>
-              <a:t>10/16/2016</a:t>
+              <a:t>3/22/2017</a:t>
             </a:fld>
             <a:endParaRPr lang="en-US"/>
           </a:p>
@@ -2330,7 +2346,7 @@
           <a:p>
             <a:fld id="{78C97017-6FC3-485B-9764-EAC9E56C1D49}" type="datetimeFigureOut">
               <a:rPr lang="en-US" smtClean="0"/>
-              <a:t>10/16/2016</a:t>
+              <a:t>3/22/2017</a:t>
             </a:fld>
             <a:endParaRPr lang="en-US"/>
           </a:p>
@@ -2607,7 +2623,7 @@
           <a:p>
             <a:fld id="{78C97017-6FC3-485B-9764-EAC9E56C1D49}" type="datetimeFigureOut">
               <a:rPr lang="en-US" smtClean="0"/>
-              <a:t>10/16/2016</a:t>
+              <a:t>3/22/2017</a:t>
             </a:fld>
             <a:endParaRPr lang="en-US"/>
           </a:p>
@@ -2860,7 +2876,7 @@
           <a:p>
             <a:fld id="{78C97017-6FC3-485B-9764-EAC9E56C1D49}" type="datetimeFigureOut">
               <a:rPr lang="en-US" smtClean="0"/>
-              <a:t>10/16/2016</a:t>
+              <a:t>3/22/2017</a:t>
             </a:fld>
             <a:endParaRPr lang="en-US"/>
           </a:p>
@@ -3073,7 +3089,7 @@
           <a:p>
             <a:fld id="{78C97017-6FC3-485B-9764-EAC9E56C1D49}" type="datetimeFigureOut">
               <a:rPr lang="en-US" smtClean="0"/>
-              <a:t>10/16/2016</a:t>
+              <a:t>3/22/2017</a:t>
             </a:fld>
             <a:endParaRPr lang="en-US"/>
           </a:p>
@@ -3581,7 +3597,7 @@
                   <a:schemeClr val="bg1"/>
                 </a:solidFill>
               </a:rPr>
-              <a:t>AddressBookStorage</a:t>
+              <a:t>TodoListStorage</a:t>
             </a:r>
             <a:endParaRPr lang="en-SG" sz="1050" dirty="0">
               <a:solidFill>
@@ -4154,7 +4170,7 @@
                   </a:schemeClr>
                 </a:solidFill>
               </a:rPr>
-              <a:t>XmlAddressBook</a:t>
+              <a:t>XmlTodoList</a:t>
             </a:r>
             <a:r>
               <a:rPr lang="en-US" sz="1050" b="1" dirty="0" smtClean="0">
@@ -4627,7 +4643,7 @@
                   </a:schemeClr>
                 </a:solidFill>
               </a:rPr>
-              <a:t>AddressBook</a:t>
+              <a:t>TodoList</a:t>
             </a:r>
             <a:endParaRPr lang="en-SG" sz="1050" b="1" dirty="0">
               <a:solidFill>
@@ -4773,14 +4789,14 @@
           <a:p>
             <a:pPr algn="ctr"/>
             <a:r>
-              <a:rPr lang="en-US" sz="1050" b="1" dirty="0" err="1" smtClean="0">
+              <a:rPr lang="en-US" sz="1050" b="1" smtClean="0">
                 <a:solidFill>
                   <a:schemeClr val="accent6">
                     <a:lumMod val="75000"/>
                   </a:schemeClr>
                 </a:solidFill>
               </a:rPr>
-              <a:t>XmlAdaptedPerson</a:t>
+              <a:t>XmlAdaptedTodo</a:t>
             </a:r>
             <a:endParaRPr lang="en-SG" sz="1050" b="1" dirty="0">
               <a:solidFill>

--- a/docs/diagrams/StorageComponentClassDiagram.pptx
+++ b/docs/diagrams/StorageComponentClassDiagram.pptx
@@ -107,6 +107,22 @@
       </a:defRPr>
     </a:lvl9pPr>
   </p:defaultTextStyle>
+  <p:extLst>
+    <p:ext uri="{EFAFB233-063F-42B5-8137-9DF3F51BA10A}">
+      <p15:sldGuideLst xmlns:p15="http://schemas.microsoft.com/office/powerpoint/2012/main">
+        <p15:guide id="1" orient="horz" pos="1488">
+          <p15:clr>
+            <a:srgbClr val="A4A3A4"/>
+          </p15:clr>
+        </p15:guide>
+        <p15:guide id="2" pos="2880">
+          <p15:clr>
+            <a:srgbClr val="A4A3A4"/>
+          </p15:clr>
+        </p15:guide>
+      </p15:sldGuideLst>
+    </p:ext>
+  </p:extLst>
 </p:presentation>
 </file>
 
@@ -192,7 +208,7 @@
           <a:p>
             <a:fld id="{F5CC4B3F-88C1-4FFA-B1B6-F41C21DC6924}" type="datetimeFigureOut">
               <a:rPr lang="en-US" smtClean="0"/>
-              <a:t>10/16/2016</a:t>
+              <a:t>3/22/2017</a:t>
             </a:fld>
             <a:endParaRPr lang="en-US"/>
           </a:p>
@@ -641,7 +657,7 @@
           <a:p>
             <a:fld id="{78C97017-6FC3-485B-9764-EAC9E56C1D49}" type="datetimeFigureOut">
               <a:rPr lang="en-US" smtClean="0"/>
-              <a:t>10/16/2016</a:t>
+              <a:t>3/22/2017</a:t>
             </a:fld>
             <a:endParaRPr lang="en-US"/>
           </a:p>
@@ -811,7 +827,7 @@
           <a:p>
             <a:fld id="{78C97017-6FC3-485B-9764-EAC9E56C1D49}" type="datetimeFigureOut">
               <a:rPr lang="en-US" smtClean="0"/>
-              <a:t>10/16/2016</a:t>
+              <a:t>3/22/2017</a:t>
             </a:fld>
             <a:endParaRPr lang="en-US"/>
           </a:p>
@@ -991,7 +1007,7 @@
           <a:p>
             <a:fld id="{78C97017-6FC3-485B-9764-EAC9E56C1D49}" type="datetimeFigureOut">
               <a:rPr lang="en-US" smtClean="0"/>
-              <a:t>10/16/2016</a:t>
+              <a:t>3/22/2017</a:t>
             </a:fld>
             <a:endParaRPr lang="en-US"/>
           </a:p>
@@ -1161,7 +1177,7 @@
           <a:p>
             <a:fld id="{78C97017-6FC3-485B-9764-EAC9E56C1D49}" type="datetimeFigureOut">
               <a:rPr lang="en-US" smtClean="0"/>
-              <a:t>10/16/2016</a:t>
+              <a:t>3/22/2017</a:t>
             </a:fld>
             <a:endParaRPr lang="en-US"/>
           </a:p>
@@ -1407,7 +1423,7 @@
           <a:p>
             <a:fld id="{78C97017-6FC3-485B-9764-EAC9E56C1D49}" type="datetimeFigureOut">
               <a:rPr lang="en-US" smtClean="0"/>
-              <a:t>10/16/2016</a:t>
+              <a:t>3/22/2017</a:t>
             </a:fld>
             <a:endParaRPr lang="en-US"/>
           </a:p>
@@ -1695,7 +1711,7 @@
           <a:p>
             <a:fld id="{78C97017-6FC3-485B-9764-EAC9E56C1D49}" type="datetimeFigureOut">
               <a:rPr lang="en-US" smtClean="0"/>
-              <a:t>10/16/2016</a:t>
+              <a:t>3/22/2017</a:t>
             </a:fld>
             <a:endParaRPr lang="en-US"/>
           </a:p>
@@ -2117,7 +2133,7 @@
           <a:p>
             <a:fld id="{78C97017-6FC3-485B-9764-EAC9E56C1D49}" type="datetimeFigureOut">
               <a:rPr lang="en-US" smtClean="0"/>
-              <a:t>10/16/2016</a:t>
+              <a:t>3/22/2017</a:t>
             </a:fld>
             <a:endParaRPr lang="en-US"/>
           </a:p>
@@ -2235,7 +2251,7 @@
           <a:p>
             <a:fld id="{78C97017-6FC3-485B-9764-EAC9E56C1D49}" type="datetimeFigureOut">
               <a:rPr lang="en-US" smtClean="0"/>
-              <a:t>10/16/2016</a:t>
+              <a:t>3/22/2017</a:t>
             </a:fld>
             <a:endParaRPr lang="en-US"/>
           </a:p>
@@ -2330,7 +2346,7 @@
           <a:p>
             <a:fld id="{78C97017-6FC3-485B-9764-EAC9E56C1D49}" type="datetimeFigureOut">
               <a:rPr lang="en-US" smtClean="0"/>
-              <a:t>10/16/2016</a:t>
+              <a:t>3/22/2017</a:t>
             </a:fld>
             <a:endParaRPr lang="en-US"/>
           </a:p>
@@ -2607,7 +2623,7 @@
           <a:p>
             <a:fld id="{78C97017-6FC3-485B-9764-EAC9E56C1D49}" type="datetimeFigureOut">
               <a:rPr lang="en-US" smtClean="0"/>
-              <a:t>10/16/2016</a:t>
+              <a:t>3/22/2017</a:t>
             </a:fld>
             <a:endParaRPr lang="en-US"/>
           </a:p>
@@ -2860,7 +2876,7 @@
           <a:p>
             <a:fld id="{78C97017-6FC3-485B-9764-EAC9E56C1D49}" type="datetimeFigureOut">
               <a:rPr lang="en-US" smtClean="0"/>
-              <a:t>10/16/2016</a:t>
+              <a:t>3/22/2017</a:t>
             </a:fld>
             <a:endParaRPr lang="en-US"/>
           </a:p>
@@ -3073,7 +3089,7 @@
           <a:p>
             <a:fld id="{78C97017-6FC3-485B-9764-EAC9E56C1D49}" type="datetimeFigureOut">
               <a:rPr lang="en-US" smtClean="0"/>
-              <a:t>10/16/2016</a:t>
+              <a:t>3/22/2017</a:t>
             </a:fld>
             <a:endParaRPr lang="en-US"/>
           </a:p>
@@ -3456,8 +3472,8 @@
         </p:nvSpPr>
         <p:spPr>
           <a:xfrm>
-            <a:off x="1119865" y="2086382"/>
-            <a:ext cx="7871735" cy="1723618"/>
+            <a:off x="580070" y="2042990"/>
+            <a:ext cx="8305800" cy="2605209"/>
           </a:xfrm>
           <a:prstGeom prst="roundRect">
             <a:avLst>
@@ -3521,8 +3537,8 @@
         </p:nvSpPr>
         <p:spPr>
           <a:xfrm>
-            <a:off x="2877180" y="3158440"/>
-            <a:ext cx="1323049" cy="346760"/>
+            <a:off x="2695140" y="3158440"/>
+            <a:ext cx="1505089" cy="386114"/>
           </a:xfrm>
           <a:prstGeom prst="rect">
             <a:avLst/>
@@ -3581,7 +3597,15 @@
                   <a:schemeClr val="bg1"/>
                 </a:solidFill>
               </a:rPr>
-              <a:t>AddressBookStorage</a:t>
+              <a:t>TaskManager</a:t>
+            </a:r>
+            <a:r>
+              <a:rPr lang="en-US" sz="1050" dirty="0" err="1" smtClean="0">
+                <a:solidFill>
+                  <a:schemeClr val="bg1"/>
+                </a:solidFill>
+              </a:rPr>
+              <a:t>Storage</a:t>
             </a:r>
             <a:endParaRPr lang="en-SG" sz="1050" dirty="0">
               <a:solidFill>
@@ -3599,7 +3623,70 @@
         </p:nvSpPr>
         <p:spPr>
           <a:xfrm rot="16200000">
-            <a:off x="1683963" y="2868687"/>
+            <a:off x="1422237" y="2982514"/>
+            <a:ext cx="1317567" cy="346760"/>
+          </a:xfrm>
+          <a:prstGeom prst="rect">
+            <a:avLst/>
+          </a:prstGeom>
+          <a:solidFill>
+            <a:schemeClr val="accent6">
+              <a:lumMod val="75000"/>
+            </a:schemeClr>
+          </a:solidFill>
+          <a:ln w="19050">
+            <a:solidFill>
+              <a:schemeClr val="accent6">
+                <a:lumMod val="75000"/>
+              </a:schemeClr>
+            </a:solidFill>
+          </a:ln>
+          <a:effectLst/>
+        </p:spPr>
+        <p:style>
+          <a:lnRef idx="1">
+            <a:schemeClr val="accent2"/>
+          </a:lnRef>
+          <a:fillRef idx="2">
+            <a:schemeClr val="accent2"/>
+          </a:fillRef>
+          <a:effectRef idx="1">
+            <a:schemeClr val="accent2"/>
+          </a:effectRef>
+          <a:fontRef idx="minor">
+            <a:schemeClr val="dk1"/>
+          </a:fontRef>
+        </p:style>
+        <p:txBody>
+          <a:bodyPr rtlCol="0" anchor="ctr"/>
+          <a:lstStyle/>
+          <a:p>
+            <a:pPr algn="ctr"/>
+            <a:r>
+              <a:rPr lang="en-US" sz="1050" dirty="0" err="1" smtClean="0">
+                <a:solidFill>
+                  <a:schemeClr val="bg1"/>
+                </a:solidFill>
+              </a:rPr>
+              <a:t>StorageManager</a:t>
+            </a:r>
+            <a:endParaRPr lang="en-SG" sz="1050" dirty="0">
+              <a:solidFill>
+                <a:schemeClr val="bg1"/>
+              </a:solidFill>
+            </a:endParaRPr>
+          </a:p>
+        </p:txBody>
+      </p:sp>
+      <p:sp>
+        <p:nvSpPr>
+          <p:cNvPr id="119" name="Rectangle 62"/>
+          <p:cNvSpPr/>
+          <p:nvPr/>
+        </p:nvSpPr>
+        <p:spPr>
+          <a:xfrm rot="16200000">
+            <a:off x="778508" y="2866411"/>
             <a:ext cx="1093635" cy="346760"/>
           </a:xfrm>
           <a:prstGeom prst="rect">
@@ -3639,69 +3726,6 @@
           <a:p>
             <a:pPr algn="ctr"/>
             <a:r>
-              <a:rPr lang="en-US" sz="1050" dirty="0" err="1" smtClean="0">
-                <a:solidFill>
-                  <a:schemeClr val="bg1"/>
-                </a:solidFill>
-              </a:rPr>
-              <a:t>StorageManager</a:t>
-            </a:r>
-            <a:endParaRPr lang="en-SG" sz="1050" dirty="0">
-              <a:solidFill>
-                <a:schemeClr val="bg1"/>
-              </a:solidFill>
-            </a:endParaRPr>
-          </a:p>
-        </p:txBody>
-      </p:sp>
-      <p:sp>
-        <p:nvSpPr>
-          <p:cNvPr id="119" name="Rectangle 62"/>
-          <p:cNvSpPr/>
-          <p:nvPr/>
-        </p:nvSpPr>
-        <p:spPr>
-          <a:xfrm rot="16200000">
-            <a:off x="956202" y="2861202"/>
-            <a:ext cx="1093635" cy="346760"/>
-          </a:xfrm>
-          <a:prstGeom prst="rect">
-            <a:avLst/>
-          </a:prstGeom>
-          <a:solidFill>
-            <a:schemeClr val="accent6">
-              <a:lumMod val="75000"/>
-            </a:schemeClr>
-          </a:solidFill>
-          <a:ln w="19050">
-            <a:solidFill>
-              <a:schemeClr val="accent6">
-                <a:lumMod val="75000"/>
-              </a:schemeClr>
-            </a:solidFill>
-          </a:ln>
-          <a:effectLst/>
-        </p:spPr>
-        <p:style>
-          <a:lnRef idx="1">
-            <a:schemeClr val="accent2"/>
-          </a:lnRef>
-          <a:fillRef idx="2">
-            <a:schemeClr val="accent2"/>
-          </a:fillRef>
-          <a:effectRef idx="1">
-            <a:schemeClr val="accent2"/>
-          </a:effectRef>
-          <a:fontRef idx="minor">
-            <a:schemeClr val="dk1"/>
-          </a:fontRef>
-        </p:style>
-        <p:txBody>
-          <a:bodyPr rtlCol="0" anchor="ctr"/>
-          <a:lstStyle/>
-          <a:p>
-            <a:pPr algn="ctr"/>
-            <a:r>
               <a:rPr lang="en-US" sz="1050" dirty="0">
                 <a:solidFill>
                   <a:schemeClr val="bg1"/>
@@ -3736,7 +3760,7 @@
         </p:nvSpPr>
         <p:spPr>
           <a:xfrm rot="16200000">
-            <a:off x="1626910" y="2952291"/>
+            <a:off x="1462949" y="2935426"/>
             <a:ext cx="270504" cy="175523"/>
           </a:xfrm>
           <a:prstGeom prst="triangle">
@@ -3794,8 +3818,8 @@
         </p:nvCxnSpPr>
         <p:spPr>
           <a:xfrm>
-            <a:off x="2656370" y="3326536"/>
-            <a:ext cx="220810" cy="5284"/>
+            <a:off x="2478209" y="3302556"/>
+            <a:ext cx="216931" cy="48941"/>
           </a:xfrm>
           <a:prstGeom prst="straightConnector1">
             <a:avLst/>
@@ -3829,13 +3853,15 @@
       <p:cxnSp>
         <p:nvCxnSpPr>
           <p:cNvPr id="75" name="Elbow Connector 122"/>
-          <p:cNvCxnSpPr/>
+          <p:cNvCxnSpPr>
+            <a:endCxn id="119" idx="0"/>
+          </p:cNvCxnSpPr>
           <p:nvPr/>
         </p:nvCxnSpPr>
         <p:spPr>
-          <a:xfrm>
-            <a:off x="910091" y="3040053"/>
-            <a:ext cx="419548" cy="2860"/>
+          <a:xfrm flipV="1">
+            <a:off x="478325" y="3039791"/>
+            <a:ext cx="673621" cy="261"/>
           </a:xfrm>
           <a:prstGeom prst="bentConnector3">
             <a:avLst>
@@ -3879,7 +3905,7 @@
         </p:nvCxnSpPr>
         <p:spPr>
           <a:xfrm flipV="1">
-            <a:off x="1849924" y="3040052"/>
+            <a:off x="1685963" y="3023187"/>
             <a:ext cx="216105" cy="1"/>
           </a:xfrm>
           <a:prstGeom prst="line">
@@ -3920,7 +3946,7 @@
         </p:nvSpPr>
         <p:spPr>
           <a:xfrm>
-            <a:off x="2420322" y="3239846"/>
+            <a:off x="2242161" y="3215866"/>
             <a:ext cx="236048" cy="173380"/>
           </a:xfrm>
           <a:prstGeom prst="flowChartDecision">
@@ -4154,7 +4180,7 @@
                   </a:schemeClr>
                 </a:solidFill>
               </a:rPr>
-              <a:t>XmlAddressBook</a:t>
+              <a:t>XmlTaskManager</a:t>
             </a:r>
             <a:r>
               <a:rPr lang="en-US" sz="1050" b="1" dirty="0" smtClean="0">
@@ -4284,8 +4310,8 @@
         </p:nvCxnSpPr>
         <p:spPr>
           <a:xfrm>
-            <a:off x="2653133" y="2726136"/>
-            <a:ext cx="220810" cy="5284"/>
+            <a:off x="2496662" y="2731420"/>
+            <a:ext cx="377281" cy="0"/>
           </a:xfrm>
           <a:prstGeom prst="straightConnector1">
             <a:avLst/>
@@ -4324,7 +4350,7 @@
         </p:nvSpPr>
         <p:spPr>
           <a:xfrm>
-            <a:off x="2417085" y="2639446"/>
+            <a:off x="2260614" y="2644730"/>
             <a:ext cx="236048" cy="173380"/>
           </a:xfrm>
           <a:prstGeom prst="flowChartDecision">
@@ -4627,7 +4653,7 @@
                   </a:schemeClr>
                 </a:solidFill>
               </a:rPr>
-              <a:t>AddressBook</a:t>
+              <a:t>TaskManager</a:t>
             </a:r>
             <a:endParaRPr lang="en-SG" sz="1050" b="1" dirty="0">
               <a:solidFill>
@@ -4724,7 +4750,7 @@
                   </a:schemeClr>
                 </a:solidFill>
               </a:rPr>
-              <a:t>XmlAdaptedTag</a:t>
+              <a:t>XmlAdaptedLabel</a:t>
             </a:r>
             <a:endParaRPr lang="en-SG" sz="1050" b="1" dirty="0">
               <a:solidFill>
@@ -4780,7 +4806,7 @@
                   </a:schemeClr>
                 </a:solidFill>
               </a:rPr>
-              <a:t>XmlAdaptedPerson</a:t>
+              <a:t>XmlAdaptedTask</a:t>
             </a:r>
             <a:endParaRPr lang="en-SG" sz="1050" b="1" dirty="0">
               <a:solidFill>
@@ -4805,6 +4831,100 @@
           <a:xfrm flipV="1">
             <a:off x="7220507" y="3333004"/>
             <a:ext cx="395231" cy="786"/>
+          </a:xfrm>
+          <a:prstGeom prst="bentConnector3">
+            <a:avLst>
+              <a:gd name="adj1" fmla="val 50000"/>
+            </a:avLst>
+          </a:prstGeom>
+          <a:ln w="19050">
+            <a:prstDash val="sysDot"/>
+            <a:headEnd type="none" w="med" len="med"/>
+            <a:tailEnd type="arrow" w="med" len="med"/>
+          </a:ln>
+          <a:effectLst/>
+        </p:spPr>
+        <p:style>
+          <a:lnRef idx="1">
+            <a:schemeClr val="accent6"/>
+          </a:lnRef>
+          <a:fillRef idx="2">
+            <a:schemeClr val="accent6"/>
+          </a:fillRef>
+          <a:effectRef idx="1">
+            <a:schemeClr val="accent6"/>
+          </a:effectRef>
+          <a:fontRef idx="minor">
+            <a:schemeClr val="dk1"/>
+          </a:fontRef>
+        </p:style>
+      </p:cxnSp>
+      <p:sp>
+        <p:nvSpPr>
+          <p:cNvPr id="32" name="Rectangle 8"/>
+          <p:cNvSpPr/>
+          <p:nvPr/>
+        </p:nvSpPr>
+        <p:spPr>
+          <a:xfrm>
+            <a:off x="7391400" y="3814678"/>
+            <a:ext cx="1484056" cy="452522"/>
+          </a:xfrm>
+          <a:prstGeom prst="rect">
+            <a:avLst/>
+          </a:prstGeom>
+          <a:ln w="19050"/>
+          <a:effectLst/>
+        </p:spPr>
+        <p:style>
+          <a:lnRef idx="1">
+            <a:schemeClr val="accent6"/>
+          </a:lnRef>
+          <a:fillRef idx="2">
+            <a:schemeClr val="accent6"/>
+          </a:fillRef>
+          <a:effectRef idx="1">
+            <a:schemeClr val="accent6"/>
+          </a:effectRef>
+          <a:fontRef idx="minor">
+            <a:schemeClr val="dk1"/>
+          </a:fontRef>
+        </p:style>
+        <p:txBody>
+          <a:bodyPr rtlCol="0" anchor="ctr"/>
+          <a:lstStyle/>
+          <a:p>
+            <a:pPr algn="ctr"/>
+            <a:r>
+              <a:rPr lang="en-US" sz="1050" b="1" dirty="0" err="1" smtClean="0">
+                <a:solidFill>
+                  <a:schemeClr val="accent6">
+                    <a:lumMod val="75000"/>
+                  </a:schemeClr>
+                </a:solidFill>
+              </a:rPr>
+              <a:t>XmlAdaptedBooking</a:t>
+            </a:r>
+            <a:endParaRPr lang="en-SG" sz="1050" b="1" dirty="0">
+              <a:solidFill>
+                <a:schemeClr val="accent6">
+                  <a:lumMod val="75000"/>
+                </a:schemeClr>
+              </a:solidFill>
+            </a:endParaRPr>
+          </a:p>
+        </p:txBody>
+      </p:sp>
+      <p:cxnSp>
+        <p:nvCxnSpPr>
+          <p:cNvPr id="33" name="Elbow Connector 122"/>
+          <p:cNvCxnSpPr/>
+          <p:nvPr/>
+        </p:nvCxnSpPr>
+        <p:spPr>
+          <a:xfrm rot="5400000">
+            <a:off x="8219328" y="3678922"/>
+            <a:ext cx="297038" cy="28306"/>
           </a:xfrm>
           <a:prstGeom prst="bentConnector3">
             <a:avLst>

--- a/docs/diagrams/StorageComponentClassDiagram.pptx
+++ b/docs/diagrams/StorageComponentClassDiagram.pptx
@@ -107,6 +107,22 @@
       </a:defRPr>
     </a:lvl9pPr>
   </p:defaultTextStyle>
+  <p:extLst>
+    <p:ext uri="{EFAFB233-063F-42B5-8137-9DF3F51BA10A}">
+      <p15:sldGuideLst xmlns:p15="http://schemas.microsoft.com/office/powerpoint/2012/main">
+        <p15:guide id="1" orient="horz" pos="1488">
+          <p15:clr>
+            <a:srgbClr val="A4A3A4"/>
+          </p15:clr>
+        </p15:guide>
+        <p15:guide id="2" pos="2880">
+          <p15:clr>
+            <a:srgbClr val="A4A3A4"/>
+          </p15:clr>
+        </p15:guide>
+      </p15:sldGuideLst>
+    </p:ext>
+  </p:extLst>
 </p:presentation>
 </file>
 
@@ -192,7 +208,7 @@
           <a:p>
             <a:fld id="{F5CC4B3F-88C1-4FFA-B1B6-F41C21DC6924}" type="datetimeFigureOut">
               <a:rPr lang="en-US" smtClean="0"/>
-              <a:t>10/16/2016</a:t>
+              <a:t>23-Mar-17</a:t>
             </a:fld>
             <a:endParaRPr lang="en-US"/>
           </a:p>
@@ -256,38 +272,37 @@
           <a:p>
             <a:pPr lvl="0"/>
             <a:r>
-              <a:rPr lang="en-US" smtClean="0"/>
+              <a:rPr lang="en-US"/>
               <a:t>Click to edit Master text styles</a:t>
             </a:r>
           </a:p>
           <a:p>
             <a:pPr lvl="1"/>
             <a:r>
-              <a:rPr lang="en-US" smtClean="0"/>
+              <a:rPr lang="en-US"/>
               <a:t>Second level</a:t>
             </a:r>
           </a:p>
           <a:p>
             <a:pPr lvl="2"/>
             <a:r>
-              <a:rPr lang="en-US" smtClean="0"/>
+              <a:rPr lang="en-US"/>
               <a:t>Third level</a:t>
             </a:r>
           </a:p>
           <a:p>
             <a:pPr lvl="3"/>
             <a:r>
-              <a:rPr lang="en-US" smtClean="0"/>
+              <a:rPr lang="en-US"/>
               <a:t>Fourth level</a:t>
             </a:r>
           </a:p>
           <a:p>
             <a:pPr lvl="4"/>
             <a:r>
-              <a:rPr lang="en-US" smtClean="0"/>
+              <a:rPr lang="en-US"/>
               <a:t>Fifth level</a:t>
             </a:r>
-            <a:endParaRPr lang="en-US"/>
           </a:p>
         </p:txBody>
       </p:sp>
@@ -498,10 +513,9 @@
           <a:lstStyle/>
           <a:p>
             <a:r>
-              <a:rPr lang="en-US" smtClean="0"/>
+              <a:rPr lang="en-US"/>
               <a:t>Click to edit Master title style</a:t>
             </a:r>
-            <a:endParaRPr lang="en-US"/>
           </a:p>
         </p:txBody>
       </p:sp>
@@ -617,10 +631,9 @@
           </a:lstStyle>
           <a:p>
             <a:r>
-              <a:rPr lang="en-US" smtClean="0"/>
+              <a:rPr lang="en-US"/>
               <a:t>Click to edit Master subtitle style</a:t>
             </a:r>
-            <a:endParaRPr lang="en-US"/>
           </a:p>
         </p:txBody>
       </p:sp>
@@ -641,7 +654,7 @@
           <a:p>
             <a:fld id="{78C97017-6FC3-485B-9764-EAC9E56C1D49}" type="datetimeFigureOut">
               <a:rPr lang="en-US" smtClean="0"/>
-              <a:t>10/16/2016</a:t>
+              <a:t>23-Mar-17</a:t>
             </a:fld>
             <a:endParaRPr lang="en-US"/>
           </a:p>
@@ -735,10 +748,9 @@
           <a:lstStyle/>
           <a:p>
             <a:r>
-              <a:rPr lang="en-US" smtClean="0"/>
+              <a:rPr lang="en-US"/>
               <a:t>Click to edit Master title style</a:t>
             </a:r>
-            <a:endParaRPr lang="en-US"/>
           </a:p>
         </p:txBody>
       </p:sp>
@@ -759,38 +771,37 @@
           <a:p>
             <a:pPr lvl="0"/>
             <a:r>
-              <a:rPr lang="en-US" smtClean="0"/>
+              <a:rPr lang="en-US"/>
               <a:t>Click to edit Master text styles</a:t>
             </a:r>
           </a:p>
           <a:p>
             <a:pPr lvl="1"/>
             <a:r>
-              <a:rPr lang="en-US" smtClean="0"/>
+              <a:rPr lang="en-US"/>
               <a:t>Second level</a:t>
             </a:r>
           </a:p>
           <a:p>
             <a:pPr lvl="2"/>
             <a:r>
-              <a:rPr lang="en-US" smtClean="0"/>
+              <a:rPr lang="en-US"/>
               <a:t>Third level</a:t>
             </a:r>
           </a:p>
           <a:p>
             <a:pPr lvl="3"/>
             <a:r>
-              <a:rPr lang="en-US" smtClean="0"/>
+              <a:rPr lang="en-US"/>
               <a:t>Fourth level</a:t>
             </a:r>
           </a:p>
           <a:p>
             <a:pPr lvl="4"/>
             <a:r>
-              <a:rPr lang="en-US" smtClean="0"/>
+              <a:rPr lang="en-US"/>
               <a:t>Fifth level</a:t>
             </a:r>
-            <a:endParaRPr lang="en-US"/>
           </a:p>
         </p:txBody>
       </p:sp>
@@ -811,7 +822,7 @@
           <a:p>
             <a:fld id="{78C97017-6FC3-485B-9764-EAC9E56C1D49}" type="datetimeFigureOut">
               <a:rPr lang="en-US" smtClean="0"/>
-              <a:t>10/16/2016</a:t>
+              <a:t>23-Mar-17</a:t>
             </a:fld>
             <a:endParaRPr lang="en-US"/>
           </a:p>
@@ -910,10 +921,9 @@
           <a:lstStyle/>
           <a:p>
             <a:r>
-              <a:rPr lang="en-US" smtClean="0"/>
+              <a:rPr lang="en-US"/>
               <a:t>Click to edit Master title style</a:t>
             </a:r>
-            <a:endParaRPr lang="en-US"/>
           </a:p>
         </p:txBody>
       </p:sp>
@@ -939,38 +949,37 @@
           <a:p>
             <a:pPr lvl="0"/>
             <a:r>
-              <a:rPr lang="en-US" smtClean="0"/>
+              <a:rPr lang="en-US"/>
               <a:t>Click to edit Master text styles</a:t>
             </a:r>
           </a:p>
           <a:p>
             <a:pPr lvl="1"/>
             <a:r>
-              <a:rPr lang="en-US" smtClean="0"/>
+              <a:rPr lang="en-US"/>
               <a:t>Second level</a:t>
             </a:r>
           </a:p>
           <a:p>
             <a:pPr lvl="2"/>
             <a:r>
-              <a:rPr lang="en-US" smtClean="0"/>
+              <a:rPr lang="en-US"/>
               <a:t>Third level</a:t>
             </a:r>
           </a:p>
           <a:p>
             <a:pPr lvl="3"/>
             <a:r>
-              <a:rPr lang="en-US" smtClean="0"/>
+              <a:rPr lang="en-US"/>
               <a:t>Fourth level</a:t>
             </a:r>
           </a:p>
           <a:p>
             <a:pPr lvl="4"/>
             <a:r>
-              <a:rPr lang="en-US" smtClean="0"/>
+              <a:rPr lang="en-US"/>
               <a:t>Fifth level</a:t>
             </a:r>
-            <a:endParaRPr lang="en-US"/>
           </a:p>
         </p:txBody>
       </p:sp>
@@ -991,7 +1000,7 @@
           <a:p>
             <a:fld id="{78C97017-6FC3-485B-9764-EAC9E56C1D49}" type="datetimeFigureOut">
               <a:rPr lang="en-US" smtClean="0"/>
-              <a:t>10/16/2016</a:t>
+              <a:t>23-Mar-17</a:t>
             </a:fld>
             <a:endParaRPr lang="en-US"/>
           </a:p>
@@ -1085,10 +1094,9 @@
           <a:lstStyle/>
           <a:p>
             <a:r>
-              <a:rPr lang="en-US" smtClean="0"/>
+              <a:rPr lang="en-US"/>
               <a:t>Click to edit Master title style</a:t>
             </a:r>
-            <a:endParaRPr lang="en-US"/>
           </a:p>
         </p:txBody>
       </p:sp>
@@ -1109,38 +1117,37 @@
           <a:p>
             <a:pPr lvl="0"/>
             <a:r>
-              <a:rPr lang="en-US" smtClean="0"/>
+              <a:rPr lang="en-US"/>
               <a:t>Click to edit Master text styles</a:t>
             </a:r>
           </a:p>
           <a:p>
             <a:pPr lvl="1"/>
             <a:r>
-              <a:rPr lang="en-US" smtClean="0"/>
+              <a:rPr lang="en-US"/>
               <a:t>Second level</a:t>
             </a:r>
           </a:p>
           <a:p>
             <a:pPr lvl="2"/>
             <a:r>
-              <a:rPr lang="en-US" smtClean="0"/>
+              <a:rPr lang="en-US"/>
               <a:t>Third level</a:t>
             </a:r>
           </a:p>
           <a:p>
             <a:pPr lvl="3"/>
             <a:r>
-              <a:rPr lang="en-US" smtClean="0"/>
+              <a:rPr lang="en-US"/>
               <a:t>Fourth level</a:t>
             </a:r>
           </a:p>
           <a:p>
             <a:pPr lvl="4"/>
             <a:r>
-              <a:rPr lang="en-US" smtClean="0"/>
+              <a:rPr lang="en-US"/>
               <a:t>Fifth level</a:t>
             </a:r>
-            <a:endParaRPr lang="en-US"/>
           </a:p>
         </p:txBody>
       </p:sp>
@@ -1161,7 +1168,7 @@
           <a:p>
             <a:fld id="{78C97017-6FC3-485B-9764-EAC9E56C1D49}" type="datetimeFigureOut">
               <a:rPr lang="en-US" smtClean="0"/>
-              <a:t>10/16/2016</a:t>
+              <a:t>23-Mar-17</a:t>
             </a:fld>
             <a:endParaRPr lang="en-US"/>
           </a:p>
@@ -1264,10 +1271,9 @@
           </a:lstStyle>
           <a:p>
             <a:r>
-              <a:rPr lang="en-US" smtClean="0"/>
+              <a:rPr lang="en-US"/>
               <a:t>Click to edit Master title style</a:t>
             </a:r>
-            <a:endParaRPr lang="en-US"/>
           </a:p>
         </p:txBody>
       </p:sp>
@@ -1384,7 +1390,7 @@
           <a:p>
             <a:pPr lvl="0"/>
             <a:r>
-              <a:rPr lang="en-US" smtClean="0"/>
+              <a:rPr lang="en-US"/>
               <a:t>Click to edit Master text styles</a:t>
             </a:r>
           </a:p>
@@ -1407,7 +1413,7 @@
           <a:p>
             <a:fld id="{78C97017-6FC3-485B-9764-EAC9E56C1D49}" type="datetimeFigureOut">
               <a:rPr lang="en-US" smtClean="0"/>
-              <a:t>10/16/2016</a:t>
+              <a:t>23-Mar-17</a:t>
             </a:fld>
             <a:endParaRPr lang="en-US"/>
           </a:p>
@@ -1501,10 +1507,9 @@
           <a:lstStyle/>
           <a:p>
             <a:r>
-              <a:rPr lang="en-US" smtClean="0"/>
+              <a:rPr lang="en-US"/>
               <a:t>Click to edit Master title style</a:t>
             </a:r>
-            <a:endParaRPr lang="en-US"/>
           </a:p>
         </p:txBody>
       </p:sp>
@@ -1558,38 +1563,37 @@
           <a:p>
             <a:pPr lvl="0"/>
             <a:r>
-              <a:rPr lang="en-US" smtClean="0"/>
+              <a:rPr lang="en-US"/>
               <a:t>Click to edit Master text styles</a:t>
             </a:r>
           </a:p>
           <a:p>
             <a:pPr lvl="1"/>
             <a:r>
-              <a:rPr lang="en-US" smtClean="0"/>
+              <a:rPr lang="en-US"/>
               <a:t>Second level</a:t>
             </a:r>
           </a:p>
           <a:p>
             <a:pPr lvl="2"/>
             <a:r>
-              <a:rPr lang="en-US" smtClean="0"/>
+              <a:rPr lang="en-US"/>
               <a:t>Third level</a:t>
             </a:r>
           </a:p>
           <a:p>
             <a:pPr lvl="3"/>
             <a:r>
-              <a:rPr lang="en-US" smtClean="0"/>
+              <a:rPr lang="en-US"/>
               <a:t>Fourth level</a:t>
             </a:r>
           </a:p>
           <a:p>
             <a:pPr lvl="4"/>
             <a:r>
-              <a:rPr lang="en-US" smtClean="0"/>
+              <a:rPr lang="en-US"/>
               <a:t>Fifth level</a:t>
             </a:r>
-            <a:endParaRPr lang="en-US"/>
           </a:p>
         </p:txBody>
       </p:sp>
@@ -1643,38 +1647,37 @@
           <a:p>
             <a:pPr lvl="0"/>
             <a:r>
-              <a:rPr lang="en-US" smtClean="0"/>
+              <a:rPr lang="en-US"/>
               <a:t>Click to edit Master text styles</a:t>
             </a:r>
           </a:p>
           <a:p>
             <a:pPr lvl="1"/>
             <a:r>
-              <a:rPr lang="en-US" smtClean="0"/>
+              <a:rPr lang="en-US"/>
               <a:t>Second level</a:t>
             </a:r>
           </a:p>
           <a:p>
             <a:pPr lvl="2"/>
             <a:r>
-              <a:rPr lang="en-US" smtClean="0"/>
+              <a:rPr lang="en-US"/>
               <a:t>Third level</a:t>
             </a:r>
           </a:p>
           <a:p>
             <a:pPr lvl="3"/>
             <a:r>
-              <a:rPr lang="en-US" smtClean="0"/>
+              <a:rPr lang="en-US"/>
               <a:t>Fourth level</a:t>
             </a:r>
           </a:p>
           <a:p>
             <a:pPr lvl="4"/>
             <a:r>
-              <a:rPr lang="en-US" smtClean="0"/>
+              <a:rPr lang="en-US"/>
               <a:t>Fifth level</a:t>
             </a:r>
-            <a:endParaRPr lang="en-US"/>
           </a:p>
         </p:txBody>
       </p:sp>
@@ -1695,7 +1698,7 @@
           <a:p>
             <a:fld id="{78C97017-6FC3-485B-9764-EAC9E56C1D49}" type="datetimeFigureOut">
               <a:rPr lang="en-US" smtClean="0"/>
-              <a:t>10/16/2016</a:t>
+              <a:t>23-Mar-17</a:t>
             </a:fld>
             <a:endParaRPr lang="en-US"/>
           </a:p>
@@ -1793,10 +1796,9 @@
           </a:lstStyle>
           <a:p>
             <a:r>
-              <a:rPr lang="en-US" smtClean="0"/>
+              <a:rPr lang="en-US"/>
               <a:t>Click to edit Master title style</a:t>
             </a:r>
-            <a:endParaRPr lang="en-US"/>
           </a:p>
         </p:txBody>
       </p:sp>
@@ -1859,7 +1861,7 @@
           <a:p>
             <a:pPr lvl="0"/>
             <a:r>
-              <a:rPr lang="en-US" smtClean="0"/>
+              <a:rPr lang="en-US"/>
               <a:t>Click to edit Master text styles</a:t>
             </a:r>
           </a:p>
@@ -1915,38 +1917,37 @@
           <a:p>
             <a:pPr lvl="0"/>
             <a:r>
-              <a:rPr lang="en-US" smtClean="0"/>
+              <a:rPr lang="en-US"/>
               <a:t>Click to edit Master text styles</a:t>
             </a:r>
           </a:p>
           <a:p>
             <a:pPr lvl="1"/>
             <a:r>
-              <a:rPr lang="en-US" smtClean="0"/>
+              <a:rPr lang="en-US"/>
               <a:t>Second level</a:t>
             </a:r>
           </a:p>
           <a:p>
             <a:pPr lvl="2"/>
             <a:r>
-              <a:rPr lang="en-US" smtClean="0"/>
+              <a:rPr lang="en-US"/>
               <a:t>Third level</a:t>
             </a:r>
           </a:p>
           <a:p>
             <a:pPr lvl="3"/>
             <a:r>
-              <a:rPr lang="en-US" smtClean="0"/>
+              <a:rPr lang="en-US"/>
               <a:t>Fourth level</a:t>
             </a:r>
           </a:p>
           <a:p>
             <a:pPr lvl="4"/>
             <a:r>
-              <a:rPr lang="en-US" smtClean="0"/>
+              <a:rPr lang="en-US"/>
               <a:t>Fifth level</a:t>
             </a:r>
-            <a:endParaRPr lang="en-US"/>
           </a:p>
         </p:txBody>
       </p:sp>
@@ -2009,7 +2010,7 @@
           <a:p>
             <a:pPr lvl="0"/>
             <a:r>
-              <a:rPr lang="en-US" smtClean="0"/>
+              <a:rPr lang="en-US"/>
               <a:t>Click to edit Master text styles</a:t>
             </a:r>
           </a:p>
@@ -2065,38 +2066,37 @@
           <a:p>
             <a:pPr lvl="0"/>
             <a:r>
-              <a:rPr lang="en-US" smtClean="0"/>
+              <a:rPr lang="en-US"/>
               <a:t>Click to edit Master text styles</a:t>
             </a:r>
           </a:p>
           <a:p>
             <a:pPr lvl="1"/>
             <a:r>
-              <a:rPr lang="en-US" smtClean="0"/>
+              <a:rPr lang="en-US"/>
               <a:t>Second level</a:t>
             </a:r>
           </a:p>
           <a:p>
             <a:pPr lvl="2"/>
             <a:r>
-              <a:rPr lang="en-US" smtClean="0"/>
+              <a:rPr lang="en-US"/>
               <a:t>Third level</a:t>
             </a:r>
           </a:p>
           <a:p>
             <a:pPr lvl="3"/>
             <a:r>
-              <a:rPr lang="en-US" smtClean="0"/>
+              <a:rPr lang="en-US"/>
               <a:t>Fourth level</a:t>
             </a:r>
           </a:p>
           <a:p>
             <a:pPr lvl="4"/>
             <a:r>
-              <a:rPr lang="en-US" smtClean="0"/>
+              <a:rPr lang="en-US"/>
               <a:t>Fifth level</a:t>
             </a:r>
-            <a:endParaRPr lang="en-US"/>
           </a:p>
         </p:txBody>
       </p:sp>
@@ -2117,7 +2117,7 @@
           <a:p>
             <a:fld id="{78C97017-6FC3-485B-9764-EAC9E56C1D49}" type="datetimeFigureOut">
               <a:rPr lang="en-US" smtClean="0"/>
-              <a:t>10/16/2016</a:t>
+              <a:t>23-Mar-17</a:t>
             </a:fld>
             <a:endParaRPr lang="en-US"/>
           </a:p>
@@ -2211,10 +2211,9 @@
           <a:lstStyle/>
           <a:p>
             <a:r>
-              <a:rPr lang="en-US" smtClean="0"/>
+              <a:rPr lang="en-US"/>
               <a:t>Click to edit Master title style</a:t>
             </a:r>
-            <a:endParaRPr lang="en-US"/>
           </a:p>
         </p:txBody>
       </p:sp>
@@ -2235,7 +2234,7 @@
           <a:p>
             <a:fld id="{78C97017-6FC3-485B-9764-EAC9E56C1D49}" type="datetimeFigureOut">
               <a:rPr lang="en-US" smtClean="0"/>
-              <a:t>10/16/2016</a:t>
+              <a:t>23-Mar-17</a:t>
             </a:fld>
             <a:endParaRPr lang="en-US"/>
           </a:p>
@@ -2330,7 +2329,7 @@
           <a:p>
             <a:fld id="{78C97017-6FC3-485B-9764-EAC9E56C1D49}" type="datetimeFigureOut">
               <a:rPr lang="en-US" smtClean="0"/>
-              <a:t>10/16/2016</a:t>
+              <a:t>23-Mar-17</a:t>
             </a:fld>
             <a:endParaRPr lang="en-US"/>
           </a:p>
@@ -2433,10 +2432,9 @@
           </a:lstStyle>
           <a:p>
             <a:r>
-              <a:rPr lang="en-US" smtClean="0"/>
+              <a:rPr lang="en-US"/>
               <a:t>Click to edit Master title style</a:t>
             </a:r>
-            <a:endParaRPr lang="en-US"/>
           </a:p>
         </p:txBody>
       </p:sp>
@@ -2490,38 +2488,37 @@
           <a:p>
             <a:pPr lvl="0"/>
             <a:r>
-              <a:rPr lang="en-US" smtClean="0"/>
+              <a:rPr lang="en-US"/>
               <a:t>Click to edit Master text styles</a:t>
             </a:r>
           </a:p>
           <a:p>
             <a:pPr lvl="1"/>
             <a:r>
-              <a:rPr lang="en-US" smtClean="0"/>
+              <a:rPr lang="en-US"/>
               <a:t>Second level</a:t>
             </a:r>
           </a:p>
           <a:p>
             <a:pPr lvl="2"/>
             <a:r>
-              <a:rPr lang="en-US" smtClean="0"/>
+              <a:rPr lang="en-US"/>
               <a:t>Third level</a:t>
             </a:r>
           </a:p>
           <a:p>
             <a:pPr lvl="3"/>
             <a:r>
-              <a:rPr lang="en-US" smtClean="0"/>
+              <a:rPr lang="en-US"/>
               <a:t>Fourth level</a:t>
             </a:r>
           </a:p>
           <a:p>
             <a:pPr lvl="4"/>
             <a:r>
-              <a:rPr lang="en-US" smtClean="0"/>
+              <a:rPr lang="en-US"/>
               <a:t>Fifth level</a:t>
             </a:r>
-            <a:endParaRPr lang="en-US"/>
           </a:p>
         </p:txBody>
       </p:sp>
@@ -2584,7 +2581,7 @@
           <a:p>
             <a:pPr lvl="0"/>
             <a:r>
-              <a:rPr lang="en-US" smtClean="0"/>
+              <a:rPr lang="en-US"/>
               <a:t>Click to edit Master text styles</a:t>
             </a:r>
           </a:p>
@@ -2607,7 +2604,7 @@
           <a:p>
             <a:fld id="{78C97017-6FC3-485B-9764-EAC9E56C1D49}" type="datetimeFigureOut">
               <a:rPr lang="en-US" smtClean="0"/>
-              <a:t>10/16/2016</a:t>
+              <a:t>23-Mar-17</a:t>
             </a:fld>
             <a:endParaRPr lang="en-US"/>
           </a:p>
@@ -2710,10 +2707,9 @@
           </a:lstStyle>
           <a:p>
             <a:r>
-              <a:rPr lang="en-US" smtClean="0"/>
+              <a:rPr lang="en-US"/>
               <a:t>Click to edit Master title style</a:t>
             </a:r>
-            <a:endParaRPr lang="en-US"/>
           </a:p>
         </p:txBody>
       </p:sp>
@@ -2837,7 +2833,7 @@
           <a:p>
             <a:pPr lvl="0"/>
             <a:r>
-              <a:rPr lang="en-US" smtClean="0"/>
+              <a:rPr lang="en-US"/>
               <a:t>Click to edit Master text styles</a:t>
             </a:r>
           </a:p>
@@ -2860,7 +2856,7 @@
           <a:p>
             <a:fld id="{78C97017-6FC3-485B-9764-EAC9E56C1D49}" type="datetimeFigureOut">
               <a:rPr lang="en-US" smtClean="0"/>
-              <a:t>10/16/2016</a:t>
+              <a:t>23-Mar-17</a:t>
             </a:fld>
             <a:endParaRPr lang="en-US"/>
           </a:p>
@@ -2969,10 +2965,9 @@
           <a:lstStyle/>
           <a:p>
             <a:r>
-              <a:rPr lang="en-US" smtClean="0"/>
+              <a:rPr lang="en-US"/>
               <a:t>Click to edit Master title style</a:t>
             </a:r>
-            <a:endParaRPr lang="en-US"/>
           </a:p>
         </p:txBody>
       </p:sp>
@@ -3003,38 +2998,37 @@
           <a:p>
             <a:pPr lvl="0"/>
             <a:r>
-              <a:rPr lang="en-US" smtClean="0"/>
+              <a:rPr lang="en-US"/>
               <a:t>Click to edit Master text styles</a:t>
             </a:r>
           </a:p>
           <a:p>
             <a:pPr lvl="1"/>
             <a:r>
-              <a:rPr lang="en-US" smtClean="0"/>
+              <a:rPr lang="en-US"/>
               <a:t>Second level</a:t>
             </a:r>
           </a:p>
           <a:p>
             <a:pPr lvl="2"/>
             <a:r>
-              <a:rPr lang="en-US" smtClean="0"/>
+              <a:rPr lang="en-US"/>
               <a:t>Third level</a:t>
             </a:r>
           </a:p>
           <a:p>
             <a:pPr lvl="3"/>
             <a:r>
-              <a:rPr lang="en-US" smtClean="0"/>
+              <a:rPr lang="en-US"/>
               <a:t>Fourth level</a:t>
             </a:r>
           </a:p>
           <a:p>
             <a:pPr lvl="4"/>
             <a:r>
-              <a:rPr lang="en-US" smtClean="0"/>
+              <a:rPr lang="en-US"/>
               <a:t>Fifth level</a:t>
             </a:r>
-            <a:endParaRPr lang="en-US"/>
           </a:p>
         </p:txBody>
       </p:sp>
@@ -3073,7 +3067,7 @@
           <a:p>
             <a:fld id="{78C97017-6FC3-485B-9764-EAC9E56C1D49}" type="datetimeFigureOut">
               <a:rPr lang="en-US" smtClean="0"/>
-              <a:t>10/16/2016</a:t>
+              <a:t>23-Mar-17</a:t>
             </a:fld>
             <a:endParaRPr lang="en-US"/>
           </a:p>
@@ -3494,7 +3488,7 @@
           <a:lstStyle/>
           <a:p>
             <a:r>
-              <a:rPr lang="en-US" sz="1200" b="1" dirty="0" smtClean="0">
+              <a:rPr lang="en-US" sz="1200" b="1" dirty="0">
                 <a:solidFill>
                   <a:schemeClr val="accent6">
                     <a:lumMod val="75000"/>
@@ -3561,7 +3555,7 @@
           <a:p>
             <a:pPr algn="ctr"/>
             <a:r>
-              <a:rPr lang="en-US" sz="1050" dirty="0" smtClean="0">
+              <a:rPr lang="en-US" sz="1050" dirty="0">
                 <a:solidFill>
                   <a:schemeClr val="bg1"/>
                 </a:solidFill>
@@ -3569,19 +3563,19 @@
               <a:t>&lt;&lt;interface&gt;&gt;</a:t>
             </a:r>
             <a:br>
-              <a:rPr lang="en-US" sz="1050" dirty="0" smtClean="0">
+              <a:rPr lang="en-US" sz="1050" dirty="0">
                 <a:solidFill>
                   <a:schemeClr val="bg1"/>
                 </a:solidFill>
               </a:rPr>
             </a:br>
             <a:r>
-              <a:rPr lang="en-US" sz="1050" dirty="0" err="1" smtClean="0">
+              <a:rPr lang="en-US" sz="1050" dirty="0" err="1">
                 <a:solidFill>
                   <a:schemeClr val="bg1"/>
                 </a:solidFill>
               </a:rPr>
-              <a:t>AddressBookStorage</a:t>
+              <a:t>TaskListStorage</a:t>
             </a:r>
             <a:endParaRPr lang="en-SG" sz="1050" dirty="0">
               <a:solidFill>
@@ -3639,7 +3633,7 @@
           <a:p>
             <a:pPr algn="ctr"/>
             <a:r>
-              <a:rPr lang="en-US" sz="1050" dirty="0" err="1" smtClean="0">
+              <a:rPr lang="en-US" sz="1050" dirty="0" err="1">
                 <a:solidFill>
                   <a:schemeClr val="bg1"/>
                 </a:solidFill>
@@ -3713,7 +3707,7 @@
           <a:p>
             <a:pPr algn="ctr"/>
             <a:r>
-              <a:rPr lang="en-US" sz="1050" dirty="0" smtClean="0">
+              <a:rPr lang="en-US" sz="1050" dirty="0">
                 <a:solidFill>
                   <a:schemeClr val="bg1"/>
                 </a:solidFill>
@@ -4147,27 +4141,17 @@
           <a:p>
             <a:pPr algn="ctr"/>
             <a:r>
-              <a:rPr lang="en-US" sz="1050" b="1" dirty="0" err="1" smtClean="0">
+              <a:rPr lang="en-US" sz="1050" b="1" dirty="0" err="1">
                 <a:solidFill>
                   <a:schemeClr val="accent6">
                     <a:lumMod val="75000"/>
                   </a:schemeClr>
                 </a:solidFill>
               </a:rPr>
-              <a:t>XmlAddressBook</a:t>
-            </a:r>
-            <a:r>
-              <a:rPr lang="en-US" sz="1050" b="1" dirty="0" smtClean="0">
-                <a:solidFill>
-                  <a:schemeClr val="accent6">
-                    <a:lumMod val="75000"/>
-                  </a:schemeClr>
-                </a:solidFill>
-              </a:rPr>
-              <a:t/>
+              <a:t>XmlTaskList</a:t>
             </a:r>
             <a:br>
-              <a:rPr lang="en-US" sz="1050" b="1" dirty="0" smtClean="0">
+              <a:rPr lang="en-US" sz="1050" b="1" dirty="0">
                 <a:solidFill>
                   <a:schemeClr val="accent6">
                     <a:lumMod val="75000"/>
@@ -4176,7 +4160,7 @@
               </a:rPr>
             </a:br>
             <a:r>
-              <a:rPr lang="en-US" sz="1050" b="1" dirty="0" smtClean="0">
+              <a:rPr lang="en-US" sz="1050" b="1" dirty="0">
                 <a:solidFill>
                   <a:schemeClr val="accent6">
                     <a:lumMod val="75000"/>
@@ -4243,7 +4227,7 @@
           <a:p>
             <a:pPr algn="ctr"/>
             <a:r>
-              <a:rPr lang="en-US" sz="1050" dirty="0" smtClean="0">
+              <a:rPr lang="en-US" sz="1050" dirty="0">
                 <a:solidFill>
                   <a:schemeClr val="bg1"/>
                 </a:solidFill>
@@ -4251,14 +4235,14 @@
               <a:t>&lt;&lt;interface&gt;&gt;</a:t>
             </a:r>
             <a:br>
-              <a:rPr lang="en-US" sz="1050" dirty="0" smtClean="0">
+              <a:rPr lang="en-US" sz="1050" dirty="0">
                 <a:solidFill>
                   <a:schemeClr val="bg1"/>
                 </a:solidFill>
               </a:rPr>
             </a:br>
             <a:r>
-              <a:rPr lang="en-US" sz="1050" dirty="0" err="1" smtClean="0">
+              <a:rPr lang="en-US" sz="1050" dirty="0" err="1">
                 <a:solidFill>
                   <a:schemeClr val="bg1"/>
                 </a:solidFill>
@@ -4516,30 +4500,22 @@
           <a:p>
             <a:pPr algn="ctr"/>
             <a:r>
-              <a:rPr lang="en-US" sz="1050" dirty="0" err="1" smtClean="0">
+              <a:rPr lang="en-US" sz="1050" dirty="0" err="1">
                 <a:solidFill>
                   <a:schemeClr val="bg1"/>
                 </a:solidFill>
               </a:rPr>
               <a:t>JsonUserPrefs</a:t>
             </a:r>
-            <a:r>
-              <a:rPr lang="en-US" sz="1050" dirty="0" smtClean="0">
-                <a:solidFill>
-                  <a:schemeClr val="bg1"/>
-                </a:solidFill>
-              </a:rPr>
-              <a:t/>
-            </a:r>
             <a:br>
-              <a:rPr lang="en-US" sz="1050" dirty="0" smtClean="0">
+              <a:rPr lang="en-US" sz="1050" dirty="0">
                 <a:solidFill>
                   <a:schemeClr val="bg1"/>
                 </a:solidFill>
               </a:rPr>
             </a:br>
             <a:r>
-              <a:rPr lang="en-US" sz="1050" dirty="0" smtClean="0">
+              <a:rPr lang="en-US" sz="1050" dirty="0">
                 <a:solidFill>
                   <a:schemeClr val="bg1"/>
                 </a:solidFill>
@@ -4591,7 +4567,7 @@
           <a:p>
             <a:pPr algn="ctr"/>
             <a:r>
-              <a:rPr lang="en-US" sz="1050" b="1" dirty="0" err="1" smtClean="0">
+              <a:rPr lang="en-US" sz="1050" b="1" dirty="0" err="1">
                 <a:solidFill>
                   <a:schemeClr val="accent6">
                     <a:lumMod val="75000"/>
@@ -4600,18 +4576,8 @@
               </a:rPr>
               <a:t>XmlSerializable</a:t>
             </a:r>
-            <a:r>
-              <a:rPr lang="en-US" sz="1050" b="1" dirty="0" smtClean="0">
-                <a:solidFill>
-                  <a:schemeClr val="accent6">
-                    <a:lumMod val="75000"/>
-                  </a:schemeClr>
-                </a:solidFill>
-              </a:rPr>
-              <a:t/>
-            </a:r>
             <a:br>
-              <a:rPr lang="en-US" sz="1050" b="1" dirty="0" smtClean="0">
+              <a:rPr lang="en-US" sz="1050" b="1" dirty="0">
                 <a:solidFill>
                   <a:schemeClr val="accent6">
                     <a:lumMod val="75000"/>
@@ -4620,14 +4586,14 @@
               </a:rPr>
             </a:br>
             <a:r>
-              <a:rPr lang="en-US" sz="1050" b="1" dirty="0" err="1" smtClean="0">
+              <a:rPr lang="en-US" sz="1050" b="1" dirty="0" err="1">
                 <a:solidFill>
                   <a:schemeClr val="accent6">
                     <a:lumMod val="75000"/>
                   </a:schemeClr>
                 </a:solidFill>
               </a:rPr>
-              <a:t>AddressBook</a:t>
+              <a:t>TaskList</a:t>
             </a:r>
             <a:endParaRPr lang="en-SG" sz="1050" b="1" dirty="0">
               <a:solidFill>
@@ -4717,7 +4683,7 @@
           <a:p>
             <a:pPr algn="ctr"/>
             <a:r>
-              <a:rPr lang="en-US" sz="1050" b="1" dirty="0" err="1" smtClean="0">
+              <a:rPr lang="en-US" sz="1050" b="1" dirty="0" err="1">
                 <a:solidFill>
                   <a:schemeClr val="accent6">
                     <a:lumMod val="75000"/>
@@ -4773,14 +4739,14 @@
           <a:p>
             <a:pPr algn="ctr"/>
             <a:r>
-              <a:rPr lang="en-US" sz="1050" b="1" dirty="0" err="1" smtClean="0">
+              <a:rPr lang="en-US" sz="1050" b="1" dirty="0" err="1">
                 <a:solidFill>
                   <a:schemeClr val="accent6">
                     <a:lumMod val="75000"/>
                   </a:schemeClr>
                 </a:solidFill>
               </a:rPr>
-              <a:t>XmlAdaptedPerson</a:t>
+              <a:t>XmlAdaptedTask</a:t>
             </a:r>
             <a:endParaRPr lang="en-SG" sz="1050" b="1" dirty="0">
               <a:solidFill>
@@ -4843,13 +4809,6 @@
   <p:clrMapOvr>
     <a:masterClrMapping/>
   </p:clrMapOvr>
-  <p:timing>
-    <p:tnLst>
-      <p:par>
-        <p:cTn id="1" dur="indefinite" restart="never" nodeType="tmRoot"/>
-      </p:par>
-    </p:tnLst>
-  </p:timing>
 </p:sld>
 </file>
 

--- a/docs/diagrams/StorageComponentClassDiagram.pptx
+++ b/docs/diagrams/StorageComponentClassDiagram.pptx
@@ -208,7 +208,7 @@
           <a:p>
             <a:fld id="{F5CC4B3F-88C1-4FFA-B1B6-F41C21DC6924}" type="datetimeFigureOut">
               <a:rPr lang="en-US" smtClean="0"/>
-              <a:t>3/22/2017</a:t>
+              <a:t>3/23/2017</a:t>
             </a:fld>
             <a:endParaRPr lang="en-US"/>
           </a:p>
@@ -657,7 +657,7 @@
           <a:p>
             <a:fld id="{78C97017-6FC3-485B-9764-EAC9E56C1D49}" type="datetimeFigureOut">
               <a:rPr lang="en-US" smtClean="0"/>
-              <a:t>3/22/2017</a:t>
+              <a:t>3/23/2017</a:t>
             </a:fld>
             <a:endParaRPr lang="en-US"/>
           </a:p>
@@ -827,7 +827,7 @@
           <a:p>
             <a:fld id="{78C97017-6FC3-485B-9764-EAC9E56C1D49}" type="datetimeFigureOut">
               <a:rPr lang="en-US" smtClean="0"/>
-              <a:t>3/22/2017</a:t>
+              <a:t>3/23/2017</a:t>
             </a:fld>
             <a:endParaRPr lang="en-US"/>
           </a:p>
@@ -1007,7 +1007,7 @@
           <a:p>
             <a:fld id="{78C97017-6FC3-485B-9764-EAC9E56C1D49}" type="datetimeFigureOut">
               <a:rPr lang="en-US" smtClean="0"/>
-              <a:t>3/22/2017</a:t>
+              <a:t>3/23/2017</a:t>
             </a:fld>
             <a:endParaRPr lang="en-US"/>
           </a:p>
@@ -1177,7 +1177,7 @@
           <a:p>
             <a:fld id="{78C97017-6FC3-485B-9764-EAC9E56C1D49}" type="datetimeFigureOut">
               <a:rPr lang="en-US" smtClean="0"/>
-              <a:t>3/22/2017</a:t>
+              <a:t>3/23/2017</a:t>
             </a:fld>
             <a:endParaRPr lang="en-US"/>
           </a:p>
@@ -1423,7 +1423,7 @@
           <a:p>
             <a:fld id="{78C97017-6FC3-485B-9764-EAC9E56C1D49}" type="datetimeFigureOut">
               <a:rPr lang="en-US" smtClean="0"/>
-              <a:t>3/22/2017</a:t>
+              <a:t>3/23/2017</a:t>
             </a:fld>
             <a:endParaRPr lang="en-US"/>
           </a:p>
@@ -1711,7 +1711,7 @@
           <a:p>
             <a:fld id="{78C97017-6FC3-485B-9764-EAC9E56C1D49}" type="datetimeFigureOut">
               <a:rPr lang="en-US" smtClean="0"/>
-              <a:t>3/22/2017</a:t>
+              <a:t>3/23/2017</a:t>
             </a:fld>
             <a:endParaRPr lang="en-US"/>
           </a:p>
@@ -2133,7 +2133,7 @@
           <a:p>
             <a:fld id="{78C97017-6FC3-485B-9764-EAC9E56C1D49}" type="datetimeFigureOut">
               <a:rPr lang="en-US" smtClean="0"/>
-              <a:t>3/22/2017</a:t>
+              <a:t>3/23/2017</a:t>
             </a:fld>
             <a:endParaRPr lang="en-US"/>
           </a:p>
@@ -2251,7 +2251,7 @@
           <a:p>
             <a:fld id="{78C97017-6FC3-485B-9764-EAC9E56C1D49}" type="datetimeFigureOut">
               <a:rPr lang="en-US" smtClean="0"/>
-              <a:t>3/22/2017</a:t>
+              <a:t>3/23/2017</a:t>
             </a:fld>
             <a:endParaRPr lang="en-US"/>
           </a:p>
@@ -2346,7 +2346,7 @@
           <a:p>
             <a:fld id="{78C97017-6FC3-485B-9764-EAC9E56C1D49}" type="datetimeFigureOut">
               <a:rPr lang="en-US" smtClean="0"/>
-              <a:t>3/22/2017</a:t>
+              <a:t>3/23/2017</a:t>
             </a:fld>
             <a:endParaRPr lang="en-US"/>
           </a:p>
@@ -2623,7 +2623,7 @@
           <a:p>
             <a:fld id="{78C97017-6FC3-485B-9764-EAC9E56C1D49}" type="datetimeFigureOut">
               <a:rPr lang="en-US" smtClean="0"/>
-              <a:t>3/22/2017</a:t>
+              <a:t>3/23/2017</a:t>
             </a:fld>
             <a:endParaRPr lang="en-US"/>
           </a:p>
@@ -2876,7 +2876,7 @@
           <a:p>
             <a:fld id="{78C97017-6FC3-485B-9764-EAC9E56C1D49}" type="datetimeFigureOut">
               <a:rPr lang="en-US" smtClean="0"/>
-              <a:t>3/22/2017</a:t>
+              <a:t>3/23/2017</a:t>
             </a:fld>
             <a:endParaRPr lang="en-US"/>
           </a:p>
@@ -3089,7 +3089,7 @@
           <a:p>
             <a:fld id="{78C97017-6FC3-485B-9764-EAC9E56C1D49}" type="datetimeFigureOut">
               <a:rPr lang="en-US" smtClean="0"/>
-              <a:t>3/22/2017</a:t>
+              <a:t>3/23/2017</a:t>
             </a:fld>
             <a:endParaRPr lang="en-US"/>
           </a:p>
@@ -3473,7 +3473,7 @@
         <p:spPr>
           <a:xfrm>
             <a:off x="580070" y="2042990"/>
-            <a:ext cx="8305800" cy="2605209"/>
+            <a:ext cx="8487730" cy="2605209"/>
           </a:xfrm>
           <a:prstGeom prst="roundRect">
             <a:avLst>
@@ -3597,15 +3597,7 @@
                   <a:schemeClr val="bg1"/>
                 </a:solidFill>
               </a:rPr>
-              <a:t>TaskManager</a:t>
-            </a:r>
-            <a:r>
-              <a:rPr lang="en-US" sz="1050" dirty="0" err="1" smtClean="0">
-                <a:solidFill>
-                  <a:schemeClr val="bg1"/>
-                </a:solidFill>
-              </a:rPr>
-              <a:t>Storage</a:t>
+              <a:t>TaskManagerStorage</a:t>
             </a:r>
             <a:endParaRPr lang="en-SG" sz="1050" dirty="0">
               <a:solidFill>

--- a/docs/diagrams/StorageComponentClassDiagram.pptx
+++ b/docs/diagrams/StorageComponentClassDiagram.pptx
@@ -107,6 +107,22 @@
       </a:defRPr>
     </a:lvl9pPr>
   </p:defaultTextStyle>
+  <p:extLst>
+    <p:ext uri="{EFAFB233-063F-42B5-8137-9DF3F51BA10A}">
+      <p15:sldGuideLst xmlns:p15="http://schemas.microsoft.com/office/powerpoint/2012/main">
+        <p15:guide id="1" orient="horz" pos="1488">
+          <p15:clr>
+            <a:srgbClr val="A4A3A4"/>
+          </p15:clr>
+        </p15:guide>
+        <p15:guide id="2" pos="2880">
+          <p15:clr>
+            <a:srgbClr val="A4A3A4"/>
+          </p15:clr>
+        </p15:guide>
+      </p15:sldGuideLst>
+    </p:ext>
+  </p:extLst>
 </p:presentation>
 </file>
 
@@ -192,7 +208,7 @@
           <a:p>
             <a:fld id="{F5CC4B3F-88C1-4FFA-B1B6-F41C21DC6924}" type="datetimeFigureOut">
               <a:rPr lang="en-US" smtClean="0"/>
-              <a:t>10/16/2016</a:t>
+              <a:t>3/22/2017</a:t>
             </a:fld>
             <a:endParaRPr lang="en-US"/>
           </a:p>
@@ -256,38 +272,37 @@
           <a:p>
             <a:pPr lvl="0"/>
             <a:r>
-              <a:rPr lang="en-US" smtClean="0"/>
+              <a:rPr lang="en-US"/>
               <a:t>Click to edit Master text styles</a:t>
             </a:r>
           </a:p>
           <a:p>
             <a:pPr lvl="1"/>
             <a:r>
-              <a:rPr lang="en-US" smtClean="0"/>
+              <a:rPr lang="en-US"/>
               <a:t>Second level</a:t>
             </a:r>
           </a:p>
           <a:p>
             <a:pPr lvl="2"/>
             <a:r>
-              <a:rPr lang="en-US" smtClean="0"/>
+              <a:rPr lang="en-US"/>
               <a:t>Third level</a:t>
             </a:r>
           </a:p>
           <a:p>
             <a:pPr lvl="3"/>
             <a:r>
-              <a:rPr lang="en-US" smtClean="0"/>
+              <a:rPr lang="en-US"/>
               <a:t>Fourth level</a:t>
             </a:r>
           </a:p>
           <a:p>
             <a:pPr lvl="4"/>
             <a:r>
-              <a:rPr lang="en-US" smtClean="0"/>
+              <a:rPr lang="en-US"/>
               <a:t>Fifth level</a:t>
             </a:r>
-            <a:endParaRPr lang="en-US"/>
           </a:p>
         </p:txBody>
       </p:sp>
@@ -498,10 +513,9 @@
           <a:lstStyle/>
           <a:p>
             <a:r>
-              <a:rPr lang="en-US" smtClean="0"/>
+              <a:rPr lang="en-US"/>
               <a:t>Click to edit Master title style</a:t>
             </a:r>
-            <a:endParaRPr lang="en-US"/>
           </a:p>
         </p:txBody>
       </p:sp>
@@ -617,10 +631,9 @@
           </a:lstStyle>
           <a:p>
             <a:r>
-              <a:rPr lang="en-US" smtClean="0"/>
+              <a:rPr lang="en-US"/>
               <a:t>Click to edit Master subtitle style</a:t>
             </a:r>
-            <a:endParaRPr lang="en-US"/>
           </a:p>
         </p:txBody>
       </p:sp>
@@ -641,7 +654,7 @@
           <a:p>
             <a:fld id="{78C97017-6FC3-485B-9764-EAC9E56C1D49}" type="datetimeFigureOut">
               <a:rPr lang="en-US" smtClean="0"/>
-              <a:t>10/16/2016</a:t>
+              <a:t>3/22/2017</a:t>
             </a:fld>
             <a:endParaRPr lang="en-US"/>
           </a:p>
@@ -735,10 +748,9 @@
           <a:lstStyle/>
           <a:p>
             <a:r>
-              <a:rPr lang="en-US" smtClean="0"/>
+              <a:rPr lang="en-US"/>
               <a:t>Click to edit Master title style</a:t>
             </a:r>
-            <a:endParaRPr lang="en-US"/>
           </a:p>
         </p:txBody>
       </p:sp>
@@ -759,38 +771,37 @@
           <a:p>
             <a:pPr lvl="0"/>
             <a:r>
-              <a:rPr lang="en-US" smtClean="0"/>
+              <a:rPr lang="en-US"/>
               <a:t>Click to edit Master text styles</a:t>
             </a:r>
           </a:p>
           <a:p>
             <a:pPr lvl="1"/>
             <a:r>
-              <a:rPr lang="en-US" smtClean="0"/>
+              <a:rPr lang="en-US"/>
               <a:t>Second level</a:t>
             </a:r>
           </a:p>
           <a:p>
             <a:pPr lvl="2"/>
             <a:r>
-              <a:rPr lang="en-US" smtClean="0"/>
+              <a:rPr lang="en-US"/>
               <a:t>Third level</a:t>
             </a:r>
           </a:p>
           <a:p>
             <a:pPr lvl="3"/>
             <a:r>
-              <a:rPr lang="en-US" smtClean="0"/>
+              <a:rPr lang="en-US"/>
               <a:t>Fourth level</a:t>
             </a:r>
           </a:p>
           <a:p>
             <a:pPr lvl="4"/>
             <a:r>
-              <a:rPr lang="en-US" smtClean="0"/>
+              <a:rPr lang="en-US"/>
               <a:t>Fifth level</a:t>
             </a:r>
-            <a:endParaRPr lang="en-US"/>
           </a:p>
         </p:txBody>
       </p:sp>
@@ -811,7 +822,7 @@
           <a:p>
             <a:fld id="{78C97017-6FC3-485B-9764-EAC9E56C1D49}" type="datetimeFigureOut">
               <a:rPr lang="en-US" smtClean="0"/>
-              <a:t>10/16/2016</a:t>
+              <a:t>3/22/2017</a:t>
             </a:fld>
             <a:endParaRPr lang="en-US"/>
           </a:p>
@@ -910,10 +921,9 @@
           <a:lstStyle/>
           <a:p>
             <a:r>
-              <a:rPr lang="en-US" smtClean="0"/>
+              <a:rPr lang="en-US"/>
               <a:t>Click to edit Master title style</a:t>
             </a:r>
-            <a:endParaRPr lang="en-US"/>
           </a:p>
         </p:txBody>
       </p:sp>
@@ -939,38 +949,37 @@
           <a:p>
             <a:pPr lvl="0"/>
             <a:r>
-              <a:rPr lang="en-US" smtClean="0"/>
+              <a:rPr lang="en-US"/>
               <a:t>Click to edit Master text styles</a:t>
             </a:r>
           </a:p>
           <a:p>
             <a:pPr lvl="1"/>
             <a:r>
-              <a:rPr lang="en-US" smtClean="0"/>
+              <a:rPr lang="en-US"/>
               <a:t>Second level</a:t>
             </a:r>
           </a:p>
           <a:p>
             <a:pPr lvl="2"/>
             <a:r>
-              <a:rPr lang="en-US" smtClean="0"/>
+              <a:rPr lang="en-US"/>
               <a:t>Third level</a:t>
             </a:r>
           </a:p>
           <a:p>
             <a:pPr lvl="3"/>
             <a:r>
-              <a:rPr lang="en-US" smtClean="0"/>
+              <a:rPr lang="en-US"/>
               <a:t>Fourth level</a:t>
             </a:r>
           </a:p>
           <a:p>
             <a:pPr lvl="4"/>
             <a:r>
-              <a:rPr lang="en-US" smtClean="0"/>
+              <a:rPr lang="en-US"/>
               <a:t>Fifth level</a:t>
             </a:r>
-            <a:endParaRPr lang="en-US"/>
           </a:p>
         </p:txBody>
       </p:sp>
@@ -991,7 +1000,7 @@
           <a:p>
             <a:fld id="{78C97017-6FC3-485B-9764-EAC9E56C1D49}" type="datetimeFigureOut">
               <a:rPr lang="en-US" smtClean="0"/>
-              <a:t>10/16/2016</a:t>
+              <a:t>3/22/2017</a:t>
             </a:fld>
             <a:endParaRPr lang="en-US"/>
           </a:p>
@@ -1085,10 +1094,9 @@
           <a:lstStyle/>
           <a:p>
             <a:r>
-              <a:rPr lang="en-US" smtClean="0"/>
+              <a:rPr lang="en-US"/>
               <a:t>Click to edit Master title style</a:t>
             </a:r>
-            <a:endParaRPr lang="en-US"/>
           </a:p>
         </p:txBody>
       </p:sp>
@@ -1109,38 +1117,37 @@
           <a:p>
             <a:pPr lvl="0"/>
             <a:r>
-              <a:rPr lang="en-US" smtClean="0"/>
+              <a:rPr lang="en-US"/>
               <a:t>Click to edit Master text styles</a:t>
             </a:r>
           </a:p>
           <a:p>
             <a:pPr lvl="1"/>
             <a:r>
-              <a:rPr lang="en-US" smtClean="0"/>
+              <a:rPr lang="en-US"/>
               <a:t>Second level</a:t>
             </a:r>
           </a:p>
           <a:p>
             <a:pPr lvl="2"/>
             <a:r>
-              <a:rPr lang="en-US" smtClean="0"/>
+              <a:rPr lang="en-US"/>
               <a:t>Third level</a:t>
             </a:r>
           </a:p>
           <a:p>
             <a:pPr lvl="3"/>
             <a:r>
-              <a:rPr lang="en-US" smtClean="0"/>
+              <a:rPr lang="en-US"/>
               <a:t>Fourth level</a:t>
             </a:r>
           </a:p>
           <a:p>
             <a:pPr lvl="4"/>
             <a:r>
-              <a:rPr lang="en-US" smtClean="0"/>
+              <a:rPr lang="en-US"/>
               <a:t>Fifth level</a:t>
             </a:r>
-            <a:endParaRPr lang="en-US"/>
           </a:p>
         </p:txBody>
       </p:sp>
@@ -1161,7 +1168,7 @@
           <a:p>
             <a:fld id="{78C97017-6FC3-485B-9764-EAC9E56C1D49}" type="datetimeFigureOut">
               <a:rPr lang="en-US" smtClean="0"/>
-              <a:t>10/16/2016</a:t>
+              <a:t>3/22/2017</a:t>
             </a:fld>
             <a:endParaRPr lang="en-US"/>
           </a:p>
@@ -1264,10 +1271,9 @@
           </a:lstStyle>
           <a:p>
             <a:r>
-              <a:rPr lang="en-US" smtClean="0"/>
+              <a:rPr lang="en-US"/>
               <a:t>Click to edit Master title style</a:t>
             </a:r>
-            <a:endParaRPr lang="en-US"/>
           </a:p>
         </p:txBody>
       </p:sp>
@@ -1384,7 +1390,7 @@
           <a:p>
             <a:pPr lvl="0"/>
             <a:r>
-              <a:rPr lang="en-US" smtClean="0"/>
+              <a:rPr lang="en-US"/>
               <a:t>Click to edit Master text styles</a:t>
             </a:r>
           </a:p>
@@ -1407,7 +1413,7 @@
           <a:p>
             <a:fld id="{78C97017-6FC3-485B-9764-EAC9E56C1D49}" type="datetimeFigureOut">
               <a:rPr lang="en-US" smtClean="0"/>
-              <a:t>10/16/2016</a:t>
+              <a:t>3/22/2017</a:t>
             </a:fld>
             <a:endParaRPr lang="en-US"/>
           </a:p>
@@ -1501,10 +1507,9 @@
           <a:lstStyle/>
           <a:p>
             <a:r>
-              <a:rPr lang="en-US" smtClean="0"/>
+              <a:rPr lang="en-US"/>
               <a:t>Click to edit Master title style</a:t>
             </a:r>
-            <a:endParaRPr lang="en-US"/>
           </a:p>
         </p:txBody>
       </p:sp>
@@ -1558,38 +1563,37 @@
           <a:p>
             <a:pPr lvl="0"/>
             <a:r>
-              <a:rPr lang="en-US" smtClean="0"/>
+              <a:rPr lang="en-US"/>
               <a:t>Click to edit Master text styles</a:t>
             </a:r>
           </a:p>
           <a:p>
             <a:pPr lvl="1"/>
             <a:r>
-              <a:rPr lang="en-US" smtClean="0"/>
+              <a:rPr lang="en-US"/>
               <a:t>Second level</a:t>
             </a:r>
           </a:p>
           <a:p>
             <a:pPr lvl="2"/>
             <a:r>
-              <a:rPr lang="en-US" smtClean="0"/>
+              <a:rPr lang="en-US"/>
               <a:t>Third level</a:t>
             </a:r>
           </a:p>
           <a:p>
             <a:pPr lvl="3"/>
             <a:r>
-              <a:rPr lang="en-US" smtClean="0"/>
+              <a:rPr lang="en-US"/>
               <a:t>Fourth level</a:t>
             </a:r>
           </a:p>
           <a:p>
             <a:pPr lvl="4"/>
             <a:r>
-              <a:rPr lang="en-US" smtClean="0"/>
+              <a:rPr lang="en-US"/>
               <a:t>Fifth level</a:t>
             </a:r>
-            <a:endParaRPr lang="en-US"/>
           </a:p>
         </p:txBody>
       </p:sp>
@@ -1643,38 +1647,37 @@
           <a:p>
             <a:pPr lvl="0"/>
             <a:r>
-              <a:rPr lang="en-US" smtClean="0"/>
+              <a:rPr lang="en-US"/>
               <a:t>Click to edit Master text styles</a:t>
             </a:r>
           </a:p>
           <a:p>
             <a:pPr lvl="1"/>
             <a:r>
-              <a:rPr lang="en-US" smtClean="0"/>
+              <a:rPr lang="en-US"/>
               <a:t>Second level</a:t>
             </a:r>
           </a:p>
           <a:p>
             <a:pPr lvl="2"/>
             <a:r>
-              <a:rPr lang="en-US" smtClean="0"/>
+              <a:rPr lang="en-US"/>
               <a:t>Third level</a:t>
             </a:r>
           </a:p>
           <a:p>
             <a:pPr lvl="3"/>
             <a:r>
-              <a:rPr lang="en-US" smtClean="0"/>
+              <a:rPr lang="en-US"/>
               <a:t>Fourth level</a:t>
             </a:r>
           </a:p>
           <a:p>
             <a:pPr lvl="4"/>
             <a:r>
-              <a:rPr lang="en-US" smtClean="0"/>
+              <a:rPr lang="en-US"/>
               <a:t>Fifth level</a:t>
             </a:r>
-            <a:endParaRPr lang="en-US"/>
           </a:p>
         </p:txBody>
       </p:sp>
@@ -1695,7 +1698,7 @@
           <a:p>
             <a:fld id="{78C97017-6FC3-485B-9764-EAC9E56C1D49}" type="datetimeFigureOut">
               <a:rPr lang="en-US" smtClean="0"/>
-              <a:t>10/16/2016</a:t>
+              <a:t>3/22/2017</a:t>
             </a:fld>
             <a:endParaRPr lang="en-US"/>
           </a:p>
@@ -1793,10 +1796,9 @@
           </a:lstStyle>
           <a:p>
             <a:r>
-              <a:rPr lang="en-US" smtClean="0"/>
+              <a:rPr lang="en-US"/>
               <a:t>Click to edit Master title style</a:t>
             </a:r>
-            <a:endParaRPr lang="en-US"/>
           </a:p>
         </p:txBody>
       </p:sp>
@@ -1859,7 +1861,7 @@
           <a:p>
             <a:pPr lvl="0"/>
             <a:r>
-              <a:rPr lang="en-US" smtClean="0"/>
+              <a:rPr lang="en-US"/>
               <a:t>Click to edit Master text styles</a:t>
             </a:r>
           </a:p>
@@ -1915,38 +1917,37 @@
           <a:p>
             <a:pPr lvl="0"/>
             <a:r>
-              <a:rPr lang="en-US" smtClean="0"/>
+              <a:rPr lang="en-US"/>
               <a:t>Click to edit Master text styles</a:t>
             </a:r>
           </a:p>
           <a:p>
             <a:pPr lvl="1"/>
             <a:r>
-              <a:rPr lang="en-US" smtClean="0"/>
+              <a:rPr lang="en-US"/>
               <a:t>Second level</a:t>
             </a:r>
           </a:p>
           <a:p>
             <a:pPr lvl="2"/>
             <a:r>
-              <a:rPr lang="en-US" smtClean="0"/>
+              <a:rPr lang="en-US"/>
               <a:t>Third level</a:t>
             </a:r>
           </a:p>
           <a:p>
             <a:pPr lvl="3"/>
             <a:r>
-              <a:rPr lang="en-US" smtClean="0"/>
+              <a:rPr lang="en-US"/>
               <a:t>Fourth level</a:t>
             </a:r>
           </a:p>
           <a:p>
             <a:pPr lvl="4"/>
             <a:r>
-              <a:rPr lang="en-US" smtClean="0"/>
+              <a:rPr lang="en-US"/>
               <a:t>Fifth level</a:t>
             </a:r>
-            <a:endParaRPr lang="en-US"/>
           </a:p>
         </p:txBody>
       </p:sp>
@@ -2009,7 +2010,7 @@
           <a:p>
             <a:pPr lvl="0"/>
             <a:r>
-              <a:rPr lang="en-US" smtClean="0"/>
+              <a:rPr lang="en-US"/>
               <a:t>Click to edit Master text styles</a:t>
             </a:r>
           </a:p>
@@ -2065,38 +2066,37 @@
           <a:p>
             <a:pPr lvl="0"/>
             <a:r>
-              <a:rPr lang="en-US" smtClean="0"/>
+              <a:rPr lang="en-US"/>
               <a:t>Click to edit Master text styles</a:t>
             </a:r>
           </a:p>
           <a:p>
             <a:pPr lvl="1"/>
             <a:r>
-              <a:rPr lang="en-US" smtClean="0"/>
+              <a:rPr lang="en-US"/>
               <a:t>Second level</a:t>
             </a:r>
           </a:p>
           <a:p>
             <a:pPr lvl="2"/>
             <a:r>
-              <a:rPr lang="en-US" smtClean="0"/>
+              <a:rPr lang="en-US"/>
               <a:t>Third level</a:t>
             </a:r>
           </a:p>
           <a:p>
             <a:pPr lvl="3"/>
             <a:r>
-              <a:rPr lang="en-US" smtClean="0"/>
+              <a:rPr lang="en-US"/>
               <a:t>Fourth level</a:t>
             </a:r>
           </a:p>
           <a:p>
             <a:pPr lvl="4"/>
             <a:r>
-              <a:rPr lang="en-US" smtClean="0"/>
+              <a:rPr lang="en-US"/>
               <a:t>Fifth level</a:t>
             </a:r>
-            <a:endParaRPr lang="en-US"/>
           </a:p>
         </p:txBody>
       </p:sp>
@@ -2117,7 +2117,7 @@
           <a:p>
             <a:fld id="{78C97017-6FC3-485B-9764-EAC9E56C1D49}" type="datetimeFigureOut">
               <a:rPr lang="en-US" smtClean="0"/>
-              <a:t>10/16/2016</a:t>
+              <a:t>3/22/2017</a:t>
             </a:fld>
             <a:endParaRPr lang="en-US"/>
           </a:p>
@@ -2211,10 +2211,9 @@
           <a:lstStyle/>
           <a:p>
             <a:r>
-              <a:rPr lang="en-US" smtClean="0"/>
+              <a:rPr lang="en-US"/>
               <a:t>Click to edit Master title style</a:t>
             </a:r>
-            <a:endParaRPr lang="en-US"/>
           </a:p>
         </p:txBody>
       </p:sp>
@@ -2235,7 +2234,7 @@
           <a:p>
             <a:fld id="{78C97017-6FC3-485B-9764-EAC9E56C1D49}" type="datetimeFigureOut">
               <a:rPr lang="en-US" smtClean="0"/>
-              <a:t>10/16/2016</a:t>
+              <a:t>3/22/2017</a:t>
             </a:fld>
             <a:endParaRPr lang="en-US"/>
           </a:p>
@@ -2330,7 +2329,7 @@
           <a:p>
             <a:fld id="{78C97017-6FC3-485B-9764-EAC9E56C1D49}" type="datetimeFigureOut">
               <a:rPr lang="en-US" smtClean="0"/>
-              <a:t>10/16/2016</a:t>
+              <a:t>3/22/2017</a:t>
             </a:fld>
             <a:endParaRPr lang="en-US"/>
           </a:p>
@@ -2433,10 +2432,9 @@
           </a:lstStyle>
           <a:p>
             <a:r>
-              <a:rPr lang="en-US" smtClean="0"/>
+              <a:rPr lang="en-US"/>
               <a:t>Click to edit Master title style</a:t>
             </a:r>
-            <a:endParaRPr lang="en-US"/>
           </a:p>
         </p:txBody>
       </p:sp>
@@ -2490,38 +2488,37 @@
           <a:p>
             <a:pPr lvl="0"/>
             <a:r>
-              <a:rPr lang="en-US" smtClean="0"/>
+              <a:rPr lang="en-US"/>
               <a:t>Click to edit Master text styles</a:t>
             </a:r>
           </a:p>
           <a:p>
             <a:pPr lvl="1"/>
             <a:r>
-              <a:rPr lang="en-US" smtClean="0"/>
+              <a:rPr lang="en-US"/>
               <a:t>Second level</a:t>
             </a:r>
           </a:p>
           <a:p>
             <a:pPr lvl="2"/>
             <a:r>
-              <a:rPr lang="en-US" smtClean="0"/>
+              <a:rPr lang="en-US"/>
               <a:t>Third level</a:t>
             </a:r>
           </a:p>
           <a:p>
             <a:pPr lvl="3"/>
             <a:r>
-              <a:rPr lang="en-US" smtClean="0"/>
+              <a:rPr lang="en-US"/>
               <a:t>Fourth level</a:t>
             </a:r>
           </a:p>
           <a:p>
             <a:pPr lvl="4"/>
             <a:r>
-              <a:rPr lang="en-US" smtClean="0"/>
+              <a:rPr lang="en-US"/>
               <a:t>Fifth level</a:t>
             </a:r>
-            <a:endParaRPr lang="en-US"/>
           </a:p>
         </p:txBody>
       </p:sp>
@@ -2584,7 +2581,7 @@
           <a:p>
             <a:pPr lvl="0"/>
             <a:r>
-              <a:rPr lang="en-US" smtClean="0"/>
+              <a:rPr lang="en-US"/>
               <a:t>Click to edit Master text styles</a:t>
             </a:r>
           </a:p>
@@ -2607,7 +2604,7 @@
           <a:p>
             <a:fld id="{78C97017-6FC3-485B-9764-EAC9E56C1D49}" type="datetimeFigureOut">
               <a:rPr lang="en-US" smtClean="0"/>
-              <a:t>10/16/2016</a:t>
+              <a:t>3/22/2017</a:t>
             </a:fld>
             <a:endParaRPr lang="en-US"/>
           </a:p>
@@ -2710,10 +2707,9 @@
           </a:lstStyle>
           <a:p>
             <a:r>
-              <a:rPr lang="en-US" smtClean="0"/>
+              <a:rPr lang="en-US"/>
               <a:t>Click to edit Master title style</a:t>
             </a:r>
-            <a:endParaRPr lang="en-US"/>
           </a:p>
         </p:txBody>
       </p:sp>
@@ -2837,7 +2833,7 @@
           <a:p>
             <a:pPr lvl="0"/>
             <a:r>
-              <a:rPr lang="en-US" smtClean="0"/>
+              <a:rPr lang="en-US"/>
               <a:t>Click to edit Master text styles</a:t>
             </a:r>
           </a:p>
@@ -2860,7 +2856,7 @@
           <a:p>
             <a:fld id="{78C97017-6FC3-485B-9764-EAC9E56C1D49}" type="datetimeFigureOut">
               <a:rPr lang="en-US" smtClean="0"/>
-              <a:t>10/16/2016</a:t>
+              <a:t>3/22/2017</a:t>
             </a:fld>
             <a:endParaRPr lang="en-US"/>
           </a:p>
@@ -2969,10 +2965,9 @@
           <a:lstStyle/>
           <a:p>
             <a:r>
-              <a:rPr lang="en-US" smtClean="0"/>
+              <a:rPr lang="en-US"/>
               <a:t>Click to edit Master title style</a:t>
             </a:r>
-            <a:endParaRPr lang="en-US"/>
           </a:p>
         </p:txBody>
       </p:sp>
@@ -3003,38 +2998,37 @@
           <a:p>
             <a:pPr lvl="0"/>
             <a:r>
-              <a:rPr lang="en-US" smtClean="0"/>
+              <a:rPr lang="en-US"/>
               <a:t>Click to edit Master text styles</a:t>
             </a:r>
           </a:p>
           <a:p>
             <a:pPr lvl="1"/>
             <a:r>
-              <a:rPr lang="en-US" smtClean="0"/>
+              <a:rPr lang="en-US"/>
               <a:t>Second level</a:t>
             </a:r>
           </a:p>
           <a:p>
             <a:pPr lvl="2"/>
             <a:r>
-              <a:rPr lang="en-US" smtClean="0"/>
+              <a:rPr lang="en-US"/>
               <a:t>Third level</a:t>
             </a:r>
           </a:p>
           <a:p>
             <a:pPr lvl="3"/>
             <a:r>
-              <a:rPr lang="en-US" smtClean="0"/>
+              <a:rPr lang="en-US"/>
               <a:t>Fourth level</a:t>
             </a:r>
           </a:p>
           <a:p>
             <a:pPr lvl="4"/>
             <a:r>
-              <a:rPr lang="en-US" smtClean="0"/>
+              <a:rPr lang="en-US"/>
               <a:t>Fifth level</a:t>
             </a:r>
-            <a:endParaRPr lang="en-US"/>
           </a:p>
         </p:txBody>
       </p:sp>
@@ -3073,7 +3067,7 @@
           <a:p>
             <a:fld id="{78C97017-6FC3-485B-9764-EAC9E56C1D49}" type="datetimeFigureOut">
               <a:rPr lang="en-US" smtClean="0"/>
-              <a:t>10/16/2016</a:t>
+              <a:t>3/22/2017</a:t>
             </a:fld>
             <a:endParaRPr lang="en-US"/>
           </a:p>
@@ -3456,8 +3450,8 @@
         </p:nvSpPr>
         <p:spPr>
           <a:xfrm>
-            <a:off x="1119865" y="2086382"/>
-            <a:ext cx="7871735" cy="1723618"/>
+            <a:off x="381000" y="2049737"/>
+            <a:ext cx="8382000" cy="2333218"/>
           </a:xfrm>
           <a:prstGeom prst="roundRect">
             <a:avLst>
@@ -3494,7 +3488,7 @@
           <a:lstStyle/>
           <a:p>
             <a:r>
-              <a:rPr lang="en-US" sz="1200" b="1" dirty="0" smtClean="0">
+              <a:rPr lang="en-US" sz="900" b="1" dirty="0">
                 <a:solidFill>
                   <a:schemeClr val="accent6">
                     <a:lumMod val="75000"/>
@@ -3503,7 +3497,7 @@
               </a:rPr>
               <a:t>Storage</a:t>
             </a:r>
-            <a:endParaRPr lang="en-SG" sz="1200" b="1" dirty="0">
+            <a:endParaRPr lang="en-SG" sz="900" b="1" dirty="0">
               <a:solidFill>
                 <a:schemeClr val="accent6">
                   <a:lumMod val="75000"/>
@@ -3521,8 +3515,8 @@
         </p:nvSpPr>
         <p:spPr>
           <a:xfrm>
-            <a:off x="2877180" y="3158440"/>
-            <a:ext cx="1323049" cy="346760"/>
+            <a:off x="2062115" y="3140424"/>
+            <a:ext cx="1088881" cy="335793"/>
           </a:xfrm>
           <a:prstGeom prst="rect">
             <a:avLst/>
@@ -3561,7 +3555,7 @@
           <a:p>
             <a:pPr algn="ctr"/>
             <a:r>
-              <a:rPr lang="en-US" sz="1050" dirty="0" smtClean="0">
+              <a:rPr lang="en-US" sz="900" dirty="0">
                 <a:solidFill>
                   <a:schemeClr val="bg1"/>
                 </a:solidFill>
@@ -3569,21 +3563,21 @@
               <a:t>&lt;&lt;interface&gt;&gt;</a:t>
             </a:r>
             <a:br>
-              <a:rPr lang="en-US" sz="1050" dirty="0" smtClean="0">
+              <a:rPr lang="en-US" sz="900" dirty="0">
                 <a:solidFill>
                   <a:schemeClr val="bg1"/>
                 </a:solidFill>
               </a:rPr>
             </a:br>
             <a:r>
-              <a:rPr lang="en-US" sz="1050" dirty="0" err="1" smtClean="0">
+              <a:rPr lang="en-US" sz="900" dirty="0" err="1">
                 <a:solidFill>
                   <a:schemeClr val="bg1"/>
                 </a:solidFill>
               </a:rPr>
-              <a:t>AddressBookStorage</a:t>
-            </a:r>
-            <a:endParaRPr lang="en-SG" sz="1050" dirty="0">
+              <a:t>UserInboxStorage</a:t>
+            </a:r>
+            <a:endParaRPr lang="en-SG" sz="900" dirty="0">
               <a:solidFill>
                 <a:schemeClr val="bg1"/>
               </a:solidFill>
@@ -3599,8 +3593,8 @@
         </p:nvSpPr>
         <p:spPr>
           <a:xfrm rot="16200000">
-            <a:off x="1683963" y="2868687"/>
-            <a:ext cx="1093635" cy="346760"/>
+            <a:off x="855508" y="2887686"/>
+            <a:ext cx="1059044" cy="285387"/>
           </a:xfrm>
           <a:prstGeom prst="rect">
             <a:avLst/>
@@ -3639,14 +3633,14 @@
           <a:p>
             <a:pPr algn="ctr"/>
             <a:r>
-              <a:rPr lang="en-US" sz="1050" dirty="0" err="1" smtClean="0">
+              <a:rPr lang="en-US" sz="900" dirty="0" err="1">
                 <a:solidFill>
                   <a:schemeClr val="bg1"/>
                 </a:solidFill>
               </a:rPr>
               <a:t>StorageManager</a:t>
             </a:r>
-            <a:endParaRPr lang="en-SG" sz="1050" dirty="0">
+            <a:endParaRPr lang="en-SG" sz="900" dirty="0">
               <a:solidFill>
                 <a:schemeClr val="bg1"/>
               </a:solidFill>
@@ -3662,8 +3656,8 @@
         </p:nvSpPr>
         <p:spPr>
           <a:xfrm rot="16200000">
-            <a:off x="956202" y="2861202"/>
-            <a:ext cx="1093635" cy="346760"/>
+            <a:off x="127747" y="2880197"/>
+            <a:ext cx="1059048" cy="285391"/>
           </a:xfrm>
           <a:prstGeom prst="rect">
             <a:avLst/>
@@ -3702,7 +3696,7 @@
           <a:p>
             <a:pPr algn="ctr"/>
             <a:r>
-              <a:rPr lang="en-US" sz="1050" dirty="0">
+              <a:rPr lang="en-US" sz="900" dirty="0">
                 <a:solidFill>
                   <a:schemeClr val="bg1"/>
                 </a:solidFill>
@@ -3713,14 +3707,14 @@
           <a:p>
             <a:pPr algn="ctr"/>
             <a:r>
-              <a:rPr lang="en-US" sz="1050" dirty="0" smtClean="0">
+              <a:rPr lang="en-US" sz="900" dirty="0">
                 <a:solidFill>
                   <a:schemeClr val="bg1"/>
                 </a:solidFill>
               </a:rPr>
               <a:t>Storage</a:t>
             </a:r>
-            <a:endParaRPr lang="en-SG" sz="1050" dirty="0">
+            <a:endParaRPr lang="en-SG" sz="900" dirty="0">
               <a:solidFill>
                 <a:schemeClr val="bg1"/>
               </a:solidFill>
@@ -3736,8 +3730,8 @@
         </p:nvSpPr>
         <p:spPr>
           <a:xfrm rot="16200000">
-            <a:off x="1626910" y="2952291"/>
-            <a:ext cx="270504" cy="175523"/>
+            <a:off x="800593" y="2943118"/>
+            <a:ext cx="261949" cy="144460"/>
           </a:xfrm>
           <a:prstGeom prst="triangle">
             <a:avLst/>
@@ -3775,7 +3769,7 @@
           <a:lstStyle/>
           <a:p>
             <a:pPr algn="ctr"/>
-            <a:endParaRPr lang="en-SG" sz="1050">
+            <a:endParaRPr lang="en-SG" sz="900">
               <a:solidFill>
                 <a:schemeClr val="bg1"/>
               </a:solidFill>
@@ -3794,8 +3788,8 @@
         </p:nvCxnSpPr>
         <p:spPr>
           <a:xfrm>
-            <a:off x="2656370" y="3326536"/>
-            <a:ext cx="220810" cy="5284"/>
+            <a:off x="1799526" y="3300295"/>
+            <a:ext cx="262589" cy="8026"/>
           </a:xfrm>
           <a:prstGeom prst="straightConnector1">
             <a:avLst/>
@@ -3829,13 +3823,15 @@
       <p:cxnSp>
         <p:nvCxnSpPr>
           <p:cNvPr id="75" name="Elbow Connector 122"/>
-          <p:cNvCxnSpPr/>
+          <p:cNvCxnSpPr>
+            <a:cxnSpLocks/>
+          </p:cNvCxnSpPr>
           <p:nvPr/>
         </p:nvCxnSpPr>
         <p:spPr>
           <a:xfrm>
-            <a:off x="910091" y="3040053"/>
-            <a:ext cx="419548" cy="2860"/>
+            <a:off x="95026" y="3011071"/>
+            <a:ext cx="345292" cy="402"/>
           </a:xfrm>
           <a:prstGeom prst="bentConnector3">
             <a:avLst>
@@ -3879,8 +3875,8 @@
         </p:nvCxnSpPr>
         <p:spPr>
           <a:xfrm flipV="1">
-            <a:off x="1849924" y="3040052"/>
-            <a:ext cx="216105" cy="1"/>
+            <a:off x="1003798" y="3011071"/>
+            <a:ext cx="247166" cy="4277"/>
           </a:xfrm>
           <a:prstGeom prst="line">
             <a:avLst/>
@@ -3920,8 +3916,8 @@
         </p:nvSpPr>
         <p:spPr>
           <a:xfrm>
-            <a:off x="2420322" y="3239846"/>
-            <a:ext cx="236048" cy="173380"/>
+            <a:off x="1605257" y="3216346"/>
+            <a:ext cx="194269" cy="167897"/>
           </a:xfrm>
           <a:prstGeom prst="flowChartDecision">
             <a:avLst/>
@@ -3955,7 +3951,7 @@
           <a:lstStyle/>
           <a:p>
             <a:pPr algn="ctr"/>
-            <a:endParaRPr lang="en-US" sz="1050">
+            <a:endParaRPr lang="en-US" sz="900">
               <a:solidFill>
                 <a:schemeClr val="bg1"/>
               </a:solidFill>
@@ -3967,15 +3963,16 @@
         <p:nvCxnSpPr>
           <p:cNvPr id="97" name="Elbow Connector 63"/>
           <p:cNvCxnSpPr>
+            <a:cxnSpLocks/>
             <a:stCxn id="99" idx="3"/>
             <a:endCxn id="50" idx="1"/>
           </p:cNvCxnSpPr>
           <p:nvPr/>
         </p:nvCxnSpPr>
         <p:spPr>
-          <a:xfrm flipV="1">
-            <a:off x="4398041" y="3331820"/>
-            <a:ext cx="223324" cy="1"/>
+          <a:xfrm>
+            <a:off x="3306173" y="3331144"/>
+            <a:ext cx="254386" cy="1202"/>
           </a:xfrm>
           <a:prstGeom prst="bentConnector3">
             <a:avLst>
@@ -4017,8 +4014,8 @@
         </p:nvSpPr>
         <p:spPr>
           <a:xfrm rot="5400000" flipV="1">
-            <a:off x="4175027" y="3244059"/>
-            <a:ext cx="270504" cy="175523"/>
+            <a:off x="3102970" y="3258913"/>
+            <a:ext cx="261945" cy="144460"/>
           </a:xfrm>
           <a:prstGeom prst="triangle">
             <a:avLst/>
@@ -4056,7 +4053,7 @@
           <a:lstStyle/>
           <a:p>
             <a:pPr algn="ctr"/>
-            <a:endParaRPr lang="en-SG" sz="1050">
+            <a:endParaRPr lang="en-SG" sz="900">
               <a:solidFill>
                 <a:schemeClr val="bg1"/>
               </a:solidFill>
@@ -4068,15 +4065,15 @@
         <p:nvCxnSpPr>
           <p:cNvPr id="124" name="Elbow Connector 122"/>
           <p:cNvCxnSpPr>
+            <a:cxnSpLocks/>
             <a:stCxn id="50" idx="3"/>
-            <a:endCxn id="66" idx="1"/>
           </p:cNvCxnSpPr>
           <p:nvPr/>
         </p:nvCxnSpPr>
         <p:spPr>
-          <a:xfrm>
-            <a:off x="5791200" y="3331820"/>
-            <a:ext cx="228600" cy="1970"/>
+          <a:xfrm flipV="1">
+            <a:off x="4462340" y="3331143"/>
+            <a:ext cx="301331" cy="1203"/>
           </a:xfrm>
           <a:prstGeom prst="bentConnector3">
             <a:avLst>
@@ -4118,8 +4115,8 @@
         </p:nvSpPr>
         <p:spPr>
           <a:xfrm>
-            <a:off x="4621365" y="3158440"/>
-            <a:ext cx="1169835" cy="346760"/>
+            <a:off x="3560559" y="3164449"/>
+            <a:ext cx="901781" cy="335793"/>
           </a:xfrm>
           <a:prstGeom prst="rect">
             <a:avLst/>
@@ -4147,27 +4144,17 @@
           <a:p>
             <a:pPr algn="ctr"/>
             <a:r>
-              <a:rPr lang="en-US" sz="1050" b="1" dirty="0" err="1" smtClean="0">
+              <a:rPr lang="en-US" sz="900" b="1" dirty="0" err="1">
                 <a:solidFill>
                   <a:schemeClr val="accent6">
                     <a:lumMod val="75000"/>
                   </a:schemeClr>
                 </a:solidFill>
               </a:rPr>
-              <a:t>XmlAddressBook</a:t>
-            </a:r>
-            <a:r>
-              <a:rPr lang="en-US" sz="1050" b="1" dirty="0" smtClean="0">
-                <a:solidFill>
-                  <a:schemeClr val="accent6">
-                    <a:lumMod val="75000"/>
-                  </a:schemeClr>
-                </a:solidFill>
-              </a:rPr>
-              <a:t/>
+              <a:t>XmlUserInbox</a:t>
             </a:r>
             <a:br>
-              <a:rPr lang="en-US" sz="1050" b="1" dirty="0" smtClean="0">
+              <a:rPr lang="en-US" sz="900" b="1" dirty="0">
                 <a:solidFill>
                   <a:schemeClr val="accent6">
                     <a:lumMod val="75000"/>
@@ -4176,7 +4163,7 @@
               </a:rPr>
             </a:br>
             <a:r>
-              <a:rPr lang="en-US" sz="1050" b="1" dirty="0" smtClean="0">
+              <a:rPr lang="en-US" sz="900" b="1" dirty="0">
                 <a:solidFill>
                   <a:schemeClr val="accent6">
                     <a:lumMod val="75000"/>
@@ -4185,7 +4172,7 @@
               </a:rPr>
               <a:t>Storage</a:t>
             </a:r>
-            <a:endParaRPr lang="en-SG" sz="1050" b="1" dirty="0">
+            <a:endParaRPr lang="en-SG" sz="900" b="1" dirty="0">
               <a:solidFill>
                 <a:schemeClr val="accent6">
                   <a:lumMod val="75000"/>
@@ -4203,8 +4190,8 @@
         </p:nvSpPr>
         <p:spPr>
           <a:xfrm>
-            <a:off x="2873943" y="2558040"/>
-            <a:ext cx="1323049" cy="346760"/>
+            <a:off x="2058878" y="2540024"/>
+            <a:ext cx="1088881" cy="335793"/>
           </a:xfrm>
           <a:prstGeom prst="rect">
             <a:avLst/>
@@ -4243,7 +4230,7 @@
           <a:p>
             <a:pPr algn="ctr"/>
             <a:r>
-              <a:rPr lang="en-US" sz="1050" dirty="0" smtClean="0">
+              <a:rPr lang="en-US" sz="900" dirty="0">
                 <a:solidFill>
                   <a:schemeClr val="bg1"/>
                 </a:solidFill>
@@ -4251,21 +4238,21 @@
               <a:t>&lt;&lt;interface&gt;&gt;</a:t>
             </a:r>
             <a:br>
-              <a:rPr lang="en-US" sz="1050" dirty="0" smtClean="0">
+              <a:rPr lang="en-US" sz="900" dirty="0">
                 <a:solidFill>
                   <a:schemeClr val="bg1"/>
                 </a:solidFill>
               </a:rPr>
             </a:br>
             <a:r>
-              <a:rPr lang="en-US" sz="1050" dirty="0" err="1" smtClean="0">
+              <a:rPr lang="en-US" sz="900" dirty="0" err="1">
                 <a:solidFill>
                   <a:schemeClr val="bg1"/>
                 </a:solidFill>
               </a:rPr>
               <a:t>UserPrefsStorage</a:t>
             </a:r>
-            <a:endParaRPr lang="en-SG" sz="1050" dirty="0">
+            <a:endParaRPr lang="en-SG" sz="900" dirty="0">
               <a:solidFill>
                 <a:schemeClr val="bg1"/>
               </a:solidFill>
@@ -4284,8 +4271,8 @@
         </p:nvCxnSpPr>
         <p:spPr>
           <a:xfrm>
-            <a:off x="2653133" y="2726136"/>
-            <a:ext cx="220810" cy="5284"/>
+            <a:off x="1796289" y="2699895"/>
+            <a:ext cx="262589" cy="8026"/>
           </a:xfrm>
           <a:prstGeom prst="straightConnector1">
             <a:avLst/>
@@ -4324,8 +4311,8 @@
         </p:nvSpPr>
         <p:spPr>
           <a:xfrm>
-            <a:off x="2417085" y="2639446"/>
-            <a:ext cx="236048" cy="173380"/>
+            <a:off x="1602020" y="2615946"/>
+            <a:ext cx="194269" cy="167897"/>
           </a:xfrm>
           <a:prstGeom prst="flowChartDecision">
             <a:avLst/>
@@ -4359,7 +4346,7 @@
           <a:lstStyle/>
           <a:p>
             <a:pPr algn="ctr"/>
-            <a:endParaRPr lang="en-US" sz="1050">
+            <a:endParaRPr lang="en-US" sz="900">
               <a:solidFill>
                 <a:schemeClr val="bg1"/>
               </a:solidFill>
@@ -4377,9 +4364,9 @@
           <p:nvPr/>
         </p:nvCxnSpPr>
         <p:spPr>
-          <a:xfrm flipV="1">
-            <a:off x="4394804" y="2731420"/>
-            <a:ext cx="223324" cy="1"/>
+          <a:xfrm>
+            <a:off x="3307884" y="2707529"/>
+            <a:ext cx="254385" cy="1201"/>
           </a:xfrm>
           <a:prstGeom prst="bentConnector3">
             <a:avLst>
@@ -4421,8 +4408,8 @@
         </p:nvSpPr>
         <p:spPr>
           <a:xfrm rot="5400000" flipV="1">
-            <a:off x="4171790" y="2643659"/>
-            <a:ext cx="270504" cy="175523"/>
+            <a:off x="3104681" y="2635298"/>
+            <a:ext cx="261945" cy="144460"/>
           </a:xfrm>
           <a:prstGeom prst="triangle">
             <a:avLst/>
@@ -4460,7 +4447,7 @@
           <a:lstStyle/>
           <a:p>
             <a:pPr algn="ctr"/>
-            <a:endParaRPr lang="en-SG" sz="1050">
+            <a:endParaRPr lang="en-SG" sz="900">
               <a:solidFill>
                 <a:schemeClr val="bg1"/>
               </a:solidFill>
@@ -4476,8 +4463,8 @@
         </p:nvSpPr>
         <p:spPr>
           <a:xfrm>
-            <a:off x="4618128" y="2558040"/>
-            <a:ext cx="1093635" cy="346760"/>
+            <a:off x="3562269" y="2540833"/>
+            <a:ext cx="900071" cy="335793"/>
           </a:xfrm>
           <a:prstGeom prst="rect">
             <a:avLst/>
@@ -4516,37 +4503,29 @@
           <a:p>
             <a:pPr algn="ctr"/>
             <a:r>
-              <a:rPr lang="en-US" sz="1050" dirty="0" err="1" smtClean="0">
+              <a:rPr lang="en-US" sz="900" dirty="0" err="1">
                 <a:solidFill>
                   <a:schemeClr val="bg1"/>
                 </a:solidFill>
               </a:rPr>
               <a:t>JsonUserPrefs</a:t>
             </a:r>
-            <a:r>
-              <a:rPr lang="en-US" sz="1050" dirty="0" smtClean="0">
-                <a:solidFill>
-                  <a:schemeClr val="bg1"/>
-                </a:solidFill>
-              </a:rPr>
-              <a:t/>
-            </a:r>
             <a:br>
-              <a:rPr lang="en-US" sz="1050" dirty="0" smtClean="0">
+              <a:rPr lang="en-US" sz="900" dirty="0">
                 <a:solidFill>
                   <a:schemeClr val="bg1"/>
                 </a:solidFill>
               </a:rPr>
             </a:br>
             <a:r>
-              <a:rPr lang="en-US" sz="1050" dirty="0" smtClean="0">
+              <a:rPr lang="en-US" sz="900" dirty="0">
                 <a:solidFill>
                   <a:schemeClr val="bg1"/>
                 </a:solidFill>
               </a:rPr>
               <a:t>Storage</a:t>
             </a:r>
-            <a:endParaRPr lang="en-SG" sz="1050" dirty="0">
+            <a:endParaRPr lang="en-SG" sz="900" dirty="0">
               <a:solidFill>
                 <a:schemeClr val="bg1"/>
               </a:solidFill>
@@ -4562,8 +4541,8 @@
         </p:nvSpPr>
         <p:spPr>
           <a:xfrm>
-            <a:off x="6019800" y="3160410"/>
-            <a:ext cx="1200707" cy="346760"/>
+            <a:off x="4763671" y="3163246"/>
+            <a:ext cx="988192" cy="335793"/>
           </a:xfrm>
           <a:prstGeom prst="rect">
             <a:avLst/>
@@ -4591,7 +4570,7 @@
           <a:p>
             <a:pPr algn="ctr"/>
             <a:r>
-              <a:rPr lang="en-US" sz="1050" b="1" dirty="0" err="1" smtClean="0">
+              <a:rPr lang="en-US" sz="900" b="1" dirty="0" err="1">
                 <a:solidFill>
                   <a:schemeClr val="accent6">
                     <a:lumMod val="75000"/>
@@ -4600,18 +4579,8 @@
               </a:rPr>
               <a:t>XmlSerializable</a:t>
             </a:r>
-            <a:r>
-              <a:rPr lang="en-US" sz="1050" b="1" dirty="0" smtClean="0">
-                <a:solidFill>
-                  <a:schemeClr val="accent6">
-                    <a:lumMod val="75000"/>
-                  </a:schemeClr>
-                </a:solidFill>
-              </a:rPr>
-              <a:t/>
-            </a:r>
             <a:br>
-              <a:rPr lang="en-US" sz="1050" b="1" dirty="0" smtClean="0">
+              <a:rPr lang="en-US" sz="900" b="1" dirty="0">
                 <a:solidFill>
                   <a:schemeClr val="accent6">
                     <a:lumMod val="75000"/>
@@ -4620,16 +4589,16 @@
               </a:rPr>
             </a:br>
             <a:r>
-              <a:rPr lang="en-US" sz="1050" b="1" dirty="0" err="1" smtClean="0">
+              <a:rPr lang="en-US" sz="900" b="1" dirty="0" err="1">
                 <a:solidFill>
                   <a:schemeClr val="accent6">
                     <a:lumMod val="75000"/>
                   </a:schemeClr>
                 </a:solidFill>
               </a:rPr>
-              <a:t>AddressBook</a:t>
-            </a:r>
-            <a:endParaRPr lang="en-SG" sz="1050" b="1" dirty="0">
+              <a:t>UserInbox</a:t>
+            </a:r>
+            <a:endParaRPr lang="en-SG" sz="900" b="1" dirty="0">
               <a:solidFill>
                 <a:schemeClr val="accent6">
                   <a:lumMod val="75000"/>
@@ -4643,15 +4612,16 @@
         <p:nvCxnSpPr>
           <p:cNvPr id="70" name="Elbow Connector 122"/>
           <p:cNvCxnSpPr>
-            <a:stCxn id="74" idx="0"/>
-            <a:endCxn id="73" idx="2"/>
+            <a:cxnSpLocks/>
+            <a:stCxn id="74" idx="3"/>
+            <a:endCxn id="73" idx="1"/>
           </p:cNvCxnSpPr>
           <p:nvPr/>
         </p:nvCxnSpPr>
         <p:spPr>
-          <a:xfrm rot="5400000" flipH="1" flipV="1">
-            <a:off x="8077993" y="2992020"/>
-            <a:ext cx="335208" cy="12700"/>
+          <a:xfrm>
+            <a:off x="7239000" y="3011071"/>
+            <a:ext cx="343705" cy="289223"/>
           </a:xfrm>
           <a:prstGeom prst="bentConnector3">
             <a:avLst>
@@ -4688,8 +4658,8 @@
         </p:nvSpPr>
         <p:spPr>
           <a:xfrm>
-            <a:off x="7615738" y="2477656"/>
-            <a:ext cx="1259718" cy="346760"/>
+            <a:off x="7582705" y="3132397"/>
+            <a:ext cx="1036759" cy="335793"/>
           </a:xfrm>
           <a:prstGeom prst="rect">
             <a:avLst/>
@@ -4717,7 +4687,7 @@
           <a:p>
             <a:pPr algn="ctr"/>
             <a:r>
-              <a:rPr lang="en-US" sz="1050" b="1" dirty="0" err="1" smtClean="0">
+              <a:rPr lang="en-US" sz="900" b="1" dirty="0" err="1">
                 <a:solidFill>
                   <a:schemeClr val="accent6">
                     <a:lumMod val="75000"/>
@@ -4726,7 +4696,7 @@
               </a:rPr>
               <a:t>XmlAdaptedTag</a:t>
             </a:r>
-            <a:endParaRPr lang="en-SG" sz="1050" b="1" dirty="0">
+            <a:endParaRPr lang="en-SG" sz="900" b="1" dirty="0">
               <a:solidFill>
                 <a:schemeClr val="accent6">
                   <a:lumMod val="75000"/>
@@ -4744,8 +4714,8 @@
         </p:nvSpPr>
         <p:spPr>
           <a:xfrm>
-            <a:off x="7615738" y="3159624"/>
-            <a:ext cx="1259718" cy="346760"/>
+            <a:off x="6101839" y="2843174"/>
+            <a:ext cx="1137161" cy="335793"/>
           </a:xfrm>
           <a:prstGeom prst="rect">
             <a:avLst/>
@@ -4773,16 +4743,16 @@
           <a:p>
             <a:pPr algn="ctr"/>
             <a:r>
-              <a:rPr lang="en-US" sz="1050" b="1" dirty="0" err="1" smtClean="0">
+              <a:rPr lang="en-US" sz="900" b="1" dirty="0" err="1">
                 <a:solidFill>
                   <a:schemeClr val="accent6">
                     <a:lumMod val="75000"/>
                   </a:schemeClr>
                 </a:solidFill>
               </a:rPr>
-              <a:t>XmlAdaptedPerson</a:t>
-            </a:r>
-            <a:endParaRPr lang="en-SG" sz="1050" b="1" dirty="0">
+              <a:t>XmlAdaptedTask</a:t>
+            </a:r>
+            <a:endParaRPr lang="en-SG" sz="900" b="1" dirty="0">
               <a:solidFill>
                 <a:schemeClr val="accent6">
                   <a:lumMod val="75000"/>
@@ -4796,15 +4766,270 @@
         <p:nvCxnSpPr>
           <p:cNvPr id="77" name="Elbow Connector 122"/>
           <p:cNvCxnSpPr>
+            <a:cxnSpLocks/>
             <a:stCxn id="66" idx="3"/>
-            <a:endCxn id="74" idx="1"/>
           </p:cNvCxnSpPr>
           <p:nvPr/>
         </p:nvCxnSpPr>
         <p:spPr>
           <a:xfrm flipV="1">
-            <a:off x="7220507" y="3333004"/>
-            <a:ext cx="395231" cy="786"/>
+            <a:off x="5751863" y="3030379"/>
+            <a:ext cx="334491" cy="300764"/>
+          </a:xfrm>
+          <a:prstGeom prst="bentConnector3">
+            <a:avLst>
+              <a:gd name="adj1" fmla="val 50000"/>
+            </a:avLst>
+          </a:prstGeom>
+          <a:ln w="19050">
+            <a:prstDash val="sysDot"/>
+            <a:headEnd type="none" w="med" len="med"/>
+            <a:tailEnd type="arrow" w="med" len="med"/>
+          </a:ln>
+          <a:effectLst/>
+        </p:spPr>
+        <p:style>
+          <a:lnRef idx="1">
+            <a:schemeClr val="accent6"/>
+          </a:lnRef>
+          <a:fillRef idx="2">
+            <a:schemeClr val="accent6"/>
+          </a:fillRef>
+          <a:effectRef idx="1">
+            <a:schemeClr val="accent6"/>
+          </a:effectRef>
+          <a:fontRef idx="minor">
+            <a:schemeClr val="dk1"/>
+          </a:fontRef>
+        </p:style>
+      </p:cxnSp>
+      <p:sp>
+        <p:nvSpPr>
+          <p:cNvPr id="27" name="Rectangle 8"/>
+          <p:cNvSpPr/>
+          <p:nvPr/>
+        </p:nvSpPr>
+        <p:spPr>
+          <a:xfrm>
+            <a:off x="6090878" y="3373642"/>
+            <a:ext cx="1148122" cy="335793"/>
+          </a:xfrm>
+          <a:prstGeom prst="rect">
+            <a:avLst/>
+          </a:prstGeom>
+          <a:ln w="19050"/>
+          <a:effectLst/>
+        </p:spPr>
+        <p:style>
+          <a:lnRef idx="1">
+            <a:schemeClr val="accent6"/>
+          </a:lnRef>
+          <a:fillRef idx="2">
+            <a:schemeClr val="accent6"/>
+          </a:fillRef>
+          <a:effectRef idx="1">
+            <a:schemeClr val="accent6"/>
+          </a:effectRef>
+          <a:fontRef idx="minor">
+            <a:schemeClr val="dk1"/>
+          </a:fontRef>
+        </p:style>
+        <p:txBody>
+          <a:bodyPr rtlCol="0" anchor="ctr"/>
+          <a:lstStyle/>
+          <a:p>
+            <a:pPr algn="ctr"/>
+            <a:r>
+              <a:rPr lang="en-US" sz="900" b="1" dirty="0" err="1">
+                <a:solidFill>
+                  <a:schemeClr val="accent6">
+                    <a:lumMod val="75000"/>
+                  </a:schemeClr>
+                </a:solidFill>
+              </a:rPr>
+              <a:t>XmlAdaptedEvent</a:t>
+            </a:r>
+            <a:endParaRPr lang="en-SG" sz="900" b="1" dirty="0">
+              <a:solidFill>
+                <a:schemeClr val="accent6">
+                  <a:lumMod val="75000"/>
+                </a:schemeClr>
+              </a:solidFill>
+            </a:endParaRPr>
+          </a:p>
+        </p:txBody>
+      </p:sp>
+      <p:sp>
+        <p:nvSpPr>
+          <p:cNvPr id="29" name="Rectangle 8"/>
+          <p:cNvSpPr/>
+          <p:nvPr/>
+        </p:nvSpPr>
+        <p:spPr>
+          <a:xfrm>
+            <a:off x="7573391" y="3794350"/>
+            <a:ext cx="1046073" cy="335793"/>
+          </a:xfrm>
+          <a:prstGeom prst="rect">
+            <a:avLst/>
+          </a:prstGeom>
+          <a:ln w="19050"/>
+          <a:effectLst/>
+        </p:spPr>
+        <p:style>
+          <a:lnRef idx="1">
+            <a:schemeClr val="accent6"/>
+          </a:lnRef>
+          <a:fillRef idx="2">
+            <a:schemeClr val="accent6"/>
+          </a:fillRef>
+          <a:effectRef idx="1">
+            <a:schemeClr val="accent6"/>
+          </a:effectRef>
+          <a:fontRef idx="minor">
+            <a:schemeClr val="dk1"/>
+          </a:fontRef>
+        </p:style>
+        <p:txBody>
+          <a:bodyPr rtlCol="0" anchor="ctr"/>
+          <a:lstStyle/>
+          <a:p>
+            <a:pPr algn="ctr"/>
+            <a:r>
+              <a:rPr lang="en-US" sz="900" b="1" dirty="0" err="1">
+                <a:solidFill>
+                  <a:schemeClr val="accent6">
+                    <a:lumMod val="75000"/>
+                  </a:schemeClr>
+                </a:solidFill>
+              </a:rPr>
+              <a:t>XmlAdapted</a:t>
+            </a:r>
+            <a:endParaRPr lang="en-US" sz="900" b="1" dirty="0">
+              <a:solidFill>
+                <a:schemeClr val="accent6">
+                  <a:lumMod val="75000"/>
+                </a:schemeClr>
+              </a:solidFill>
+            </a:endParaRPr>
+          </a:p>
+          <a:p>
+            <a:pPr algn="ctr"/>
+            <a:r>
+              <a:rPr lang="en-US" sz="900" b="1" dirty="0">
+                <a:solidFill>
+                  <a:schemeClr val="accent6">
+                    <a:lumMod val="75000"/>
+                  </a:schemeClr>
+                </a:solidFill>
+              </a:rPr>
+              <a:t>Timeslot</a:t>
+            </a:r>
+            <a:endParaRPr lang="en-SG" sz="900" b="1" dirty="0">
+              <a:solidFill>
+                <a:schemeClr val="accent6">
+                  <a:lumMod val="75000"/>
+                </a:schemeClr>
+              </a:solidFill>
+            </a:endParaRPr>
+          </a:p>
+        </p:txBody>
+      </p:sp>
+      <p:cxnSp>
+        <p:nvCxnSpPr>
+          <p:cNvPr id="35" name="Elbow Connector 122"/>
+          <p:cNvCxnSpPr>
+            <a:cxnSpLocks/>
+            <a:stCxn id="66" idx="3"/>
+          </p:cNvCxnSpPr>
+          <p:nvPr/>
+        </p:nvCxnSpPr>
+        <p:spPr>
+          <a:xfrm>
+            <a:off x="5751863" y="3331143"/>
+            <a:ext cx="334491" cy="218510"/>
+          </a:xfrm>
+          <a:prstGeom prst="bentConnector3">
+            <a:avLst>
+              <a:gd name="adj1" fmla="val 50000"/>
+            </a:avLst>
+          </a:prstGeom>
+          <a:ln w="19050">
+            <a:prstDash val="sysDot"/>
+            <a:headEnd type="none" w="med" len="med"/>
+            <a:tailEnd type="arrow" w="med" len="med"/>
+          </a:ln>
+          <a:effectLst/>
+        </p:spPr>
+        <p:style>
+          <a:lnRef idx="1">
+            <a:schemeClr val="accent6"/>
+          </a:lnRef>
+          <a:fillRef idx="2">
+            <a:schemeClr val="accent6"/>
+          </a:fillRef>
+          <a:effectRef idx="1">
+            <a:schemeClr val="accent6"/>
+          </a:effectRef>
+          <a:fontRef idx="minor">
+            <a:schemeClr val="dk1"/>
+          </a:fontRef>
+        </p:style>
+      </p:cxnSp>
+      <p:cxnSp>
+        <p:nvCxnSpPr>
+          <p:cNvPr id="67" name="Elbow Connector 122"/>
+          <p:cNvCxnSpPr>
+            <a:cxnSpLocks/>
+            <a:stCxn id="27" idx="3"/>
+            <a:endCxn id="73" idx="1"/>
+          </p:cNvCxnSpPr>
+          <p:nvPr/>
+        </p:nvCxnSpPr>
+        <p:spPr>
+          <a:xfrm flipV="1">
+            <a:off x="7239000" y="3300294"/>
+            <a:ext cx="343705" cy="241245"/>
+          </a:xfrm>
+          <a:prstGeom prst="bentConnector3">
+            <a:avLst>
+              <a:gd name="adj1" fmla="val 50000"/>
+            </a:avLst>
+          </a:prstGeom>
+          <a:ln w="19050">
+            <a:prstDash val="sysDot"/>
+            <a:headEnd type="none" w="med" len="med"/>
+            <a:tailEnd type="arrow" w="med" len="med"/>
+          </a:ln>
+          <a:effectLst/>
+        </p:spPr>
+        <p:style>
+          <a:lnRef idx="1">
+            <a:schemeClr val="accent6"/>
+          </a:lnRef>
+          <a:fillRef idx="2">
+            <a:schemeClr val="accent6"/>
+          </a:fillRef>
+          <a:effectRef idx="1">
+            <a:schemeClr val="accent6"/>
+          </a:effectRef>
+          <a:fontRef idx="minor">
+            <a:schemeClr val="dk1"/>
+          </a:fontRef>
+        </p:style>
+      </p:cxnSp>
+      <p:cxnSp>
+        <p:nvCxnSpPr>
+          <p:cNvPr id="68" name="Elbow Connector 122"/>
+          <p:cNvCxnSpPr>
+            <a:cxnSpLocks/>
+          </p:cNvCxnSpPr>
+          <p:nvPr/>
+        </p:nvCxnSpPr>
+        <p:spPr>
+          <a:xfrm>
+            <a:off x="7239000" y="3584049"/>
+            <a:ext cx="334391" cy="383771"/>
           </a:xfrm>
           <a:prstGeom prst="bentConnector3">
             <a:avLst>
@@ -4843,13 +5068,6 @@
   <p:clrMapOvr>
     <a:masterClrMapping/>
   </p:clrMapOvr>
-  <p:timing>
-    <p:tnLst>
-      <p:par>
-        <p:cTn id="1" dur="indefinite" restart="never" nodeType="tmRoot"/>
-      </p:par>
-    </p:tnLst>
-  </p:timing>
 </p:sld>
 </file>
 

--- a/docs/diagrams/StorageComponentClassDiagram.pptx
+++ b/docs/diagrams/StorageComponentClassDiagram.pptx
@@ -107,6 +107,22 @@
       </a:defRPr>
     </a:lvl9pPr>
   </p:defaultTextStyle>
+  <p:extLst>
+    <p:ext uri="{EFAFB233-063F-42B5-8137-9DF3F51BA10A}">
+      <p15:sldGuideLst xmlns:p15="http://schemas.microsoft.com/office/powerpoint/2012/main">
+        <p15:guide id="1" orient="horz" pos="1488">
+          <p15:clr>
+            <a:srgbClr val="A4A3A4"/>
+          </p15:clr>
+        </p15:guide>
+        <p15:guide id="2" pos="2880">
+          <p15:clr>
+            <a:srgbClr val="A4A3A4"/>
+          </p15:clr>
+        </p15:guide>
+      </p15:sldGuideLst>
+    </p:ext>
+  </p:extLst>
 </p:presentation>
 </file>
 
@@ -192,7 +208,7 @@
           <a:p>
             <a:fld id="{F5CC4B3F-88C1-4FFA-B1B6-F41C21DC6924}" type="datetimeFigureOut">
               <a:rPr lang="en-US" smtClean="0"/>
-              <a:t>10/16/2016</a:t>
+              <a:t>3/22/2017</a:t>
             </a:fld>
             <a:endParaRPr lang="en-US"/>
           </a:p>
@@ -641,7 +657,7 @@
           <a:p>
             <a:fld id="{78C97017-6FC3-485B-9764-EAC9E56C1D49}" type="datetimeFigureOut">
               <a:rPr lang="en-US" smtClean="0"/>
-              <a:t>10/16/2016</a:t>
+              <a:t>3/22/2017</a:t>
             </a:fld>
             <a:endParaRPr lang="en-US"/>
           </a:p>
@@ -811,7 +827,7 @@
           <a:p>
             <a:fld id="{78C97017-6FC3-485B-9764-EAC9E56C1D49}" type="datetimeFigureOut">
               <a:rPr lang="en-US" smtClean="0"/>
-              <a:t>10/16/2016</a:t>
+              <a:t>3/22/2017</a:t>
             </a:fld>
             <a:endParaRPr lang="en-US"/>
           </a:p>
@@ -991,7 +1007,7 @@
           <a:p>
             <a:fld id="{78C97017-6FC3-485B-9764-EAC9E56C1D49}" type="datetimeFigureOut">
               <a:rPr lang="en-US" smtClean="0"/>
-              <a:t>10/16/2016</a:t>
+              <a:t>3/22/2017</a:t>
             </a:fld>
             <a:endParaRPr lang="en-US"/>
           </a:p>
@@ -1161,7 +1177,7 @@
           <a:p>
             <a:fld id="{78C97017-6FC3-485B-9764-EAC9E56C1D49}" type="datetimeFigureOut">
               <a:rPr lang="en-US" smtClean="0"/>
-              <a:t>10/16/2016</a:t>
+              <a:t>3/22/2017</a:t>
             </a:fld>
             <a:endParaRPr lang="en-US"/>
           </a:p>
@@ -1407,7 +1423,7 @@
           <a:p>
             <a:fld id="{78C97017-6FC3-485B-9764-EAC9E56C1D49}" type="datetimeFigureOut">
               <a:rPr lang="en-US" smtClean="0"/>
-              <a:t>10/16/2016</a:t>
+              <a:t>3/22/2017</a:t>
             </a:fld>
             <a:endParaRPr lang="en-US"/>
           </a:p>
@@ -1695,7 +1711,7 @@
           <a:p>
             <a:fld id="{78C97017-6FC3-485B-9764-EAC9E56C1D49}" type="datetimeFigureOut">
               <a:rPr lang="en-US" smtClean="0"/>
-              <a:t>10/16/2016</a:t>
+              <a:t>3/22/2017</a:t>
             </a:fld>
             <a:endParaRPr lang="en-US"/>
           </a:p>
@@ -2117,7 +2133,7 @@
           <a:p>
             <a:fld id="{78C97017-6FC3-485B-9764-EAC9E56C1D49}" type="datetimeFigureOut">
               <a:rPr lang="en-US" smtClean="0"/>
-              <a:t>10/16/2016</a:t>
+              <a:t>3/22/2017</a:t>
             </a:fld>
             <a:endParaRPr lang="en-US"/>
           </a:p>
@@ -2235,7 +2251,7 @@
           <a:p>
             <a:fld id="{78C97017-6FC3-485B-9764-EAC9E56C1D49}" type="datetimeFigureOut">
               <a:rPr lang="en-US" smtClean="0"/>
-              <a:t>10/16/2016</a:t>
+              <a:t>3/22/2017</a:t>
             </a:fld>
             <a:endParaRPr lang="en-US"/>
           </a:p>
@@ -2330,7 +2346,7 @@
           <a:p>
             <a:fld id="{78C97017-6FC3-485B-9764-EAC9E56C1D49}" type="datetimeFigureOut">
               <a:rPr lang="en-US" smtClean="0"/>
-              <a:t>10/16/2016</a:t>
+              <a:t>3/22/2017</a:t>
             </a:fld>
             <a:endParaRPr lang="en-US"/>
           </a:p>
@@ -2607,7 +2623,7 @@
           <a:p>
             <a:fld id="{78C97017-6FC3-485B-9764-EAC9E56C1D49}" type="datetimeFigureOut">
               <a:rPr lang="en-US" smtClean="0"/>
-              <a:t>10/16/2016</a:t>
+              <a:t>3/22/2017</a:t>
             </a:fld>
             <a:endParaRPr lang="en-US"/>
           </a:p>
@@ -2860,7 +2876,7 @@
           <a:p>
             <a:fld id="{78C97017-6FC3-485B-9764-EAC9E56C1D49}" type="datetimeFigureOut">
               <a:rPr lang="en-US" smtClean="0"/>
-              <a:t>10/16/2016</a:t>
+              <a:t>3/22/2017</a:t>
             </a:fld>
             <a:endParaRPr lang="en-US"/>
           </a:p>
@@ -3073,7 +3089,7 @@
           <a:p>
             <a:fld id="{78C97017-6FC3-485B-9764-EAC9E56C1D49}" type="datetimeFigureOut">
               <a:rPr lang="en-US" smtClean="0"/>
-              <a:t>10/16/2016</a:t>
+              <a:t>3/22/2017</a:t>
             </a:fld>
             <a:endParaRPr lang="en-US"/>
           </a:p>
@@ -3581,7 +3597,7 @@
                   <a:schemeClr val="bg1"/>
                 </a:solidFill>
               </a:rPr>
-              <a:t>AddressBookStorage</a:t>
+              <a:t>ToDoListStorage</a:t>
             </a:r>
             <a:endParaRPr lang="en-SG" sz="1050" dirty="0">
               <a:solidFill>
@@ -4154,7 +4170,7 @@
                   </a:schemeClr>
                 </a:solidFill>
               </a:rPr>
-              <a:t>XmlAddressBook</a:t>
+              <a:t>XmlToDoList</a:t>
             </a:r>
             <a:r>
               <a:rPr lang="en-US" sz="1050" b="1" dirty="0" smtClean="0">
@@ -4627,7 +4643,7 @@
                   </a:schemeClr>
                 </a:solidFill>
               </a:rPr>
-              <a:t>AddressBook</a:t>
+              <a:t>ToDoList</a:t>
             </a:r>
             <a:endParaRPr lang="en-SG" sz="1050" b="1" dirty="0">
               <a:solidFill>
@@ -4780,7 +4796,7 @@
                   </a:schemeClr>
                 </a:solidFill>
               </a:rPr>
-              <a:t>XmlAdaptedPerson</a:t>
+              <a:t>XmlAdaptedTask</a:t>
             </a:r>
             <a:endParaRPr lang="en-SG" sz="1050" b="1" dirty="0">
               <a:solidFill>

--- a/docs/diagrams/StorageComponentClassDiagram.pptx
+++ b/docs/diagrams/StorageComponentClassDiagram.pptx
@@ -208,7 +208,7 @@
           <a:p>
             <a:fld id="{F5CC4B3F-88C1-4FFA-B1B6-F41C21DC6924}" type="datetimeFigureOut">
               <a:rPr lang="en-US" smtClean="0"/>
-              <a:t>3/15/2017</a:t>
+              <a:t>3/23/2017</a:t>
             </a:fld>
             <a:endParaRPr lang="en-US"/>
           </a:p>
@@ -657,7 +657,7 @@
           <a:p>
             <a:fld id="{78C97017-6FC3-485B-9764-EAC9E56C1D49}" type="datetimeFigureOut">
               <a:rPr lang="en-US" smtClean="0"/>
-              <a:t>3/15/2017</a:t>
+              <a:t>3/23/2017</a:t>
             </a:fld>
             <a:endParaRPr lang="en-US"/>
           </a:p>
@@ -827,7 +827,7 @@
           <a:p>
             <a:fld id="{78C97017-6FC3-485B-9764-EAC9E56C1D49}" type="datetimeFigureOut">
               <a:rPr lang="en-US" smtClean="0"/>
-              <a:t>3/15/2017</a:t>
+              <a:t>3/23/2017</a:t>
             </a:fld>
             <a:endParaRPr lang="en-US"/>
           </a:p>
@@ -1007,7 +1007,7 @@
           <a:p>
             <a:fld id="{78C97017-6FC3-485B-9764-EAC9E56C1D49}" type="datetimeFigureOut">
               <a:rPr lang="en-US" smtClean="0"/>
-              <a:t>3/15/2017</a:t>
+              <a:t>3/23/2017</a:t>
             </a:fld>
             <a:endParaRPr lang="en-US"/>
           </a:p>
@@ -1177,7 +1177,7 @@
           <a:p>
             <a:fld id="{78C97017-6FC3-485B-9764-EAC9E56C1D49}" type="datetimeFigureOut">
               <a:rPr lang="en-US" smtClean="0"/>
-              <a:t>3/15/2017</a:t>
+              <a:t>3/23/2017</a:t>
             </a:fld>
             <a:endParaRPr lang="en-US"/>
           </a:p>
@@ -1423,7 +1423,7 @@
           <a:p>
             <a:fld id="{78C97017-6FC3-485B-9764-EAC9E56C1D49}" type="datetimeFigureOut">
               <a:rPr lang="en-US" smtClean="0"/>
-              <a:t>3/15/2017</a:t>
+              <a:t>3/23/2017</a:t>
             </a:fld>
             <a:endParaRPr lang="en-US"/>
           </a:p>
@@ -1711,7 +1711,7 @@
           <a:p>
             <a:fld id="{78C97017-6FC3-485B-9764-EAC9E56C1D49}" type="datetimeFigureOut">
               <a:rPr lang="en-US" smtClean="0"/>
-              <a:t>3/15/2017</a:t>
+              <a:t>3/23/2017</a:t>
             </a:fld>
             <a:endParaRPr lang="en-US"/>
           </a:p>
@@ -2133,7 +2133,7 @@
           <a:p>
             <a:fld id="{78C97017-6FC3-485B-9764-EAC9E56C1D49}" type="datetimeFigureOut">
               <a:rPr lang="en-US" smtClean="0"/>
-              <a:t>3/15/2017</a:t>
+              <a:t>3/23/2017</a:t>
             </a:fld>
             <a:endParaRPr lang="en-US"/>
           </a:p>
@@ -2251,7 +2251,7 @@
           <a:p>
             <a:fld id="{78C97017-6FC3-485B-9764-EAC9E56C1D49}" type="datetimeFigureOut">
               <a:rPr lang="en-US" smtClean="0"/>
-              <a:t>3/15/2017</a:t>
+              <a:t>3/23/2017</a:t>
             </a:fld>
             <a:endParaRPr lang="en-US"/>
           </a:p>
@@ -2346,7 +2346,7 @@
           <a:p>
             <a:fld id="{78C97017-6FC3-485B-9764-EAC9E56C1D49}" type="datetimeFigureOut">
               <a:rPr lang="en-US" smtClean="0"/>
-              <a:t>3/15/2017</a:t>
+              <a:t>3/23/2017</a:t>
             </a:fld>
             <a:endParaRPr lang="en-US"/>
           </a:p>
@@ -2623,7 +2623,7 @@
           <a:p>
             <a:fld id="{78C97017-6FC3-485B-9764-EAC9E56C1D49}" type="datetimeFigureOut">
               <a:rPr lang="en-US" smtClean="0"/>
-              <a:t>3/15/2017</a:t>
+              <a:t>3/23/2017</a:t>
             </a:fld>
             <a:endParaRPr lang="en-US"/>
           </a:p>
@@ -2876,7 +2876,7 @@
           <a:p>
             <a:fld id="{78C97017-6FC3-485B-9764-EAC9E56C1D49}" type="datetimeFigureOut">
               <a:rPr lang="en-US" smtClean="0"/>
-              <a:t>3/15/2017</a:t>
+              <a:t>3/23/2017</a:t>
             </a:fld>
             <a:endParaRPr lang="en-US"/>
           </a:p>
@@ -3089,7 +3089,7 @@
           <a:p>
             <a:fld id="{78C97017-6FC3-485B-9764-EAC9E56C1D49}" type="datetimeFigureOut">
               <a:rPr lang="en-US" smtClean="0"/>
-              <a:t>3/15/2017</a:t>
+              <a:t>3/23/2017</a:t>
             </a:fld>
             <a:endParaRPr lang="en-US"/>
           </a:p>
@@ -3472,8 +3472,8 @@
         </p:nvSpPr>
         <p:spPr>
           <a:xfrm>
-            <a:off x="1119865" y="2086382"/>
-            <a:ext cx="7871735" cy="1647418"/>
+            <a:off x="1066800" y="1923840"/>
+            <a:ext cx="7947935" cy="2818327"/>
           </a:xfrm>
           <a:prstGeom prst="roundRect">
             <a:avLst>
@@ -3615,8 +3615,8 @@
         </p:nvSpPr>
         <p:spPr>
           <a:xfrm rot="16200000">
-            <a:off x="1683963" y="2868687"/>
-            <a:ext cx="1093635" cy="346760"/>
+            <a:off x="1344806" y="3207845"/>
+            <a:ext cx="1771950" cy="346760"/>
           </a:xfrm>
           <a:prstGeom prst="rect">
             <a:avLst/>
@@ -3678,8 +3678,8 @@
         </p:nvSpPr>
         <p:spPr>
           <a:xfrm rot="16200000">
-            <a:off x="956202" y="2861202"/>
-            <a:ext cx="1093635" cy="346760"/>
+            <a:off x="613302" y="3204102"/>
+            <a:ext cx="1779435" cy="346760"/>
           </a:xfrm>
           <a:prstGeom prst="rect">
             <a:avLst/>
@@ -3752,7 +3752,7 @@
         </p:nvSpPr>
         <p:spPr>
           <a:xfrm rot="16200000">
-            <a:off x="1626910" y="2952291"/>
+            <a:off x="1652626" y="3319520"/>
             <a:ext cx="270504" cy="175523"/>
           </a:xfrm>
           <a:prstGeom prst="triangle">
@@ -3895,7 +3895,7 @@
         </p:nvCxnSpPr>
         <p:spPr>
           <a:xfrm flipV="1">
-            <a:off x="1849924" y="3040052"/>
+            <a:off x="1875640" y="3407281"/>
             <a:ext cx="216105" cy="1"/>
           </a:xfrm>
           <a:prstGeom prst="line">
@@ -4849,6 +4849,501 @@
           </a:fontRef>
         </p:style>
       </p:cxnSp>
+      <p:cxnSp>
+        <p:nvCxnSpPr>
+          <p:cNvPr id="27" name="Straight Arrow Connector 26"/>
+          <p:cNvCxnSpPr>
+            <a:stCxn id="28" idx="3"/>
+          </p:cNvCxnSpPr>
+          <p:nvPr/>
+        </p:nvCxnSpPr>
+        <p:spPr>
+          <a:xfrm>
+            <a:off x="2653133" y="3949274"/>
+            <a:ext cx="220810" cy="5284"/>
+          </a:xfrm>
+          <a:prstGeom prst="straightConnector1">
+            <a:avLst/>
+          </a:prstGeom>
+          <a:ln w="19050">
+            <a:solidFill>
+              <a:schemeClr val="accent6">
+                <a:lumMod val="75000"/>
+              </a:schemeClr>
+            </a:solidFill>
+            <a:headEnd type="none" w="med" len="med"/>
+            <a:tailEnd type="arrow" w="med" len="med"/>
+          </a:ln>
+          <a:effectLst/>
+        </p:spPr>
+        <p:style>
+          <a:lnRef idx="1">
+            <a:schemeClr val="accent2"/>
+          </a:lnRef>
+          <a:fillRef idx="2">
+            <a:schemeClr val="accent2"/>
+          </a:fillRef>
+          <a:effectRef idx="1">
+            <a:schemeClr val="accent2"/>
+          </a:effectRef>
+          <a:fontRef idx="minor">
+            <a:schemeClr val="dk1"/>
+          </a:fontRef>
+        </p:style>
+      </p:cxnSp>
+      <p:sp>
+        <p:nvSpPr>
+          <p:cNvPr id="28" name="Flowchart: Decision 96"/>
+          <p:cNvSpPr/>
+          <p:nvPr/>
+        </p:nvSpPr>
+        <p:spPr>
+          <a:xfrm>
+            <a:off x="2417085" y="3862584"/>
+            <a:ext cx="236048" cy="173380"/>
+          </a:xfrm>
+          <a:prstGeom prst="flowChartDecision">
+            <a:avLst/>
+          </a:prstGeom>
+          <a:noFill/>
+          <a:ln w="19050">
+            <a:solidFill>
+              <a:schemeClr val="accent6">
+                <a:lumMod val="75000"/>
+              </a:schemeClr>
+            </a:solidFill>
+          </a:ln>
+          <a:effectLst/>
+        </p:spPr>
+        <p:style>
+          <a:lnRef idx="1">
+            <a:schemeClr val="accent2"/>
+          </a:lnRef>
+          <a:fillRef idx="2">
+            <a:schemeClr val="accent2"/>
+          </a:fillRef>
+          <a:effectRef idx="1">
+            <a:schemeClr val="accent2"/>
+          </a:effectRef>
+          <a:fontRef idx="minor">
+            <a:schemeClr val="dk1"/>
+          </a:fontRef>
+        </p:style>
+        <p:txBody>
+          <a:bodyPr rtlCol="0" anchor="ctr"/>
+          <a:lstStyle/>
+          <a:p>
+            <a:pPr algn="ctr"/>
+            <a:endParaRPr lang="en-US" sz="1050">
+              <a:solidFill>
+                <a:schemeClr val="bg1"/>
+              </a:solidFill>
+            </a:endParaRPr>
+          </a:p>
+        </p:txBody>
+      </p:sp>
+      <p:sp>
+        <p:nvSpPr>
+          <p:cNvPr id="33" name="Rectangle 8"/>
+          <p:cNvSpPr/>
+          <p:nvPr/>
+        </p:nvSpPr>
+        <p:spPr>
+          <a:xfrm>
+            <a:off x="2873943" y="3790378"/>
+            <a:ext cx="1323049" cy="346760"/>
+          </a:xfrm>
+          <a:prstGeom prst="rect">
+            <a:avLst/>
+          </a:prstGeom>
+          <a:solidFill>
+            <a:schemeClr val="accent6">
+              <a:lumMod val="75000"/>
+            </a:schemeClr>
+          </a:solidFill>
+          <a:ln w="19050">
+            <a:solidFill>
+              <a:schemeClr val="accent6">
+                <a:lumMod val="75000"/>
+              </a:schemeClr>
+            </a:solidFill>
+          </a:ln>
+          <a:effectLst/>
+        </p:spPr>
+        <p:style>
+          <a:lnRef idx="1">
+            <a:schemeClr val="accent2"/>
+          </a:lnRef>
+          <a:fillRef idx="2">
+            <a:schemeClr val="accent2"/>
+          </a:fillRef>
+          <a:effectRef idx="1">
+            <a:schemeClr val="accent2"/>
+          </a:effectRef>
+          <a:fontRef idx="minor">
+            <a:schemeClr val="dk1"/>
+          </a:fontRef>
+        </p:style>
+        <p:txBody>
+          <a:bodyPr rtlCol="0" anchor="ctr"/>
+          <a:lstStyle/>
+          <a:p>
+            <a:pPr algn="ctr"/>
+            <a:r>
+              <a:rPr lang="en-US" sz="1050" dirty="0" smtClean="0">
+                <a:solidFill>
+                  <a:schemeClr val="bg1"/>
+                </a:solidFill>
+              </a:rPr>
+              <a:t>&lt;&lt;interface&gt;&gt;</a:t>
+            </a:r>
+            <a:r>
+              <a:rPr lang="en-US" sz="1050" smtClean="0">
+                <a:solidFill>
+                  <a:schemeClr val="bg1"/>
+                </a:solidFill>
+              </a:rPr>
+              <a:t/>
+            </a:r>
+            <a:br>
+              <a:rPr lang="en-US" sz="1050" smtClean="0">
+                <a:solidFill>
+                  <a:schemeClr val="bg1"/>
+                </a:solidFill>
+              </a:rPr>
+            </a:br>
+            <a:r>
+              <a:rPr lang="en-US" sz="1050" smtClean="0">
+                <a:solidFill>
+                  <a:schemeClr val="bg1"/>
+                </a:solidFill>
+              </a:rPr>
+              <a:t>AliasListMapStorage</a:t>
+            </a:r>
+            <a:endParaRPr lang="en-SG" sz="1050" dirty="0">
+              <a:solidFill>
+                <a:schemeClr val="bg1"/>
+              </a:solidFill>
+            </a:endParaRPr>
+          </a:p>
+        </p:txBody>
+      </p:sp>
+      <p:cxnSp>
+        <p:nvCxnSpPr>
+          <p:cNvPr id="34" name="Elbow Connector 63"/>
+          <p:cNvCxnSpPr>
+            <a:stCxn id="35" idx="3"/>
+            <a:endCxn id="36" idx="1"/>
+          </p:cNvCxnSpPr>
+          <p:nvPr/>
+        </p:nvCxnSpPr>
+        <p:spPr>
+          <a:xfrm flipV="1">
+            <a:off x="4394804" y="3965056"/>
+            <a:ext cx="223324" cy="1"/>
+          </a:xfrm>
+          <a:prstGeom prst="bentConnector3">
+            <a:avLst>
+              <a:gd name="adj1" fmla="val 50000"/>
+            </a:avLst>
+          </a:prstGeom>
+          <a:ln w="19050">
+            <a:solidFill>
+              <a:schemeClr val="accent6">
+                <a:lumMod val="75000"/>
+              </a:schemeClr>
+            </a:solidFill>
+            <a:prstDash val="sysDot"/>
+            <a:headEnd type="none" w="med" len="med"/>
+            <a:tailEnd type="none" w="med" len="med"/>
+          </a:ln>
+          <a:effectLst/>
+        </p:spPr>
+        <p:style>
+          <a:lnRef idx="1">
+            <a:schemeClr val="accent2"/>
+          </a:lnRef>
+          <a:fillRef idx="2">
+            <a:schemeClr val="accent2"/>
+          </a:fillRef>
+          <a:effectRef idx="1">
+            <a:schemeClr val="accent2"/>
+          </a:effectRef>
+          <a:fontRef idx="minor">
+            <a:schemeClr val="dk1"/>
+          </a:fontRef>
+        </p:style>
+      </p:cxnSp>
+      <p:sp>
+        <p:nvSpPr>
+          <p:cNvPr id="35" name="Isosceles Triangle 102"/>
+          <p:cNvSpPr/>
+          <p:nvPr/>
+        </p:nvSpPr>
+        <p:spPr>
+          <a:xfrm rot="5400000" flipV="1">
+            <a:off x="4171790" y="3877295"/>
+            <a:ext cx="270504" cy="175523"/>
+          </a:xfrm>
+          <a:prstGeom prst="triangle">
+            <a:avLst/>
+          </a:prstGeom>
+          <a:solidFill>
+            <a:schemeClr val="accent6">
+              <a:lumMod val="75000"/>
+            </a:schemeClr>
+          </a:solidFill>
+          <a:ln w="19050">
+            <a:solidFill>
+              <a:schemeClr val="accent6">
+                <a:lumMod val="75000"/>
+              </a:schemeClr>
+            </a:solidFill>
+          </a:ln>
+          <a:effectLst/>
+        </p:spPr>
+        <p:style>
+          <a:lnRef idx="1">
+            <a:schemeClr val="accent2"/>
+          </a:lnRef>
+          <a:fillRef idx="2">
+            <a:schemeClr val="accent2"/>
+          </a:fillRef>
+          <a:effectRef idx="1">
+            <a:schemeClr val="accent2"/>
+          </a:effectRef>
+          <a:fontRef idx="minor">
+            <a:schemeClr val="dk1"/>
+          </a:fontRef>
+        </p:style>
+        <p:txBody>
+          <a:bodyPr rtlCol="0" anchor="ctr"/>
+          <a:lstStyle/>
+          <a:p>
+            <a:pPr algn="ctr"/>
+            <a:endParaRPr lang="en-SG" sz="1050">
+              <a:solidFill>
+                <a:schemeClr val="bg1"/>
+              </a:solidFill>
+            </a:endParaRPr>
+          </a:p>
+        </p:txBody>
+      </p:sp>
+      <p:sp>
+        <p:nvSpPr>
+          <p:cNvPr id="36" name="Rectangle 8"/>
+          <p:cNvSpPr/>
+          <p:nvPr/>
+        </p:nvSpPr>
+        <p:spPr>
+          <a:xfrm>
+            <a:off x="4618128" y="3791676"/>
+            <a:ext cx="1169835" cy="346760"/>
+          </a:xfrm>
+          <a:prstGeom prst="rect">
+            <a:avLst/>
+          </a:prstGeom>
+          <a:ln w="19050"/>
+          <a:effectLst/>
+        </p:spPr>
+        <p:style>
+          <a:lnRef idx="1">
+            <a:schemeClr val="accent6"/>
+          </a:lnRef>
+          <a:fillRef idx="2">
+            <a:schemeClr val="accent6"/>
+          </a:fillRef>
+          <a:effectRef idx="1">
+            <a:schemeClr val="accent6"/>
+          </a:effectRef>
+          <a:fontRef idx="minor">
+            <a:schemeClr val="dk1"/>
+          </a:fontRef>
+        </p:style>
+        <p:txBody>
+          <a:bodyPr rtlCol="0" anchor="ctr"/>
+          <a:lstStyle/>
+          <a:p>
+            <a:pPr algn="ctr"/>
+            <a:r>
+              <a:rPr lang="en-US" sz="1050" b="1" smtClean="0">
+                <a:solidFill>
+                  <a:schemeClr val="accent6">
+                    <a:lumMod val="75000"/>
+                  </a:schemeClr>
+                </a:solidFill>
+              </a:rPr>
+              <a:t>XmlAliasListMap</a:t>
+            </a:r>
+            <a:r>
+              <a:rPr lang="en-US" sz="1050" b="1" dirty="0" smtClean="0">
+                <a:solidFill>
+                  <a:schemeClr val="accent6">
+                    <a:lumMod val="75000"/>
+                  </a:schemeClr>
+                </a:solidFill>
+              </a:rPr>
+              <a:t/>
+            </a:r>
+            <a:br>
+              <a:rPr lang="en-US" sz="1050" b="1" dirty="0" smtClean="0">
+                <a:solidFill>
+                  <a:schemeClr val="accent6">
+                    <a:lumMod val="75000"/>
+                  </a:schemeClr>
+                </a:solidFill>
+              </a:rPr>
+            </a:br>
+            <a:r>
+              <a:rPr lang="en-US" sz="1050" b="1" dirty="0" smtClean="0">
+                <a:solidFill>
+                  <a:schemeClr val="accent6">
+                    <a:lumMod val="75000"/>
+                  </a:schemeClr>
+                </a:solidFill>
+              </a:rPr>
+              <a:t>Storage</a:t>
+            </a:r>
+            <a:endParaRPr lang="en-SG" sz="1050" b="1" dirty="0">
+              <a:solidFill>
+                <a:schemeClr val="accent6">
+                  <a:lumMod val="75000"/>
+                </a:schemeClr>
+              </a:solidFill>
+            </a:endParaRPr>
+          </a:p>
+        </p:txBody>
+      </p:sp>
+      <p:cxnSp>
+        <p:nvCxnSpPr>
+          <p:cNvPr id="37" name="Elbow Connector 122"/>
+          <p:cNvCxnSpPr>
+            <a:endCxn id="38" idx="1"/>
+          </p:cNvCxnSpPr>
+          <p:nvPr/>
+        </p:nvCxnSpPr>
+        <p:spPr>
+          <a:xfrm>
+            <a:off x="5791200" y="3963086"/>
+            <a:ext cx="228600" cy="1970"/>
+          </a:xfrm>
+          <a:prstGeom prst="bentConnector3">
+            <a:avLst>
+              <a:gd name="adj1" fmla="val 50000"/>
+            </a:avLst>
+          </a:prstGeom>
+          <a:ln w="19050">
+            <a:solidFill>
+              <a:schemeClr val="accent6">
+                <a:lumMod val="75000"/>
+              </a:schemeClr>
+            </a:solidFill>
+            <a:prstDash val="sysDot"/>
+            <a:headEnd type="none" w="med" len="med"/>
+            <a:tailEnd type="arrow" w="med" len="med"/>
+          </a:ln>
+          <a:effectLst/>
+        </p:spPr>
+        <p:style>
+          <a:lnRef idx="1">
+            <a:schemeClr val="accent2"/>
+          </a:lnRef>
+          <a:fillRef idx="2">
+            <a:schemeClr val="accent2"/>
+          </a:fillRef>
+          <a:effectRef idx="1">
+            <a:schemeClr val="accent2"/>
+          </a:effectRef>
+          <a:fontRef idx="minor">
+            <a:schemeClr val="dk1"/>
+          </a:fontRef>
+        </p:style>
+      </p:cxnSp>
+      <p:sp>
+        <p:nvSpPr>
+          <p:cNvPr id="38" name="Rectangle 8"/>
+          <p:cNvSpPr/>
+          <p:nvPr/>
+        </p:nvSpPr>
+        <p:spPr>
+          <a:xfrm>
+            <a:off x="6019800" y="3791676"/>
+            <a:ext cx="1200707" cy="346760"/>
+          </a:xfrm>
+          <a:prstGeom prst="rect">
+            <a:avLst/>
+          </a:prstGeom>
+          <a:ln w="19050"/>
+          <a:effectLst/>
+        </p:spPr>
+        <p:style>
+          <a:lnRef idx="1">
+            <a:schemeClr val="accent6"/>
+          </a:lnRef>
+          <a:fillRef idx="2">
+            <a:schemeClr val="accent6"/>
+          </a:fillRef>
+          <a:effectRef idx="1">
+            <a:schemeClr val="accent6"/>
+          </a:effectRef>
+          <a:fontRef idx="minor">
+            <a:schemeClr val="dk1"/>
+          </a:fontRef>
+        </p:style>
+        <p:txBody>
+          <a:bodyPr rtlCol="0" anchor="ctr"/>
+          <a:lstStyle/>
+          <a:p>
+            <a:pPr algn="ctr"/>
+            <a:r>
+              <a:rPr lang="en-US" sz="1050" b="1" dirty="0" err="1" smtClean="0">
+                <a:solidFill>
+                  <a:schemeClr val="accent6">
+                    <a:lumMod val="75000"/>
+                  </a:schemeClr>
+                </a:solidFill>
+              </a:rPr>
+              <a:t>XmlSerializable</a:t>
+            </a:r>
+            <a:r>
+              <a:rPr lang="en-US" sz="1050" b="1" smtClean="0">
+                <a:solidFill>
+                  <a:schemeClr val="accent6">
+                    <a:lumMod val="75000"/>
+                  </a:schemeClr>
+                </a:solidFill>
+              </a:rPr>
+              <a:t/>
+            </a:r>
+            <a:br>
+              <a:rPr lang="en-US" sz="1050" b="1" smtClean="0">
+                <a:solidFill>
+                  <a:schemeClr val="accent6">
+                    <a:lumMod val="75000"/>
+                  </a:schemeClr>
+                </a:solidFill>
+              </a:rPr>
+            </a:br>
+            <a:r>
+              <a:rPr lang="en-US" sz="1050" b="1" smtClean="0">
+                <a:solidFill>
+                  <a:schemeClr val="accent6">
+                    <a:lumMod val="75000"/>
+                  </a:schemeClr>
+                </a:solidFill>
+              </a:rPr>
+              <a:t>AliasListMap</a:t>
+            </a:r>
+            <a:endParaRPr lang="en-SG" sz="1050" b="1" dirty="0">
+              <a:solidFill>
+                <a:schemeClr val="accent6">
+                  <a:lumMod val="75000"/>
+                </a:schemeClr>
+              </a:solidFill>
+            </a:endParaRPr>
+          </a:p>
+        </p:txBody>
+      </p:sp>
     </p:spTree>
     <p:extLst>
       <p:ext uri="{BB962C8B-B14F-4D97-AF65-F5344CB8AC3E}">

--- a/docs/diagrams/StorageComponentClassDiagram.pptx
+++ b/docs/diagrams/StorageComponentClassDiagram.pptx
@@ -208,7 +208,7 @@
           <a:p>
             <a:fld id="{F5CC4B3F-88C1-4FFA-B1B6-F41C21DC6924}" type="datetimeFigureOut">
               <a:rPr lang="en-US" smtClean="0"/>
-              <a:t>3/19/2017</a:t>
+              <a:t>3/25/2017</a:t>
             </a:fld>
             <a:endParaRPr lang="en-US"/>
           </a:p>
@@ -654,7 +654,7 @@
           <a:p>
             <a:fld id="{78C97017-6FC3-485B-9764-EAC9E56C1D49}" type="datetimeFigureOut">
               <a:rPr lang="en-US" smtClean="0"/>
-              <a:t>3/19/2017</a:t>
+              <a:t>3/25/2017</a:t>
             </a:fld>
             <a:endParaRPr lang="en-US"/>
           </a:p>
@@ -822,7 +822,7 @@
           <a:p>
             <a:fld id="{78C97017-6FC3-485B-9764-EAC9E56C1D49}" type="datetimeFigureOut">
               <a:rPr lang="en-US" smtClean="0"/>
-              <a:t>3/19/2017</a:t>
+              <a:t>3/25/2017</a:t>
             </a:fld>
             <a:endParaRPr lang="en-US"/>
           </a:p>
@@ -1000,7 +1000,7 @@
           <a:p>
             <a:fld id="{78C97017-6FC3-485B-9764-EAC9E56C1D49}" type="datetimeFigureOut">
               <a:rPr lang="en-US" smtClean="0"/>
-              <a:t>3/19/2017</a:t>
+              <a:t>3/25/2017</a:t>
             </a:fld>
             <a:endParaRPr lang="en-US"/>
           </a:p>
@@ -1168,7 +1168,7 @@
           <a:p>
             <a:fld id="{78C97017-6FC3-485B-9764-EAC9E56C1D49}" type="datetimeFigureOut">
               <a:rPr lang="en-US" smtClean="0"/>
-              <a:t>3/19/2017</a:t>
+              <a:t>3/25/2017</a:t>
             </a:fld>
             <a:endParaRPr lang="en-US"/>
           </a:p>
@@ -1413,7 +1413,7 @@
           <a:p>
             <a:fld id="{78C97017-6FC3-485B-9764-EAC9E56C1D49}" type="datetimeFigureOut">
               <a:rPr lang="en-US" smtClean="0"/>
-              <a:t>3/19/2017</a:t>
+              <a:t>3/25/2017</a:t>
             </a:fld>
             <a:endParaRPr lang="en-US"/>
           </a:p>
@@ -1698,7 +1698,7 @@
           <a:p>
             <a:fld id="{78C97017-6FC3-485B-9764-EAC9E56C1D49}" type="datetimeFigureOut">
               <a:rPr lang="en-US" smtClean="0"/>
-              <a:t>3/19/2017</a:t>
+              <a:t>3/25/2017</a:t>
             </a:fld>
             <a:endParaRPr lang="en-US"/>
           </a:p>
@@ -2117,7 +2117,7 @@
           <a:p>
             <a:fld id="{78C97017-6FC3-485B-9764-EAC9E56C1D49}" type="datetimeFigureOut">
               <a:rPr lang="en-US" smtClean="0"/>
-              <a:t>3/19/2017</a:t>
+              <a:t>3/25/2017</a:t>
             </a:fld>
             <a:endParaRPr lang="en-US"/>
           </a:p>
@@ -2234,7 +2234,7 @@
           <a:p>
             <a:fld id="{78C97017-6FC3-485B-9764-EAC9E56C1D49}" type="datetimeFigureOut">
               <a:rPr lang="en-US" smtClean="0"/>
-              <a:t>3/19/2017</a:t>
+              <a:t>3/25/2017</a:t>
             </a:fld>
             <a:endParaRPr lang="en-US"/>
           </a:p>
@@ -2329,7 +2329,7 @@
           <a:p>
             <a:fld id="{78C97017-6FC3-485B-9764-EAC9E56C1D49}" type="datetimeFigureOut">
               <a:rPr lang="en-US" smtClean="0"/>
-              <a:t>3/19/2017</a:t>
+              <a:t>3/25/2017</a:t>
             </a:fld>
             <a:endParaRPr lang="en-US"/>
           </a:p>
@@ -2604,7 +2604,7 @@
           <a:p>
             <a:fld id="{78C97017-6FC3-485B-9764-EAC9E56C1D49}" type="datetimeFigureOut">
               <a:rPr lang="en-US" smtClean="0"/>
-              <a:t>3/19/2017</a:t>
+              <a:t>3/25/2017</a:t>
             </a:fld>
             <a:endParaRPr lang="en-US"/>
           </a:p>
@@ -2856,7 +2856,7 @@
           <a:p>
             <a:fld id="{78C97017-6FC3-485B-9764-EAC9E56C1D49}" type="datetimeFigureOut">
               <a:rPr lang="en-US" smtClean="0"/>
-              <a:t>3/19/2017</a:t>
+              <a:t>3/25/2017</a:t>
             </a:fld>
             <a:endParaRPr lang="en-US"/>
           </a:p>
@@ -3067,7 +3067,7 @@
           <a:p>
             <a:fld id="{78C97017-6FC3-485B-9764-EAC9E56C1D49}" type="datetimeFigureOut">
               <a:rPr lang="en-US" smtClean="0"/>
-              <a:t>3/19/2017</a:t>
+              <a:t>3/25/2017</a:t>
             </a:fld>
             <a:endParaRPr lang="en-US"/>
           </a:p>
@@ -3576,7 +3576,7 @@
                 </a:solidFill>
                 <a:cs typeface="Adobe Arabic" panose="02040503050201020203" pitchFamily="18" charset="-78"/>
               </a:rPr>
-              <a:t>TaskManagerStorage</a:t>
+              <a:t>GeeKeepStorage</a:t>
             </a:r>
             <a:endParaRPr lang="en-SG" sz="1050" dirty="0">
               <a:solidFill>
@@ -4151,7 +4151,7 @@
                   </a:schemeClr>
                 </a:solidFill>
               </a:rPr>
-              <a:t>XmlTaskManager</a:t>
+              <a:t>XmlGeeKeep</a:t>
             </a:r>
             <a:br>
               <a:rPr lang="en-US" sz="1050" b="1" dirty="0">
@@ -4596,7 +4596,7 @@
                   </a:schemeClr>
                 </a:solidFill>
               </a:rPr>
-              <a:t>TaskManager</a:t>
+              <a:t>GeeKeep</a:t>
             </a:r>
             <a:endParaRPr lang="en-SG" sz="1050" b="1" dirty="0">
               <a:solidFill>

--- a/docs/diagrams/StorageComponentClassDiagram.pptx
+++ b/docs/diagrams/StorageComponentClassDiagram.pptx
@@ -107,6 +107,22 @@
       </a:defRPr>
     </a:lvl9pPr>
   </p:defaultTextStyle>
+  <p:extLst>
+    <p:ext uri="{EFAFB233-063F-42B5-8137-9DF3F51BA10A}">
+      <p15:sldGuideLst xmlns:p15="http://schemas.microsoft.com/office/powerpoint/2012/main">
+        <p15:guide id="1" orient="horz" pos="1488">
+          <p15:clr>
+            <a:srgbClr val="A4A3A4"/>
+          </p15:clr>
+        </p15:guide>
+        <p15:guide id="2" pos="2880">
+          <p15:clr>
+            <a:srgbClr val="A4A3A4"/>
+          </p15:clr>
+        </p15:guide>
+      </p15:sldGuideLst>
+    </p:ext>
+  </p:extLst>
 </p:presentation>
 </file>
 
@@ -192,7 +208,7 @@
           <a:p>
             <a:fld id="{F5CC4B3F-88C1-4FFA-B1B6-F41C21DC6924}" type="datetimeFigureOut">
               <a:rPr lang="en-US" smtClean="0"/>
-              <a:t>10/16/2016</a:t>
+              <a:t>3/26/17</a:t>
             </a:fld>
             <a:endParaRPr lang="en-US"/>
           </a:p>
@@ -641,7 +657,7 @@
           <a:p>
             <a:fld id="{78C97017-6FC3-485B-9764-EAC9E56C1D49}" type="datetimeFigureOut">
               <a:rPr lang="en-US" smtClean="0"/>
-              <a:t>10/16/2016</a:t>
+              <a:t>3/26/17</a:t>
             </a:fld>
             <a:endParaRPr lang="en-US"/>
           </a:p>
@@ -811,7 +827,7 @@
           <a:p>
             <a:fld id="{78C97017-6FC3-485B-9764-EAC9E56C1D49}" type="datetimeFigureOut">
               <a:rPr lang="en-US" smtClean="0"/>
-              <a:t>10/16/2016</a:t>
+              <a:t>3/26/17</a:t>
             </a:fld>
             <a:endParaRPr lang="en-US"/>
           </a:p>
@@ -991,7 +1007,7 @@
           <a:p>
             <a:fld id="{78C97017-6FC3-485B-9764-EAC9E56C1D49}" type="datetimeFigureOut">
               <a:rPr lang="en-US" smtClean="0"/>
-              <a:t>10/16/2016</a:t>
+              <a:t>3/26/17</a:t>
             </a:fld>
             <a:endParaRPr lang="en-US"/>
           </a:p>
@@ -1161,7 +1177,7 @@
           <a:p>
             <a:fld id="{78C97017-6FC3-485B-9764-EAC9E56C1D49}" type="datetimeFigureOut">
               <a:rPr lang="en-US" smtClean="0"/>
-              <a:t>10/16/2016</a:t>
+              <a:t>3/26/17</a:t>
             </a:fld>
             <a:endParaRPr lang="en-US"/>
           </a:p>
@@ -1407,7 +1423,7 @@
           <a:p>
             <a:fld id="{78C97017-6FC3-485B-9764-EAC9E56C1D49}" type="datetimeFigureOut">
               <a:rPr lang="en-US" smtClean="0"/>
-              <a:t>10/16/2016</a:t>
+              <a:t>3/26/17</a:t>
             </a:fld>
             <a:endParaRPr lang="en-US"/>
           </a:p>
@@ -1695,7 +1711,7 @@
           <a:p>
             <a:fld id="{78C97017-6FC3-485B-9764-EAC9E56C1D49}" type="datetimeFigureOut">
               <a:rPr lang="en-US" smtClean="0"/>
-              <a:t>10/16/2016</a:t>
+              <a:t>3/26/17</a:t>
             </a:fld>
             <a:endParaRPr lang="en-US"/>
           </a:p>
@@ -2117,7 +2133,7 @@
           <a:p>
             <a:fld id="{78C97017-6FC3-485B-9764-EAC9E56C1D49}" type="datetimeFigureOut">
               <a:rPr lang="en-US" smtClean="0"/>
-              <a:t>10/16/2016</a:t>
+              <a:t>3/26/17</a:t>
             </a:fld>
             <a:endParaRPr lang="en-US"/>
           </a:p>
@@ -2235,7 +2251,7 @@
           <a:p>
             <a:fld id="{78C97017-6FC3-485B-9764-EAC9E56C1D49}" type="datetimeFigureOut">
               <a:rPr lang="en-US" smtClean="0"/>
-              <a:t>10/16/2016</a:t>
+              <a:t>3/26/17</a:t>
             </a:fld>
             <a:endParaRPr lang="en-US"/>
           </a:p>
@@ -2330,7 +2346,7 @@
           <a:p>
             <a:fld id="{78C97017-6FC3-485B-9764-EAC9E56C1D49}" type="datetimeFigureOut">
               <a:rPr lang="en-US" smtClean="0"/>
-              <a:t>10/16/2016</a:t>
+              <a:t>3/26/17</a:t>
             </a:fld>
             <a:endParaRPr lang="en-US"/>
           </a:p>
@@ -2607,7 +2623,7 @@
           <a:p>
             <a:fld id="{78C97017-6FC3-485B-9764-EAC9E56C1D49}" type="datetimeFigureOut">
               <a:rPr lang="en-US" smtClean="0"/>
-              <a:t>10/16/2016</a:t>
+              <a:t>3/26/17</a:t>
             </a:fld>
             <a:endParaRPr lang="en-US"/>
           </a:p>
@@ -2860,7 +2876,7 @@
           <a:p>
             <a:fld id="{78C97017-6FC3-485B-9764-EAC9E56C1D49}" type="datetimeFigureOut">
               <a:rPr lang="en-US" smtClean="0"/>
-              <a:t>10/16/2016</a:t>
+              <a:t>3/26/17</a:t>
             </a:fld>
             <a:endParaRPr lang="en-US"/>
           </a:p>
@@ -3073,7 +3089,7 @@
           <a:p>
             <a:fld id="{78C97017-6FC3-485B-9764-EAC9E56C1D49}" type="datetimeFigureOut">
               <a:rPr lang="en-US" smtClean="0"/>
-              <a:t>10/16/2016</a:t>
+              <a:t>3/26/17</a:t>
             </a:fld>
             <a:endParaRPr lang="en-US"/>
           </a:p>
@@ -3521,8 +3537,8 @@
         </p:nvSpPr>
         <p:spPr>
           <a:xfrm>
-            <a:off x="2877180" y="3158440"/>
-            <a:ext cx="1323049" cy="346760"/>
+            <a:off x="2796828" y="3158439"/>
+            <a:ext cx="1403402" cy="430445"/>
           </a:xfrm>
           <a:prstGeom prst="rect">
             <a:avLst/>
@@ -3581,7 +3597,7 @@
                   <a:schemeClr val="bg1"/>
                 </a:solidFill>
               </a:rPr>
-              <a:t>AddressBookStorage</a:t>
+              <a:t>TaskManagerStorage</a:t>
             </a:r>
             <a:endParaRPr lang="en-SG" sz="1050" dirty="0">
               <a:solidFill>
@@ -3795,7 +3811,7 @@
         <p:spPr>
           <a:xfrm>
             <a:off x="2656370" y="3326536"/>
-            <a:ext cx="220810" cy="5284"/>
+            <a:ext cx="140458" cy="47126"/>
           </a:xfrm>
           <a:prstGeom prst="straightConnector1">
             <a:avLst/>
@@ -4154,7 +4170,7 @@
                   </a:schemeClr>
                 </a:solidFill>
               </a:rPr>
-              <a:t>XmlAddressBook</a:t>
+              <a:t>XmlTaskManager</a:t>
             </a:r>
             <a:r>
               <a:rPr lang="en-US" sz="1050" b="1" dirty="0" smtClean="0">
@@ -4627,9 +4643,9 @@
                   </a:schemeClr>
                 </a:solidFill>
               </a:rPr>
-              <a:t>AddressBook</a:t>
-            </a:r>
-            <a:endParaRPr lang="en-SG" sz="1050" b="1" dirty="0">
+              <a:t>TaskManager</a:t>
+            </a:r>
+            <a:endParaRPr lang="en-US" sz="1050" b="1" dirty="0" smtClean="0">
               <a:solidFill>
                 <a:schemeClr val="accent6">
                   <a:lumMod val="75000"/>
@@ -4780,7 +4796,7 @@
                   </a:schemeClr>
                 </a:solidFill>
               </a:rPr>
-              <a:t>XmlAdaptedPerson</a:t>
+              <a:t>XmlAdaptedTask</a:t>
             </a:r>
             <a:endParaRPr lang="en-SG" sz="1050" b="1" dirty="0">
               <a:solidFill>

--- a/docs/diagrams/StorageComponentClassDiagram.pptx
+++ b/docs/diagrams/StorageComponentClassDiagram.pptx
@@ -208,7 +208,7 @@
           <a:p>
             <a:fld id="{F5CC4B3F-88C1-4FFA-B1B6-F41C21DC6924}" type="datetimeFigureOut">
               <a:rPr lang="en-US" smtClean="0"/>
-              <a:t>3/21/2017</a:t>
+              <a:t>4/3/17</a:t>
             </a:fld>
             <a:endParaRPr lang="en-US"/>
           </a:p>
@@ -654,7 +654,7 @@
           <a:p>
             <a:fld id="{78C97017-6FC3-485B-9764-EAC9E56C1D49}" type="datetimeFigureOut">
               <a:rPr lang="en-US" smtClean="0"/>
-              <a:t>3/21/2017</a:t>
+              <a:t>4/3/17</a:t>
             </a:fld>
             <a:endParaRPr lang="en-US"/>
           </a:p>
@@ -822,7 +822,7 @@
           <a:p>
             <a:fld id="{78C97017-6FC3-485B-9764-EAC9E56C1D49}" type="datetimeFigureOut">
               <a:rPr lang="en-US" smtClean="0"/>
-              <a:t>3/21/2017</a:t>
+              <a:t>4/3/17</a:t>
             </a:fld>
             <a:endParaRPr lang="en-US"/>
           </a:p>
@@ -1000,7 +1000,7 @@
           <a:p>
             <a:fld id="{78C97017-6FC3-485B-9764-EAC9E56C1D49}" type="datetimeFigureOut">
               <a:rPr lang="en-US" smtClean="0"/>
-              <a:t>3/21/2017</a:t>
+              <a:t>4/3/17</a:t>
             </a:fld>
             <a:endParaRPr lang="en-US"/>
           </a:p>
@@ -1168,7 +1168,7 @@
           <a:p>
             <a:fld id="{78C97017-6FC3-485B-9764-EAC9E56C1D49}" type="datetimeFigureOut">
               <a:rPr lang="en-US" smtClean="0"/>
-              <a:t>3/21/2017</a:t>
+              <a:t>4/3/17</a:t>
             </a:fld>
             <a:endParaRPr lang="en-US"/>
           </a:p>
@@ -1413,7 +1413,7 @@
           <a:p>
             <a:fld id="{78C97017-6FC3-485B-9764-EAC9E56C1D49}" type="datetimeFigureOut">
               <a:rPr lang="en-US" smtClean="0"/>
-              <a:t>3/21/2017</a:t>
+              <a:t>4/3/17</a:t>
             </a:fld>
             <a:endParaRPr lang="en-US"/>
           </a:p>
@@ -1698,7 +1698,7 @@
           <a:p>
             <a:fld id="{78C97017-6FC3-485B-9764-EAC9E56C1D49}" type="datetimeFigureOut">
               <a:rPr lang="en-US" smtClean="0"/>
-              <a:t>3/21/2017</a:t>
+              <a:t>4/3/17</a:t>
             </a:fld>
             <a:endParaRPr lang="en-US"/>
           </a:p>
@@ -2117,7 +2117,7 @@
           <a:p>
             <a:fld id="{78C97017-6FC3-485B-9764-EAC9E56C1D49}" type="datetimeFigureOut">
               <a:rPr lang="en-US" smtClean="0"/>
-              <a:t>3/21/2017</a:t>
+              <a:t>4/3/17</a:t>
             </a:fld>
             <a:endParaRPr lang="en-US"/>
           </a:p>
@@ -2234,7 +2234,7 @@
           <a:p>
             <a:fld id="{78C97017-6FC3-485B-9764-EAC9E56C1D49}" type="datetimeFigureOut">
               <a:rPr lang="en-US" smtClean="0"/>
-              <a:t>3/21/2017</a:t>
+              <a:t>4/3/17</a:t>
             </a:fld>
             <a:endParaRPr lang="en-US"/>
           </a:p>
@@ -2329,7 +2329,7 @@
           <a:p>
             <a:fld id="{78C97017-6FC3-485B-9764-EAC9E56C1D49}" type="datetimeFigureOut">
               <a:rPr lang="en-US" smtClean="0"/>
-              <a:t>3/21/2017</a:t>
+              <a:t>4/3/17</a:t>
             </a:fld>
             <a:endParaRPr lang="en-US"/>
           </a:p>
@@ -2604,7 +2604,7 @@
           <a:p>
             <a:fld id="{78C97017-6FC3-485B-9764-EAC9E56C1D49}" type="datetimeFigureOut">
               <a:rPr lang="en-US" smtClean="0"/>
-              <a:t>3/21/2017</a:t>
+              <a:t>4/3/17</a:t>
             </a:fld>
             <a:endParaRPr lang="en-US"/>
           </a:p>
@@ -2856,7 +2856,7 @@
           <a:p>
             <a:fld id="{78C97017-6FC3-485B-9764-EAC9E56C1D49}" type="datetimeFigureOut">
               <a:rPr lang="en-US" smtClean="0"/>
-              <a:t>3/21/2017</a:t>
+              <a:t>4/3/17</a:t>
             </a:fld>
             <a:endParaRPr lang="en-US"/>
           </a:p>
@@ -3067,7 +3067,7 @@
           <a:p>
             <a:fld id="{78C97017-6FC3-485B-9764-EAC9E56C1D49}" type="datetimeFigureOut">
               <a:rPr lang="en-US" smtClean="0"/>
-              <a:t>3/21/2017</a:t>
+              <a:t>4/3/17</a:t>
             </a:fld>
             <a:endParaRPr lang="en-US"/>
           </a:p>
@@ -4150,6 +4150,16 @@
               </a:rPr>
               <a:t>XmlWhatsLeft</a:t>
             </a:r>
+            <a:r>
+              <a:rPr lang="en-US" sz="1050" b="1" dirty="0">
+                <a:solidFill>
+                  <a:schemeClr val="accent6">
+                    <a:lumMod val="75000"/>
+                  </a:schemeClr>
+                </a:solidFill>
+              </a:rPr>
+              <a:t/>
+            </a:r>
             <a:br>
               <a:rPr lang="en-US" sz="1050" b="1" dirty="0">
                 <a:solidFill>
@@ -4507,6 +4517,14 @@
               </a:rPr>
               <a:t>JsonUserPrefs</a:t>
             </a:r>
+            <a:r>
+              <a:rPr lang="en-US" sz="1050" dirty="0">
+                <a:solidFill>
+                  <a:schemeClr val="bg1"/>
+                </a:solidFill>
+              </a:rPr>
+              <a:t/>
+            </a:r>
             <a:br>
               <a:rPr lang="en-US" sz="1050" dirty="0">
                 <a:solidFill>
@@ -4576,6 +4594,16 @@
               </a:rPr>
               <a:t>XmlSerializable</a:t>
             </a:r>
+            <a:r>
+              <a:rPr lang="en-US" sz="1050" b="1" dirty="0">
+                <a:solidFill>
+                  <a:schemeClr val="accent6">
+                    <a:lumMod val="75000"/>
+                  </a:schemeClr>
+                </a:solidFill>
+              </a:rPr>
+              <a:t/>
+            </a:r>
             <a:br>
               <a:rPr lang="en-US" sz="1050" b="1" dirty="0">
                 <a:solidFill>
@@ -4611,14 +4639,13 @@
           <p:cNvCxnSpPr>
             <a:cxnSpLocks/>
             <a:stCxn id="74" idx="0"/>
-            <a:endCxn id="73" idx="2"/>
           </p:cNvCxnSpPr>
           <p:nvPr/>
         </p:nvCxnSpPr>
         <p:spPr>
-          <a:xfrm rot="16200000" flipV="1">
-            <a:off x="8087979" y="2982034"/>
-            <a:ext cx="335208" cy="19972"/>
+          <a:xfrm rot="5400000" flipH="1" flipV="1">
+            <a:off x="8139100" y="2628368"/>
+            <a:ext cx="292885" cy="2"/>
           </a:xfrm>
           <a:prstGeom prst="bentConnector3">
             <a:avLst>
@@ -4655,7 +4682,7 @@
         </p:nvSpPr>
         <p:spPr>
           <a:xfrm>
-            <a:off x="7615738" y="2477656"/>
+            <a:off x="7635710" y="2110774"/>
             <a:ext cx="1259718" cy="346760"/>
           </a:xfrm>
           <a:prstGeom prst="rect">
@@ -4711,7 +4738,7 @@
         </p:nvSpPr>
         <p:spPr>
           <a:xfrm>
-            <a:off x="7615738" y="3159624"/>
+            <a:off x="7635710" y="2774811"/>
             <a:ext cx="1299662" cy="346760"/>
           </a:xfrm>
           <a:prstGeom prst="rect">
@@ -4740,14 +4767,24 @@
           <a:p>
             <a:pPr algn="ctr"/>
             <a:r>
-              <a:rPr lang="en-US" sz="1050" b="1" dirty="0" err="1">
+              <a:rPr lang="en-US" sz="1050" b="1" dirty="0" err="1" smtClean="0">
                 <a:solidFill>
                   <a:schemeClr val="accent6">
                     <a:lumMod val="75000"/>
                   </a:schemeClr>
                 </a:solidFill>
               </a:rPr>
-              <a:t>XmlAdaptedActivity</a:t>
+              <a:t>XmlAdapted</a:t>
+            </a:r>
+            <a:r>
+              <a:rPr lang="en-US" altLang="zh-CN" sz="1050" b="1" dirty="0" err="1" smtClean="0">
+                <a:solidFill>
+                  <a:schemeClr val="accent6">
+                    <a:lumMod val="75000"/>
+                  </a:schemeClr>
+                </a:solidFill>
+              </a:rPr>
+              <a:t>Event</a:t>
             </a:r>
             <a:endParaRPr lang="en-SG" sz="1050" b="1" dirty="0">
               <a:solidFill>
@@ -4764,19 +4801,155 @@
           <p:cNvPr id="77" name="Elbow Connector 122"/>
           <p:cNvCxnSpPr>
             <a:cxnSpLocks/>
-            <a:stCxn id="66" idx="3"/>
-            <a:endCxn id="74" idx="1"/>
           </p:cNvCxnSpPr>
           <p:nvPr/>
         </p:nvCxnSpPr>
         <p:spPr>
           <a:xfrm flipV="1">
-            <a:off x="7220507" y="3333004"/>
-            <a:ext cx="395231" cy="786"/>
+            <a:off x="7246040" y="3000940"/>
+            <a:ext cx="381750" cy="259990"/>
           </a:xfrm>
           <a:prstGeom prst="bentConnector3">
             <a:avLst>
               <a:gd name="adj1" fmla="val 50000"/>
+            </a:avLst>
+          </a:prstGeom>
+          <a:ln w="19050">
+            <a:prstDash val="sysDot"/>
+            <a:headEnd type="none" w="med" len="med"/>
+            <a:tailEnd type="arrow" w="med" len="med"/>
+          </a:ln>
+          <a:effectLst/>
+        </p:spPr>
+        <p:style>
+          <a:lnRef idx="1">
+            <a:schemeClr val="accent6"/>
+          </a:lnRef>
+          <a:fillRef idx="2">
+            <a:schemeClr val="accent6"/>
+          </a:fillRef>
+          <a:effectRef idx="1">
+            <a:schemeClr val="accent6"/>
+          </a:effectRef>
+          <a:fontRef idx="minor">
+            <a:schemeClr val="dk1"/>
+          </a:fontRef>
+        </p:style>
+      </p:cxnSp>
+      <p:sp>
+        <p:nvSpPr>
+          <p:cNvPr id="26" name="Rectangle 8"/>
+          <p:cNvSpPr/>
+          <p:nvPr/>
+        </p:nvSpPr>
+        <p:spPr>
+          <a:xfrm>
+            <a:off x="7635710" y="3293953"/>
+            <a:ext cx="1299662" cy="346760"/>
+          </a:xfrm>
+          <a:prstGeom prst="rect">
+            <a:avLst/>
+          </a:prstGeom>
+          <a:ln w="19050"/>
+          <a:effectLst/>
+        </p:spPr>
+        <p:style>
+          <a:lnRef idx="1">
+            <a:schemeClr val="accent6"/>
+          </a:lnRef>
+          <a:fillRef idx="2">
+            <a:schemeClr val="accent6"/>
+          </a:fillRef>
+          <a:effectRef idx="1">
+            <a:schemeClr val="accent6"/>
+          </a:effectRef>
+          <a:fontRef idx="minor">
+            <a:schemeClr val="dk1"/>
+          </a:fontRef>
+        </p:style>
+        <p:txBody>
+          <a:bodyPr rtlCol="0" anchor="ctr"/>
+          <a:lstStyle/>
+          <a:p>
+            <a:pPr algn="ctr"/>
+            <a:r>
+              <a:rPr lang="en-US" sz="1050" b="1" dirty="0" err="1" smtClean="0">
+                <a:solidFill>
+                  <a:schemeClr val="accent6">
+                    <a:lumMod val="75000"/>
+                  </a:schemeClr>
+                </a:solidFill>
+              </a:rPr>
+              <a:t>XmlAdaptedTask</a:t>
+            </a:r>
+            <a:endParaRPr lang="en-SG" sz="1050" b="1" dirty="0">
+              <a:solidFill>
+                <a:schemeClr val="accent6">
+                  <a:lumMod val="75000"/>
+                </a:schemeClr>
+              </a:solidFill>
+            </a:endParaRPr>
+          </a:p>
+        </p:txBody>
+      </p:sp>
+      <p:cxnSp>
+        <p:nvCxnSpPr>
+          <p:cNvPr id="30" name="Elbow Connector 122"/>
+          <p:cNvCxnSpPr>
+            <a:cxnSpLocks/>
+          </p:cNvCxnSpPr>
+          <p:nvPr/>
+        </p:nvCxnSpPr>
+        <p:spPr>
+          <a:xfrm>
+            <a:off x="7234360" y="3408970"/>
+            <a:ext cx="401350" cy="172430"/>
+          </a:xfrm>
+          <a:prstGeom prst="bentConnector3">
+            <a:avLst>
+              <a:gd name="adj1" fmla="val 50000"/>
+            </a:avLst>
+          </a:prstGeom>
+          <a:ln w="19050">
+            <a:prstDash val="sysDot"/>
+            <a:headEnd type="none" w="med" len="med"/>
+            <a:tailEnd type="arrow" w="med" len="med"/>
+          </a:ln>
+          <a:effectLst/>
+        </p:spPr>
+        <p:style>
+          <a:lnRef idx="1">
+            <a:schemeClr val="accent6"/>
+          </a:lnRef>
+          <a:fillRef idx="2">
+            <a:schemeClr val="accent6"/>
+          </a:fillRef>
+          <a:effectRef idx="1">
+            <a:schemeClr val="accent6"/>
+          </a:effectRef>
+          <a:fontRef idx="minor">
+            <a:schemeClr val="dk1"/>
+          </a:fontRef>
+        </p:style>
+      </p:cxnSp>
+      <p:cxnSp>
+        <p:nvCxnSpPr>
+          <p:cNvPr id="37" name="Elbow Connector 122"/>
+          <p:cNvCxnSpPr>
+            <a:cxnSpLocks/>
+            <a:endCxn id="73" idx="1"/>
+          </p:cNvCxnSpPr>
+          <p:nvPr/>
+        </p:nvCxnSpPr>
+        <p:spPr>
+          <a:xfrm rot="16200000" flipV="1">
+            <a:off x="7282346" y="2637519"/>
+            <a:ext cx="1009799" cy="303070"/>
+          </a:xfrm>
+          <a:prstGeom prst="bentConnector4">
+            <a:avLst>
+              <a:gd name="adj1" fmla="val 11231"/>
+              <a:gd name="adj2" fmla="val 215656"/>
             </a:avLst>
           </a:prstGeom>
           <a:ln w="19050">

--- a/docs/diagrams/StorageComponentClassDiagram.pptx
+++ b/docs/diagrams/StorageComponentClassDiagram.pptx
@@ -107,6 +107,22 @@
       </a:defRPr>
     </a:lvl9pPr>
   </p:defaultTextStyle>
+  <p:extLst>
+    <p:ext uri="{EFAFB233-063F-42B5-8137-9DF3F51BA10A}">
+      <p15:sldGuideLst xmlns:p15="http://schemas.microsoft.com/office/powerpoint/2012/main">
+        <p15:guide id="1" orient="horz" pos="1488">
+          <p15:clr>
+            <a:srgbClr val="A4A3A4"/>
+          </p15:clr>
+        </p15:guide>
+        <p15:guide id="2" pos="2880">
+          <p15:clr>
+            <a:srgbClr val="A4A3A4"/>
+          </p15:clr>
+        </p15:guide>
+      </p15:sldGuideLst>
+    </p:ext>
+  </p:extLst>
 </p:presentation>
 </file>
 
@@ -192,7 +208,7 @@
           <a:p>
             <a:fld id="{F5CC4B3F-88C1-4FFA-B1B6-F41C21DC6924}" type="datetimeFigureOut">
               <a:rPr lang="en-US" smtClean="0"/>
-              <a:t>10/16/2016</a:t>
+              <a:t>4/8/2017</a:t>
             </a:fld>
             <a:endParaRPr lang="en-US"/>
           </a:p>
@@ -256,38 +272,37 @@
           <a:p>
             <a:pPr lvl="0"/>
             <a:r>
-              <a:rPr lang="en-US" smtClean="0"/>
+              <a:rPr lang="en-US"/>
               <a:t>Click to edit Master text styles</a:t>
             </a:r>
           </a:p>
           <a:p>
             <a:pPr lvl="1"/>
             <a:r>
-              <a:rPr lang="en-US" smtClean="0"/>
+              <a:rPr lang="en-US"/>
               <a:t>Second level</a:t>
             </a:r>
           </a:p>
           <a:p>
             <a:pPr lvl="2"/>
             <a:r>
-              <a:rPr lang="en-US" smtClean="0"/>
+              <a:rPr lang="en-US"/>
               <a:t>Third level</a:t>
             </a:r>
           </a:p>
           <a:p>
             <a:pPr lvl="3"/>
             <a:r>
-              <a:rPr lang="en-US" smtClean="0"/>
+              <a:rPr lang="en-US"/>
               <a:t>Fourth level</a:t>
             </a:r>
           </a:p>
           <a:p>
             <a:pPr lvl="4"/>
             <a:r>
-              <a:rPr lang="en-US" smtClean="0"/>
+              <a:rPr lang="en-US"/>
               <a:t>Fifth level</a:t>
             </a:r>
-            <a:endParaRPr lang="en-US"/>
           </a:p>
         </p:txBody>
       </p:sp>
@@ -498,10 +513,9 @@
           <a:lstStyle/>
           <a:p>
             <a:r>
-              <a:rPr lang="en-US" smtClean="0"/>
+              <a:rPr lang="en-US"/>
               <a:t>Click to edit Master title style</a:t>
             </a:r>
-            <a:endParaRPr lang="en-US"/>
           </a:p>
         </p:txBody>
       </p:sp>
@@ -617,10 +631,9 @@
           </a:lstStyle>
           <a:p>
             <a:r>
-              <a:rPr lang="en-US" smtClean="0"/>
+              <a:rPr lang="en-US"/>
               <a:t>Click to edit Master subtitle style</a:t>
             </a:r>
-            <a:endParaRPr lang="en-US"/>
           </a:p>
         </p:txBody>
       </p:sp>
@@ -641,7 +654,7 @@
           <a:p>
             <a:fld id="{78C97017-6FC3-485B-9764-EAC9E56C1D49}" type="datetimeFigureOut">
               <a:rPr lang="en-US" smtClean="0"/>
-              <a:t>10/16/2016</a:t>
+              <a:t>4/8/2017</a:t>
             </a:fld>
             <a:endParaRPr lang="en-US"/>
           </a:p>
@@ -735,10 +748,9 @@
           <a:lstStyle/>
           <a:p>
             <a:r>
-              <a:rPr lang="en-US" smtClean="0"/>
+              <a:rPr lang="en-US"/>
               <a:t>Click to edit Master title style</a:t>
             </a:r>
-            <a:endParaRPr lang="en-US"/>
           </a:p>
         </p:txBody>
       </p:sp>
@@ -759,38 +771,37 @@
           <a:p>
             <a:pPr lvl="0"/>
             <a:r>
-              <a:rPr lang="en-US" smtClean="0"/>
+              <a:rPr lang="en-US"/>
               <a:t>Click to edit Master text styles</a:t>
             </a:r>
           </a:p>
           <a:p>
             <a:pPr lvl="1"/>
             <a:r>
-              <a:rPr lang="en-US" smtClean="0"/>
+              <a:rPr lang="en-US"/>
               <a:t>Second level</a:t>
             </a:r>
           </a:p>
           <a:p>
             <a:pPr lvl="2"/>
             <a:r>
-              <a:rPr lang="en-US" smtClean="0"/>
+              <a:rPr lang="en-US"/>
               <a:t>Third level</a:t>
             </a:r>
           </a:p>
           <a:p>
             <a:pPr lvl="3"/>
             <a:r>
-              <a:rPr lang="en-US" smtClean="0"/>
+              <a:rPr lang="en-US"/>
               <a:t>Fourth level</a:t>
             </a:r>
           </a:p>
           <a:p>
             <a:pPr lvl="4"/>
             <a:r>
-              <a:rPr lang="en-US" smtClean="0"/>
+              <a:rPr lang="en-US"/>
               <a:t>Fifth level</a:t>
             </a:r>
-            <a:endParaRPr lang="en-US"/>
           </a:p>
         </p:txBody>
       </p:sp>
@@ -811,7 +822,7 @@
           <a:p>
             <a:fld id="{78C97017-6FC3-485B-9764-EAC9E56C1D49}" type="datetimeFigureOut">
               <a:rPr lang="en-US" smtClean="0"/>
-              <a:t>10/16/2016</a:t>
+              <a:t>4/8/2017</a:t>
             </a:fld>
             <a:endParaRPr lang="en-US"/>
           </a:p>
@@ -910,10 +921,9 @@
           <a:lstStyle/>
           <a:p>
             <a:r>
-              <a:rPr lang="en-US" smtClean="0"/>
+              <a:rPr lang="en-US"/>
               <a:t>Click to edit Master title style</a:t>
             </a:r>
-            <a:endParaRPr lang="en-US"/>
           </a:p>
         </p:txBody>
       </p:sp>
@@ -939,38 +949,37 @@
           <a:p>
             <a:pPr lvl="0"/>
             <a:r>
-              <a:rPr lang="en-US" smtClean="0"/>
+              <a:rPr lang="en-US"/>
               <a:t>Click to edit Master text styles</a:t>
             </a:r>
           </a:p>
           <a:p>
             <a:pPr lvl="1"/>
             <a:r>
-              <a:rPr lang="en-US" smtClean="0"/>
+              <a:rPr lang="en-US"/>
               <a:t>Second level</a:t>
             </a:r>
           </a:p>
           <a:p>
             <a:pPr lvl="2"/>
             <a:r>
-              <a:rPr lang="en-US" smtClean="0"/>
+              <a:rPr lang="en-US"/>
               <a:t>Third level</a:t>
             </a:r>
           </a:p>
           <a:p>
             <a:pPr lvl="3"/>
             <a:r>
-              <a:rPr lang="en-US" smtClean="0"/>
+              <a:rPr lang="en-US"/>
               <a:t>Fourth level</a:t>
             </a:r>
           </a:p>
           <a:p>
             <a:pPr lvl="4"/>
             <a:r>
-              <a:rPr lang="en-US" smtClean="0"/>
+              <a:rPr lang="en-US"/>
               <a:t>Fifth level</a:t>
             </a:r>
-            <a:endParaRPr lang="en-US"/>
           </a:p>
         </p:txBody>
       </p:sp>
@@ -991,7 +1000,7 @@
           <a:p>
             <a:fld id="{78C97017-6FC3-485B-9764-EAC9E56C1D49}" type="datetimeFigureOut">
               <a:rPr lang="en-US" smtClean="0"/>
-              <a:t>10/16/2016</a:t>
+              <a:t>4/8/2017</a:t>
             </a:fld>
             <a:endParaRPr lang="en-US"/>
           </a:p>
@@ -1085,10 +1094,9 @@
           <a:lstStyle/>
           <a:p>
             <a:r>
-              <a:rPr lang="en-US" smtClean="0"/>
+              <a:rPr lang="en-US"/>
               <a:t>Click to edit Master title style</a:t>
             </a:r>
-            <a:endParaRPr lang="en-US"/>
           </a:p>
         </p:txBody>
       </p:sp>
@@ -1109,38 +1117,37 @@
           <a:p>
             <a:pPr lvl="0"/>
             <a:r>
-              <a:rPr lang="en-US" smtClean="0"/>
+              <a:rPr lang="en-US"/>
               <a:t>Click to edit Master text styles</a:t>
             </a:r>
           </a:p>
           <a:p>
             <a:pPr lvl="1"/>
             <a:r>
-              <a:rPr lang="en-US" smtClean="0"/>
+              <a:rPr lang="en-US"/>
               <a:t>Second level</a:t>
             </a:r>
           </a:p>
           <a:p>
             <a:pPr lvl="2"/>
             <a:r>
-              <a:rPr lang="en-US" smtClean="0"/>
+              <a:rPr lang="en-US"/>
               <a:t>Third level</a:t>
             </a:r>
           </a:p>
           <a:p>
             <a:pPr lvl="3"/>
             <a:r>
-              <a:rPr lang="en-US" smtClean="0"/>
+              <a:rPr lang="en-US"/>
               <a:t>Fourth level</a:t>
             </a:r>
           </a:p>
           <a:p>
             <a:pPr lvl="4"/>
             <a:r>
-              <a:rPr lang="en-US" smtClean="0"/>
+              <a:rPr lang="en-US"/>
               <a:t>Fifth level</a:t>
             </a:r>
-            <a:endParaRPr lang="en-US"/>
           </a:p>
         </p:txBody>
       </p:sp>
@@ -1161,7 +1168,7 @@
           <a:p>
             <a:fld id="{78C97017-6FC3-485B-9764-EAC9E56C1D49}" type="datetimeFigureOut">
               <a:rPr lang="en-US" smtClean="0"/>
-              <a:t>10/16/2016</a:t>
+              <a:t>4/8/2017</a:t>
             </a:fld>
             <a:endParaRPr lang="en-US"/>
           </a:p>
@@ -1264,10 +1271,9 @@
           </a:lstStyle>
           <a:p>
             <a:r>
-              <a:rPr lang="en-US" smtClean="0"/>
+              <a:rPr lang="en-US"/>
               <a:t>Click to edit Master title style</a:t>
             </a:r>
-            <a:endParaRPr lang="en-US"/>
           </a:p>
         </p:txBody>
       </p:sp>
@@ -1384,7 +1390,7 @@
           <a:p>
             <a:pPr lvl="0"/>
             <a:r>
-              <a:rPr lang="en-US" smtClean="0"/>
+              <a:rPr lang="en-US"/>
               <a:t>Click to edit Master text styles</a:t>
             </a:r>
           </a:p>
@@ -1407,7 +1413,7 @@
           <a:p>
             <a:fld id="{78C97017-6FC3-485B-9764-EAC9E56C1D49}" type="datetimeFigureOut">
               <a:rPr lang="en-US" smtClean="0"/>
-              <a:t>10/16/2016</a:t>
+              <a:t>4/8/2017</a:t>
             </a:fld>
             <a:endParaRPr lang="en-US"/>
           </a:p>
@@ -1501,10 +1507,9 @@
           <a:lstStyle/>
           <a:p>
             <a:r>
-              <a:rPr lang="en-US" smtClean="0"/>
+              <a:rPr lang="en-US"/>
               <a:t>Click to edit Master title style</a:t>
             </a:r>
-            <a:endParaRPr lang="en-US"/>
           </a:p>
         </p:txBody>
       </p:sp>
@@ -1558,38 +1563,37 @@
           <a:p>
             <a:pPr lvl="0"/>
             <a:r>
-              <a:rPr lang="en-US" smtClean="0"/>
+              <a:rPr lang="en-US"/>
               <a:t>Click to edit Master text styles</a:t>
             </a:r>
           </a:p>
           <a:p>
             <a:pPr lvl="1"/>
             <a:r>
-              <a:rPr lang="en-US" smtClean="0"/>
+              <a:rPr lang="en-US"/>
               <a:t>Second level</a:t>
             </a:r>
           </a:p>
           <a:p>
             <a:pPr lvl="2"/>
             <a:r>
-              <a:rPr lang="en-US" smtClean="0"/>
+              <a:rPr lang="en-US"/>
               <a:t>Third level</a:t>
             </a:r>
           </a:p>
           <a:p>
             <a:pPr lvl="3"/>
             <a:r>
-              <a:rPr lang="en-US" smtClean="0"/>
+              <a:rPr lang="en-US"/>
               <a:t>Fourth level</a:t>
             </a:r>
           </a:p>
           <a:p>
             <a:pPr lvl="4"/>
             <a:r>
-              <a:rPr lang="en-US" smtClean="0"/>
+              <a:rPr lang="en-US"/>
               <a:t>Fifth level</a:t>
             </a:r>
-            <a:endParaRPr lang="en-US"/>
           </a:p>
         </p:txBody>
       </p:sp>
@@ -1643,38 +1647,37 @@
           <a:p>
             <a:pPr lvl="0"/>
             <a:r>
-              <a:rPr lang="en-US" smtClean="0"/>
+              <a:rPr lang="en-US"/>
               <a:t>Click to edit Master text styles</a:t>
             </a:r>
           </a:p>
           <a:p>
             <a:pPr lvl="1"/>
             <a:r>
-              <a:rPr lang="en-US" smtClean="0"/>
+              <a:rPr lang="en-US"/>
               <a:t>Second level</a:t>
             </a:r>
           </a:p>
           <a:p>
             <a:pPr lvl="2"/>
             <a:r>
-              <a:rPr lang="en-US" smtClean="0"/>
+              <a:rPr lang="en-US"/>
               <a:t>Third level</a:t>
             </a:r>
           </a:p>
           <a:p>
             <a:pPr lvl="3"/>
             <a:r>
-              <a:rPr lang="en-US" smtClean="0"/>
+              <a:rPr lang="en-US"/>
               <a:t>Fourth level</a:t>
             </a:r>
           </a:p>
           <a:p>
             <a:pPr lvl="4"/>
             <a:r>
-              <a:rPr lang="en-US" smtClean="0"/>
+              <a:rPr lang="en-US"/>
               <a:t>Fifth level</a:t>
             </a:r>
-            <a:endParaRPr lang="en-US"/>
           </a:p>
         </p:txBody>
       </p:sp>
@@ -1695,7 +1698,7 @@
           <a:p>
             <a:fld id="{78C97017-6FC3-485B-9764-EAC9E56C1D49}" type="datetimeFigureOut">
               <a:rPr lang="en-US" smtClean="0"/>
-              <a:t>10/16/2016</a:t>
+              <a:t>4/8/2017</a:t>
             </a:fld>
             <a:endParaRPr lang="en-US"/>
           </a:p>
@@ -1793,10 +1796,9 @@
           </a:lstStyle>
           <a:p>
             <a:r>
-              <a:rPr lang="en-US" smtClean="0"/>
+              <a:rPr lang="en-US"/>
               <a:t>Click to edit Master title style</a:t>
             </a:r>
-            <a:endParaRPr lang="en-US"/>
           </a:p>
         </p:txBody>
       </p:sp>
@@ -1859,7 +1861,7 @@
           <a:p>
             <a:pPr lvl="0"/>
             <a:r>
-              <a:rPr lang="en-US" smtClean="0"/>
+              <a:rPr lang="en-US"/>
               <a:t>Click to edit Master text styles</a:t>
             </a:r>
           </a:p>
@@ -1915,38 +1917,37 @@
           <a:p>
             <a:pPr lvl="0"/>
             <a:r>
-              <a:rPr lang="en-US" smtClean="0"/>
+              <a:rPr lang="en-US"/>
               <a:t>Click to edit Master text styles</a:t>
             </a:r>
           </a:p>
           <a:p>
             <a:pPr lvl="1"/>
             <a:r>
-              <a:rPr lang="en-US" smtClean="0"/>
+              <a:rPr lang="en-US"/>
               <a:t>Second level</a:t>
             </a:r>
           </a:p>
           <a:p>
             <a:pPr lvl="2"/>
             <a:r>
-              <a:rPr lang="en-US" smtClean="0"/>
+              <a:rPr lang="en-US"/>
               <a:t>Third level</a:t>
             </a:r>
           </a:p>
           <a:p>
             <a:pPr lvl="3"/>
             <a:r>
-              <a:rPr lang="en-US" smtClean="0"/>
+              <a:rPr lang="en-US"/>
               <a:t>Fourth level</a:t>
             </a:r>
           </a:p>
           <a:p>
             <a:pPr lvl="4"/>
             <a:r>
-              <a:rPr lang="en-US" smtClean="0"/>
+              <a:rPr lang="en-US"/>
               <a:t>Fifth level</a:t>
             </a:r>
-            <a:endParaRPr lang="en-US"/>
           </a:p>
         </p:txBody>
       </p:sp>
@@ -2009,7 +2010,7 @@
           <a:p>
             <a:pPr lvl="0"/>
             <a:r>
-              <a:rPr lang="en-US" smtClean="0"/>
+              <a:rPr lang="en-US"/>
               <a:t>Click to edit Master text styles</a:t>
             </a:r>
           </a:p>
@@ -2065,38 +2066,37 @@
           <a:p>
             <a:pPr lvl="0"/>
             <a:r>
-              <a:rPr lang="en-US" smtClean="0"/>
+              <a:rPr lang="en-US"/>
               <a:t>Click to edit Master text styles</a:t>
             </a:r>
           </a:p>
           <a:p>
             <a:pPr lvl="1"/>
             <a:r>
-              <a:rPr lang="en-US" smtClean="0"/>
+              <a:rPr lang="en-US"/>
               <a:t>Second level</a:t>
             </a:r>
           </a:p>
           <a:p>
             <a:pPr lvl="2"/>
             <a:r>
-              <a:rPr lang="en-US" smtClean="0"/>
+              <a:rPr lang="en-US"/>
               <a:t>Third level</a:t>
             </a:r>
           </a:p>
           <a:p>
             <a:pPr lvl="3"/>
             <a:r>
-              <a:rPr lang="en-US" smtClean="0"/>
+              <a:rPr lang="en-US"/>
               <a:t>Fourth level</a:t>
             </a:r>
           </a:p>
           <a:p>
             <a:pPr lvl="4"/>
             <a:r>
-              <a:rPr lang="en-US" smtClean="0"/>
+              <a:rPr lang="en-US"/>
               <a:t>Fifth level</a:t>
             </a:r>
-            <a:endParaRPr lang="en-US"/>
           </a:p>
         </p:txBody>
       </p:sp>
@@ -2117,7 +2117,7 @@
           <a:p>
             <a:fld id="{78C97017-6FC3-485B-9764-EAC9E56C1D49}" type="datetimeFigureOut">
               <a:rPr lang="en-US" smtClean="0"/>
-              <a:t>10/16/2016</a:t>
+              <a:t>4/8/2017</a:t>
             </a:fld>
             <a:endParaRPr lang="en-US"/>
           </a:p>
@@ -2211,10 +2211,9 @@
           <a:lstStyle/>
           <a:p>
             <a:r>
-              <a:rPr lang="en-US" smtClean="0"/>
+              <a:rPr lang="en-US"/>
               <a:t>Click to edit Master title style</a:t>
             </a:r>
-            <a:endParaRPr lang="en-US"/>
           </a:p>
         </p:txBody>
       </p:sp>
@@ -2235,7 +2234,7 @@
           <a:p>
             <a:fld id="{78C97017-6FC3-485B-9764-EAC9E56C1D49}" type="datetimeFigureOut">
               <a:rPr lang="en-US" smtClean="0"/>
-              <a:t>10/16/2016</a:t>
+              <a:t>4/8/2017</a:t>
             </a:fld>
             <a:endParaRPr lang="en-US"/>
           </a:p>
@@ -2330,7 +2329,7 @@
           <a:p>
             <a:fld id="{78C97017-6FC3-485B-9764-EAC9E56C1D49}" type="datetimeFigureOut">
               <a:rPr lang="en-US" smtClean="0"/>
-              <a:t>10/16/2016</a:t>
+              <a:t>4/8/2017</a:t>
             </a:fld>
             <a:endParaRPr lang="en-US"/>
           </a:p>
@@ -2433,10 +2432,9 @@
           </a:lstStyle>
           <a:p>
             <a:r>
-              <a:rPr lang="en-US" smtClean="0"/>
+              <a:rPr lang="en-US"/>
               <a:t>Click to edit Master title style</a:t>
             </a:r>
-            <a:endParaRPr lang="en-US"/>
           </a:p>
         </p:txBody>
       </p:sp>
@@ -2490,38 +2488,37 @@
           <a:p>
             <a:pPr lvl="0"/>
             <a:r>
-              <a:rPr lang="en-US" smtClean="0"/>
+              <a:rPr lang="en-US"/>
               <a:t>Click to edit Master text styles</a:t>
             </a:r>
           </a:p>
           <a:p>
             <a:pPr lvl="1"/>
             <a:r>
-              <a:rPr lang="en-US" smtClean="0"/>
+              <a:rPr lang="en-US"/>
               <a:t>Second level</a:t>
             </a:r>
           </a:p>
           <a:p>
             <a:pPr lvl="2"/>
             <a:r>
-              <a:rPr lang="en-US" smtClean="0"/>
+              <a:rPr lang="en-US"/>
               <a:t>Third level</a:t>
             </a:r>
           </a:p>
           <a:p>
             <a:pPr lvl="3"/>
             <a:r>
-              <a:rPr lang="en-US" smtClean="0"/>
+              <a:rPr lang="en-US"/>
               <a:t>Fourth level</a:t>
             </a:r>
           </a:p>
           <a:p>
             <a:pPr lvl="4"/>
             <a:r>
-              <a:rPr lang="en-US" smtClean="0"/>
+              <a:rPr lang="en-US"/>
               <a:t>Fifth level</a:t>
             </a:r>
-            <a:endParaRPr lang="en-US"/>
           </a:p>
         </p:txBody>
       </p:sp>
@@ -2584,7 +2581,7 @@
           <a:p>
             <a:pPr lvl="0"/>
             <a:r>
-              <a:rPr lang="en-US" smtClean="0"/>
+              <a:rPr lang="en-US"/>
               <a:t>Click to edit Master text styles</a:t>
             </a:r>
           </a:p>
@@ -2607,7 +2604,7 @@
           <a:p>
             <a:fld id="{78C97017-6FC3-485B-9764-EAC9E56C1D49}" type="datetimeFigureOut">
               <a:rPr lang="en-US" smtClean="0"/>
-              <a:t>10/16/2016</a:t>
+              <a:t>4/8/2017</a:t>
             </a:fld>
             <a:endParaRPr lang="en-US"/>
           </a:p>
@@ -2710,10 +2707,9 @@
           </a:lstStyle>
           <a:p>
             <a:r>
-              <a:rPr lang="en-US" smtClean="0"/>
+              <a:rPr lang="en-US"/>
               <a:t>Click to edit Master title style</a:t>
             </a:r>
-            <a:endParaRPr lang="en-US"/>
           </a:p>
         </p:txBody>
       </p:sp>
@@ -2837,7 +2833,7 @@
           <a:p>
             <a:pPr lvl="0"/>
             <a:r>
-              <a:rPr lang="en-US" smtClean="0"/>
+              <a:rPr lang="en-US"/>
               <a:t>Click to edit Master text styles</a:t>
             </a:r>
           </a:p>
@@ -2860,7 +2856,7 @@
           <a:p>
             <a:fld id="{78C97017-6FC3-485B-9764-EAC9E56C1D49}" type="datetimeFigureOut">
               <a:rPr lang="en-US" smtClean="0"/>
-              <a:t>10/16/2016</a:t>
+              <a:t>4/8/2017</a:t>
             </a:fld>
             <a:endParaRPr lang="en-US"/>
           </a:p>
@@ -2969,10 +2965,9 @@
           <a:lstStyle/>
           <a:p>
             <a:r>
-              <a:rPr lang="en-US" smtClean="0"/>
+              <a:rPr lang="en-US"/>
               <a:t>Click to edit Master title style</a:t>
             </a:r>
-            <a:endParaRPr lang="en-US"/>
           </a:p>
         </p:txBody>
       </p:sp>
@@ -3003,38 +2998,37 @@
           <a:p>
             <a:pPr lvl="0"/>
             <a:r>
-              <a:rPr lang="en-US" smtClean="0"/>
+              <a:rPr lang="en-US"/>
               <a:t>Click to edit Master text styles</a:t>
             </a:r>
           </a:p>
           <a:p>
             <a:pPr lvl="1"/>
             <a:r>
-              <a:rPr lang="en-US" smtClean="0"/>
+              <a:rPr lang="en-US"/>
               <a:t>Second level</a:t>
             </a:r>
           </a:p>
           <a:p>
             <a:pPr lvl="2"/>
             <a:r>
-              <a:rPr lang="en-US" smtClean="0"/>
+              <a:rPr lang="en-US"/>
               <a:t>Third level</a:t>
             </a:r>
           </a:p>
           <a:p>
             <a:pPr lvl="3"/>
             <a:r>
-              <a:rPr lang="en-US" smtClean="0"/>
+              <a:rPr lang="en-US"/>
               <a:t>Fourth level</a:t>
             </a:r>
           </a:p>
           <a:p>
             <a:pPr lvl="4"/>
             <a:r>
-              <a:rPr lang="en-US" smtClean="0"/>
+              <a:rPr lang="en-US"/>
               <a:t>Fifth level</a:t>
             </a:r>
-            <a:endParaRPr lang="en-US"/>
           </a:p>
         </p:txBody>
       </p:sp>
@@ -3073,7 +3067,7 @@
           <a:p>
             <a:fld id="{78C97017-6FC3-485B-9764-EAC9E56C1D49}" type="datetimeFigureOut">
               <a:rPr lang="en-US" smtClean="0"/>
-              <a:t>10/16/2016</a:t>
+              <a:t>4/8/2017</a:t>
             </a:fld>
             <a:endParaRPr lang="en-US"/>
           </a:p>
@@ -3494,7 +3488,7 @@
           <a:lstStyle/>
           <a:p>
             <a:r>
-              <a:rPr lang="en-US" sz="1200" b="1" dirty="0" smtClean="0">
+              <a:rPr lang="en-US" sz="1200" b="1" dirty="0">
                 <a:solidFill>
                   <a:schemeClr val="accent6">
                     <a:lumMod val="75000"/>
@@ -3561,27 +3555,39 @@
           <a:p>
             <a:pPr algn="ctr"/>
             <a:r>
-              <a:rPr lang="en-US" sz="1050" dirty="0" smtClean="0">
+              <a:rPr lang="en-US" sz="1050" dirty="0">
                 <a:solidFill>
                   <a:schemeClr val="bg1"/>
                 </a:solidFill>
               </a:rPr>
               <a:t>&lt;&lt;interface&gt;&gt;</a:t>
             </a:r>
-            <a:br>
-              <a:rPr lang="en-US" sz="1050" dirty="0" smtClean="0">
+          </a:p>
+          <a:p>
+            <a:pPr algn="ctr"/>
+            <a:r>
+              <a:rPr lang="en-US" sz="1050" dirty="0" err="1">
                 <a:solidFill>
                   <a:schemeClr val="bg1"/>
                 </a:solidFill>
               </a:rPr>
-            </a:br>
-            <a:r>
-              <a:rPr lang="en-US" sz="1050" dirty="0" err="1" smtClean="0">
+              <a:t>T</a:t>
+            </a:r>
+            <a:r>
+              <a:rPr lang="en-US" altLang="zh-CN" sz="1050" dirty="0" err="1">
                 <a:solidFill>
                   <a:schemeClr val="bg1"/>
                 </a:solidFill>
               </a:rPr>
-              <a:t>AddressBookStorage</a:t>
+              <a:t>askManager</a:t>
+            </a:r>
+            <a:r>
+              <a:rPr lang="en-US" sz="1050" dirty="0" err="1">
+                <a:solidFill>
+                  <a:schemeClr val="bg1"/>
+                </a:solidFill>
+              </a:rPr>
+              <a:t>Storage</a:t>
             </a:r>
             <a:endParaRPr lang="en-SG" sz="1050" dirty="0">
               <a:solidFill>
@@ -3639,7 +3645,7 @@
           <a:p>
             <a:pPr algn="ctr"/>
             <a:r>
-              <a:rPr lang="en-US" sz="1050" dirty="0" err="1" smtClean="0">
+              <a:rPr lang="en-US" sz="1050" dirty="0" err="1">
                 <a:solidFill>
                   <a:schemeClr val="bg1"/>
                 </a:solidFill>
@@ -3713,7 +3719,7 @@
           <a:p>
             <a:pPr algn="ctr"/>
             <a:r>
-              <a:rPr lang="en-US" sz="1050" dirty="0" smtClean="0">
+              <a:rPr lang="en-US" sz="1050" dirty="0">
                 <a:solidFill>
                   <a:schemeClr val="bg1"/>
                 </a:solidFill>
@@ -4147,27 +4153,17 @@
           <a:p>
             <a:pPr algn="ctr"/>
             <a:r>
-              <a:rPr lang="en-US" sz="1050" b="1" dirty="0" err="1" smtClean="0">
+              <a:rPr lang="en-US" sz="1050" b="1" dirty="0" err="1">
                 <a:solidFill>
                   <a:schemeClr val="accent6">
                     <a:lumMod val="75000"/>
                   </a:schemeClr>
                 </a:solidFill>
               </a:rPr>
-              <a:t>XmlAddressBook</a:t>
-            </a:r>
-            <a:r>
-              <a:rPr lang="en-US" sz="1050" b="1" dirty="0" smtClean="0">
-                <a:solidFill>
-                  <a:schemeClr val="accent6">
-                    <a:lumMod val="75000"/>
-                  </a:schemeClr>
-                </a:solidFill>
-              </a:rPr>
-              <a:t/>
+              <a:t>XmlTaskManager</a:t>
             </a:r>
             <a:br>
-              <a:rPr lang="en-US" sz="1050" b="1" dirty="0" smtClean="0">
+              <a:rPr lang="en-US" sz="1050" b="1" dirty="0">
                 <a:solidFill>
                   <a:schemeClr val="accent6">
                     <a:lumMod val="75000"/>
@@ -4176,7 +4172,7 @@
               </a:rPr>
             </a:br>
             <a:r>
-              <a:rPr lang="en-US" sz="1050" b="1" dirty="0" smtClean="0">
+              <a:rPr lang="en-US" sz="1050" b="1" dirty="0">
                 <a:solidFill>
                   <a:schemeClr val="accent6">
                     <a:lumMod val="75000"/>
@@ -4243,7 +4239,7 @@
           <a:p>
             <a:pPr algn="ctr"/>
             <a:r>
-              <a:rPr lang="en-US" sz="1050" dirty="0" smtClean="0">
+              <a:rPr lang="en-US" sz="1050" dirty="0">
                 <a:solidFill>
                   <a:schemeClr val="bg1"/>
                 </a:solidFill>
@@ -4251,14 +4247,14 @@
               <a:t>&lt;&lt;interface&gt;&gt;</a:t>
             </a:r>
             <a:br>
-              <a:rPr lang="en-US" sz="1050" dirty="0" smtClean="0">
+              <a:rPr lang="en-US" sz="1050" dirty="0">
                 <a:solidFill>
                   <a:schemeClr val="bg1"/>
                 </a:solidFill>
               </a:rPr>
             </a:br>
             <a:r>
-              <a:rPr lang="en-US" sz="1050" dirty="0" err="1" smtClean="0">
+              <a:rPr lang="en-US" sz="1050" dirty="0" err="1">
                 <a:solidFill>
                   <a:schemeClr val="bg1"/>
                 </a:solidFill>
@@ -4516,30 +4512,22 @@
           <a:p>
             <a:pPr algn="ctr"/>
             <a:r>
-              <a:rPr lang="en-US" sz="1050" dirty="0" err="1" smtClean="0">
+              <a:rPr lang="en-US" sz="1050" dirty="0" err="1">
                 <a:solidFill>
                   <a:schemeClr val="bg1"/>
                 </a:solidFill>
               </a:rPr>
               <a:t>JsonUserPrefs</a:t>
             </a:r>
-            <a:r>
-              <a:rPr lang="en-US" sz="1050" dirty="0" smtClean="0">
-                <a:solidFill>
-                  <a:schemeClr val="bg1"/>
-                </a:solidFill>
-              </a:rPr>
-              <a:t/>
-            </a:r>
             <a:br>
-              <a:rPr lang="en-US" sz="1050" dirty="0" smtClean="0">
+              <a:rPr lang="en-US" sz="1050" dirty="0">
                 <a:solidFill>
                   <a:schemeClr val="bg1"/>
                 </a:solidFill>
               </a:rPr>
             </a:br>
             <a:r>
-              <a:rPr lang="en-US" sz="1050" dirty="0" smtClean="0">
+              <a:rPr lang="en-US" sz="1050" dirty="0">
                 <a:solidFill>
                   <a:schemeClr val="bg1"/>
                 </a:solidFill>
@@ -4591,7 +4579,7 @@
           <a:p>
             <a:pPr algn="ctr"/>
             <a:r>
-              <a:rPr lang="en-US" sz="1050" b="1" dirty="0" err="1" smtClean="0">
+              <a:rPr lang="en-US" sz="1050" b="1" dirty="0" err="1">
                 <a:solidFill>
                   <a:schemeClr val="accent6">
                     <a:lumMod val="75000"/>
@@ -4600,18 +4588,8 @@
               </a:rPr>
               <a:t>XmlSerializable</a:t>
             </a:r>
-            <a:r>
-              <a:rPr lang="en-US" sz="1050" b="1" dirty="0" smtClean="0">
-                <a:solidFill>
-                  <a:schemeClr val="accent6">
-                    <a:lumMod val="75000"/>
-                  </a:schemeClr>
-                </a:solidFill>
-              </a:rPr>
-              <a:t/>
-            </a:r>
             <a:br>
-              <a:rPr lang="en-US" sz="1050" b="1" dirty="0" smtClean="0">
+              <a:rPr lang="en-US" sz="1050" b="1" dirty="0">
                 <a:solidFill>
                   <a:schemeClr val="accent6">
                     <a:lumMod val="75000"/>
@@ -4620,14 +4598,14 @@
               </a:rPr>
             </a:br>
             <a:r>
-              <a:rPr lang="en-US" sz="1050" b="1" dirty="0" err="1" smtClean="0">
+              <a:rPr lang="en-US" sz="1050" b="1" dirty="0" err="1">
                 <a:solidFill>
                   <a:schemeClr val="accent6">
                     <a:lumMod val="75000"/>
                   </a:schemeClr>
                 </a:solidFill>
               </a:rPr>
-              <a:t>AddressBook</a:t>
+              <a:t>TaskManager</a:t>
             </a:r>
             <a:endParaRPr lang="en-SG" sz="1050" b="1" dirty="0">
               <a:solidFill>
@@ -4717,7 +4695,7 @@
           <a:p>
             <a:pPr algn="ctr"/>
             <a:r>
-              <a:rPr lang="en-US" sz="1050" b="1" dirty="0" err="1" smtClean="0">
+              <a:rPr lang="en-US" sz="1050" b="1" dirty="0" err="1">
                 <a:solidFill>
                   <a:schemeClr val="accent6">
                     <a:lumMod val="75000"/>
@@ -4773,14 +4751,14 @@
           <a:p>
             <a:pPr algn="ctr"/>
             <a:r>
-              <a:rPr lang="en-US" sz="1050" b="1" dirty="0" err="1" smtClean="0">
+              <a:rPr lang="en-US" sz="1050" b="1">
                 <a:solidFill>
                   <a:schemeClr val="accent6">
                     <a:lumMod val="75000"/>
                   </a:schemeClr>
                 </a:solidFill>
               </a:rPr>
-              <a:t>XmlAdaptedPerson</a:t>
+              <a:t>XmlAdaptedTask</a:t>
             </a:r>
             <a:endParaRPr lang="en-SG" sz="1050" b="1" dirty="0">
               <a:solidFill>
@@ -4843,13 +4821,6 @@
   <p:clrMapOvr>
     <a:masterClrMapping/>
   </p:clrMapOvr>
-  <p:timing>
-    <p:tnLst>
-      <p:par>
-        <p:cTn id="1" dur="indefinite" restart="never" nodeType="tmRoot"/>
-      </p:par>
-    </p:tnLst>
-  </p:timing>
 </p:sld>
 </file>
 

--- a/docs/diagrams/StorageComponentClassDiagram.pptx
+++ b/docs/diagrams/StorageComponentClassDiagram.pptx
@@ -208,7 +208,7 @@
           <a:p>
             <a:fld id="{F5CC4B3F-88C1-4FFA-B1B6-F41C21DC6924}" type="datetimeFigureOut">
               <a:rPr lang="en-US" smtClean="0"/>
-              <a:t>4/3/17</a:t>
+              <a:t>4/8/17</a:t>
             </a:fld>
             <a:endParaRPr lang="en-US"/>
           </a:p>
@@ -654,7 +654,7 @@
           <a:p>
             <a:fld id="{78C97017-6FC3-485B-9764-EAC9E56C1D49}" type="datetimeFigureOut">
               <a:rPr lang="en-US" smtClean="0"/>
-              <a:t>4/3/17</a:t>
+              <a:t>4/8/17</a:t>
             </a:fld>
             <a:endParaRPr lang="en-US"/>
           </a:p>
@@ -822,7 +822,7 @@
           <a:p>
             <a:fld id="{78C97017-6FC3-485B-9764-EAC9E56C1D49}" type="datetimeFigureOut">
               <a:rPr lang="en-US" smtClean="0"/>
-              <a:t>4/3/17</a:t>
+              <a:t>4/8/17</a:t>
             </a:fld>
             <a:endParaRPr lang="en-US"/>
           </a:p>
@@ -1000,7 +1000,7 @@
           <a:p>
             <a:fld id="{78C97017-6FC3-485B-9764-EAC9E56C1D49}" type="datetimeFigureOut">
               <a:rPr lang="en-US" smtClean="0"/>
-              <a:t>4/3/17</a:t>
+              <a:t>4/8/17</a:t>
             </a:fld>
             <a:endParaRPr lang="en-US"/>
           </a:p>
@@ -1168,7 +1168,7 @@
           <a:p>
             <a:fld id="{78C97017-6FC3-485B-9764-EAC9E56C1D49}" type="datetimeFigureOut">
               <a:rPr lang="en-US" smtClean="0"/>
-              <a:t>4/3/17</a:t>
+              <a:t>4/8/17</a:t>
             </a:fld>
             <a:endParaRPr lang="en-US"/>
           </a:p>
@@ -1413,7 +1413,7 @@
           <a:p>
             <a:fld id="{78C97017-6FC3-485B-9764-EAC9E56C1D49}" type="datetimeFigureOut">
               <a:rPr lang="en-US" smtClean="0"/>
-              <a:t>4/3/17</a:t>
+              <a:t>4/8/17</a:t>
             </a:fld>
             <a:endParaRPr lang="en-US"/>
           </a:p>
@@ -1698,7 +1698,7 @@
           <a:p>
             <a:fld id="{78C97017-6FC3-485B-9764-EAC9E56C1D49}" type="datetimeFigureOut">
               <a:rPr lang="en-US" smtClean="0"/>
-              <a:t>4/3/17</a:t>
+              <a:t>4/8/17</a:t>
             </a:fld>
             <a:endParaRPr lang="en-US"/>
           </a:p>
@@ -2117,7 +2117,7 @@
           <a:p>
             <a:fld id="{78C97017-6FC3-485B-9764-EAC9E56C1D49}" type="datetimeFigureOut">
               <a:rPr lang="en-US" smtClean="0"/>
-              <a:t>4/3/17</a:t>
+              <a:t>4/8/17</a:t>
             </a:fld>
             <a:endParaRPr lang="en-US"/>
           </a:p>
@@ -2234,7 +2234,7 @@
           <a:p>
             <a:fld id="{78C97017-6FC3-485B-9764-EAC9E56C1D49}" type="datetimeFigureOut">
               <a:rPr lang="en-US" smtClean="0"/>
-              <a:t>4/3/17</a:t>
+              <a:t>4/8/17</a:t>
             </a:fld>
             <a:endParaRPr lang="en-US"/>
           </a:p>
@@ -2329,7 +2329,7 @@
           <a:p>
             <a:fld id="{78C97017-6FC3-485B-9764-EAC9E56C1D49}" type="datetimeFigureOut">
               <a:rPr lang="en-US" smtClean="0"/>
-              <a:t>4/3/17</a:t>
+              <a:t>4/8/17</a:t>
             </a:fld>
             <a:endParaRPr lang="en-US"/>
           </a:p>
@@ -2604,7 +2604,7 @@
           <a:p>
             <a:fld id="{78C97017-6FC3-485B-9764-EAC9E56C1D49}" type="datetimeFigureOut">
               <a:rPr lang="en-US" smtClean="0"/>
-              <a:t>4/3/17</a:t>
+              <a:t>4/8/17</a:t>
             </a:fld>
             <a:endParaRPr lang="en-US"/>
           </a:p>
@@ -2856,7 +2856,7 @@
           <a:p>
             <a:fld id="{78C97017-6FC3-485B-9764-EAC9E56C1D49}" type="datetimeFigureOut">
               <a:rPr lang="en-US" smtClean="0"/>
-              <a:t>4/3/17</a:t>
+              <a:t>4/8/17</a:t>
             </a:fld>
             <a:endParaRPr lang="en-US"/>
           </a:p>
@@ -3067,7 +3067,7 @@
           <a:p>
             <a:fld id="{78C97017-6FC3-485B-9764-EAC9E56C1D49}" type="datetimeFigureOut">
               <a:rPr lang="en-US" smtClean="0"/>
-              <a:t>4/3/17</a:t>
+              <a:t>4/8/17</a:t>
             </a:fld>
             <a:endParaRPr lang="en-US"/>
           </a:p>
@@ -3450,7 +3450,7 @@
         </p:nvSpPr>
         <p:spPr>
           <a:xfrm>
-            <a:off x="1119865" y="2086382"/>
+            <a:off x="1119865" y="2103798"/>
             <a:ext cx="7871735" cy="1723618"/>
           </a:xfrm>
           <a:prstGeom prst="roundRect">
@@ -3593,8 +3593,8 @@
         </p:nvSpPr>
         <p:spPr>
           <a:xfrm rot="16200000">
-            <a:off x="1683963" y="2868687"/>
-            <a:ext cx="1093635" cy="346760"/>
+            <a:off x="1491725" y="2775476"/>
+            <a:ext cx="1478111" cy="346760"/>
           </a:xfrm>
           <a:prstGeom prst="rect">
             <a:avLst/>
@@ -4197,7 +4197,7 @@
         </p:nvSpPr>
         <p:spPr>
           <a:xfrm>
-            <a:off x="2873943" y="2558040"/>
+            <a:off x="2874109" y="2673546"/>
             <a:ext cx="1323049" cy="346760"/>
           </a:xfrm>
           <a:prstGeom prst="rect">
@@ -4278,8 +4278,8 @@
         </p:nvCxnSpPr>
         <p:spPr>
           <a:xfrm>
-            <a:off x="2653133" y="2726136"/>
-            <a:ext cx="220810" cy="5284"/>
+            <a:off x="2645373" y="2843072"/>
+            <a:ext cx="228736" cy="3854"/>
           </a:xfrm>
           <a:prstGeom prst="straightConnector1">
             <a:avLst/>
@@ -4318,7 +4318,7 @@
         </p:nvSpPr>
         <p:spPr>
           <a:xfrm>
-            <a:off x="2417085" y="2639446"/>
+            <a:off x="2409325" y="2756382"/>
             <a:ext cx="236048" cy="173380"/>
           </a:xfrm>
           <a:prstGeom prst="flowChartDecision">
@@ -4372,8 +4372,8 @@
         </p:nvCxnSpPr>
         <p:spPr>
           <a:xfrm flipV="1">
-            <a:off x="4394804" y="2731420"/>
-            <a:ext cx="223324" cy="1"/>
+            <a:off x="4404760" y="2874620"/>
+            <a:ext cx="213368" cy="1"/>
           </a:xfrm>
           <a:prstGeom prst="bentConnector3">
             <a:avLst>
@@ -4415,7 +4415,7 @@
         </p:nvSpPr>
         <p:spPr>
           <a:xfrm rot="5400000" flipV="1">
-            <a:off x="4171790" y="2643659"/>
+            <a:off x="4181746" y="2786859"/>
             <a:ext cx="270504" cy="175523"/>
           </a:xfrm>
           <a:prstGeom prst="triangle">
@@ -4470,7 +4470,7 @@
         </p:nvSpPr>
         <p:spPr>
           <a:xfrm>
-            <a:off x="4618128" y="2558040"/>
+            <a:off x="4618128" y="2701240"/>
             <a:ext cx="1093635" cy="346760"/>
           </a:xfrm>
           <a:prstGeom prst="rect">
@@ -4974,6 +4974,359 @@
           </a:fontRef>
         </p:style>
       </p:cxnSp>
+      <p:sp>
+        <p:nvSpPr>
+          <p:cNvPr id="38" name="Rectangle 8"/>
+          <p:cNvSpPr/>
+          <p:nvPr/>
+        </p:nvSpPr>
+        <p:spPr>
+          <a:xfrm>
+            <a:off x="4648200" y="2209800"/>
+            <a:ext cx="1093635" cy="346760"/>
+          </a:xfrm>
+          <a:prstGeom prst="rect">
+            <a:avLst/>
+          </a:prstGeom>
+          <a:solidFill>
+            <a:schemeClr val="accent6">
+              <a:lumMod val="75000"/>
+            </a:schemeClr>
+          </a:solidFill>
+          <a:ln w="19050">
+            <a:solidFill>
+              <a:schemeClr val="accent6">
+                <a:lumMod val="75000"/>
+              </a:schemeClr>
+            </a:solidFill>
+          </a:ln>
+          <a:effectLst/>
+        </p:spPr>
+        <p:style>
+          <a:lnRef idx="1">
+            <a:schemeClr val="accent2"/>
+          </a:lnRef>
+          <a:fillRef idx="2">
+            <a:schemeClr val="accent2"/>
+          </a:fillRef>
+          <a:effectRef idx="1">
+            <a:schemeClr val="accent2"/>
+          </a:effectRef>
+          <a:fontRef idx="minor">
+            <a:schemeClr val="dk1"/>
+          </a:fontRef>
+        </p:style>
+        <p:txBody>
+          <a:bodyPr rtlCol="0" anchor="ctr"/>
+          <a:lstStyle/>
+          <a:p>
+            <a:pPr algn="ctr"/>
+            <a:r>
+              <a:rPr lang="en-US" sz="1050" dirty="0" err="1" smtClean="0">
+                <a:solidFill>
+                  <a:schemeClr val="bg1"/>
+                </a:solidFill>
+              </a:rPr>
+              <a:t>JsonUserConfig</a:t>
+            </a:r>
+            <a:r>
+              <a:rPr lang="en-US" sz="1050" dirty="0">
+                <a:solidFill>
+                  <a:schemeClr val="bg1"/>
+                </a:solidFill>
+              </a:rPr>
+              <a:t/>
+            </a:r>
+            <a:br>
+              <a:rPr lang="en-US" sz="1050" dirty="0">
+                <a:solidFill>
+                  <a:schemeClr val="bg1"/>
+                </a:solidFill>
+              </a:rPr>
+            </a:br>
+            <a:r>
+              <a:rPr lang="en-US" sz="1050" dirty="0">
+                <a:solidFill>
+                  <a:schemeClr val="bg1"/>
+                </a:solidFill>
+              </a:rPr>
+              <a:t>Storage</a:t>
+            </a:r>
+            <a:endParaRPr lang="en-SG" sz="1050" dirty="0">
+              <a:solidFill>
+                <a:schemeClr val="bg1"/>
+              </a:solidFill>
+            </a:endParaRPr>
+          </a:p>
+        </p:txBody>
+      </p:sp>
+      <p:sp>
+        <p:nvSpPr>
+          <p:cNvPr id="41" name="Flowchart: Decision 96"/>
+          <p:cNvSpPr/>
+          <p:nvPr/>
+        </p:nvSpPr>
+        <p:spPr>
+          <a:xfrm>
+            <a:off x="2430952" y="2286000"/>
+            <a:ext cx="236048" cy="173380"/>
+          </a:xfrm>
+          <a:prstGeom prst="flowChartDecision">
+            <a:avLst/>
+          </a:prstGeom>
+          <a:noFill/>
+          <a:ln w="19050">
+            <a:solidFill>
+              <a:schemeClr val="accent6">
+                <a:lumMod val="75000"/>
+              </a:schemeClr>
+            </a:solidFill>
+          </a:ln>
+          <a:effectLst/>
+        </p:spPr>
+        <p:style>
+          <a:lnRef idx="1">
+            <a:schemeClr val="accent2"/>
+          </a:lnRef>
+          <a:fillRef idx="2">
+            <a:schemeClr val="accent2"/>
+          </a:fillRef>
+          <a:effectRef idx="1">
+            <a:schemeClr val="accent2"/>
+          </a:effectRef>
+          <a:fontRef idx="minor">
+            <a:schemeClr val="dk1"/>
+          </a:fontRef>
+        </p:style>
+        <p:txBody>
+          <a:bodyPr rtlCol="0" anchor="ctr"/>
+          <a:lstStyle/>
+          <a:p>
+            <a:pPr algn="ctr"/>
+            <a:endParaRPr lang="en-US" sz="1050">
+              <a:solidFill>
+                <a:schemeClr val="bg1"/>
+              </a:solidFill>
+            </a:endParaRPr>
+          </a:p>
+        </p:txBody>
+      </p:sp>
+      <p:cxnSp>
+        <p:nvCxnSpPr>
+          <p:cNvPr id="43" name="Straight Arrow Connector 42"/>
+          <p:cNvCxnSpPr/>
+          <p:nvPr/>
+        </p:nvCxnSpPr>
+        <p:spPr>
+          <a:xfrm>
+            <a:off x="2647942" y="2374183"/>
+            <a:ext cx="228736" cy="3854"/>
+          </a:xfrm>
+          <a:prstGeom prst="straightConnector1">
+            <a:avLst/>
+          </a:prstGeom>
+          <a:ln w="19050">
+            <a:solidFill>
+              <a:schemeClr val="accent6">
+                <a:lumMod val="75000"/>
+              </a:schemeClr>
+            </a:solidFill>
+            <a:headEnd type="none" w="med" len="med"/>
+            <a:tailEnd type="arrow" w="med" len="med"/>
+          </a:ln>
+          <a:effectLst/>
+        </p:spPr>
+        <p:style>
+          <a:lnRef idx="1">
+            <a:schemeClr val="accent2"/>
+          </a:lnRef>
+          <a:fillRef idx="2">
+            <a:schemeClr val="accent2"/>
+          </a:fillRef>
+          <a:effectRef idx="1">
+            <a:schemeClr val="accent2"/>
+          </a:effectRef>
+          <a:fontRef idx="minor">
+            <a:schemeClr val="dk1"/>
+          </a:fontRef>
+        </p:style>
+      </p:cxnSp>
+      <p:sp>
+        <p:nvSpPr>
+          <p:cNvPr id="45" name="Rectangle 8"/>
+          <p:cNvSpPr/>
+          <p:nvPr/>
+        </p:nvSpPr>
+        <p:spPr>
+          <a:xfrm>
+            <a:off x="2877409" y="2206584"/>
+            <a:ext cx="1323049" cy="346760"/>
+          </a:xfrm>
+          <a:prstGeom prst="rect">
+            <a:avLst/>
+          </a:prstGeom>
+          <a:solidFill>
+            <a:schemeClr val="accent6">
+              <a:lumMod val="75000"/>
+            </a:schemeClr>
+          </a:solidFill>
+          <a:ln w="19050">
+            <a:solidFill>
+              <a:schemeClr val="accent6">
+                <a:lumMod val="75000"/>
+              </a:schemeClr>
+            </a:solidFill>
+          </a:ln>
+          <a:effectLst/>
+        </p:spPr>
+        <p:style>
+          <a:lnRef idx="1">
+            <a:schemeClr val="accent2"/>
+          </a:lnRef>
+          <a:fillRef idx="2">
+            <a:schemeClr val="accent2"/>
+          </a:fillRef>
+          <a:effectRef idx="1">
+            <a:schemeClr val="accent2"/>
+          </a:effectRef>
+          <a:fontRef idx="minor">
+            <a:schemeClr val="dk1"/>
+          </a:fontRef>
+        </p:style>
+        <p:txBody>
+          <a:bodyPr rtlCol="0" anchor="ctr"/>
+          <a:lstStyle/>
+          <a:p>
+            <a:pPr algn="ctr"/>
+            <a:r>
+              <a:rPr lang="en-US" sz="1050" dirty="0">
+                <a:solidFill>
+                  <a:schemeClr val="bg1"/>
+                </a:solidFill>
+              </a:rPr>
+              <a:t>&lt;&lt;interface&gt;&gt;</a:t>
+            </a:r>
+            <a:br>
+              <a:rPr lang="en-US" sz="1050" dirty="0">
+                <a:solidFill>
+                  <a:schemeClr val="bg1"/>
+                </a:solidFill>
+              </a:rPr>
+            </a:br>
+            <a:r>
+              <a:rPr lang="en-US" sz="1050" dirty="0" err="1" smtClean="0">
+                <a:solidFill>
+                  <a:schemeClr val="bg1"/>
+                </a:solidFill>
+              </a:rPr>
+              <a:t>UserConfigStorage</a:t>
+            </a:r>
+            <a:endParaRPr lang="en-SG" sz="1050" dirty="0">
+              <a:solidFill>
+                <a:schemeClr val="bg1"/>
+              </a:solidFill>
+            </a:endParaRPr>
+          </a:p>
+        </p:txBody>
+      </p:sp>
+      <p:sp>
+        <p:nvSpPr>
+          <p:cNvPr id="46" name="Isosceles Triangle 102"/>
+          <p:cNvSpPr/>
+          <p:nvPr/>
+        </p:nvSpPr>
+        <p:spPr>
+          <a:xfrm rot="5400000" flipV="1">
+            <a:off x="4161612" y="2292203"/>
+            <a:ext cx="270504" cy="175523"/>
+          </a:xfrm>
+          <a:prstGeom prst="triangle">
+            <a:avLst/>
+          </a:prstGeom>
+          <a:solidFill>
+            <a:schemeClr val="accent6">
+              <a:lumMod val="75000"/>
+            </a:schemeClr>
+          </a:solidFill>
+          <a:ln w="19050">
+            <a:solidFill>
+              <a:schemeClr val="accent6">
+                <a:lumMod val="75000"/>
+              </a:schemeClr>
+            </a:solidFill>
+          </a:ln>
+          <a:effectLst/>
+        </p:spPr>
+        <p:style>
+          <a:lnRef idx="1">
+            <a:schemeClr val="accent2"/>
+          </a:lnRef>
+          <a:fillRef idx="2">
+            <a:schemeClr val="accent2"/>
+          </a:fillRef>
+          <a:effectRef idx="1">
+            <a:schemeClr val="accent2"/>
+          </a:effectRef>
+          <a:fontRef idx="minor">
+            <a:schemeClr val="dk1"/>
+          </a:fontRef>
+        </p:style>
+        <p:txBody>
+          <a:bodyPr rtlCol="0" anchor="ctr"/>
+          <a:lstStyle/>
+          <a:p>
+            <a:pPr algn="ctr"/>
+            <a:endParaRPr lang="en-SG" sz="1050">
+              <a:solidFill>
+                <a:schemeClr val="bg1"/>
+              </a:solidFill>
+            </a:endParaRPr>
+          </a:p>
+        </p:txBody>
+      </p:sp>
+      <p:cxnSp>
+        <p:nvCxnSpPr>
+          <p:cNvPr id="47" name="Elbow Connector 63"/>
+          <p:cNvCxnSpPr/>
+          <p:nvPr/>
+        </p:nvCxnSpPr>
+        <p:spPr>
+          <a:xfrm flipV="1">
+            <a:off x="4434832" y="2396441"/>
+            <a:ext cx="213368" cy="1"/>
+          </a:xfrm>
+          <a:prstGeom prst="bentConnector3">
+            <a:avLst>
+              <a:gd name="adj1" fmla="val -19384"/>
+            </a:avLst>
+          </a:prstGeom>
+          <a:ln w="19050">
+            <a:solidFill>
+              <a:schemeClr val="accent6">
+                <a:lumMod val="75000"/>
+              </a:schemeClr>
+            </a:solidFill>
+            <a:prstDash val="sysDot"/>
+            <a:headEnd type="none" w="med" len="med"/>
+            <a:tailEnd type="none" w="med" len="med"/>
+          </a:ln>
+          <a:effectLst/>
+        </p:spPr>
+        <p:style>
+          <a:lnRef idx="1">
+            <a:schemeClr val="accent2"/>
+          </a:lnRef>
+          <a:fillRef idx="2">
+            <a:schemeClr val="accent2"/>
+          </a:fillRef>
+          <a:effectRef idx="1">
+            <a:schemeClr val="accent2"/>
+          </a:effectRef>
+          <a:fontRef idx="minor">
+            <a:schemeClr val="dk1"/>
+          </a:fontRef>
+        </p:style>
+      </p:cxnSp>
     </p:spTree>
     <p:extLst>
       <p:ext uri="{BB962C8B-B14F-4D97-AF65-F5344CB8AC3E}">
@@ -4984,6 +5337,13 @@
   <p:clrMapOvr>
     <a:masterClrMapping/>
   </p:clrMapOvr>
+  <p:timing>
+    <p:tnLst>
+      <p:par>
+        <p:cTn id="1" dur="indefinite" restart="never" nodeType="tmRoot"/>
+      </p:par>
+    </p:tnLst>
+  </p:timing>
 </p:sld>
 </file>
 

--- a/docs/diagrams/StorageComponentClassDiagram.pptx
+++ b/docs/diagrams/StorageComponentClassDiagram.pptx
@@ -192,7 +192,7 @@
           <a:p>
             <a:fld id="{F5CC4B3F-88C1-4FFA-B1B6-F41C21DC6924}" type="datetimeFigureOut">
               <a:rPr lang="en-US" smtClean="0"/>
-              <a:t>10/16/2016</a:t>
+              <a:t>17-04-09</a:t>
             </a:fld>
             <a:endParaRPr lang="en-US"/>
           </a:p>
@@ -641,7 +641,7 @@
           <a:p>
             <a:fld id="{78C97017-6FC3-485B-9764-EAC9E56C1D49}" type="datetimeFigureOut">
               <a:rPr lang="en-US" smtClean="0"/>
-              <a:t>10/16/2016</a:t>
+              <a:t>17-04-09</a:t>
             </a:fld>
             <a:endParaRPr lang="en-US"/>
           </a:p>
@@ -811,7 +811,7 @@
           <a:p>
             <a:fld id="{78C97017-6FC3-485B-9764-EAC9E56C1D49}" type="datetimeFigureOut">
               <a:rPr lang="en-US" smtClean="0"/>
-              <a:t>10/16/2016</a:t>
+              <a:t>17-04-09</a:t>
             </a:fld>
             <a:endParaRPr lang="en-US"/>
           </a:p>
@@ -991,7 +991,7 @@
           <a:p>
             <a:fld id="{78C97017-6FC3-485B-9764-EAC9E56C1D49}" type="datetimeFigureOut">
               <a:rPr lang="en-US" smtClean="0"/>
-              <a:t>10/16/2016</a:t>
+              <a:t>17-04-09</a:t>
             </a:fld>
             <a:endParaRPr lang="en-US"/>
           </a:p>
@@ -1161,7 +1161,7 @@
           <a:p>
             <a:fld id="{78C97017-6FC3-485B-9764-EAC9E56C1D49}" type="datetimeFigureOut">
               <a:rPr lang="en-US" smtClean="0"/>
-              <a:t>10/16/2016</a:t>
+              <a:t>17-04-09</a:t>
             </a:fld>
             <a:endParaRPr lang="en-US"/>
           </a:p>
@@ -1407,7 +1407,7 @@
           <a:p>
             <a:fld id="{78C97017-6FC3-485B-9764-EAC9E56C1D49}" type="datetimeFigureOut">
               <a:rPr lang="en-US" smtClean="0"/>
-              <a:t>10/16/2016</a:t>
+              <a:t>17-04-09</a:t>
             </a:fld>
             <a:endParaRPr lang="en-US"/>
           </a:p>
@@ -1695,7 +1695,7 @@
           <a:p>
             <a:fld id="{78C97017-6FC3-485B-9764-EAC9E56C1D49}" type="datetimeFigureOut">
               <a:rPr lang="en-US" smtClean="0"/>
-              <a:t>10/16/2016</a:t>
+              <a:t>17-04-09</a:t>
             </a:fld>
             <a:endParaRPr lang="en-US"/>
           </a:p>
@@ -2117,7 +2117,7 @@
           <a:p>
             <a:fld id="{78C97017-6FC3-485B-9764-EAC9E56C1D49}" type="datetimeFigureOut">
               <a:rPr lang="en-US" smtClean="0"/>
-              <a:t>10/16/2016</a:t>
+              <a:t>17-04-09</a:t>
             </a:fld>
             <a:endParaRPr lang="en-US"/>
           </a:p>
@@ -2235,7 +2235,7 @@
           <a:p>
             <a:fld id="{78C97017-6FC3-485B-9764-EAC9E56C1D49}" type="datetimeFigureOut">
               <a:rPr lang="en-US" smtClean="0"/>
-              <a:t>10/16/2016</a:t>
+              <a:t>17-04-09</a:t>
             </a:fld>
             <a:endParaRPr lang="en-US"/>
           </a:p>
@@ -2330,7 +2330,7 @@
           <a:p>
             <a:fld id="{78C97017-6FC3-485B-9764-EAC9E56C1D49}" type="datetimeFigureOut">
               <a:rPr lang="en-US" smtClean="0"/>
-              <a:t>10/16/2016</a:t>
+              <a:t>17-04-09</a:t>
             </a:fld>
             <a:endParaRPr lang="en-US"/>
           </a:p>
@@ -2607,7 +2607,7 @@
           <a:p>
             <a:fld id="{78C97017-6FC3-485B-9764-EAC9E56C1D49}" type="datetimeFigureOut">
               <a:rPr lang="en-US" smtClean="0"/>
-              <a:t>10/16/2016</a:t>
+              <a:t>17-04-09</a:t>
             </a:fld>
             <a:endParaRPr lang="en-US"/>
           </a:p>
@@ -2860,7 +2860,7 @@
           <a:p>
             <a:fld id="{78C97017-6FC3-485B-9764-EAC9E56C1D49}" type="datetimeFigureOut">
               <a:rPr lang="en-US" smtClean="0"/>
-              <a:t>10/16/2016</a:t>
+              <a:t>17-04-09</a:t>
             </a:fld>
             <a:endParaRPr lang="en-US"/>
           </a:p>
@@ -3073,7 +3073,7 @@
           <a:p>
             <a:fld id="{78C97017-6FC3-485B-9764-EAC9E56C1D49}" type="datetimeFigureOut">
               <a:rPr lang="en-US" smtClean="0"/>
-              <a:t>10/16/2016</a:t>
+              <a:t>17-04-09</a:t>
             </a:fld>
             <a:endParaRPr lang="en-US"/>
           </a:p>
@@ -3581,7 +3581,15 @@
                   <a:schemeClr val="bg1"/>
                 </a:solidFill>
               </a:rPr>
-              <a:t>AddressBookStorage</a:t>
+              <a:t>TaskList</a:t>
+            </a:r>
+            <a:r>
+              <a:rPr lang="en-US" sz="1050" dirty="0" err="1" smtClean="0">
+                <a:solidFill>
+                  <a:schemeClr val="bg1"/>
+                </a:solidFill>
+              </a:rPr>
+              <a:t>Storage</a:t>
             </a:r>
             <a:endParaRPr lang="en-SG" sz="1050" dirty="0">
               <a:solidFill>
@@ -4154,7 +4162,7 @@
                   </a:schemeClr>
                 </a:solidFill>
               </a:rPr>
-              <a:t>XmlAddressBook</a:t>
+              <a:t>XmlTaskList</a:t>
             </a:r>
             <a:r>
               <a:rPr lang="en-US" sz="1050" b="1" dirty="0" smtClean="0">
@@ -4627,7 +4635,7 @@
                   </a:schemeClr>
                 </a:solidFill>
               </a:rPr>
-              <a:t>AddressBook</a:t>
+              <a:t>TaskList</a:t>
             </a:r>
             <a:endParaRPr lang="en-SG" sz="1050" b="1" dirty="0">
               <a:solidFill>
@@ -4780,7 +4788,7 @@
                   </a:schemeClr>
                 </a:solidFill>
               </a:rPr>
-              <a:t>XmlAdaptedPerson</a:t>
+              <a:t>XmlAdaptedTask</a:t>
             </a:r>
             <a:endParaRPr lang="en-SG" sz="1050" b="1" dirty="0">
               <a:solidFill>
@@ -4846,7 +4854,7 @@
   <p:timing>
     <p:tnLst>
       <p:par>
-        <p:cTn id="1" dur="indefinite" restart="never" nodeType="tmRoot"/>
+        <p:cTn xmlns:p14="http://schemas.microsoft.com/office/powerpoint/2010/main" id="1" dur="indefinite" restart="never" nodeType="tmRoot"/>
       </p:par>
     </p:tnLst>
   </p:timing>

--- a/docs/diagrams/StorageComponentClassDiagram.pptx
+++ b/docs/diagrams/StorageComponentClassDiagram.pptx
@@ -107,6 +107,22 @@
       </a:defRPr>
     </a:lvl9pPr>
   </p:defaultTextStyle>
+  <p:extLst>
+    <p:ext uri="{EFAFB233-063F-42B5-8137-9DF3F51BA10A}">
+      <p15:sldGuideLst xmlns:p15="http://schemas.microsoft.com/office/powerpoint/2012/main">
+        <p15:guide id="1" orient="horz" pos="1488">
+          <p15:clr>
+            <a:srgbClr val="A4A3A4"/>
+          </p15:clr>
+        </p15:guide>
+        <p15:guide id="2" pos="2880">
+          <p15:clr>
+            <a:srgbClr val="A4A3A4"/>
+          </p15:clr>
+        </p15:guide>
+      </p15:sldGuideLst>
+    </p:ext>
+  </p:extLst>
 </p:presentation>
 </file>
 
@@ -192,7 +208,7 @@
           <a:p>
             <a:fld id="{F5CC4B3F-88C1-4FFA-B1B6-F41C21DC6924}" type="datetimeFigureOut">
               <a:rPr lang="en-US" smtClean="0"/>
-              <a:t>10/16/2016</a:t>
+              <a:t>4/9/2017</a:t>
             </a:fld>
             <a:endParaRPr lang="en-US"/>
           </a:p>
@@ -256,38 +272,37 @@
           <a:p>
             <a:pPr lvl="0"/>
             <a:r>
-              <a:rPr lang="en-US" smtClean="0"/>
+              <a:rPr lang="en-US"/>
               <a:t>Click to edit Master text styles</a:t>
             </a:r>
           </a:p>
           <a:p>
             <a:pPr lvl="1"/>
             <a:r>
-              <a:rPr lang="en-US" smtClean="0"/>
+              <a:rPr lang="en-US"/>
               <a:t>Second level</a:t>
             </a:r>
           </a:p>
           <a:p>
             <a:pPr lvl="2"/>
             <a:r>
-              <a:rPr lang="en-US" smtClean="0"/>
+              <a:rPr lang="en-US"/>
               <a:t>Third level</a:t>
             </a:r>
           </a:p>
           <a:p>
             <a:pPr lvl="3"/>
             <a:r>
-              <a:rPr lang="en-US" smtClean="0"/>
+              <a:rPr lang="en-US"/>
               <a:t>Fourth level</a:t>
             </a:r>
           </a:p>
           <a:p>
             <a:pPr lvl="4"/>
             <a:r>
-              <a:rPr lang="en-US" smtClean="0"/>
+              <a:rPr lang="en-US"/>
               <a:t>Fifth level</a:t>
             </a:r>
-            <a:endParaRPr lang="en-US"/>
           </a:p>
         </p:txBody>
       </p:sp>
@@ -498,10 +513,9 @@
           <a:lstStyle/>
           <a:p>
             <a:r>
-              <a:rPr lang="en-US" smtClean="0"/>
+              <a:rPr lang="en-US"/>
               <a:t>Click to edit Master title style</a:t>
             </a:r>
-            <a:endParaRPr lang="en-US"/>
           </a:p>
         </p:txBody>
       </p:sp>
@@ -617,10 +631,9 @@
           </a:lstStyle>
           <a:p>
             <a:r>
-              <a:rPr lang="en-US" smtClean="0"/>
+              <a:rPr lang="en-US"/>
               <a:t>Click to edit Master subtitle style</a:t>
             </a:r>
-            <a:endParaRPr lang="en-US"/>
           </a:p>
         </p:txBody>
       </p:sp>
@@ -641,7 +654,7 @@
           <a:p>
             <a:fld id="{78C97017-6FC3-485B-9764-EAC9E56C1D49}" type="datetimeFigureOut">
               <a:rPr lang="en-US" smtClean="0"/>
-              <a:t>10/16/2016</a:t>
+              <a:t>4/9/2017</a:t>
             </a:fld>
             <a:endParaRPr lang="en-US"/>
           </a:p>
@@ -735,10 +748,9 @@
           <a:lstStyle/>
           <a:p>
             <a:r>
-              <a:rPr lang="en-US" smtClean="0"/>
+              <a:rPr lang="en-US"/>
               <a:t>Click to edit Master title style</a:t>
             </a:r>
-            <a:endParaRPr lang="en-US"/>
           </a:p>
         </p:txBody>
       </p:sp>
@@ -759,38 +771,37 @@
           <a:p>
             <a:pPr lvl="0"/>
             <a:r>
-              <a:rPr lang="en-US" smtClean="0"/>
+              <a:rPr lang="en-US"/>
               <a:t>Click to edit Master text styles</a:t>
             </a:r>
           </a:p>
           <a:p>
             <a:pPr lvl="1"/>
             <a:r>
-              <a:rPr lang="en-US" smtClean="0"/>
+              <a:rPr lang="en-US"/>
               <a:t>Second level</a:t>
             </a:r>
           </a:p>
           <a:p>
             <a:pPr lvl="2"/>
             <a:r>
-              <a:rPr lang="en-US" smtClean="0"/>
+              <a:rPr lang="en-US"/>
               <a:t>Third level</a:t>
             </a:r>
           </a:p>
           <a:p>
             <a:pPr lvl="3"/>
             <a:r>
-              <a:rPr lang="en-US" smtClean="0"/>
+              <a:rPr lang="en-US"/>
               <a:t>Fourth level</a:t>
             </a:r>
           </a:p>
           <a:p>
             <a:pPr lvl="4"/>
             <a:r>
-              <a:rPr lang="en-US" smtClean="0"/>
+              <a:rPr lang="en-US"/>
               <a:t>Fifth level</a:t>
             </a:r>
-            <a:endParaRPr lang="en-US"/>
           </a:p>
         </p:txBody>
       </p:sp>
@@ -811,7 +822,7 @@
           <a:p>
             <a:fld id="{78C97017-6FC3-485B-9764-EAC9E56C1D49}" type="datetimeFigureOut">
               <a:rPr lang="en-US" smtClean="0"/>
-              <a:t>10/16/2016</a:t>
+              <a:t>4/9/2017</a:t>
             </a:fld>
             <a:endParaRPr lang="en-US"/>
           </a:p>
@@ -910,10 +921,9 @@
           <a:lstStyle/>
           <a:p>
             <a:r>
-              <a:rPr lang="en-US" smtClean="0"/>
+              <a:rPr lang="en-US"/>
               <a:t>Click to edit Master title style</a:t>
             </a:r>
-            <a:endParaRPr lang="en-US"/>
           </a:p>
         </p:txBody>
       </p:sp>
@@ -939,38 +949,37 @@
           <a:p>
             <a:pPr lvl="0"/>
             <a:r>
-              <a:rPr lang="en-US" smtClean="0"/>
+              <a:rPr lang="en-US"/>
               <a:t>Click to edit Master text styles</a:t>
             </a:r>
           </a:p>
           <a:p>
             <a:pPr lvl="1"/>
             <a:r>
-              <a:rPr lang="en-US" smtClean="0"/>
+              <a:rPr lang="en-US"/>
               <a:t>Second level</a:t>
             </a:r>
           </a:p>
           <a:p>
             <a:pPr lvl="2"/>
             <a:r>
-              <a:rPr lang="en-US" smtClean="0"/>
+              <a:rPr lang="en-US"/>
               <a:t>Third level</a:t>
             </a:r>
           </a:p>
           <a:p>
             <a:pPr lvl="3"/>
             <a:r>
-              <a:rPr lang="en-US" smtClean="0"/>
+              <a:rPr lang="en-US"/>
               <a:t>Fourth level</a:t>
             </a:r>
           </a:p>
           <a:p>
             <a:pPr lvl="4"/>
             <a:r>
-              <a:rPr lang="en-US" smtClean="0"/>
+              <a:rPr lang="en-US"/>
               <a:t>Fifth level</a:t>
             </a:r>
-            <a:endParaRPr lang="en-US"/>
           </a:p>
         </p:txBody>
       </p:sp>
@@ -991,7 +1000,7 @@
           <a:p>
             <a:fld id="{78C97017-6FC3-485B-9764-EAC9E56C1D49}" type="datetimeFigureOut">
               <a:rPr lang="en-US" smtClean="0"/>
-              <a:t>10/16/2016</a:t>
+              <a:t>4/9/2017</a:t>
             </a:fld>
             <a:endParaRPr lang="en-US"/>
           </a:p>
@@ -1085,10 +1094,9 @@
           <a:lstStyle/>
           <a:p>
             <a:r>
-              <a:rPr lang="en-US" smtClean="0"/>
+              <a:rPr lang="en-US"/>
               <a:t>Click to edit Master title style</a:t>
             </a:r>
-            <a:endParaRPr lang="en-US"/>
           </a:p>
         </p:txBody>
       </p:sp>
@@ -1109,38 +1117,37 @@
           <a:p>
             <a:pPr lvl="0"/>
             <a:r>
-              <a:rPr lang="en-US" smtClean="0"/>
+              <a:rPr lang="en-US"/>
               <a:t>Click to edit Master text styles</a:t>
             </a:r>
           </a:p>
           <a:p>
             <a:pPr lvl="1"/>
             <a:r>
-              <a:rPr lang="en-US" smtClean="0"/>
+              <a:rPr lang="en-US"/>
               <a:t>Second level</a:t>
             </a:r>
           </a:p>
           <a:p>
             <a:pPr lvl="2"/>
             <a:r>
-              <a:rPr lang="en-US" smtClean="0"/>
+              <a:rPr lang="en-US"/>
               <a:t>Third level</a:t>
             </a:r>
           </a:p>
           <a:p>
             <a:pPr lvl="3"/>
             <a:r>
-              <a:rPr lang="en-US" smtClean="0"/>
+              <a:rPr lang="en-US"/>
               <a:t>Fourth level</a:t>
             </a:r>
           </a:p>
           <a:p>
             <a:pPr lvl="4"/>
             <a:r>
-              <a:rPr lang="en-US" smtClean="0"/>
+              <a:rPr lang="en-US"/>
               <a:t>Fifth level</a:t>
             </a:r>
-            <a:endParaRPr lang="en-US"/>
           </a:p>
         </p:txBody>
       </p:sp>
@@ -1161,7 +1168,7 @@
           <a:p>
             <a:fld id="{78C97017-6FC3-485B-9764-EAC9E56C1D49}" type="datetimeFigureOut">
               <a:rPr lang="en-US" smtClean="0"/>
-              <a:t>10/16/2016</a:t>
+              <a:t>4/9/2017</a:t>
             </a:fld>
             <a:endParaRPr lang="en-US"/>
           </a:p>
@@ -1264,10 +1271,9 @@
           </a:lstStyle>
           <a:p>
             <a:r>
-              <a:rPr lang="en-US" smtClean="0"/>
+              <a:rPr lang="en-US"/>
               <a:t>Click to edit Master title style</a:t>
             </a:r>
-            <a:endParaRPr lang="en-US"/>
           </a:p>
         </p:txBody>
       </p:sp>
@@ -1384,7 +1390,7 @@
           <a:p>
             <a:pPr lvl="0"/>
             <a:r>
-              <a:rPr lang="en-US" smtClean="0"/>
+              <a:rPr lang="en-US"/>
               <a:t>Click to edit Master text styles</a:t>
             </a:r>
           </a:p>
@@ -1407,7 +1413,7 @@
           <a:p>
             <a:fld id="{78C97017-6FC3-485B-9764-EAC9E56C1D49}" type="datetimeFigureOut">
               <a:rPr lang="en-US" smtClean="0"/>
-              <a:t>10/16/2016</a:t>
+              <a:t>4/9/2017</a:t>
             </a:fld>
             <a:endParaRPr lang="en-US"/>
           </a:p>
@@ -1501,10 +1507,9 @@
           <a:lstStyle/>
           <a:p>
             <a:r>
-              <a:rPr lang="en-US" smtClean="0"/>
+              <a:rPr lang="en-US"/>
               <a:t>Click to edit Master title style</a:t>
             </a:r>
-            <a:endParaRPr lang="en-US"/>
           </a:p>
         </p:txBody>
       </p:sp>
@@ -1558,38 +1563,37 @@
           <a:p>
             <a:pPr lvl="0"/>
             <a:r>
-              <a:rPr lang="en-US" smtClean="0"/>
+              <a:rPr lang="en-US"/>
               <a:t>Click to edit Master text styles</a:t>
             </a:r>
           </a:p>
           <a:p>
             <a:pPr lvl="1"/>
             <a:r>
-              <a:rPr lang="en-US" smtClean="0"/>
+              <a:rPr lang="en-US"/>
               <a:t>Second level</a:t>
             </a:r>
           </a:p>
           <a:p>
             <a:pPr lvl="2"/>
             <a:r>
-              <a:rPr lang="en-US" smtClean="0"/>
+              <a:rPr lang="en-US"/>
               <a:t>Third level</a:t>
             </a:r>
           </a:p>
           <a:p>
             <a:pPr lvl="3"/>
             <a:r>
-              <a:rPr lang="en-US" smtClean="0"/>
+              <a:rPr lang="en-US"/>
               <a:t>Fourth level</a:t>
             </a:r>
           </a:p>
           <a:p>
             <a:pPr lvl="4"/>
             <a:r>
-              <a:rPr lang="en-US" smtClean="0"/>
+              <a:rPr lang="en-US"/>
               <a:t>Fifth level</a:t>
             </a:r>
-            <a:endParaRPr lang="en-US"/>
           </a:p>
         </p:txBody>
       </p:sp>
@@ -1643,38 +1647,37 @@
           <a:p>
             <a:pPr lvl="0"/>
             <a:r>
-              <a:rPr lang="en-US" smtClean="0"/>
+              <a:rPr lang="en-US"/>
               <a:t>Click to edit Master text styles</a:t>
             </a:r>
           </a:p>
           <a:p>
             <a:pPr lvl="1"/>
             <a:r>
-              <a:rPr lang="en-US" smtClean="0"/>
+              <a:rPr lang="en-US"/>
               <a:t>Second level</a:t>
             </a:r>
           </a:p>
           <a:p>
             <a:pPr lvl="2"/>
             <a:r>
-              <a:rPr lang="en-US" smtClean="0"/>
+              <a:rPr lang="en-US"/>
               <a:t>Third level</a:t>
             </a:r>
           </a:p>
           <a:p>
             <a:pPr lvl="3"/>
             <a:r>
-              <a:rPr lang="en-US" smtClean="0"/>
+              <a:rPr lang="en-US"/>
               <a:t>Fourth level</a:t>
             </a:r>
           </a:p>
           <a:p>
             <a:pPr lvl="4"/>
             <a:r>
-              <a:rPr lang="en-US" smtClean="0"/>
+              <a:rPr lang="en-US"/>
               <a:t>Fifth level</a:t>
             </a:r>
-            <a:endParaRPr lang="en-US"/>
           </a:p>
         </p:txBody>
       </p:sp>
@@ -1695,7 +1698,7 @@
           <a:p>
             <a:fld id="{78C97017-6FC3-485B-9764-EAC9E56C1D49}" type="datetimeFigureOut">
               <a:rPr lang="en-US" smtClean="0"/>
-              <a:t>10/16/2016</a:t>
+              <a:t>4/9/2017</a:t>
             </a:fld>
             <a:endParaRPr lang="en-US"/>
           </a:p>
@@ -1793,10 +1796,9 @@
           </a:lstStyle>
           <a:p>
             <a:r>
-              <a:rPr lang="en-US" smtClean="0"/>
+              <a:rPr lang="en-US"/>
               <a:t>Click to edit Master title style</a:t>
             </a:r>
-            <a:endParaRPr lang="en-US"/>
           </a:p>
         </p:txBody>
       </p:sp>
@@ -1859,7 +1861,7 @@
           <a:p>
             <a:pPr lvl="0"/>
             <a:r>
-              <a:rPr lang="en-US" smtClean="0"/>
+              <a:rPr lang="en-US"/>
               <a:t>Click to edit Master text styles</a:t>
             </a:r>
           </a:p>
@@ -1915,38 +1917,37 @@
           <a:p>
             <a:pPr lvl="0"/>
             <a:r>
-              <a:rPr lang="en-US" smtClean="0"/>
+              <a:rPr lang="en-US"/>
               <a:t>Click to edit Master text styles</a:t>
             </a:r>
           </a:p>
           <a:p>
             <a:pPr lvl="1"/>
             <a:r>
-              <a:rPr lang="en-US" smtClean="0"/>
+              <a:rPr lang="en-US"/>
               <a:t>Second level</a:t>
             </a:r>
           </a:p>
           <a:p>
             <a:pPr lvl="2"/>
             <a:r>
-              <a:rPr lang="en-US" smtClean="0"/>
+              <a:rPr lang="en-US"/>
               <a:t>Third level</a:t>
             </a:r>
           </a:p>
           <a:p>
             <a:pPr lvl="3"/>
             <a:r>
-              <a:rPr lang="en-US" smtClean="0"/>
+              <a:rPr lang="en-US"/>
               <a:t>Fourth level</a:t>
             </a:r>
           </a:p>
           <a:p>
             <a:pPr lvl="4"/>
             <a:r>
-              <a:rPr lang="en-US" smtClean="0"/>
+              <a:rPr lang="en-US"/>
               <a:t>Fifth level</a:t>
             </a:r>
-            <a:endParaRPr lang="en-US"/>
           </a:p>
         </p:txBody>
       </p:sp>
@@ -2009,7 +2010,7 @@
           <a:p>
             <a:pPr lvl="0"/>
             <a:r>
-              <a:rPr lang="en-US" smtClean="0"/>
+              <a:rPr lang="en-US"/>
               <a:t>Click to edit Master text styles</a:t>
             </a:r>
           </a:p>
@@ -2065,38 +2066,37 @@
           <a:p>
             <a:pPr lvl="0"/>
             <a:r>
-              <a:rPr lang="en-US" smtClean="0"/>
+              <a:rPr lang="en-US"/>
               <a:t>Click to edit Master text styles</a:t>
             </a:r>
           </a:p>
           <a:p>
             <a:pPr lvl="1"/>
             <a:r>
-              <a:rPr lang="en-US" smtClean="0"/>
+              <a:rPr lang="en-US"/>
               <a:t>Second level</a:t>
             </a:r>
           </a:p>
           <a:p>
             <a:pPr lvl="2"/>
             <a:r>
-              <a:rPr lang="en-US" smtClean="0"/>
+              <a:rPr lang="en-US"/>
               <a:t>Third level</a:t>
             </a:r>
           </a:p>
           <a:p>
             <a:pPr lvl="3"/>
             <a:r>
-              <a:rPr lang="en-US" smtClean="0"/>
+              <a:rPr lang="en-US"/>
               <a:t>Fourth level</a:t>
             </a:r>
           </a:p>
           <a:p>
             <a:pPr lvl="4"/>
             <a:r>
-              <a:rPr lang="en-US" smtClean="0"/>
+              <a:rPr lang="en-US"/>
               <a:t>Fifth level</a:t>
             </a:r>
-            <a:endParaRPr lang="en-US"/>
           </a:p>
         </p:txBody>
       </p:sp>
@@ -2117,7 +2117,7 @@
           <a:p>
             <a:fld id="{78C97017-6FC3-485B-9764-EAC9E56C1D49}" type="datetimeFigureOut">
               <a:rPr lang="en-US" smtClean="0"/>
-              <a:t>10/16/2016</a:t>
+              <a:t>4/9/2017</a:t>
             </a:fld>
             <a:endParaRPr lang="en-US"/>
           </a:p>
@@ -2211,10 +2211,9 @@
           <a:lstStyle/>
           <a:p>
             <a:r>
-              <a:rPr lang="en-US" smtClean="0"/>
+              <a:rPr lang="en-US"/>
               <a:t>Click to edit Master title style</a:t>
             </a:r>
-            <a:endParaRPr lang="en-US"/>
           </a:p>
         </p:txBody>
       </p:sp>
@@ -2235,7 +2234,7 @@
           <a:p>
             <a:fld id="{78C97017-6FC3-485B-9764-EAC9E56C1D49}" type="datetimeFigureOut">
               <a:rPr lang="en-US" smtClean="0"/>
-              <a:t>10/16/2016</a:t>
+              <a:t>4/9/2017</a:t>
             </a:fld>
             <a:endParaRPr lang="en-US"/>
           </a:p>
@@ -2330,7 +2329,7 @@
           <a:p>
             <a:fld id="{78C97017-6FC3-485B-9764-EAC9E56C1D49}" type="datetimeFigureOut">
               <a:rPr lang="en-US" smtClean="0"/>
-              <a:t>10/16/2016</a:t>
+              <a:t>4/9/2017</a:t>
             </a:fld>
             <a:endParaRPr lang="en-US"/>
           </a:p>
@@ -2433,10 +2432,9 @@
           </a:lstStyle>
           <a:p>
             <a:r>
-              <a:rPr lang="en-US" smtClean="0"/>
+              <a:rPr lang="en-US"/>
               <a:t>Click to edit Master title style</a:t>
             </a:r>
-            <a:endParaRPr lang="en-US"/>
           </a:p>
         </p:txBody>
       </p:sp>
@@ -2490,38 +2488,37 @@
           <a:p>
             <a:pPr lvl="0"/>
             <a:r>
-              <a:rPr lang="en-US" smtClean="0"/>
+              <a:rPr lang="en-US"/>
               <a:t>Click to edit Master text styles</a:t>
             </a:r>
           </a:p>
           <a:p>
             <a:pPr lvl="1"/>
             <a:r>
-              <a:rPr lang="en-US" smtClean="0"/>
+              <a:rPr lang="en-US"/>
               <a:t>Second level</a:t>
             </a:r>
           </a:p>
           <a:p>
             <a:pPr lvl="2"/>
             <a:r>
-              <a:rPr lang="en-US" smtClean="0"/>
+              <a:rPr lang="en-US"/>
               <a:t>Third level</a:t>
             </a:r>
           </a:p>
           <a:p>
             <a:pPr lvl="3"/>
             <a:r>
-              <a:rPr lang="en-US" smtClean="0"/>
+              <a:rPr lang="en-US"/>
               <a:t>Fourth level</a:t>
             </a:r>
           </a:p>
           <a:p>
             <a:pPr lvl="4"/>
             <a:r>
-              <a:rPr lang="en-US" smtClean="0"/>
+              <a:rPr lang="en-US"/>
               <a:t>Fifth level</a:t>
             </a:r>
-            <a:endParaRPr lang="en-US"/>
           </a:p>
         </p:txBody>
       </p:sp>
@@ -2584,7 +2581,7 @@
           <a:p>
             <a:pPr lvl="0"/>
             <a:r>
-              <a:rPr lang="en-US" smtClean="0"/>
+              <a:rPr lang="en-US"/>
               <a:t>Click to edit Master text styles</a:t>
             </a:r>
           </a:p>
@@ -2607,7 +2604,7 @@
           <a:p>
             <a:fld id="{78C97017-6FC3-485B-9764-EAC9E56C1D49}" type="datetimeFigureOut">
               <a:rPr lang="en-US" smtClean="0"/>
-              <a:t>10/16/2016</a:t>
+              <a:t>4/9/2017</a:t>
             </a:fld>
             <a:endParaRPr lang="en-US"/>
           </a:p>
@@ -2710,10 +2707,9 @@
           </a:lstStyle>
           <a:p>
             <a:r>
-              <a:rPr lang="en-US" smtClean="0"/>
+              <a:rPr lang="en-US"/>
               <a:t>Click to edit Master title style</a:t>
             </a:r>
-            <a:endParaRPr lang="en-US"/>
           </a:p>
         </p:txBody>
       </p:sp>
@@ -2837,7 +2833,7 @@
           <a:p>
             <a:pPr lvl="0"/>
             <a:r>
-              <a:rPr lang="en-US" smtClean="0"/>
+              <a:rPr lang="en-US"/>
               <a:t>Click to edit Master text styles</a:t>
             </a:r>
           </a:p>
@@ -2860,7 +2856,7 @@
           <a:p>
             <a:fld id="{78C97017-6FC3-485B-9764-EAC9E56C1D49}" type="datetimeFigureOut">
               <a:rPr lang="en-US" smtClean="0"/>
-              <a:t>10/16/2016</a:t>
+              <a:t>4/9/2017</a:t>
             </a:fld>
             <a:endParaRPr lang="en-US"/>
           </a:p>
@@ -2969,10 +2965,9 @@
           <a:lstStyle/>
           <a:p>
             <a:r>
-              <a:rPr lang="en-US" smtClean="0"/>
+              <a:rPr lang="en-US"/>
               <a:t>Click to edit Master title style</a:t>
             </a:r>
-            <a:endParaRPr lang="en-US"/>
           </a:p>
         </p:txBody>
       </p:sp>
@@ -3003,38 +2998,37 @@
           <a:p>
             <a:pPr lvl="0"/>
             <a:r>
-              <a:rPr lang="en-US" smtClean="0"/>
+              <a:rPr lang="en-US"/>
               <a:t>Click to edit Master text styles</a:t>
             </a:r>
           </a:p>
           <a:p>
             <a:pPr lvl="1"/>
             <a:r>
-              <a:rPr lang="en-US" smtClean="0"/>
+              <a:rPr lang="en-US"/>
               <a:t>Second level</a:t>
             </a:r>
           </a:p>
           <a:p>
             <a:pPr lvl="2"/>
             <a:r>
-              <a:rPr lang="en-US" smtClean="0"/>
+              <a:rPr lang="en-US"/>
               <a:t>Third level</a:t>
             </a:r>
           </a:p>
           <a:p>
             <a:pPr lvl="3"/>
             <a:r>
-              <a:rPr lang="en-US" smtClean="0"/>
+              <a:rPr lang="en-US"/>
               <a:t>Fourth level</a:t>
             </a:r>
           </a:p>
           <a:p>
             <a:pPr lvl="4"/>
             <a:r>
-              <a:rPr lang="en-US" smtClean="0"/>
+              <a:rPr lang="en-US"/>
               <a:t>Fifth level</a:t>
             </a:r>
-            <a:endParaRPr lang="en-US"/>
           </a:p>
         </p:txBody>
       </p:sp>
@@ -3073,7 +3067,7 @@
           <a:p>
             <a:fld id="{78C97017-6FC3-485B-9764-EAC9E56C1D49}" type="datetimeFigureOut">
               <a:rPr lang="en-US" smtClean="0"/>
-              <a:t>10/16/2016</a:t>
+              <a:t>4/9/2017</a:t>
             </a:fld>
             <a:endParaRPr lang="en-US"/>
           </a:p>
@@ -3494,7 +3488,7 @@
           <a:lstStyle/>
           <a:p>
             <a:r>
-              <a:rPr lang="en-US" sz="1200" b="1" dirty="0" smtClean="0">
+              <a:rPr lang="en-US" sz="1200" b="1" dirty="0">
                 <a:solidFill>
                   <a:schemeClr val="accent6">
                     <a:lumMod val="75000"/>
@@ -3521,8 +3515,8 @@
         </p:nvSpPr>
         <p:spPr>
           <a:xfrm>
-            <a:off x="2877180" y="3158440"/>
-            <a:ext cx="1323049" cy="346760"/>
+            <a:off x="2831894" y="3158440"/>
+            <a:ext cx="1368335" cy="346760"/>
           </a:xfrm>
           <a:prstGeom prst="rect">
             <a:avLst/>
@@ -3561,7 +3555,7 @@
           <a:p>
             <a:pPr algn="ctr"/>
             <a:r>
-              <a:rPr lang="en-US" sz="1050" dirty="0" smtClean="0">
+              <a:rPr lang="en-US" sz="1050" dirty="0">
                 <a:solidFill>
                   <a:schemeClr val="bg1"/>
                 </a:solidFill>
@@ -3569,19 +3563,19 @@
               <a:t>&lt;&lt;interface&gt;&gt;</a:t>
             </a:r>
             <a:br>
-              <a:rPr lang="en-US" sz="1050" dirty="0" smtClean="0">
+              <a:rPr lang="en-US" sz="1050" dirty="0">
                 <a:solidFill>
                   <a:schemeClr val="bg1"/>
                 </a:solidFill>
               </a:rPr>
             </a:br>
             <a:r>
-              <a:rPr lang="en-US" sz="1050" dirty="0" err="1" smtClean="0">
+              <a:rPr lang="en-US" sz="1050" dirty="0" err="1">
                 <a:solidFill>
                   <a:schemeClr val="bg1"/>
                 </a:solidFill>
               </a:rPr>
-              <a:t>AddressBookStorage</a:t>
+              <a:t>TaskManagerStorage</a:t>
             </a:r>
             <a:endParaRPr lang="en-SG" sz="1050" dirty="0">
               <a:solidFill>
@@ -3639,7 +3633,7 @@
           <a:p>
             <a:pPr algn="ctr"/>
             <a:r>
-              <a:rPr lang="en-US" sz="1050" dirty="0" err="1" smtClean="0">
+              <a:rPr lang="en-US" sz="1050" dirty="0" err="1">
                 <a:solidFill>
                   <a:schemeClr val="bg1"/>
                 </a:solidFill>
@@ -3713,7 +3707,7 @@
           <a:p>
             <a:pPr algn="ctr"/>
             <a:r>
-              <a:rPr lang="en-US" sz="1050" dirty="0" smtClean="0">
+              <a:rPr lang="en-US" sz="1050" dirty="0">
                 <a:solidFill>
                   <a:schemeClr val="bg1"/>
                 </a:solidFill>
@@ -3795,7 +3789,7 @@
         <p:spPr>
           <a:xfrm>
             <a:off x="2656370" y="3326536"/>
-            <a:ext cx="220810" cy="5284"/>
+            <a:ext cx="175524" cy="5284"/>
           </a:xfrm>
           <a:prstGeom prst="straightConnector1">
             <a:avLst/>
@@ -4147,27 +4141,17 @@
           <a:p>
             <a:pPr algn="ctr"/>
             <a:r>
-              <a:rPr lang="en-US" sz="1050" b="1" dirty="0" err="1" smtClean="0">
+              <a:rPr lang="en-US" sz="1050" b="1" dirty="0" err="1">
                 <a:solidFill>
                   <a:schemeClr val="accent6">
                     <a:lumMod val="75000"/>
                   </a:schemeClr>
                 </a:solidFill>
               </a:rPr>
-              <a:t>XmlAddressBook</a:t>
-            </a:r>
-            <a:r>
-              <a:rPr lang="en-US" sz="1050" b="1" dirty="0" smtClean="0">
-                <a:solidFill>
-                  <a:schemeClr val="accent6">
-                    <a:lumMod val="75000"/>
-                  </a:schemeClr>
-                </a:solidFill>
-              </a:rPr>
-              <a:t/>
+              <a:t>XmlTaskManager</a:t>
             </a:r>
             <a:br>
-              <a:rPr lang="en-US" sz="1050" b="1" dirty="0" smtClean="0">
+              <a:rPr lang="en-US" sz="1050" b="1" dirty="0">
                 <a:solidFill>
                   <a:schemeClr val="accent6">
                     <a:lumMod val="75000"/>
@@ -4176,7 +4160,7 @@
               </a:rPr>
             </a:br>
             <a:r>
-              <a:rPr lang="en-US" sz="1050" b="1" dirty="0" smtClean="0">
+              <a:rPr lang="en-US" sz="1050" b="1" dirty="0">
                 <a:solidFill>
                   <a:schemeClr val="accent6">
                     <a:lumMod val="75000"/>
@@ -4243,7 +4227,7 @@
           <a:p>
             <a:pPr algn="ctr"/>
             <a:r>
-              <a:rPr lang="en-US" sz="1050" dirty="0" smtClean="0">
+              <a:rPr lang="en-US" sz="1050" dirty="0">
                 <a:solidFill>
                   <a:schemeClr val="bg1"/>
                 </a:solidFill>
@@ -4251,14 +4235,14 @@
               <a:t>&lt;&lt;interface&gt;&gt;</a:t>
             </a:r>
             <a:br>
-              <a:rPr lang="en-US" sz="1050" dirty="0" smtClean="0">
+              <a:rPr lang="en-US" sz="1050" dirty="0">
                 <a:solidFill>
                   <a:schemeClr val="bg1"/>
                 </a:solidFill>
               </a:rPr>
             </a:br>
             <a:r>
-              <a:rPr lang="en-US" sz="1050" dirty="0" err="1" smtClean="0">
+              <a:rPr lang="en-US" sz="1050" dirty="0" err="1">
                 <a:solidFill>
                   <a:schemeClr val="bg1"/>
                 </a:solidFill>
@@ -4516,30 +4500,22 @@
           <a:p>
             <a:pPr algn="ctr"/>
             <a:r>
-              <a:rPr lang="en-US" sz="1050" dirty="0" err="1" smtClean="0">
+              <a:rPr lang="en-US" sz="1050" dirty="0" err="1">
                 <a:solidFill>
                   <a:schemeClr val="bg1"/>
                 </a:solidFill>
               </a:rPr>
               <a:t>JsonUserPrefs</a:t>
             </a:r>
-            <a:r>
-              <a:rPr lang="en-US" sz="1050" dirty="0" smtClean="0">
-                <a:solidFill>
-                  <a:schemeClr val="bg1"/>
-                </a:solidFill>
-              </a:rPr>
-              <a:t/>
-            </a:r>
             <a:br>
-              <a:rPr lang="en-US" sz="1050" dirty="0" smtClean="0">
+              <a:rPr lang="en-US" sz="1050" dirty="0">
                 <a:solidFill>
                   <a:schemeClr val="bg1"/>
                 </a:solidFill>
               </a:rPr>
             </a:br>
             <a:r>
-              <a:rPr lang="en-US" sz="1050" dirty="0" smtClean="0">
+              <a:rPr lang="en-US" sz="1050" dirty="0">
                 <a:solidFill>
                   <a:schemeClr val="bg1"/>
                 </a:solidFill>
@@ -4591,7 +4567,7 @@
           <a:p>
             <a:pPr algn="ctr"/>
             <a:r>
-              <a:rPr lang="en-US" sz="1050" b="1" dirty="0" err="1" smtClean="0">
+              <a:rPr lang="en-US" sz="1050" b="1" dirty="0" err="1">
                 <a:solidFill>
                   <a:schemeClr val="accent6">
                     <a:lumMod val="75000"/>
@@ -4600,18 +4576,8 @@
               </a:rPr>
               <a:t>XmlSerializable</a:t>
             </a:r>
-            <a:r>
-              <a:rPr lang="en-US" sz="1050" b="1" dirty="0" smtClean="0">
-                <a:solidFill>
-                  <a:schemeClr val="accent6">
-                    <a:lumMod val="75000"/>
-                  </a:schemeClr>
-                </a:solidFill>
-              </a:rPr>
-              <a:t/>
-            </a:r>
             <a:br>
-              <a:rPr lang="en-US" sz="1050" b="1" dirty="0" smtClean="0">
+              <a:rPr lang="en-US" sz="1050" b="1" dirty="0">
                 <a:solidFill>
                   <a:schemeClr val="accent6">
                     <a:lumMod val="75000"/>
@@ -4620,14 +4586,14 @@
               </a:rPr>
             </a:br>
             <a:r>
-              <a:rPr lang="en-US" sz="1050" b="1" dirty="0" err="1" smtClean="0">
+              <a:rPr lang="en-US" sz="1050" b="1" dirty="0" err="1">
                 <a:solidFill>
                   <a:schemeClr val="accent6">
                     <a:lumMod val="75000"/>
                   </a:schemeClr>
                 </a:solidFill>
               </a:rPr>
-              <a:t>AddressBook</a:t>
+              <a:t>TaskManager</a:t>
             </a:r>
             <a:endParaRPr lang="en-SG" sz="1050" b="1" dirty="0">
               <a:solidFill>
@@ -4717,7 +4683,7 @@
           <a:p>
             <a:pPr algn="ctr"/>
             <a:r>
-              <a:rPr lang="en-US" sz="1050" b="1" dirty="0" err="1" smtClean="0">
+              <a:rPr lang="en-US" sz="1050" b="1" dirty="0" err="1">
                 <a:solidFill>
                   <a:schemeClr val="accent6">
                     <a:lumMod val="75000"/>
@@ -4773,14 +4739,14 @@
           <a:p>
             <a:pPr algn="ctr"/>
             <a:r>
-              <a:rPr lang="en-US" sz="1050" b="1" dirty="0" err="1" smtClean="0">
+              <a:rPr lang="en-US" sz="1050" b="1" dirty="0" err="1">
                 <a:solidFill>
                   <a:schemeClr val="accent6">
                     <a:lumMod val="75000"/>
                   </a:schemeClr>
                 </a:solidFill>
               </a:rPr>
-              <a:t>XmlAdaptedPerson</a:t>
+              <a:t>XmlAdaptedTask</a:t>
             </a:r>
             <a:endParaRPr lang="en-SG" sz="1050" b="1" dirty="0">
               <a:solidFill>
@@ -4843,13 +4809,6 @@
   <p:clrMapOvr>
     <a:masterClrMapping/>
   </p:clrMapOvr>
-  <p:timing>
-    <p:tnLst>
-      <p:par>
-        <p:cTn id="1" dur="indefinite" restart="never" nodeType="tmRoot"/>
-      </p:par>
-    </p:tnLst>
-  </p:timing>
 </p:sld>
 </file>
 

--- a/docs/diagrams/StorageComponentClassDiagram.pptx
+++ b/docs/diagrams/StorageComponentClassDiagram.pptx
@@ -107,6 +107,22 @@
       </a:defRPr>
     </a:lvl9pPr>
   </p:defaultTextStyle>
+  <p:extLst>
+    <p:ext uri="{EFAFB233-063F-42B5-8137-9DF3F51BA10A}">
+      <p15:sldGuideLst xmlns:p15="http://schemas.microsoft.com/office/powerpoint/2012/main">
+        <p15:guide id="1" orient="horz" pos="1488">
+          <p15:clr>
+            <a:srgbClr val="A4A3A4"/>
+          </p15:clr>
+        </p15:guide>
+        <p15:guide id="2" pos="2880">
+          <p15:clr>
+            <a:srgbClr val="A4A3A4"/>
+          </p15:clr>
+        </p15:guide>
+      </p15:sldGuideLst>
+    </p:ext>
+  </p:extLst>
 </p:presentation>
 </file>
 
@@ -192,7 +208,7 @@
           <a:p>
             <a:fld id="{F5CC4B3F-88C1-4FFA-B1B6-F41C21DC6924}" type="datetimeFigureOut">
               <a:rPr lang="en-US" smtClean="0"/>
-              <a:t>10/16/2016</a:t>
+              <a:t>4/10/2017</a:t>
             </a:fld>
             <a:endParaRPr lang="en-US"/>
           </a:p>
@@ -256,38 +272,37 @@
           <a:p>
             <a:pPr lvl="0"/>
             <a:r>
-              <a:rPr lang="en-US" smtClean="0"/>
+              <a:rPr lang="en-US"/>
               <a:t>Click to edit Master text styles</a:t>
             </a:r>
           </a:p>
           <a:p>
             <a:pPr lvl="1"/>
             <a:r>
-              <a:rPr lang="en-US" smtClean="0"/>
+              <a:rPr lang="en-US"/>
               <a:t>Second level</a:t>
             </a:r>
           </a:p>
           <a:p>
             <a:pPr lvl="2"/>
             <a:r>
-              <a:rPr lang="en-US" smtClean="0"/>
+              <a:rPr lang="en-US"/>
               <a:t>Third level</a:t>
             </a:r>
           </a:p>
           <a:p>
             <a:pPr lvl="3"/>
             <a:r>
-              <a:rPr lang="en-US" smtClean="0"/>
+              <a:rPr lang="en-US"/>
               <a:t>Fourth level</a:t>
             </a:r>
           </a:p>
           <a:p>
             <a:pPr lvl="4"/>
             <a:r>
-              <a:rPr lang="en-US" smtClean="0"/>
+              <a:rPr lang="en-US"/>
               <a:t>Fifth level</a:t>
             </a:r>
-            <a:endParaRPr lang="en-US"/>
           </a:p>
         </p:txBody>
       </p:sp>
@@ -498,10 +513,9 @@
           <a:lstStyle/>
           <a:p>
             <a:r>
-              <a:rPr lang="en-US" smtClean="0"/>
+              <a:rPr lang="en-US"/>
               <a:t>Click to edit Master title style</a:t>
             </a:r>
-            <a:endParaRPr lang="en-US"/>
           </a:p>
         </p:txBody>
       </p:sp>
@@ -617,10 +631,9 @@
           </a:lstStyle>
           <a:p>
             <a:r>
-              <a:rPr lang="en-US" smtClean="0"/>
+              <a:rPr lang="en-US"/>
               <a:t>Click to edit Master subtitle style</a:t>
             </a:r>
-            <a:endParaRPr lang="en-US"/>
           </a:p>
         </p:txBody>
       </p:sp>
@@ -641,7 +654,7 @@
           <a:p>
             <a:fld id="{78C97017-6FC3-485B-9764-EAC9E56C1D49}" type="datetimeFigureOut">
               <a:rPr lang="en-US" smtClean="0"/>
-              <a:t>10/16/2016</a:t>
+              <a:t>4/10/2017</a:t>
             </a:fld>
             <a:endParaRPr lang="en-US"/>
           </a:p>
@@ -735,10 +748,9 @@
           <a:lstStyle/>
           <a:p>
             <a:r>
-              <a:rPr lang="en-US" smtClean="0"/>
+              <a:rPr lang="en-US"/>
               <a:t>Click to edit Master title style</a:t>
             </a:r>
-            <a:endParaRPr lang="en-US"/>
           </a:p>
         </p:txBody>
       </p:sp>
@@ -759,38 +771,37 @@
           <a:p>
             <a:pPr lvl="0"/>
             <a:r>
-              <a:rPr lang="en-US" smtClean="0"/>
+              <a:rPr lang="en-US"/>
               <a:t>Click to edit Master text styles</a:t>
             </a:r>
           </a:p>
           <a:p>
             <a:pPr lvl="1"/>
             <a:r>
-              <a:rPr lang="en-US" smtClean="0"/>
+              <a:rPr lang="en-US"/>
               <a:t>Second level</a:t>
             </a:r>
           </a:p>
           <a:p>
             <a:pPr lvl="2"/>
             <a:r>
-              <a:rPr lang="en-US" smtClean="0"/>
+              <a:rPr lang="en-US"/>
               <a:t>Third level</a:t>
             </a:r>
           </a:p>
           <a:p>
             <a:pPr lvl="3"/>
             <a:r>
-              <a:rPr lang="en-US" smtClean="0"/>
+              <a:rPr lang="en-US"/>
               <a:t>Fourth level</a:t>
             </a:r>
           </a:p>
           <a:p>
             <a:pPr lvl="4"/>
             <a:r>
-              <a:rPr lang="en-US" smtClean="0"/>
+              <a:rPr lang="en-US"/>
               <a:t>Fifth level</a:t>
             </a:r>
-            <a:endParaRPr lang="en-US"/>
           </a:p>
         </p:txBody>
       </p:sp>
@@ -811,7 +822,7 @@
           <a:p>
             <a:fld id="{78C97017-6FC3-485B-9764-EAC9E56C1D49}" type="datetimeFigureOut">
               <a:rPr lang="en-US" smtClean="0"/>
-              <a:t>10/16/2016</a:t>
+              <a:t>4/10/2017</a:t>
             </a:fld>
             <a:endParaRPr lang="en-US"/>
           </a:p>
@@ -910,10 +921,9 @@
           <a:lstStyle/>
           <a:p>
             <a:r>
-              <a:rPr lang="en-US" smtClean="0"/>
+              <a:rPr lang="en-US"/>
               <a:t>Click to edit Master title style</a:t>
             </a:r>
-            <a:endParaRPr lang="en-US"/>
           </a:p>
         </p:txBody>
       </p:sp>
@@ -939,38 +949,37 @@
           <a:p>
             <a:pPr lvl="0"/>
             <a:r>
-              <a:rPr lang="en-US" smtClean="0"/>
+              <a:rPr lang="en-US"/>
               <a:t>Click to edit Master text styles</a:t>
             </a:r>
           </a:p>
           <a:p>
             <a:pPr lvl="1"/>
             <a:r>
-              <a:rPr lang="en-US" smtClean="0"/>
+              <a:rPr lang="en-US"/>
               <a:t>Second level</a:t>
             </a:r>
           </a:p>
           <a:p>
             <a:pPr lvl="2"/>
             <a:r>
-              <a:rPr lang="en-US" smtClean="0"/>
+              <a:rPr lang="en-US"/>
               <a:t>Third level</a:t>
             </a:r>
           </a:p>
           <a:p>
             <a:pPr lvl="3"/>
             <a:r>
-              <a:rPr lang="en-US" smtClean="0"/>
+              <a:rPr lang="en-US"/>
               <a:t>Fourth level</a:t>
             </a:r>
           </a:p>
           <a:p>
             <a:pPr lvl="4"/>
             <a:r>
-              <a:rPr lang="en-US" smtClean="0"/>
+              <a:rPr lang="en-US"/>
               <a:t>Fifth level</a:t>
             </a:r>
-            <a:endParaRPr lang="en-US"/>
           </a:p>
         </p:txBody>
       </p:sp>
@@ -991,7 +1000,7 @@
           <a:p>
             <a:fld id="{78C97017-6FC3-485B-9764-EAC9E56C1D49}" type="datetimeFigureOut">
               <a:rPr lang="en-US" smtClean="0"/>
-              <a:t>10/16/2016</a:t>
+              <a:t>4/10/2017</a:t>
             </a:fld>
             <a:endParaRPr lang="en-US"/>
           </a:p>
@@ -1085,10 +1094,9 @@
           <a:lstStyle/>
           <a:p>
             <a:r>
-              <a:rPr lang="en-US" smtClean="0"/>
+              <a:rPr lang="en-US"/>
               <a:t>Click to edit Master title style</a:t>
             </a:r>
-            <a:endParaRPr lang="en-US"/>
           </a:p>
         </p:txBody>
       </p:sp>
@@ -1109,38 +1117,37 @@
           <a:p>
             <a:pPr lvl="0"/>
             <a:r>
-              <a:rPr lang="en-US" smtClean="0"/>
+              <a:rPr lang="en-US"/>
               <a:t>Click to edit Master text styles</a:t>
             </a:r>
           </a:p>
           <a:p>
             <a:pPr lvl="1"/>
             <a:r>
-              <a:rPr lang="en-US" smtClean="0"/>
+              <a:rPr lang="en-US"/>
               <a:t>Second level</a:t>
             </a:r>
           </a:p>
           <a:p>
             <a:pPr lvl="2"/>
             <a:r>
-              <a:rPr lang="en-US" smtClean="0"/>
+              <a:rPr lang="en-US"/>
               <a:t>Third level</a:t>
             </a:r>
           </a:p>
           <a:p>
             <a:pPr lvl="3"/>
             <a:r>
-              <a:rPr lang="en-US" smtClean="0"/>
+              <a:rPr lang="en-US"/>
               <a:t>Fourth level</a:t>
             </a:r>
           </a:p>
           <a:p>
             <a:pPr lvl="4"/>
             <a:r>
-              <a:rPr lang="en-US" smtClean="0"/>
+              <a:rPr lang="en-US"/>
               <a:t>Fifth level</a:t>
             </a:r>
-            <a:endParaRPr lang="en-US"/>
           </a:p>
         </p:txBody>
       </p:sp>
@@ -1161,7 +1168,7 @@
           <a:p>
             <a:fld id="{78C97017-6FC3-485B-9764-EAC9E56C1D49}" type="datetimeFigureOut">
               <a:rPr lang="en-US" smtClean="0"/>
-              <a:t>10/16/2016</a:t>
+              <a:t>4/10/2017</a:t>
             </a:fld>
             <a:endParaRPr lang="en-US"/>
           </a:p>
@@ -1264,10 +1271,9 @@
           </a:lstStyle>
           <a:p>
             <a:r>
-              <a:rPr lang="en-US" smtClean="0"/>
+              <a:rPr lang="en-US"/>
               <a:t>Click to edit Master title style</a:t>
             </a:r>
-            <a:endParaRPr lang="en-US"/>
           </a:p>
         </p:txBody>
       </p:sp>
@@ -1384,7 +1390,7 @@
           <a:p>
             <a:pPr lvl="0"/>
             <a:r>
-              <a:rPr lang="en-US" smtClean="0"/>
+              <a:rPr lang="en-US"/>
               <a:t>Click to edit Master text styles</a:t>
             </a:r>
           </a:p>
@@ -1407,7 +1413,7 @@
           <a:p>
             <a:fld id="{78C97017-6FC3-485B-9764-EAC9E56C1D49}" type="datetimeFigureOut">
               <a:rPr lang="en-US" smtClean="0"/>
-              <a:t>10/16/2016</a:t>
+              <a:t>4/10/2017</a:t>
             </a:fld>
             <a:endParaRPr lang="en-US"/>
           </a:p>
@@ -1501,10 +1507,9 @@
           <a:lstStyle/>
           <a:p>
             <a:r>
-              <a:rPr lang="en-US" smtClean="0"/>
+              <a:rPr lang="en-US"/>
               <a:t>Click to edit Master title style</a:t>
             </a:r>
-            <a:endParaRPr lang="en-US"/>
           </a:p>
         </p:txBody>
       </p:sp>
@@ -1558,38 +1563,37 @@
           <a:p>
             <a:pPr lvl="0"/>
             <a:r>
-              <a:rPr lang="en-US" smtClean="0"/>
+              <a:rPr lang="en-US"/>
               <a:t>Click to edit Master text styles</a:t>
             </a:r>
           </a:p>
           <a:p>
             <a:pPr lvl="1"/>
             <a:r>
-              <a:rPr lang="en-US" smtClean="0"/>
+              <a:rPr lang="en-US"/>
               <a:t>Second level</a:t>
             </a:r>
           </a:p>
           <a:p>
             <a:pPr lvl="2"/>
             <a:r>
-              <a:rPr lang="en-US" smtClean="0"/>
+              <a:rPr lang="en-US"/>
               <a:t>Third level</a:t>
             </a:r>
           </a:p>
           <a:p>
             <a:pPr lvl="3"/>
             <a:r>
-              <a:rPr lang="en-US" smtClean="0"/>
+              <a:rPr lang="en-US"/>
               <a:t>Fourth level</a:t>
             </a:r>
           </a:p>
           <a:p>
             <a:pPr lvl="4"/>
             <a:r>
-              <a:rPr lang="en-US" smtClean="0"/>
+              <a:rPr lang="en-US"/>
               <a:t>Fifth level</a:t>
             </a:r>
-            <a:endParaRPr lang="en-US"/>
           </a:p>
         </p:txBody>
       </p:sp>
@@ -1643,38 +1647,37 @@
           <a:p>
             <a:pPr lvl="0"/>
             <a:r>
-              <a:rPr lang="en-US" smtClean="0"/>
+              <a:rPr lang="en-US"/>
               <a:t>Click to edit Master text styles</a:t>
             </a:r>
           </a:p>
           <a:p>
             <a:pPr lvl="1"/>
             <a:r>
-              <a:rPr lang="en-US" smtClean="0"/>
+              <a:rPr lang="en-US"/>
               <a:t>Second level</a:t>
             </a:r>
           </a:p>
           <a:p>
             <a:pPr lvl="2"/>
             <a:r>
-              <a:rPr lang="en-US" smtClean="0"/>
+              <a:rPr lang="en-US"/>
               <a:t>Third level</a:t>
             </a:r>
           </a:p>
           <a:p>
             <a:pPr lvl="3"/>
             <a:r>
-              <a:rPr lang="en-US" smtClean="0"/>
+              <a:rPr lang="en-US"/>
               <a:t>Fourth level</a:t>
             </a:r>
           </a:p>
           <a:p>
             <a:pPr lvl="4"/>
             <a:r>
-              <a:rPr lang="en-US" smtClean="0"/>
+              <a:rPr lang="en-US"/>
               <a:t>Fifth level</a:t>
             </a:r>
-            <a:endParaRPr lang="en-US"/>
           </a:p>
         </p:txBody>
       </p:sp>
@@ -1695,7 +1698,7 @@
           <a:p>
             <a:fld id="{78C97017-6FC3-485B-9764-EAC9E56C1D49}" type="datetimeFigureOut">
               <a:rPr lang="en-US" smtClean="0"/>
-              <a:t>10/16/2016</a:t>
+              <a:t>4/10/2017</a:t>
             </a:fld>
             <a:endParaRPr lang="en-US"/>
           </a:p>
@@ -1793,10 +1796,9 @@
           </a:lstStyle>
           <a:p>
             <a:r>
-              <a:rPr lang="en-US" smtClean="0"/>
+              <a:rPr lang="en-US"/>
               <a:t>Click to edit Master title style</a:t>
             </a:r>
-            <a:endParaRPr lang="en-US"/>
           </a:p>
         </p:txBody>
       </p:sp>
@@ -1859,7 +1861,7 @@
           <a:p>
             <a:pPr lvl="0"/>
             <a:r>
-              <a:rPr lang="en-US" smtClean="0"/>
+              <a:rPr lang="en-US"/>
               <a:t>Click to edit Master text styles</a:t>
             </a:r>
           </a:p>
@@ -1915,38 +1917,37 @@
           <a:p>
             <a:pPr lvl="0"/>
             <a:r>
-              <a:rPr lang="en-US" smtClean="0"/>
+              <a:rPr lang="en-US"/>
               <a:t>Click to edit Master text styles</a:t>
             </a:r>
           </a:p>
           <a:p>
             <a:pPr lvl="1"/>
             <a:r>
-              <a:rPr lang="en-US" smtClean="0"/>
+              <a:rPr lang="en-US"/>
               <a:t>Second level</a:t>
             </a:r>
           </a:p>
           <a:p>
             <a:pPr lvl="2"/>
             <a:r>
-              <a:rPr lang="en-US" smtClean="0"/>
+              <a:rPr lang="en-US"/>
               <a:t>Third level</a:t>
             </a:r>
           </a:p>
           <a:p>
             <a:pPr lvl="3"/>
             <a:r>
-              <a:rPr lang="en-US" smtClean="0"/>
+              <a:rPr lang="en-US"/>
               <a:t>Fourth level</a:t>
             </a:r>
           </a:p>
           <a:p>
             <a:pPr lvl="4"/>
             <a:r>
-              <a:rPr lang="en-US" smtClean="0"/>
+              <a:rPr lang="en-US"/>
               <a:t>Fifth level</a:t>
             </a:r>
-            <a:endParaRPr lang="en-US"/>
           </a:p>
         </p:txBody>
       </p:sp>
@@ -2009,7 +2010,7 @@
           <a:p>
             <a:pPr lvl="0"/>
             <a:r>
-              <a:rPr lang="en-US" smtClean="0"/>
+              <a:rPr lang="en-US"/>
               <a:t>Click to edit Master text styles</a:t>
             </a:r>
           </a:p>
@@ -2065,38 +2066,37 @@
           <a:p>
             <a:pPr lvl="0"/>
             <a:r>
-              <a:rPr lang="en-US" smtClean="0"/>
+              <a:rPr lang="en-US"/>
               <a:t>Click to edit Master text styles</a:t>
             </a:r>
           </a:p>
           <a:p>
             <a:pPr lvl="1"/>
             <a:r>
-              <a:rPr lang="en-US" smtClean="0"/>
+              <a:rPr lang="en-US"/>
               <a:t>Second level</a:t>
             </a:r>
           </a:p>
           <a:p>
             <a:pPr lvl="2"/>
             <a:r>
-              <a:rPr lang="en-US" smtClean="0"/>
+              <a:rPr lang="en-US"/>
               <a:t>Third level</a:t>
             </a:r>
           </a:p>
           <a:p>
             <a:pPr lvl="3"/>
             <a:r>
-              <a:rPr lang="en-US" smtClean="0"/>
+              <a:rPr lang="en-US"/>
               <a:t>Fourth level</a:t>
             </a:r>
           </a:p>
           <a:p>
             <a:pPr lvl="4"/>
             <a:r>
-              <a:rPr lang="en-US" smtClean="0"/>
+              <a:rPr lang="en-US"/>
               <a:t>Fifth level</a:t>
             </a:r>
-            <a:endParaRPr lang="en-US"/>
           </a:p>
         </p:txBody>
       </p:sp>
@@ -2117,7 +2117,7 @@
           <a:p>
             <a:fld id="{78C97017-6FC3-485B-9764-EAC9E56C1D49}" type="datetimeFigureOut">
               <a:rPr lang="en-US" smtClean="0"/>
-              <a:t>10/16/2016</a:t>
+              <a:t>4/10/2017</a:t>
             </a:fld>
             <a:endParaRPr lang="en-US"/>
           </a:p>
@@ -2211,10 +2211,9 @@
           <a:lstStyle/>
           <a:p>
             <a:r>
-              <a:rPr lang="en-US" smtClean="0"/>
+              <a:rPr lang="en-US"/>
               <a:t>Click to edit Master title style</a:t>
             </a:r>
-            <a:endParaRPr lang="en-US"/>
           </a:p>
         </p:txBody>
       </p:sp>
@@ -2235,7 +2234,7 @@
           <a:p>
             <a:fld id="{78C97017-6FC3-485B-9764-EAC9E56C1D49}" type="datetimeFigureOut">
               <a:rPr lang="en-US" smtClean="0"/>
-              <a:t>10/16/2016</a:t>
+              <a:t>4/10/2017</a:t>
             </a:fld>
             <a:endParaRPr lang="en-US"/>
           </a:p>
@@ -2330,7 +2329,7 @@
           <a:p>
             <a:fld id="{78C97017-6FC3-485B-9764-EAC9E56C1D49}" type="datetimeFigureOut">
               <a:rPr lang="en-US" smtClean="0"/>
-              <a:t>10/16/2016</a:t>
+              <a:t>4/10/2017</a:t>
             </a:fld>
             <a:endParaRPr lang="en-US"/>
           </a:p>
@@ -2433,10 +2432,9 @@
           </a:lstStyle>
           <a:p>
             <a:r>
-              <a:rPr lang="en-US" smtClean="0"/>
+              <a:rPr lang="en-US"/>
               <a:t>Click to edit Master title style</a:t>
             </a:r>
-            <a:endParaRPr lang="en-US"/>
           </a:p>
         </p:txBody>
       </p:sp>
@@ -2490,38 +2488,37 @@
           <a:p>
             <a:pPr lvl="0"/>
             <a:r>
-              <a:rPr lang="en-US" smtClean="0"/>
+              <a:rPr lang="en-US"/>
               <a:t>Click to edit Master text styles</a:t>
             </a:r>
           </a:p>
           <a:p>
             <a:pPr lvl="1"/>
             <a:r>
-              <a:rPr lang="en-US" smtClean="0"/>
+              <a:rPr lang="en-US"/>
               <a:t>Second level</a:t>
             </a:r>
           </a:p>
           <a:p>
             <a:pPr lvl="2"/>
             <a:r>
-              <a:rPr lang="en-US" smtClean="0"/>
+              <a:rPr lang="en-US"/>
               <a:t>Third level</a:t>
             </a:r>
           </a:p>
           <a:p>
             <a:pPr lvl="3"/>
             <a:r>
-              <a:rPr lang="en-US" smtClean="0"/>
+              <a:rPr lang="en-US"/>
               <a:t>Fourth level</a:t>
             </a:r>
           </a:p>
           <a:p>
             <a:pPr lvl="4"/>
             <a:r>
-              <a:rPr lang="en-US" smtClean="0"/>
+              <a:rPr lang="en-US"/>
               <a:t>Fifth level</a:t>
             </a:r>
-            <a:endParaRPr lang="en-US"/>
           </a:p>
         </p:txBody>
       </p:sp>
@@ -2584,7 +2581,7 @@
           <a:p>
             <a:pPr lvl="0"/>
             <a:r>
-              <a:rPr lang="en-US" smtClean="0"/>
+              <a:rPr lang="en-US"/>
               <a:t>Click to edit Master text styles</a:t>
             </a:r>
           </a:p>
@@ -2607,7 +2604,7 @@
           <a:p>
             <a:fld id="{78C97017-6FC3-485B-9764-EAC9E56C1D49}" type="datetimeFigureOut">
               <a:rPr lang="en-US" smtClean="0"/>
-              <a:t>10/16/2016</a:t>
+              <a:t>4/10/2017</a:t>
             </a:fld>
             <a:endParaRPr lang="en-US"/>
           </a:p>
@@ -2710,10 +2707,9 @@
           </a:lstStyle>
           <a:p>
             <a:r>
-              <a:rPr lang="en-US" smtClean="0"/>
+              <a:rPr lang="en-US"/>
               <a:t>Click to edit Master title style</a:t>
             </a:r>
-            <a:endParaRPr lang="en-US"/>
           </a:p>
         </p:txBody>
       </p:sp>
@@ -2837,7 +2833,7 @@
           <a:p>
             <a:pPr lvl="0"/>
             <a:r>
-              <a:rPr lang="en-US" smtClean="0"/>
+              <a:rPr lang="en-US"/>
               <a:t>Click to edit Master text styles</a:t>
             </a:r>
           </a:p>
@@ -2860,7 +2856,7 @@
           <a:p>
             <a:fld id="{78C97017-6FC3-485B-9764-EAC9E56C1D49}" type="datetimeFigureOut">
               <a:rPr lang="en-US" smtClean="0"/>
-              <a:t>10/16/2016</a:t>
+              <a:t>4/10/2017</a:t>
             </a:fld>
             <a:endParaRPr lang="en-US"/>
           </a:p>
@@ -2969,10 +2965,9 @@
           <a:lstStyle/>
           <a:p>
             <a:r>
-              <a:rPr lang="en-US" smtClean="0"/>
+              <a:rPr lang="en-US"/>
               <a:t>Click to edit Master title style</a:t>
             </a:r>
-            <a:endParaRPr lang="en-US"/>
           </a:p>
         </p:txBody>
       </p:sp>
@@ -3003,38 +2998,37 @@
           <a:p>
             <a:pPr lvl="0"/>
             <a:r>
-              <a:rPr lang="en-US" smtClean="0"/>
+              <a:rPr lang="en-US"/>
               <a:t>Click to edit Master text styles</a:t>
             </a:r>
           </a:p>
           <a:p>
             <a:pPr lvl="1"/>
             <a:r>
-              <a:rPr lang="en-US" smtClean="0"/>
+              <a:rPr lang="en-US"/>
               <a:t>Second level</a:t>
             </a:r>
           </a:p>
           <a:p>
             <a:pPr lvl="2"/>
             <a:r>
-              <a:rPr lang="en-US" smtClean="0"/>
+              <a:rPr lang="en-US"/>
               <a:t>Third level</a:t>
             </a:r>
           </a:p>
           <a:p>
             <a:pPr lvl="3"/>
             <a:r>
-              <a:rPr lang="en-US" smtClean="0"/>
+              <a:rPr lang="en-US"/>
               <a:t>Fourth level</a:t>
             </a:r>
           </a:p>
           <a:p>
             <a:pPr lvl="4"/>
             <a:r>
-              <a:rPr lang="en-US" smtClean="0"/>
+              <a:rPr lang="en-US"/>
               <a:t>Fifth level</a:t>
             </a:r>
-            <a:endParaRPr lang="en-US"/>
           </a:p>
         </p:txBody>
       </p:sp>
@@ -3073,7 +3067,7 @@
           <a:p>
             <a:fld id="{78C97017-6FC3-485B-9764-EAC9E56C1D49}" type="datetimeFigureOut">
               <a:rPr lang="en-US" smtClean="0"/>
-              <a:t>10/16/2016</a:t>
+              <a:t>4/10/2017</a:t>
             </a:fld>
             <a:endParaRPr lang="en-US"/>
           </a:p>
@@ -3494,7 +3488,7 @@
           <a:lstStyle/>
           <a:p>
             <a:r>
-              <a:rPr lang="en-US" sz="1200" b="1" dirty="0" smtClean="0">
+              <a:rPr lang="en-US" sz="1200" b="1" dirty="0">
                 <a:solidFill>
                   <a:schemeClr val="accent6">
                     <a:lumMod val="75000"/>
@@ -3556,12 +3550,12 @@
           </a:fontRef>
         </p:style>
         <p:txBody>
-          <a:bodyPr rtlCol="0" anchor="ctr"/>
+          <a:bodyPr lIns="72000" rIns="72000" rtlCol="0" anchor="ctr"/>
           <a:lstStyle/>
           <a:p>
             <a:pPr algn="ctr"/>
             <a:r>
-              <a:rPr lang="en-US" sz="1050" dirty="0" smtClean="0">
+              <a:rPr lang="en-US" sz="1050" dirty="0">
                 <a:solidFill>
                   <a:schemeClr val="bg1"/>
                 </a:solidFill>
@@ -3569,19 +3563,19 @@
               <a:t>&lt;&lt;interface&gt;&gt;</a:t>
             </a:r>
             <a:br>
-              <a:rPr lang="en-US" sz="1050" dirty="0" smtClean="0">
+              <a:rPr lang="en-US" sz="1050" dirty="0">
                 <a:solidFill>
                   <a:schemeClr val="bg1"/>
                 </a:solidFill>
               </a:rPr>
             </a:br>
             <a:r>
-              <a:rPr lang="en-US" sz="1050" dirty="0" err="1" smtClean="0">
+              <a:rPr lang="en-US" sz="1050" dirty="0" err="1">
                 <a:solidFill>
                   <a:schemeClr val="bg1"/>
                 </a:solidFill>
               </a:rPr>
-              <a:t>AddressBookStorage</a:t>
+              <a:t>TaskManagerStorage</a:t>
             </a:r>
             <a:endParaRPr lang="en-SG" sz="1050" dirty="0">
               <a:solidFill>
@@ -3639,7 +3633,7 @@
           <a:p>
             <a:pPr algn="ctr"/>
             <a:r>
-              <a:rPr lang="en-US" sz="1050" dirty="0" err="1" smtClean="0">
+              <a:rPr lang="en-US" sz="1050" dirty="0" err="1">
                 <a:solidFill>
                   <a:schemeClr val="bg1"/>
                 </a:solidFill>
@@ -3713,7 +3707,7 @@
           <a:p>
             <a:pPr algn="ctr"/>
             <a:r>
-              <a:rPr lang="en-US" sz="1050" dirty="0" smtClean="0">
+              <a:rPr lang="en-US" sz="1050" dirty="0">
                 <a:solidFill>
                   <a:schemeClr val="bg1"/>
                 </a:solidFill>
@@ -4147,27 +4141,17 @@
           <a:p>
             <a:pPr algn="ctr"/>
             <a:r>
-              <a:rPr lang="en-US" sz="1050" b="1" dirty="0" err="1" smtClean="0">
+              <a:rPr lang="en-US" sz="1050" b="1" dirty="0" err="1">
                 <a:solidFill>
                   <a:schemeClr val="accent6">
                     <a:lumMod val="75000"/>
                   </a:schemeClr>
                 </a:solidFill>
               </a:rPr>
-              <a:t>XmlAddressBook</a:t>
-            </a:r>
-            <a:r>
-              <a:rPr lang="en-US" sz="1050" b="1" dirty="0" smtClean="0">
-                <a:solidFill>
-                  <a:schemeClr val="accent6">
-                    <a:lumMod val="75000"/>
-                  </a:schemeClr>
-                </a:solidFill>
-              </a:rPr>
-              <a:t/>
+              <a:t>XmlTaskManager</a:t>
             </a:r>
             <a:br>
-              <a:rPr lang="en-US" sz="1050" b="1" dirty="0" smtClean="0">
+              <a:rPr lang="en-US" sz="1050" b="1" dirty="0">
                 <a:solidFill>
                   <a:schemeClr val="accent6">
                     <a:lumMod val="75000"/>
@@ -4176,7 +4160,7 @@
               </a:rPr>
             </a:br>
             <a:r>
-              <a:rPr lang="en-US" sz="1050" b="1" dirty="0" smtClean="0">
+              <a:rPr lang="en-US" sz="1050" b="1" dirty="0">
                 <a:solidFill>
                   <a:schemeClr val="accent6">
                     <a:lumMod val="75000"/>
@@ -4243,7 +4227,7 @@
           <a:p>
             <a:pPr algn="ctr"/>
             <a:r>
-              <a:rPr lang="en-US" sz="1050" dirty="0" smtClean="0">
+              <a:rPr lang="en-US" sz="1050" dirty="0">
                 <a:solidFill>
                   <a:schemeClr val="bg1"/>
                 </a:solidFill>
@@ -4251,14 +4235,14 @@
               <a:t>&lt;&lt;interface&gt;&gt;</a:t>
             </a:r>
             <a:br>
-              <a:rPr lang="en-US" sz="1050" dirty="0" smtClean="0">
+              <a:rPr lang="en-US" sz="1050" dirty="0">
                 <a:solidFill>
                   <a:schemeClr val="bg1"/>
                 </a:solidFill>
               </a:rPr>
             </a:br>
             <a:r>
-              <a:rPr lang="en-US" sz="1050" dirty="0" err="1" smtClean="0">
+              <a:rPr lang="en-US" sz="1050" dirty="0" err="1">
                 <a:solidFill>
                   <a:schemeClr val="bg1"/>
                 </a:solidFill>
@@ -4516,30 +4500,22 @@
           <a:p>
             <a:pPr algn="ctr"/>
             <a:r>
-              <a:rPr lang="en-US" sz="1050" dirty="0" err="1" smtClean="0">
+              <a:rPr lang="en-US" sz="1050" dirty="0" err="1">
                 <a:solidFill>
                   <a:schemeClr val="bg1"/>
                 </a:solidFill>
               </a:rPr>
               <a:t>JsonUserPrefs</a:t>
             </a:r>
-            <a:r>
-              <a:rPr lang="en-US" sz="1050" dirty="0" smtClean="0">
-                <a:solidFill>
-                  <a:schemeClr val="bg1"/>
-                </a:solidFill>
-              </a:rPr>
-              <a:t/>
-            </a:r>
             <a:br>
-              <a:rPr lang="en-US" sz="1050" dirty="0" smtClean="0">
+              <a:rPr lang="en-US" sz="1050" dirty="0">
                 <a:solidFill>
                   <a:schemeClr val="bg1"/>
                 </a:solidFill>
               </a:rPr>
             </a:br>
             <a:r>
-              <a:rPr lang="en-US" sz="1050" dirty="0" smtClean="0">
+              <a:rPr lang="en-US" sz="1050" dirty="0">
                 <a:solidFill>
                   <a:schemeClr val="bg1"/>
                 </a:solidFill>
@@ -4591,7 +4567,7 @@
           <a:p>
             <a:pPr algn="ctr"/>
             <a:r>
-              <a:rPr lang="en-US" sz="1050" b="1" dirty="0" err="1" smtClean="0">
+              <a:rPr lang="en-US" sz="1050" b="1" dirty="0" err="1">
                 <a:solidFill>
                   <a:schemeClr val="accent6">
                     <a:lumMod val="75000"/>
@@ -4600,18 +4576,8 @@
               </a:rPr>
               <a:t>XmlSerializable</a:t>
             </a:r>
-            <a:r>
-              <a:rPr lang="en-US" sz="1050" b="1" dirty="0" smtClean="0">
-                <a:solidFill>
-                  <a:schemeClr val="accent6">
-                    <a:lumMod val="75000"/>
-                  </a:schemeClr>
-                </a:solidFill>
-              </a:rPr>
-              <a:t/>
-            </a:r>
             <a:br>
-              <a:rPr lang="en-US" sz="1050" b="1" dirty="0" smtClean="0">
+              <a:rPr lang="en-US" sz="1050" b="1" dirty="0">
                 <a:solidFill>
                   <a:schemeClr val="accent6">
                     <a:lumMod val="75000"/>
@@ -4620,14 +4586,14 @@
               </a:rPr>
             </a:br>
             <a:r>
-              <a:rPr lang="en-US" sz="1050" b="1" dirty="0" err="1" smtClean="0">
+              <a:rPr lang="en-US" sz="1050" b="1" dirty="0" err="1">
                 <a:solidFill>
                   <a:schemeClr val="accent6">
                     <a:lumMod val="75000"/>
                   </a:schemeClr>
                 </a:solidFill>
               </a:rPr>
-              <a:t>AddressBook</a:t>
+              <a:t>TaskManager</a:t>
             </a:r>
             <a:endParaRPr lang="en-SG" sz="1050" b="1" dirty="0">
               <a:solidFill>
@@ -4717,14 +4683,34 @@
           <a:p>
             <a:pPr algn="ctr"/>
             <a:r>
-              <a:rPr lang="en-US" sz="1050" b="1" dirty="0" err="1" smtClean="0">
+              <a:rPr lang="en-US" sz="1050" b="1" dirty="0" err="1">
                 <a:solidFill>
                   <a:schemeClr val="accent6">
                     <a:lumMod val="75000"/>
                   </a:schemeClr>
                 </a:solidFill>
               </a:rPr>
-              <a:t>XmlAdaptedTag</a:t>
+              <a:t>XmlAdapted</a:t>
+            </a:r>
+            <a:endParaRPr lang="en-US" sz="1050" b="1" dirty="0">
+              <a:solidFill>
+                <a:schemeClr val="accent6">
+                  <a:lumMod val="75000"/>
+                </a:schemeClr>
+              </a:solidFill>
+            </a:endParaRPr>
+          </a:p>
+          <a:p>
+            <a:pPr algn="ctr"/>
+            <a:r>
+              <a:rPr lang="en-US" sz="1050" b="1" dirty="0">
+                <a:solidFill>
+                  <a:schemeClr val="accent6">
+                    <a:lumMod val="75000"/>
+                  </a:schemeClr>
+                </a:solidFill>
+              </a:rPr>
+              <a:t>Category</a:t>
             </a:r>
             <a:endParaRPr lang="en-SG" sz="1050" b="1" dirty="0">
               <a:solidFill>
@@ -4773,14 +4759,14 @@
           <a:p>
             <a:pPr algn="ctr"/>
             <a:r>
-              <a:rPr lang="en-US" sz="1050" b="1" dirty="0" err="1" smtClean="0">
+              <a:rPr lang="en-US" sz="1050" b="1" dirty="0" err="1">
                 <a:solidFill>
                   <a:schemeClr val="accent6">
                     <a:lumMod val="75000"/>
                   </a:schemeClr>
                 </a:solidFill>
               </a:rPr>
-              <a:t>XmlAdaptedPerson</a:t>
+              <a:t>XmlAdaptedTask</a:t>
             </a:r>
             <a:endParaRPr lang="en-SG" sz="1050" b="1" dirty="0">
               <a:solidFill>
@@ -4843,13 +4829,6 @@
   <p:clrMapOvr>
     <a:masterClrMapping/>
   </p:clrMapOvr>
-  <p:timing>
-    <p:tnLst>
-      <p:par>
-        <p:cTn id="1" dur="indefinite" restart="never" nodeType="tmRoot"/>
-      </p:par>
-    </p:tnLst>
-  </p:timing>
 </p:sld>
 </file>
 

--- a/docs/diagrams/StorageComponentClassDiagram.pptx
+++ b/docs/diagrams/StorageComponentClassDiagram.pptx
@@ -208,7 +208,7 @@
           <a:p>
             <a:fld id="{F5CC4B3F-88C1-4FFA-B1B6-F41C21DC6924}" type="datetimeFigureOut">
               <a:rPr lang="en-US" smtClean="0"/>
-              <a:t>3/25/2017</a:t>
+              <a:t>4/10/17</a:t>
             </a:fld>
             <a:endParaRPr lang="en-US"/>
           </a:p>
@@ -654,7 +654,7 @@
           <a:p>
             <a:fld id="{78C97017-6FC3-485B-9764-EAC9E56C1D49}" type="datetimeFigureOut">
               <a:rPr lang="en-US" smtClean="0"/>
-              <a:t>3/25/2017</a:t>
+              <a:t>4/10/17</a:t>
             </a:fld>
             <a:endParaRPr lang="en-US"/>
           </a:p>
@@ -822,7 +822,7 @@
           <a:p>
             <a:fld id="{78C97017-6FC3-485B-9764-EAC9E56C1D49}" type="datetimeFigureOut">
               <a:rPr lang="en-US" smtClean="0"/>
-              <a:t>3/25/2017</a:t>
+              <a:t>4/10/17</a:t>
             </a:fld>
             <a:endParaRPr lang="en-US"/>
           </a:p>
@@ -1000,7 +1000,7 @@
           <a:p>
             <a:fld id="{78C97017-6FC3-485B-9764-EAC9E56C1D49}" type="datetimeFigureOut">
               <a:rPr lang="en-US" smtClean="0"/>
-              <a:t>3/25/2017</a:t>
+              <a:t>4/10/17</a:t>
             </a:fld>
             <a:endParaRPr lang="en-US"/>
           </a:p>
@@ -1168,7 +1168,7 @@
           <a:p>
             <a:fld id="{78C97017-6FC3-485B-9764-EAC9E56C1D49}" type="datetimeFigureOut">
               <a:rPr lang="en-US" smtClean="0"/>
-              <a:t>3/25/2017</a:t>
+              <a:t>4/10/17</a:t>
             </a:fld>
             <a:endParaRPr lang="en-US"/>
           </a:p>
@@ -1413,7 +1413,7 @@
           <a:p>
             <a:fld id="{78C97017-6FC3-485B-9764-EAC9E56C1D49}" type="datetimeFigureOut">
               <a:rPr lang="en-US" smtClean="0"/>
-              <a:t>3/25/2017</a:t>
+              <a:t>4/10/17</a:t>
             </a:fld>
             <a:endParaRPr lang="en-US"/>
           </a:p>
@@ -1698,7 +1698,7 @@
           <a:p>
             <a:fld id="{78C97017-6FC3-485B-9764-EAC9E56C1D49}" type="datetimeFigureOut">
               <a:rPr lang="en-US" smtClean="0"/>
-              <a:t>3/25/2017</a:t>
+              <a:t>4/10/17</a:t>
             </a:fld>
             <a:endParaRPr lang="en-US"/>
           </a:p>
@@ -2117,7 +2117,7 @@
           <a:p>
             <a:fld id="{78C97017-6FC3-485B-9764-EAC9E56C1D49}" type="datetimeFigureOut">
               <a:rPr lang="en-US" smtClean="0"/>
-              <a:t>3/25/2017</a:t>
+              <a:t>4/10/17</a:t>
             </a:fld>
             <a:endParaRPr lang="en-US"/>
           </a:p>
@@ -2234,7 +2234,7 @@
           <a:p>
             <a:fld id="{78C97017-6FC3-485B-9764-EAC9E56C1D49}" type="datetimeFigureOut">
               <a:rPr lang="en-US" smtClean="0"/>
-              <a:t>3/25/2017</a:t>
+              <a:t>4/10/17</a:t>
             </a:fld>
             <a:endParaRPr lang="en-US"/>
           </a:p>
@@ -2329,7 +2329,7 @@
           <a:p>
             <a:fld id="{78C97017-6FC3-485B-9764-EAC9E56C1D49}" type="datetimeFigureOut">
               <a:rPr lang="en-US" smtClean="0"/>
-              <a:t>3/25/2017</a:t>
+              <a:t>4/10/17</a:t>
             </a:fld>
             <a:endParaRPr lang="en-US"/>
           </a:p>
@@ -2604,7 +2604,7 @@
           <a:p>
             <a:fld id="{78C97017-6FC3-485B-9764-EAC9E56C1D49}" type="datetimeFigureOut">
               <a:rPr lang="en-US" smtClean="0"/>
-              <a:t>3/25/2017</a:t>
+              <a:t>4/10/17</a:t>
             </a:fld>
             <a:endParaRPr lang="en-US"/>
           </a:p>
@@ -2856,7 +2856,7 @@
           <a:p>
             <a:fld id="{78C97017-6FC3-485B-9764-EAC9E56C1D49}" type="datetimeFigureOut">
               <a:rPr lang="en-US" smtClean="0"/>
-              <a:t>3/25/2017</a:t>
+              <a:t>4/10/17</a:t>
             </a:fld>
             <a:endParaRPr lang="en-US"/>
           </a:p>
@@ -3067,7 +3067,7 @@
           <a:p>
             <a:fld id="{78C97017-6FC3-485B-9764-EAC9E56C1D49}" type="datetimeFigureOut">
               <a:rPr lang="en-US" smtClean="0"/>
-              <a:t>3/25/2017</a:t>
+              <a:t>4/10/17</a:t>
             </a:fld>
             <a:endParaRPr lang="en-US"/>
           </a:p>
@@ -3450,8 +3450,8 @@
         </p:nvSpPr>
         <p:spPr>
           <a:xfrm>
-            <a:off x="1119865" y="2086382"/>
-            <a:ext cx="7871735" cy="1723618"/>
+            <a:off x="1119865" y="1676400"/>
+            <a:ext cx="7871735" cy="2133600"/>
           </a:xfrm>
           <a:prstGeom prst="roundRect">
             <a:avLst>
@@ -3595,8 +3595,8 @@
         </p:nvSpPr>
         <p:spPr>
           <a:xfrm rot="16200000">
-            <a:off x="1683963" y="2868687"/>
-            <a:ext cx="1093635" cy="346760"/>
+            <a:off x="1465038" y="2649762"/>
+            <a:ext cx="1531486" cy="346760"/>
           </a:xfrm>
           <a:prstGeom prst="rect">
             <a:avLst/>
@@ -3658,8 +3658,8 @@
         </p:nvSpPr>
         <p:spPr>
           <a:xfrm rot="16200000">
-            <a:off x="956202" y="2861202"/>
-            <a:ext cx="1093635" cy="346760"/>
+            <a:off x="741020" y="2646020"/>
+            <a:ext cx="1524000" cy="346760"/>
           </a:xfrm>
           <a:prstGeom prst="rect">
             <a:avLst/>
@@ -4153,6 +4153,16 @@
               </a:rPr>
               <a:t>XmlGeeKeep</a:t>
             </a:r>
+            <a:r>
+              <a:rPr lang="en-US" sz="1050" b="1" dirty="0">
+                <a:solidFill>
+                  <a:schemeClr val="accent6">
+                    <a:lumMod val="75000"/>
+                  </a:schemeClr>
+                </a:solidFill>
+              </a:rPr>
+              <a:t/>
+            </a:r>
             <a:br>
               <a:rPr lang="en-US" sz="1050" b="1" dirty="0">
                 <a:solidFill>
@@ -4510,6 +4520,14 @@
               </a:rPr>
               <a:t>JsonUserPrefs</a:t>
             </a:r>
+            <a:r>
+              <a:rPr lang="en-US" sz="1050" dirty="0">
+                <a:solidFill>
+                  <a:schemeClr val="bg1"/>
+                </a:solidFill>
+              </a:rPr>
+              <a:t/>
+            </a:r>
             <a:br>
               <a:rPr lang="en-US" sz="1050" dirty="0">
                 <a:solidFill>
@@ -4578,6 +4596,16 @@
                 </a:solidFill>
               </a:rPr>
               <a:t>XmlSerializable</a:t>
+            </a:r>
+            <a:r>
+              <a:rPr lang="en-US" sz="1050" b="1" dirty="0">
+                <a:solidFill>
+                  <a:schemeClr val="accent6">
+                    <a:lumMod val="75000"/>
+                  </a:schemeClr>
+                </a:solidFill>
+              </a:rPr>
+              <a:t/>
             </a:r>
             <a:br>
               <a:rPr lang="en-US" sz="1050" b="1" dirty="0">
@@ -4802,6 +4830,359 @@
           </a:fontRef>
         </p:style>
       </p:cxnSp>
+      <p:sp>
+        <p:nvSpPr>
+          <p:cNvPr id="26" name="Flowchart: Decision 96"/>
+          <p:cNvSpPr/>
+          <p:nvPr/>
+        </p:nvSpPr>
+        <p:spPr>
+          <a:xfrm>
+            <a:off x="2412642" y="2165771"/>
+            <a:ext cx="236048" cy="173380"/>
+          </a:xfrm>
+          <a:prstGeom prst="flowChartDecision">
+            <a:avLst/>
+          </a:prstGeom>
+          <a:noFill/>
+          <a:ln w="19050">
+            <a:solidFill>
+              <a:schemeClr val="accent6">
+                <a:lumMod val="75000"/>
+              </a:schemeClr>
+            </a:solidFill>
+          </a:ln>
+          <a:effectLst/>
+        </p:spPr>
+        <p:style>
+          <a:lnRef idx="1">
+            <a:schemeClr val="accent2"/>
+          </a:lnRef>
+          <a:fillRef idx="2">
+            <a:schemeClr val="accent2"/>
+          </a:fillRef>
+          <a:effectRef idx="1">
+            <a:schemeClr val="accent2"/>
+          </a:effectRef>
+          <a:fontRef idx="minor">
+            <a:schemeClr val="dk1"/>
+          </a:fontRef>
+        </p:style>
+        <p:txBody>
+          <a:bodyPr rtlCol="0" anchor="ctr"/>
+          <a:lstStyle/>
+          <a:p>
+            <a:pPr algn="ctr"/>
+            <a:endParaRPr lang="en-US" sz="1050">
+              <a:solidFill>
+                <a:schemeClr val="bg1"/>
+              </a:solidFill>
+            </a:endParaRPr>
+          </a:p>
+        </p:txBody>
+      </p:sp>
+      <p:cxnSp>
+        <p:nvCxnSpPr>
+          <p:cNvPr id="27" name="Straight Arrow Connector 26"/>
+          <p:cNvCxnSpPr/>
+          <p:nvPr/>
+        </p:nvCxnSpPr>
+        <p:spPr>
+          <a:xfrm>
+            <a:off x="2648690" y="2259923"/>
+            <a:ext cx="220810" cy="5284"/>
+          </a:xfrm>
+          <a:prstGeom prst="straightConnector1">
+            <a:avLst/>
+          </a:prstGeom>
+          <a:ln w="19050">
+            <a:solidFill>
+              <a:schemeClr val="accent6">
+                <a:lumMod val="75000"/>
+              </a:schemeClr>
+            </a:solidFill>
+            <a:headEnd type="none" w="med" len="med"/>
+            <a:tailEnd type="arrow" w="med" len="med"/>
+          </a:ln>
+          <a:effectLst/>
+        </p:spPr>
+        <p:style>
+          <a:lnRef idx="1">
+            <a:schemeClr val="accent2"/>
+          </a:lnRef>
+          <a:fillRef idx="2">
+            <a:schemeClr val="accent2"/>
+          </a:fillRef>
+          <a:effectRef idx="1">
+            <a:schemeClr val="accent2"/>
+          </a:effectRef>
+          <a:fontRef idx="minor">
+            <a:schemeClr val="dk1"/>
+          </a:fontRef>
+        </p:style>
+      </p:cxnSp>
+      <p:sp>
+        <p:nvSpPr>
+          <p:cNvPr id="28" name="Rectangle 8"/>
+          <p:cNvSpPr/>
+          <p:nvPr/>
+        </p:nvSpPr>
+        <p:spPr>
+          <a:xfrm>
+            <a:off x="2874717" y="2044330"/>
+            <a:ext cx="1323049" cy="346760"/>
+          </a:xfrm>
+          <a:prstGeom prst="rect">
+            <a:avLst/>
+          </a:prstGeom>
+          <a:solidFill>
+            <a:schemeClr val="accent6">
+              <a:lumMod val="75000"/>
+            </a:schemeClr>
+          </a:solidFill>
+          <a:ln w="19050">
+            <a:solidFill>
+              <a:schemeClr val="accent6">
+                <a:lumMod val="75000"/>
+              </a:schemeClr>
+            </a:solidFill>
+          </a:ln>
+          <a:effectLst/>
+        </p:spPr>
+        <p:style>
+          <a:lnRef idx="1">
+            <a:schemeClr val="accent2"/>
+          </a:lnRef>
+          <a:fillRef idx="2">
+            <a:schemeClr val="accent2"/>
+          </a:fillRef>
+          <a:effectRef idx="1">
+            <a:schemeClr val="accent2"/>
+          </a:effectRef>
+          <a:fontRef idx="minor">
+            <a:schemeClr val="dk1"/>
+          </a:fontRef>
+        </p:style>
+        <p:txBody>
+          <a:bodyPr rtlCol="0" anchor="ctr"/>
+          <a:lstStyle/>
+          <a:p>
+            <a:pPr algn="ctr"/>
+            <a:r>
+              <a:rPr lang="en-US" sz="1050" dirty="0">
+                <a:solidFill>
+                  <a:schemeClr val="bg1"/>
+                </a:solidFill>
+              </a:rPr>
+              <a:t>&lt;&lt;interface&gt;&gt;</a:t>
+            </a:r>
+            <a:br>
+              <a:rPr lang="en-US" sz="1050" dirty="0">
+                <a:solidFill>
+                  <a:schemeClr val="bg1"/>
+                </a:solidFill>
+              </a:rPr>
+            </a:br>
+            <a:r>
+              <a:rPr lang="en-US" sz="1050" smtClean="0">
+                <a:solidFill>
+                  <a:schemeClr val="bg1"/>
+                </a:solidFill>
+              </a:rPr>
+              <a:t>ConfigStorage</a:t>
+            </a:r>
+            <a:endParaRPr lang="en-SG" sz="1050" dirty="0">
+              <a:solidFill>
+                <a:schemeClr val="bg1"/>
+              </a:solidFill>
+            </a:endParaRPr>
+          </a:p>
+        </p:txBody>
+      </p:sp>
+      <p:sp>
+        <p:nvSpPr>
+          <p:cNvPr id="29" name="Isosceles Triangle 102"/>
+          <p:cNvSpPr/>
+          <p:nvPr/>
+        </p:nvSpPr>
+        <p:spPr>
+          <a:xfrm rot="5400000" flipV="1">
+            <a:off x="4155493" y="2165282"/>
+            <a:ext cx="270504" cy="175523"/>
+          </a:xfrm>
+          <a:prstGeom prst="triangle">
+            <a:avLst/>
+          </a:prstGeom>
+          <a:solidFill>
+            <a:schemeClr val="accent6">
+              <a:lumMod val="75000"/>
+            </a:schemeClr>
+          </a:solidFill>
+          <a:ln w="19050">
+            <a:solidFill>
+              <a:schemeClr val="accent6">
+                <a:lumMod val="75000"/>
+              </a:schemeClr>
+            </a:solidFill>
+          </a:ln>
+          <a:effectLst/>
+        </p:spPr>
+        <p:style>
+          <a:lnRef idx="1">
+            <a:schemeClr val="accent2"/>
+          </a:lnRef>
+          <a:fillRef idx="2">
+            <a:schemeClr val="accent2"/>
+          </a:fillRef>
+          <a:effectRef idx="1">
+            <a:schemeClr val="accent2"/>
+          </a:effectRef>
+          <a:fontRef idx="minor">
+            <a:schemeClr val="dk1"/>
+          </a:fontRef>
+        </p:style>
+        <p:txBody>
+          <a:bodyPr rtlCol="0" anchor="ctr"/>
+          <a:lstStyle/>
+          <a:p>
+            <a:pPr algn="ctr"/>
+            <a:endParaRPr lang="en-SG" sz="1050">
+              <a:solidFill>
+                <a:schemeClr val="bg1"/>
+              </a:solidFill>
+            </a:endParaRPr>
+          </a:p>
+        </p:txBody>
+      </p:sp>
+      <p:cxnSp>
+        <p:nvCxnSpPr>
+          <p:cNvPr id="32" name="Elbow Connector 63"/>
+          <p:cNvCxnSpPr/>
+          <p:nvPr/>
+        </p:nvCxnSpPr>
+        <p:spPr>
+          <a:xfrm>
+            <a:off x="4384739" y="2264609"/>
+            <a:ext cx="233389" cy="1664"/>
+          </a:xfrm>
+          <a:prstGeom prst="bentConnector3">
+            <a:avLst>
+              <a:gd name="adj1" fmla="val 50000"/>
+            </a:avLst>
+          </a:prstGeom>
+          <a:ln w="19050">
+            <a:solidFill>
+              <a:schemeClr val="accent6">
+                <a:lumMod val="75000"/>
+              </a:schemeClr>
+            </a:solidFill>
+            <a:prstDash val="sysDot"/>
+            <a:headEnd type="none" w="med" len="med"/>
+            <a:tailEnd type="none" w="med" len="med"/>
+          </a:ln>
+          <a:effectLst/>
+        </p:spPr>
+        <p:style>
+          <a:lnRef idx="1">
+            <a:schemeClr val="accent2"/>
+          </a:lnRef>
+          <a:fillRef idx="2">
+            <a:schemeClr val="accent2"/>
+          </a:fillRef>
+          <a:effectRef idx="1">
+            <a:schemeClr val="accent2"/>
+          </a:effectRef>
+          <a:fontRef idx="minor">
+            <a:schemeClr val="dk1"/>
+          </a:fontRef>
+        </p:style>
+      </p:cxnSp>
+      <p:sp>
+        <p:nvSpPr>
+          <p:cNvPr id="39" name="Rectangle 8"/>
+          <p:cNvSpPr/>
+          <p:nvPr/>
+        </p:nvSpPr>
+        <p:spPr>
+          <a:xfrm>
+            <a:off x="4604245" y="2044330"/>
+            <a:ext cx="1093635" cy="346760"/>
+          </a:xfrm>
+          <a:prstGeom prst="rect">
+            <a:avLst/>
+          </a:prstGeom>
+          <a:solidFill>
+            <a:schemeClr val="accent6">
+              <a:lumMod val="75000"/>
+            </a:schemeClr>
+          </a:solidFill>
+          <a:ln w="19050">
+            <a:solidFill>
+              <a:schemeClr val="accent6">
+                <a:lumMod val="75000"/>
+              </a:schemeClr>
+            </a:solidFill>
+          </a:ln>
+          <a:effectLst/>
+        </p:spPr>
+        <p:style>
+          <a:lnRef idx="1">
+            <a:schemeClr val="accent2"/>
+          </a:lnRef>
+          <a:fillRef idx="2">
+            <a:schemeClr val="accent2"/>
+          </a:fillRef>
+          <a:effectRef idx="1">
+            <a:schemeClr val="accent2"/>
+          </a:effectRef>
+          <a:fontRef idx="minor">
+            <a:schemeClr val="dk1"/>
+          </a:fontRef>
+        </p:style>
+        <p:txBody>
+          <a:bodyPr rtlCol="0" anchor="ctr"/>
+          <a:lstStyle/>
+          <a:p>
+            <a:pPr algn="ctr"/>
+            <a:r>
+              <a:rPr lang="en-US" sz="1050" dirty="0" err="1" smtClean="0">
+                <a:solidFill>
+                  <a:schemeClr val="bg1"/>
+                </a:solidFill>
+              </a:rPr>
+              <a:t>JsonConfig</a:t>
+            </a:r>
+            <a:r>
+              <a:rPr lang="en-US" sz="1050" dirty="0">
+                <a:solidFill>
+                  <a:schemeClr val="bg1"/>
+                </a:solidFill>
+              </a:rPr>
+              <a:t/>
+            </a:r>
+            <a:br>
+              <a:rPr lang="en-US" sz="1050" dirty="0">
+                <a:solidFill>
+                  <a:schemeClr val="bg1"/>
+                </a:solidFill>
+              </a:rPr>
+            </a:br>
+            <a:r>
+              <a:rPr lang="en-US" sz="1050" dirty="0">
+                <a:solidFill>
+                  <a:schemeClr val="bg1"/>
+                </a:solidFill>
+              </a:rPr>
+              <a:t>Storage</a:t>
+            </a:r>
+            <a:endParaRPr lang="en-SG" sz="1050" dirty="0">
+              <a:solidFill>
+                <a:schemeClr val="bg1"/>
+              </a:solidFill>
+            </a:endParaRPr>
+          </a:p>
+        </p:txBody>
+      </p:sp>
     </p:spTree>
     <p:extLst>
       <p:ext uri="{BB962C8B-B14F-4D97-AF65-F5344CB8AC3E}">
